--- a/Euripedes Simões de Paula/Java/Programação Orientada a Objetos 2/Programação Orientada a Objetos 2.pptx
+++ b/Euripedes Simões de Paula/Java/Programação Orientada a Objetos 2/Programação Orientada a Objetos 2.pptx
@@ -20,7 +20,21 @@
     <p:sldId id="268" r:id="rId14"/>
     <p:sldId id="270" r:id="rId15"/>
     <p:sldId id="271" r:id="rId16"/>
-    <p:sldId id="259" r:id="rId17"/>
+    <p:sldId id="272" r:id="rId17"/>
+    <p:sldId id="273" r:id="rId18"/>
+    <p:sldId id="274" r:id="rId19"/>
+    <p:sldId id="275" r:id="rId20"/>
+    <p:sldId id="276" r:id="rId21"/>
+    <p:sldId id="277" r:id="rId22"/>
+    <p:sldId id="278" r:id="rId23"/>
+    <p:sldId id="279" r:id="rId24"/>
+    <p:sldId id="281" r:id="rId25"/>
+    <p:sldId id="282" r:id="rId26"/>
+    <p:sldId id="283" r:id="rId27"/>
+    <p:sldId id="284" r:id="rId28"/>
+    <p:sldId id="285" r:id="rId29"/>
+    <p:sldId id="280" r:id="rId30"/>
+    <p:sldId id="259" r:id="rId31"/>
   </p:sldIdLst>
   <p:sldSz cx="12192000" cy="6858000"/>
   <p:notesSz cx="6858000" cy="9144000"/>
@@ -6151,12 +6165,8 @@
           <a:p>
             <a:pPr algn="ctr"/>
             <a:r>
-              <a:rPr lang="pt-BR" b="1" dirty="0" err="1"/>
-              <a:t>Raca</a:t>
-            </a:r>
-            <a:r>
               <a:rPr lang="pt-BR" b="1" dirty="0"/>
-              <a:t> </a:t>
+              <a:t>Raça </a:t>
             </a:r>
             <a:r>
               <a:rPr lang="pt-BR" b="1" dirty="0">
@@ -6240,38 +6250,10 @@
       </p:grpSpPr>
       <p:sp>
         <p:nvSpPr>
-          <p:cNvPr id="2" name="Título 1">
+          <p:cNvPr id="3" name="Espaço Reservado para Conteúdo 2">
             <a:extLst>
               <a:ext uri="{FF2B5EF4-FFF2-40B4-BE49-F238E27FC236}">
-                <a16:creationId xmlns:a16="http://schemas.microsoft.com/office/drawing/2014/main" id="{AC177F44-D2EF-9C62-FCE4-DBBAFBC43A44}"/>
-              </a:ext>
-            </a:extLst>
-          </p:cNvPr>
-          <p:cNvSpPr>
-            <a:spLocks noGrp="1"/>
-          </p:cNvSpPr>
-          <p:nvPr>
-            <p:ph type="title"/>
-          </p:nvPr>
-        </p:nvSpPr>
-        <p:spPr/>
-        <p:txBody>
-          <a:bodyPr/>
-          <a:lstStyle/>
-          <a:p>
-            <a:r>
-              <a:rPr lang="pt-BR" dirty="0"/>
-              <a:t>REFERÊNCIAS </a:t>
-            </a:r>
-          </a:p>
-        </p:txBody>
-      </p:sp>
-      <p:sp>
-        <p:nvSpPr>
-          <p:cNvPr id="3" name="Espaço Reservado para Conteúdo 2">
-            <a:extLst>
-              <a:ext uri="{FF2B5EF4-FFF2-40B4-BE49-F238E27FC236}">
-                <a16:creationId xmlns:a16="http://schemas.microsoft.com/office/drawing/2014/main" id="{D424A8A3-35FB-4ADE-1E4D-02355E4310E3}"/>
+                <a16:creationId xmlns:a16="http://schemas.microsoft.com/office/drawing/2014/main" id="{214589AA-2599-0375-F695-4E917B748CFD}"/>
               </a:ext>
             </a:extLst>
           </p:cNvPr>
@@ -6284,42 +6266,747 @@
         </p:nvSpPr>
         <p:spPr/>
         <p:txBody>
+          <a:bodyPr>
+            <a:normAutofit/>
+          </a:bodyPr>
+          <a:lstStyle/>
+          <a:p>
+            <a:r>
+              <a:rPr lang="pt-BR" dirty="0"/>
+              <a:t>A </a:t>
+            </a:r>
+            <a:r>
+              <a:rPr lang="pt-BR" b="1" dirty="0"/>
+              <a:t>Herança</a:t>
+            </a:r>
+            <a:r>
+              <a:rPr lang="pt-BR" dirty="0"/>
+              <a:t> é um mecanismo que permite que características comuns a diversas classes sejam fatoradas de uma classe base, ou </a:t>
+            </a:r>
+            <a:r>
+              <a:rPr lang="pt-BR" dirty="0" err="1"/>
+              <a:t>SuperClasse</a:t>
+            </a:r>
+            <a:r>
+              <a:rPr lang="pt-BR" dirty="0"/>
+              <a:t>; permite que uma Classe herde todos os Atributos e Métodos de outras Classes.</a:t>
+            </a:r>
+          </a:p>
+        </p:txBody>
+      </p:sp>
+      <p:sp>
+        <p:nvSpPr>
+          <p:cNvPr id="4" name="Título 1">
+            <a:extLst>
+              <a:ext uri="{FF2B5EF4-FFF2-40B4-BE49-F238E27FC236}">
+                <a16:creationId xmlns:a16="http://schemas.microsoft.com/office/drawing/2014/main" id="{DAC41EFE-8AFB-BCBE-AA8A-AE54FE39FE31}"/>
+              </a:ext>
+            </a:extLst>
+          </p:cNvPr>
+          <p:cNvSpPr>
+            <a:spLocks noGrp="1"/>
+          </p:cNvSpPr>
+          <p:nvPr>
+            <p:ph type="title"/>
+          </p:nvPr>
+        </p:nvSpPr>
+        <p:spPr>
+          <a:xfrm>
+            <a:off x="1097280" y="286603"/>
+            <a:ext cx="10058400" cy="1450757"/>
+          </a:xfrm>
+        </p:spPr>
+        <p:txBody>
           <a:bodyPr/>
           <a:lstStyle/>
           <a:p>
             <a:r>
-              <a:rPr lang="pt-BR" b="1" dirty="0"/>
-              <a:t>Relacionamento entre Classes:</a:t>
-            </a:r>
-          </a:p>
-          <a:p>
-            <a:r>
-              <a:rPr lang="pt-BR" dirty="0"/>
-              <a:t>https://www.professorvida.com.br/if62c/material/relacionamentos.pdf</a:t>
-            </a:r>
-          </a:p>
-          <a:p>
-            <a:r>
-              <a:rPr lang="pt-BR" dirty="0"/>
-              <a:t>https://www.professorvida.com.br/if62c/material/relacionamentos.pdf</a:t>
-            </a:r>
-          </a:p>
-          <a:p>
-            <a:r>
-              <a:rPr lang="pt-BR" dirty="0"/>
-              <a:t>http://www.univasf.edu.br/~ricardo.aramos/disciplinas/ES_II_2010_1/aulas/DiagrClasses.pdf</a:t>
-            </a:r>
-          </a:p>
-          <a:p>
-            <a:r>
-              <a:rPr lang="pt-BR" b="1" dirty="0"/>
-              <a:t>Programação Orientada a Objetos – pt2</a:t>
-            </a:r>
-          </a:p>
-          <a:p>
-            <a:r>
-              <a:rPr lang="pt-BR" dirty="0"/>
-              <a:t>https://github.com/Leon4rdoalves/CookBook-Java/blob/main/10.md</a:t>
+              <a:rPr lang="pt-BR" dirty="0"/>
+              <a:t>HERANÇA</a:t>
+            </a:r>
+            <a:endParaRPr lang="pt-BR" sz="2400" dirty="0"/>
+          </a:p>
+        </p:txBody>
+      </p:sp>
+      <p:sp>
+        <p:nvSpPr>
+          <p:cNvPr id="2" name="Retângulo 1">
+            <a:extLst>
+              <a:ext uri="{FF2B5EF4-FFF2-40B4-BE49-F238E27FC236}">
+                <a16:creationId xmlns:a16="http://schemas.microsoft.com/office/drawing/2014/main" id="{DDD3ABFD-6602-D531-1BFC-B9A96DA036F7}"/>
+              </a:ext>
+            </a:extLst>
+          </p:cNvPr>
+          <p:cNvSpPr/>
+          <p:nvPr/>
+        </p:nvSpPr>
+        <p:spPr>
+          <a:xfrm>
+            <a:off x="5410200" y="3200400"/>
+            <a:ext cx="1714500" cy="571500"/>
+          </a:xfrm>
+          <a:prstGeom prst="rect">
+            <a:avLst/>
+          </a:prstGeom>
+        </p:spPr>
+        <p:style>
+          <a:lnRef idx="2">
+            <a:schemeClr val="accent1">
+              <a:shade val="15000"/>
+            </a:schemeClr>
+          </a:lnRef>
+          <a:fillRef idx="1">
+            <a:schemeClr val="accent1"/>
+          </a:fillRef>
+          <a:effectRef idx="0">
+            <a:schemeClr val="accent1"/>
+          </a:effectRef>
+          <a:fontRef idx="minor">
+            <a:schemeClr val="lt1"/>
+          </a:fontRef>
+        </p:style>
+        <p:txBody>
+          <a:bodyPr rtlCol="0" anchor="ctr"/>
+          <a:lstStyle/>
+          <a:p>
+            <a:pPr algn="ctr"/>
+            <a:r>
+              <a:rPr lang="pt-BR" dirty="0"/>
+              <a:t>TRANSPORTE</a:t>
+            </a:r>
+          </a:p>
+        </p:txBody>
+      </p:sp>
+      <p:sp>
+        <p:nvSpPr>
+          <p:cNvPr id="5" name="Retângulo 4">
+            <a:extLst>
+              <a:ext uri="{FF2B5EF4-FFF2-40B4-BE49-F238E27FC236}">
+                <a16:creationId xmlns:a16="http://schemas.microsoft.com/office/drawing/2014/main" id="{A1C14CB1-0951-AF25-CA85-9A53D940BDBE}"/>
+              </a:ext>
+            </a:extLst>
+          </p:cNvPr>
+          <p:cNvSpPr/>
+          <p:nvPr/>
+        </p:nvSpPr>
+        <p:spPr>
+          <a:xfrm>
+            <a:off x="5410200" y="4668944"/>
+            <a:ext cx="1714500" cy="571500"/>
+          </a:xfrm>
+          <a:prstGeom prst="rect">
+            <a:avLst/>
+          </a:prstGeom>
+        </p:spPr>
+        <p:style>
+          <a:lnRef idx="2">
+            <a:schemeClr val="accent1">
+              <a:shade val="15000"/>
+            </a:schemeClr>
+          </a:lnRef>
+          <a:fillRef idx="1">
+            <a:schemeClr val="accent1"/>
+          </a:fillRef>
+          <a:effectRef idx="0">
+            <a:schemeClr val="accent1"/>
+          </a:effectRef>
+          <a:fontRef idx="minor">
+            <a:schemeClr val="lt1"/>
+          </a:fontRef>
+        </p:style>
+        <p:txBody>
+          <a:bodyPr rtlCol="0" anchor="ctr"/>
+          <a:lstStyle/>
+          <a:p>
+            <a:pPr algn="ctr"/>
+            <a:r>
+              <a:rPr lang="pt-BR" dirty="0"/>
+              <a:t>TERRESTRE</a:t>
+            </a:r>
+          </a:p>
+        </p:txBody>
+      </p:sp>
+      <p:sp>
+        <p:nvSpPr>
+          <p:cNvPr id="6" name="Retângulo 5">
+            <a:extLst>
+              <a:ext uri="{FF2B5EF4-FFF2-40B4-BE49-F238E27FC236}">
+                <a16:creationId xmlns:a16="http://schemas.microsoft.com/office/drawing/2014/main" id="{3F065706-3505-B203-C130-D923E50A1EF3}"/>
+              </a:ext>
+            </a:extLst>
+          </p:cNvPr>
+          <p:cNvSpPr/>
+          <p:nvPr/>
+        </p:nvSpPr>
+        <p:spPr>
+          <a:xfrm>
+            <a:off x="7740015" y="4668944"/>
+            <a:ext cx="1714500" cy="571500"/>
+          </a:xfrm>
+          <a:prstGeom prst="rect">
+            <a:avLst/>
+          </a:prstGeom>
+        </p:spPr>
+        <p:style>
+          <a:lnRef idx="2">
+            <a:schemeClr val="accent1">
+              <a:shade val="15000"/>
+            </a:schemeClr>
+          </a:lnRef>
+          <a:fillRef idx="1">
+            <a:schemeClr val="accent1"/>
+          </a:fillRef>
+          <a:effectRef idx="0">
+            <a:schemeClr val="accent1"/>
+          </a:effectRef>
+          <a:fontRef idx="minor">
+            <a:schemeClr val="lt1"/>
+          </a:fontRef>
+        </p:style>
+        <p:txBody>
+          <a:bodyPr rtlCol="0" anchor="ctr"/>
+          <a:lstStyle/>
+          <a:p>
+            <a:pPr algn="ctr"/>
+            <a:r>
+              <a:rPr lang="pt-BR" dirty="0"/>
+              <a:t>AQUÁTICO</a:t>
+            </a:r>
+          </a:p>
+        </p:txBody>
+      </p:sp>
+      <p:sp>
+        <p:nvSpPr>
+          <p:cNvPr id="7" name="Retângulo 6">
+            <a:extLst>
+              <a:ext uri="{FF2B5EF4-FFF2-40B4-BE49-F238E27FC236}">
+                <a16:creationId xmlns:a16="http://schemas.microsoft.com/office/drawing/2014/main" id="{664AA1FA-5064-5DF6-8FCE-74DF4169BF88}"/>
+              </a:ext>
+            </a:extLst>
+          </p:cNvPr>
+          <p:cNvSpPr/>
+          <p:nvPr/>
+        </p:nvSpPr>
+        <p:spPr>
+          <a:xfrm>
+            <a:off x="3080385" y="4668944"/>
+            <a:ext cx="1714500" cy="571500"/>
+          </a:xfrm>
+          <a:prstGeom prst="rect">
+            <a:avLst/>
+          </a:prstGeom>
+        </p:spPr>
+        <p:style>
+          <a:lnRef idx="2">
+            <a:schemeClr val="accent1">
+              <a:shade val="15000"/>
+            </a:schemeClr>
+          </a:lnRef>
+          <a:fillRef idx="1">
+            <a:schemeClr val="accent1"/>
+          </a:fillRef>
+          <a:effectRef idx="0">
+            <a:schemeClr val="accent1"/>
+          </a:effectRef>
+          <a:fontRef idx="minor">
+            <a:schemeClr val="lt1"/>
+          </a:fontRef>
+        </p:style>
+        <p:txBody>
+          <a:bodyPr rtlCol="0" anchor="ctr"/>
+          <a:lstStyle/>
+          <a:p>
+            <a:pPr algn="ctr"/>
+            <a:r>
+              <a:rPr lang="pt-BR" dirty="0"/>
+              <a:t>AÉREO</a:t>
+            </a:r>
+          </a:p>
+        </p:txBody>
+      </p:sp>
+      <p:cxnSp>
+        <p:nvCxnSpPr>
+          <p:cNvPr id="17" name="Conector: Angulado 16">
+            <a:extLst>
+              <a:ext uri="{FF2B5EF4-FFF2-40B4-BE49-F238E27FC236}">
+                <a16:creationId xmlns:a16="http://schemas.microsoft.com/office/drawing/2014/main" id="{833D0729-212D-BF1D-FB88-AA44AE56A86E}"/>
+              </a:ext>
+            </a:extLst>
+          </p:cNvPr>
+          <p:cNvCxnSpPr>
+            <a:cxnSpLocks/>
+            <a:stCxn id="6" idx="0"/>
+            <a:endCxn id="7" idx="0"/>
+          </p:cNvCxnSpPr>
+          <p:nvPr/>
+        </p:nvCxnSpPr>
+        <p:spPr>
+          <a:xfrm rot="16200000" flipV="1">
+            <a:off x="6267450" y="2339129"/>
+            <a:ext cx="12700" cy="4659630"/>
+          </a:xfrm>
+          <a:prstGeom prst="bentConnector3">
+            <a:avLst>
+              <a:gd name="adj1" fmla="val 4500000"/>
+            </a:avLst>
+          </a:prstGeom>
+          <a:ln>
+            <a:headEnd type="triangle"/>
+            <a:tailEnd type="triangle"/>
+          </a:ln>
+        </p:spPr>
+        <p:style>
+          <a:lnRef idx="1">
+            <a:schemeClr val="dk1"/>
+          </a:lnRef>
+          <a:fillRef idx="0">
+            <a:schemeClr val="dk1"/>
+          </a:fillRef>
+          <a:effectRef idx="0">
+            <a:schemeClr val="dk1"/>
+          </a:effectRef>
+          <a:fontRef idx="minor">
+            <a:schemeClr val="tx1"/>
+          </a:fontRef>
+        </p:style>
+      </p:cxnSp>
+      <p:cxnSp>
+        <p:nvCxnSpPr>
+          <p:cNvPr id="21" name="Conector de Seta Reta 20">
+            <a:extLst>
+              <a:ext uri="{FF2B5EF4-FFF2-40B4-BE49-F238E27FC236}">
+                <a16:creationId xmlns:a16="http://schemas.microsoft.com/office/drawing/2014/main" id="{85C50F87-EB67-32B7-CC75-75C29C503209}"/>
+              </a:ext>
+            </a:extLst>
+          </p:cNvPr>
+          <p:cNvCxnSpPr>
+            <a:cxnSpLocks/>
+            <a:stCxn id="2" idx="2"/>
+            <a:endCxn id="5" idx="0"/>
+          </p:cNvCxnSpPr>
+          <p:nvPr/>
+        </p:nvCxnSpPr>
+        <p:spPr>
+          <a:xfrm>
+            <a:off x="6267450" y="3771900"/>
+            <a:ext cx="0" cy="897044"/>
+          </a:xfrm>
+          <a:prstGeom prst="straightConnector1">
+            <a:avLst/>
+          </a:prstGeom>
+          <a:ln>
+            <a:tailEnd type="triangle"/>
+          </a:ln>
+        </p:spPr>
+        <p:style>
+          <a:lnRef idx="1">
+            <a:schemeClr val="dk1"/>
+          </a:lnRef>
+          <a:fillRef idx="0">
+            <a:schemeClr val="dk1"/>
+          </a:fillRef>
+          <a:effectRef idx="0">
+            <a:schemeClr val="dk1"/>
+          </a:effectRef>
+          <a:fontRef idx="minor">
+            <a:schemeClr val="tx1"/>
+          </a:fontRef>
+        </p:style>
+      </p:cxnSp>
+      <p:sp>
+        <p:nvSpPr>
+          <p:cNvPr id="23" name="CaixaDeTexto 22">
+            <a:extLst>
+              <a:ext uri="{FF2B5EF4-FFF2-40B4-BE49-F238E27FC236}">
+                <a16:creationId xmlns:a16="http://schemas.microsoft.com/office/drawing/2014/main" id="{43AADB19-6B25-929C-06C5-06224C85B7E0}"/>
+              </a:ext>
+            </a:extLst>
+          </p:cNvPr>
+          <p:cNvSpPr txBox="1"/>
+          <p:nvPr/>
+        </p:nvSpPr>
+        <p:spPr>
+          <a:xfrm>
+            <a:off x="6235700" y="3829050"/>
+            <a:ext cx="985847" cy="276999"/>
+          </a:xfrm>
+          <a:prstGeom prst="rect">
+            <a:avLst/>
+          </a:prstGeom>
+          <a:noFill/>
+        </p:spPr>
+        <p:txBody>
+          <a:bodyPr wrap="none" rtlCol="0">
+            <a:spAutoFit/>
+          </a:bodyPr>
+          <a:lstStyle/>
+          <a:p>
+            <a:r>
+              <a:rPr lang="pt-BR" sz="1200" dirty="0">
+                <a:solidFill>
+                  <a:srgbClr val="FF0000"/>
+                </a:solidFill>
+              </a:rPr>
+              <a:t>CAPACIDADE</a:t>
+            </a:r>
+          </a:p>
+        </p:txBody>
+      </p:sp>
+      <p:sp>
+        <p:nvSpPr>
+          <p:cNvPr id="24" name="CaixaDeTexto 23">
+            <a:extLst>
+              <a:ext uri="{FF2B5EF4-FFF2-40B4-BE49-F238E27FC236}">
+                <a16:creationId xmlns:a16="http://schemas.microsoft.com/office/drawing/2014/main" id="{8B23F9BC-E0C7-AF8C-5670-B1D6E6566EF5}"/>
+              </a:ext>
+            </a:extLst>
+          </p:cNvPr>
+          <p:cNvSpPr txBox="1"/>
+          <p:nvPr/>
+        </p:nvSpPr>
+        <p:spPr>
+          <a:xfrm>
+            <a:off x="3547816" y="5196655"/>
+            <a:ext cx="779637" cy="369332"/>
+          </a:xfrm>
+          <a:prstGeom prst="rect">
+            <a:avLst/>
+          </a:prstGeom>
+          <a:noFill/>
+        </p:spPr>
+        <p:txBody>
+          <a:bodyPr wrap="none" rtlCol="0">
+            <a:spAutoFit/>
+          </a:bodyPr>
+          <a:lstStyle/>
+          <a:p>
+            <a:r>
+              <a:rPr lang="pt-BR" dirty="0"/>
+              <a:t>AVIÃO</a:t>
+            </a:r>
+          </a:p>
+        </p:txBody>
+      </p:sp>
+      <p:sp>
+        <p:nvSpPr>
+          <p:cNvPr id="25" name="CaixaDeTexto 24">
+            <a:extLst>
+              <a:ext uri="{FF2B5EF4-FFF2-40B4-BE49-F238E27FC236}">
+                <a16:creationId xmlns:a16="http://schemas.microsoft.com/office/drawing/2014/main" id="{4280B453-8CB8-6CE3-FC11-A0553173BBD5}"/>
+              </a:ext>
+            </a:extLst>
+          </p:cNvPr>
+          <p:cNvSpPr txBox="1"/>
+          <p:nvPr/>
+        </p:nvSpPr>
+        <p:spPr>
+          <a:xfrm>
+            <a:off x="5569985" y="5196655"/>
+            <a:ext cx="1407629" cy="369332"/>
+          </a:xfrm>
+          <a:prstGeom prst="rect">
+            <a:avLst/>
+          </a:prstGeom>
+          <a:noFill/>
+        </p:spPr>
+        <p:txBody>
+          <a:bodyPr wrap="none" rtlCol="0">
+            <a:spAutoFit/>
+          </a:bodyPr>
+          <a:lstStyle/>
+          <a:p>
+            <a:r>
+              <a:rPr lang="pt-BR" dirty="0"/>
+              <a:t>AUTOMÓVEL</a:t>
+            </a:r>
+          </a:p>
+        </p:txBody>
+      </p:sp>
+      <p:sp>
+        <p:nvSpPr>
+          <p:cNvPr id="27" name="CaixaDeTexto 26">
+            <a:extLst>
+              <a:ext uri="{FF2B5EF4-FFF2-40B4-BE49-F238E27FC236}">
+                <a16:creationId xmlns:a16="http://schemas.microsoft.com/office/drawing/2014/main" id="{F223B746-4B94-3B8A-FE7D-E588C023DAFE}"/>
+              </a:ext>
+            </a:extLst>
+          </p:cNvPr>
+          <p:cNvSpPr txBox="1"/>
+          <p:nvPr/>
+        </p:nvSpPr>
+        <p:spPr>
+          <a:xfrm>
+            <a:off x="8220146" y="5196655"/>
+            <a:ext cx="837152" cy="369332"/>
+          </a:xfrm>
+          <a:prstGeom prst="rect">
+            <a:avLst/>
+          </a:prstGeom>
+          <a:noFill/>
+        </p:spPr>
+        <p:txBody>
+          <a:bodyPr wrap="none" rtlCol="0">
+            <a:spAutoFit/>
+          </a:bodyPr>
+          <a:lstStyle/>
+          <a:p>
+            <a:r>
+              <a:rPr lang="pt-BR" dirty="0"/>
+              <a:t>BARCO</a:t>
+            </a:r>
+          </a:p>
+        </p:txBody>
+      </p:sp>
+      <p:cxnSp>
+        <p:nvCxnSpPr>
+          <p:cNvPr id="29" name="Conector de Seta Reta 28">
+            <a:extLst>
+              <a:ext uri="{FF2B5EF4-FFF2-40B4-BE49-F238E27FC236}">
+                <a16:creationId xmlns:a16="http://schemas.microsoft.com/office/drawing/2014/main" id="{FB611D13-4C06-358B-89B4-8E5335854E5D}"/>
+              </a:ext>
+            </a:extLst>
+          </p:cNvPr>
+          <p:cNvCxnSpPr>
+            <a:cxnSpLocks/>
+          </p:cNvCxnSpPr>
+          <p:nvPr/>
+        </p:nvCxnSpPr>
+        <p:spPr>
+          <a:xfrm>
+            <a:off x="2762250" y="3255221"/>
+            <a:ext cx="0" cy="2346537"/>
+          </a:xfrm>
+          <a:prstGeom prst="straightConnector1">
+            <a:avLst/>
+          </a:prstGeom>
+          <a:ln>
+            <a:headEnd type="triangle"/>
+            <a:tailEnd type="triangle"/>
+          </a:ln>
+        </p:spPr>
+        <p:style>
+          <a:lnRef idx="1">
+            <a:schemeClr val="dk1"/>
+          </a:lnRef>
+          <a:fillRef idx="0">
+            <a:schemeClr val="dk1"/>
+          </a:fillRef>
+          <a:effectRef idx="0">
+            <a:schemeClr val="dk1"/>
+          </a:effectRef>
+          <a:fontRef idx="minor">
+            <a:schemeClr val="tx1"/>
+          </a:fontRef>
+        </p:style>
+      </p:cxnSp>
+      <p:sp>
+        <p:nvSpPr>
+          <p:cNvPr id="35" name="CaixaDeTexto 34">
+            <a:extLst>
+              <a:ext uri="{FF2B5EF4-FFF2-40B4-BE49-F238E27FC236}">
+                <a16:creationId xmlns:a16="http://schemas.microsoft.com/office/drawing/2014/main" id="{4130A3BF-4CDD-E515-8682-E9443306AE50}"/>
+              </a:ext>
+            </a:extLst>
+          </p:cNvPr>
+          <p:cNvSpPr txBox="1"/>
+          <p:nvPr/>
+        </p:nvSpPr>
+        <p:spPr>
+          <a:xfrm>
+            <a:off x="2218094" y="2935724"/>
+            <a:ext cx="1157176" cy="369332"/>
+          </a:xfrm>
+          <a:prstGeom prst="rect">
+            <a:avLst/>
+          </a:prstGeom>
+          <a:noFill/>
+        </p:spPr>
+        <p:txBody>
+          <a:bodyPr wrap="none" rtlCol="0">
+            <a:spAutoFit/>
+          </a:bodyPr>
+          <a:lstStyle/>
+          <a:p>
+            <a:r>
+              <a:rPr lang="pt-BR" dirty="0"/>
+              <a:t>ABSTRATO</a:t>
+            </a:r>
+          </a:p>
+        </p:txBody>
+      </p:sp>
+      <p:sp>
+        <p:nvSpPr>
+          <p:cNvPr id="36" name="CaixaDeTexto 35">
+            <a:extLst>
+              <a:ext uri="{FF2B5EF4-FFF2-40B4-BE49-F238E27FC236}">
+                <a16:creationId xmlns:a16="http://schemas.microsoft.com/office/drawing/2014/main" id="{584B174C-77B1-FDE4-F6E6-4A9DBAAC9217}"/>
+              </a:ext>
+            </a:extLst>
+          </p:cNvPr>
+          <p:cNvSpPr txBox="1"/>
+          <p:nvPr/>
+        </p:nvSpPr>
+        <p:spPr>
+          <a:xfrm>
+            <a:off x="2149229" y="5736589"/>
+            <a:ext cx="1226041" cy="369332"/>
+          </a:xfrm>
+          <a:prstGeom prst="rect">
+            <a:avLst/>
+          </a:prstGeom>
+          <a:noFill/>
+        </p:spPr>
+        <p:txBody>
+          <a:bodyPr wrap="none" rtlCol="0">
+            <a:spAutoFit/>
+          </a:bodyPr>
+          <a:lstStyle/>
+          <a:p>
+            <a:r>
+              <a:rPr lang="pt-BR" dirty="0"/>
+              <a:t>CONCRETO</a:t>
+            </a:r>
+          </a:p>
+        </p:txBody>
+      </p:sp>
+      <p:sp>
+        <p:nvSpPr>
+          <p:cNvPr id="37" name="CaixaDeTexto 36">
+            <a:extLst>
+              <a:ext uri="{FF2B5EF4-FFF2-40B4-BE49-F238E27FC236}">
+                <a16:creationId xmlns:a16="http://schemas.microsoft.com/office/drawing/2014/main" id="{8AFA0203-A6F2-31E8-7BCC-E97B2F4FFB29}"/>
+              </a:ext>
+            </a:extLst>
+          </p:cNvPr>
+          <p:cNvSpPr txBox="1"/>
+          <p:nvPr/>
+        </p:nvSpPr>
+        <p:spPr>
+          <a:xfrm>
+            <a:off x="5410200" y="5474767"/>
+            <a:ext cx="1791901" cy="830997"/>
+          </a:xfrm>
+          <a:prstGeom prst="rect">
+            <a:avLst/>
+          </a:prstGeom>
+          <a:noFill/>
+        </p:spPr>
+        <p:txBody>
+          <a:bodyPr wrap="none" rtlCol="0">
+            <a:spAutoFit/>
+          </a:bodyPr>
+          <a:lstStyle/>
+          <a:p>
+            <a:pPr marL="285750" indent="-285750">
+              <a:buFont typeface="Arial" panose="020B0604020202020204" pitchFamily="34" charset="0"/>
+              <a:buChar char="•"/>
+            </a:pPr>
+            <a:r>
+              <a:rPr lang="pt-BR" sz="1200" dirty="0">
+                <a:solidFill>
+                  <a:srgbClr val="FF0000"/>
+                </a:solidFill>
+              </a:rPr>
+              <a:t>COR</a:t>
+            </a:r>
+          </a:p>
+          <a:p>
+            <a:pPr marL="285750" indent="-285750">
+              <a:buFont typeface="Arial" panose="020B0604020202020204" pitchFamily="34" charset="0"/>
+              <a:buChar char="•"/>
+            </a:pPr>
+            <a:r>
+              <a:rPr lang="pt-BR" sz="1200" dirty="0">
+                <a:solidFill>
+                  <a:srgbClr val="FF0000"/>
+                </a:solidFill>
+              </a:rPr>
+              <a:t>NÚMERO DE PORTAS</a:t>
+            </a:r>
+          </a:p>
+          <a:p>
+            <a:pPr marL="285750" indent="-285750">
+              <a:buFont typeface="Arial" panose="020B0604020202020204" pitchFamily="34" charset="0"/>
+              <a:buChar char="•"/>
+            </a:pPr>
+            <a:r>
+              <a:rPr lang="pt-BR" sz="1200" dirty="0">
+                <a:solidFill>
+                  <a:srgbClr val="FF0000"/>
+                </a:solidFill>
+              </a:rPr>
+              <a:t>PLACA</a:t>
+            </a:r>
+          </a:p>
+          <a:p>
+            <a:pPr marL="285750" indent="-285750">
+              <a:buFont typeface="Arial" panose="020B0604020202020204" pitchFamily="34" charset="0"/>
+              <a:buChar char="•"/>
+            </a:pPr>
+            <a:r>
+              <a:rPr lang="pt-BR" sz="1200" dirty="0">
+                <a:solidFill>
+                  <a:srgbClr val="FF0000"/>
+                </a:solidFill>
+              </a:rPr>
+              <a:t>MARCHA</a:t>
+            </a:r>
+          </a:p>
+        </p:txBody>
+      </p:sp>
+      <p:sp>
+        <p:nvSpPr>
+          <p:cNvPr id="40" name="CaixaDeTexto 39">
+            <a:extLst>
+              <a:ext uri="{FF2B5EF4-FFF2-40B4-BE49-F238E27FC236}">
+                <a16:creationId xmlns:a16="http://schemas.microsoft.com/office/drawing/2014/main" id="{BD0FFCE0-8C34-3473-0F8E-B6FB2D9A6DA2}"/>
+              </a:ext>
+            </a:extLst>
+          </p:cNvPr>
+          <p:cNvSpPr txBox="1"/>
+          <p:nvPr/>
+        </p:nvSpPr>
+        <p:spPr>
+          <a:xfrm>
+            <a:off x="6235700" y="4147417"/>
+            <a:ext cx="1740798" cy="461665"/>
+          </a:xfrm>
+          <a:prstGeom prst="rect">
+            <a:avLst/>
+          </a:prstGeom>
+          <a:noFill/>
+        </p:spPr>
+        <p:txBody>
+          <a:bodyPr wrap="none" rtlCol="0">
+            <a:spAutoFit/>
+          </a:bodyPr>
+          <a:lstStyle/>
+          <a:p>
+            <a:pPr marL="285750" indent="-285750">
+              <a:buFont typeface="Arial" panose="020B0604020202020204" pitchFamily="34" charset="0"/>
+              <a:buChar char="•"/>
+            </a:pPr>
+            <a:r>
+              <a:rPr lang="pt-BR" sz="1200" dirty="0">
+                <a:solidFill>
+                  <a:srgbClr val="FF0000"/>
+                </a:solidFill>
+              </a:rPr>
+              <a:t>NÚMERO DE RODAS</a:t>
+            </a:r>
+          </a:p>
+          <a:p>
+            <a:pPr marL="285750" indent="-285750">
+              <a:buFont typeface="Arial" panose="020B0604020202020204" pitchFamily="34" charset="0"/>
+              <a:buChar char="•"/>
+            </a:pPr>
+            <a:r>
+              <a:rPr lang="pt-BR" sz="1200" dirty="0">
+                <a:solidFill>
+                  <a:srgbClr val="FF0000"/>
+                </a:solidFill>
+              </a:rPr>
+              <a:t>VELOCIDADE</a:t>
             </a:r>
           </a:p>
         </p:txBody>
@@ -6327,7 +7014,3504 @@
     </p:spTree>
     <p:extLst>
       <p:ext uri="{BB962C8B-B14F-4D97-AF65-F5344CB8AC3E}">
-        <p14:creationId xmlns:p14="http://schemas.microsoft.com/office/powerpoint/2010/main" val="2785718553"/>
+        <p14:creationId xmlns:p14="http://schemas.microsoft.com/office/powerpoint/2010/main" val="1649201237"/>
+      </p:ext>
+    </p:extLst>
+  </p:cSld>
+  <p:clrMapOvr>
+    <a:masterClrMapping/>
+  </p:clrMapOvr>
+</p:sld>
+</file>
+
+<file path=ppt/slides/slide17.xml><?xml version="1.0" encoding="utf-8"?>
+<p:sld xmlns:a="http://schemas.openxmlformats.org/drawingml/2006/main" xmlns:r="http://schemas.openxmlformats.org/officeDocument/2006/relationships" xmlns:p="http://schemas.openxmlformats.org/presentationml/2006/main">
+  <p:cSld>
+    <p:spTree>
+      <p:nvGrpSpPr>
+        <p:cNvPr id="1" name=""/>
+        <p:cNvGrpSpPr/>
+        <p:nvPr/>
+      </p:nvGrpSpPr>
+      <p:grpSpPr>
+        <a:xfrm>
+          <a:off x="0" y="0"/>
+          <a:ext cx="0" cy="0"/>
+          <a:chOff x="0" y="0"/>
+          <a:chExt cx="0" cy="0"/>
+        </a:xfrm>
+      </p:grpSpPr>
+      <p:sp>
+        <p:nvSpPr>
+          <p:cNvPr id="3" name="Espaço Reservado para Conteúdo 2">
+            <a:extLst>
+              <a:ext uri="{FF2B5EF4-FFF2-40B4-BE49-F238E27FC236}">
+                <a16:creationId xmlns:a16="http://schemas.microsoft.com/office/drawing/2014/main" id="{214589AA-2599-0375-F695-4E917B748CFD}"/>
+              </a:ext>
+            </a:extLst>
+          </p:cNvPr>
+          <p:cNvSpPr>
+            <a:spLocks noGrp="1"/>
+          </p:cNvSpPr>
+          <p:nvPr>
+            <p:ph idx="1"/>
+          </p:nvPr>
+        </p:nvSpPr>
+        <p:spPr>
+          <a:xfrm>
+            <a:off x="1097279" y="1845734"/>
+            <a:ext cx="4234651" cy="4023360"/>
+          </a:xfrm>
+        </p:spPr>
+        <p:txBody>
+          <a:bodyPr>
+            <a:normAutofit/>
+          </a:bodyPr>
+          <a:lstStyle/>
+          <a:p>
+            <a:r>
+              <a:rPr lang="pt-BR" dirty="0"/>
+              <a:t>Veja no exemplo que:</a:t>
+            </a:r>
+          </a:p>
+          <a:p>
+            <a:pPr lvl="1"/>
+            <a:r>
+              <a:rPr lang="pt-BR" dirty="0"/>
+              <a:t>A </a:t>
+            </a:r>
+            <a:r>
+              <a:rPr lang="pt-BR" b="1" dirty="0"/>
+              <a:t>capacidade </a:t>
+            </a:r>
+            <a:r>
+              <a:rPr lang="pt-BR" dirty="0"/>
+              <a:t>é como um atributo da Classe Transporte, indicando a quantidade de pessoas que suporta;</a:t>
+            </a:r>
+          </a:p>
+          <a:p>
+            <a:pPr lvl="1"/>
+            <a:r>
+              <a:rPr lang="pt-BR" dirty="0"/>
+              <a:t>Os Atributos </a:t>
+            </a:r>
+            <a:r>
+              <a:rPr lang="pt-BR" b="1" dirty="0"/>
+              <a:t>número de rodas </a:t>
+            </a:r>
+            <a:r>
+              <a:rPr lang="pt-BR" dirty="0"/>
+              <a:t>e </a:t>
+            </a:r>
+            <a:r>
+              <a:rPr lang="pt-BR" b="1" dirty="0"/>
+              <a:t>velocidade</a:t>
+            </a:r>
+            <a:r>
+              <a:rPr lang="pt-BR" dirty="0"/>
+              <a:t> são atributos para a Classe Terrestre;</a:t>
+            </a:r>
+          </a:p>
+          <a:p>
+            <a:pPr lvl="1"/>
+            <a:r>
+              <a:rPr lang="pt-BR" dirty="0"/>
+              <a:t>Os Atributos </a:t>
+            </a:r>
+            <a:r>
+              <a:rPr lang="pt-BR" b="1" dirty="0"/>
+              <a:t>cor</a:t>
+            </a:r>
+            <a:r>
+              <a:rPr lang="pt-BR" dirty="0"/>
+              <a:t>, </a:t>
+            </a:r>
+            <a:r>
+              <a:rPr lang="pt-BR" b="1" dirty="0"/>
+              <a:t>número de portas</a:t>
+            </a:r>
+            <a:r>
+              <a:rPr lang="pt-BR" dirty="0"/>
+              <a:t>, </a:t>
+            </a:r>
+            <a:r>
+              <a:rPr lang="pt-BR" b="1" dirty="0"/>
+              <a:t>placa</a:t>
+            </a:r>
+            <a:r>
+              <a:rPr lang="pt-BR" dirty="0"/>
+              <a:t> e </a:t>
+            </a:r>
+            <a:r>
+              <a:rPr lang="pt-BR" b="1" dirty="0"/>
+              <a:t>marcha </a:t>
+            </a:r>
+            <a:r>
+              <a:rPr lang="pt-BR" dirty="0"/>
+              <a:t>são atributos da Classe Automóvel.</a:t>
+            </a:r>
+          </a:p>
+          <a:p>
+            <a:pPr lvl="1"/>
+            <a:r>
+              <a:rPr lang="pt-BR" dirty="0"/>
+              <a:t>Em nosso exemplo, percebemos a Herança em ação.</a:t>
+            </a:r>
+          </a:p>
+        </p:txBody>
+      </p:sp>
+      <p:sp>
+        <p:nvSpPr>
+          <p:cNvPr id="4" name="Título 1">
+            <a:extLst>
+              <a:ext uri="{FF2B5EF4-FFF2-40B4-BE49-F238E27FC236}">
+                <a16:creationId xmlns:a16="http://schemas.microsoft.com/office/drawing/2014/main" id="{DAC41EFE-8AFB-BCBE-AA8A-AE54FE39FE31}"/>
+              </a:ext>
+            </a:extLst>
+          </p:cNvPr>
+          <p:cNvSpPr>
+            <a:spLocks noGrp="1"/>
+          </p:cNvSpPr>
+          <p:nvPr>
+            <p:ph type="title"/>
+          </p:nvPr>
+        </p:nvSpPr>
+        <p:spPr>
+          <a:xfrm>
+            <a:off x="1097280" y="286603"/>
+            <a:ext cx="10058400" cy="1450757"/>
+          </a:xfrm>
+        </p:spPr>
+        <p:txBody>
+          <a:bodyPr/>
+          <a:lstStyle/>
+          <a:p>
+            <a:r>
+              <a:rPr lang="pt-BR" dirty="0"/>
+              <a:t>HERANÇA</a:t>
+            </a:r>
+            <a:endParaRPr lang="pt-BR" sz="2400" dirty="0"/>
+          </a:p>
+        </p:txBody>
+      </p:sp>
+      <p:sp>
+        <p:nvSpPr>
+          <p:cNvPr id="2" name="Retângulo 1">
+            <a:extLst>
+              <a:ext uri="{FF2B5EF4-FFF2-40B4-BE49-F238E27FC236}">
+                <a16:creationId xmlns:a16="http://schemas.microsoft.com/office/drawing/2014/main" id="{DDD3ABFD-6602-D531-1BFC-B9A96DA036F7}"/>
+              </a:ext>
+            </a:extLst>
+          </p:cNvPr>
+          <p:cNvSpPr/>
+          <p:nvPr/>
+        </p:nvSpPr>
+        <p:spPr>
+          <a:xfrm>
+            <a:off x="8020050" y="2571750"/>
+            <a:ext cx="1714500" cy="571500"/>
+          </a:xfrm>
+          <a:prstGeom prst="rect">
+            <a:avLst/>
+          </a:prstGeom>
+        </p:spPr>
+        <p:style>
+          <a:lnRef idx="2">
+            <a:schemeClr val="accent1">
+              <a:shade val="15000"/>
+            </a:schemeClr>
+          </a:lnRef>
+          <a:fillRef idx="1">
+            <a:schemeClr val="accent1"/>
+          </a:fillRef>
+          <a:effectRef idx="0">
+            <a:schemeClr val="accent1"/>
+          </a:effectRef>
+          <a:fontRef idx="minor">
+            <a:schemeClr val="lt1"/>
+          </a:fontRef>
+        </p:style>
+        <p:txBody>
+          <a:bodyPr rtlCol="0" anchor="ctr"/>
+          <a:lstStyle/>
+          <a:p>
+            <a:pPr algn="ctr"/>
+            <a:r>
+              <a:rPr lang="pt-BR" dirty="0"/>
+              <a:t>TRANSPORTE</a:t>
+            </a:r>
+          </a:p>
+        </p:txBody>
+      </p:sp>
+      <p:sp>
+        <p:nvSpPr>
+          <p:cNvPr id="5" name="Retângulo 4">
+            <a:extLst>
+              <a:ext uri="{FF2B5EF4-FFF2-40B4-BE49-F238E27FC236}">
+                <a16:creationId xmlns:a16="http://schemas.microsoft.com/office/drawing/2014/main" id="{A1C14CB1-0951-AF25-CA85-9A53D940BDBE}"/>
+              </a:ext>
+            </a:extLst>
+          </p:cNvPr>
+          <p:cNvSpPr/>
+          <p:nvPr/>
+        </p:nvSpPr>
+        <p:spPr>
+          <a:xfrm>
+            <a:off x="8020050" y="4040294"/>
+            <a:ext cx="1714500" cy="571500"/>
+          </a:xfrm>
+          <a:prstGeom prst="rect">
+            <a:avLst/>
+          </a:prstGeom>
+        </p:spPr>
+        <p:style>
+          <a:lnRef idx="2">
+            <a:schemeClr val="accent1">
+              <a:shade val="15000"/>
+            </a:schemeClr>
+          </a:lnRef>
+          <a:fillRef idx="1">
+            <a:schemeClr val="accent1"/>
+          </a:fillRef>
+          <a:effectRef idx="0">
+            <a:schemeClr val="accent1"/>
+          </a:effectRef>
+          <a:fontRef idx="minor">
+            <a:schemeClr val="lt1"/>
+          </a:fontRef>
+        </p:style>
+        <p:txBody>
+          <a:bodyPr rtlCol="0" anchor="ctr"/>
+          <a:lstStyle/>
+          <a:p>
+            <a:pPr algn="ctr"/>
+            <a:r>
+              <a:rPr lang="pt-BR" dirty="0"/>
+              <a:t>TERRESTRE</a:t>
+            </a:r>
+          </a:p>
+        </p:txBody>
+      </p:sp>
+      <p:sp>
+        <p:nvSpPr>
+          <p:cNvPr id="6" name="Retângulo 5">
+            <a:extLst>
+              <a:ext uri="{FF2B5EF4-FFF2-40B4-BE49-F238E27FC236}">
+                <a16:creationId xmlns:a16="http://schemas.microsoft.com/office/drawing/2014/main" id="{3F065706-3505-B203-C130-D923E50A1EF3}"/>
+              </a:ext>
+            </a:extLst>
+          </p:cNvPr>
+          <p:cNvSpPr/>
+          <p:nvPr/>
+        </p:nvSpPr>
+        <p:spPr>
+          <a:xfrm>
+            <a:off x="10349865" y="4040294"/>
+            <a:ext cx="1714500" cy="571500"/>
+          </a:xfrm>
+          <a:prstGeom prst="rect">
+            <a:avLst/>
+          </a:prstGeom>
+        </p:spPr>
+        <p:style>
+          <a:lnRef idx="2">
+            <a:schemeClr val="accent1">
+              <a:shade val="15000"/>
+            </a:schemeClr>
+          </a:lnRef>
+          <a:fillRef idx="1">
+            <a:schemeClr val="accent1"/>
+          </a:fillRef>
+          <a:effectRef idx="0">
+            <a:schemeClr val="accent1"/>
+          </a:effectRef>
+          <a:fontRef idx="minor">
+            <a:schemeClr val="lt1"/>
+          </a:fontRef>
+        </p:style>
+        <p:txBody>
+          <a:bodyPr rtlCol="0" anchor="ctr"/>
+          <a:lstStyle/>
+          <a:p>
+            <a:pPr algn="ctr"/>
+            <a:r>
+              <a:rPr lang="pt-BR" dirty="0"/>
+              <a:t>AQUÁTICO</a:t>
+            </a:r>
+          </a:p>
+        </p:txBody>
+      </p:sp>
+      <p:sp>
+        <p:nvSpPr>
+          <p:cNvPr id="7" name="Retângulo 6">
+            <a:extLst>
+              <a:ext uri="{FF2B5EF4-FFF2-40B4-BE49-F238E27FC236}">
+                <a16:creationId xmlns:a16="http://schemas.microsoft.com/office/drawing/2014/main" id="{664AA1FA-5064-5DF6-8FCE-74DF4169BF88}"/>
+              </a:ext>
+            </a:extLst>
+          </p:cNvPr>
+          <p:cNvSpPr/>
+          <p:nvPr/>
+        </p:nvSpPr>
+        <p:spPr>
+          <a:xfrm>
+            <a:off x="5690235" y="4040294"/>
+            <a:ext cx="1714500" cy="571500"/>
+          </a:xfrm>
+          <a:prstGeom prst="rect">
+            <a:avLst/>
+          </a:prstGeom>
+        </p:spPr>
+        <p:style>
+          <a:lnRef idx="2">
+            <a:schemeClr val="accent1">
+              <a:shade val="15000"/>
+            </a:schemeClr>
+          </a:lnRef>
+          <a:fillRef idx="1">
+            <a:schemeClr val="accent1"/>
+          </a:fillRef>
+          <a:effectRef idx="0">
+            <a:schemeClr val="accent1"/>
+          </a:effectRef>
+          <a:fontRef idx="minor">
+            <a:schemeClr val="lt1"/>
+          </a:fontRef>
+        </p:style>
+        <p:txBody>
+          <a:bodyPr rtlCol="0" anchor="ctr"/>
+          <a:lstStyle/>
+          <a:p>
+            <a:pPr algn="ctr"/>
+            <a:r>
+              <a:rPr lang="pt-BR" dirty="0"/>
+              <a:t>AÉREO</a:t>
+            </a:r>
+          </a:p>
+        </p:txBody>
+      </p:sp>
+      <p:cxnSp>
+        <p:nvCxnSpPr>
+          <p:cNvPr id="17" name="Conector: Angulado 16">
+            <a:extLst>
+              <a:ext uri="{FF2B5EF4-FFF2-40B4-BE49-F238E27FC236}">
+                <a16:creationId xmlns:a16="http://schemas.microsoft.com/office/drawing/2014/main" id="{833D0729-212D-BF1D-FB88-AA44AE56A86E}"/>
+              </a:ext>
+            </a:extLst>
+          </p:cNvPr>
+          <p:cNvCxnSpPr>
+            <a:cxnSpLocks/>
+            <a:stCxn id="6" idx="0"/>
+            <a:endCxn id="7" idx="0"/>
+          </p:cNvCxnSpPr>
+          <p:nvPr/>
+        </p:nvCxnSpPr>
+        <p:spPr>
+          <a:xfrm rot="16200000" flipV="1">
+            <a:off x="8877300" y="1710479"/>
+            <a:ext cx="12700" cy="4659630"/>
+          </a:xfrm>
+          <a:prstGeom prst="bentConnector3">
+            <a:avLst>
+              <a:gd name="adj1" fmla="val 4500000"/>
+            </a:avLst>
+          </a:prstGeom>
+          <a:ln>
+            <a:headEnd type="triangle"/>
+            <a:tailEnd type="triangle"/>
+          </a:ln>
+        </p:spPr>
+        <p:style>
+          <a:lnRef idx="1">
+            <a:schemeClr val="dk1"/>
+          </a:lnRef>
+          <a:fillRef idx="0">
+            <a:schemeClr val="dk1"/>
+          </a:fillRef>
+          <a:effectRef idx="0">
+            <a:schemeClr val="dk1"/>
+          </a:effectRef>
+          <a:fontRef idx="minor">
+            <a:schemeClr val="tx1"/>
+          </a:fontRef>
+        </p:style>
+      </p:cxnSp>
+      <p:cxnSp>
+        <p:nvCxnSpPr>
+          <p:cNvPr id="21" name="Conector de Seta Reta 20">
+            <a:extLst>
+              <a:ext uri="{FF2B5EF4-FFF2-40B4-BE49-F238E27FC236}">
+                <a16:creationId xmlns:a16="http://schemas.microsoft.com/office/drawing/2014/main" id="{85C50F87-EB67-32B7-CC75-75C29C503209}"/>
+              </a:ext>
+            </a:extLst>
+          </p:cNvPr>
+          <p:cNvCxnSpPr>
+            <a:cxnSpLocks/>
+            <a:stCxn id="2" idx="2"/>
+            <a:endCxn id="5" idx="0"/>
+          </p:cNvCxnSpPr>
+          <p:nvPr/>
+        </p:nvCxnSpPr>
+        <p:spPr>
+          <a:xfrm>
+            <a:off x="8877300" y="3143250"/>
+            <a:ext cx="0" cy="897044"/>
+          </a:xfrm>
+          <a:prstGeom prst="straightConnector1">
+            <a:avLst/>
+          </a:prstGeom>
+          <a:ln>
+            <a:tailEnd type="triangle"/>
+          </a:ln>
+        </p:spPr>
+        <p:style>
+          <a:lnRef idx="1">
+            <a:schemeClr val="dk1"/>
+          </a:lnRef>
+          <a:fillRef idx="0">
+            <a:schemeClr val="dk1"/>
+          </a:fillRef>
+          <a:effectRef idx="0">
+            <a:schemeClr val="dk1"/>
+          </a:effectRef>
+          <a:fontRef idx="minor">
+            <a:schemeClr val="tx1"/>
+          </a:fontRef>
+        </p:style>
+      </p:cxnSp>
+      <p:sp>
+        <p:nvSpPr>
+          <p:cNvPr id="23" name="CaixaDeTexto 22">
+            <a:extLst>
+              <a:ext uri="{FF2B5EF4-FFF2-40B4-BE49-F238E27FC236}">
+                <a16:creationId xmlns:a16="http://schemas.microsoft.com/office/drawing/2014/main" id="{43AADB19-6B25-929C-06C5-06224C85B7E0}"/>
+              </a:ext>
+            </a:extLst>
+          </p:cNvPr>
+          <p:cNvSpPr txBox="1"/>
+          <p:nvPr/>
+        </p:nvSpPr>
+        <p:spPr>
+          <a:xfrm>
+            <a:off x="8845550" y="3200400"/>
+            <a:ext cx="985847" cy="276999"/>
+          </a:xfrm>
+          <a:prstGeom prst="rect">
+            <a:avLst/>
+          </a:prstGeom>
+          <a:noFill/>
+        </p:spPr>
+        <p:txBody>
+          <a:bodyPr wrap="none" rtlCol="0">
+            <a:spAutoFit/>
+          </a:bodyPr>
+          <a:lstStyle/>
+          <a:p>
+            <a:r>
+              <a:rPr lang="pt-BR" sz="1200" dirty="0">
+                <a:solidFill>
+                  <a:srgbClr val="FF0000"/>
+                </a:solidFill>
+              </a:rPr>
+              <a:t>CAPACIDADE</a:t>
+            </a:r>
+          </a:p>
+        </p:txBody>
+      </p:sp>
+      <p:sp>
+        <p:nvSpPr>
+          <p:cNvPr id="24" name="CaixaDeTexto 23">
+            <a:extLst>
+              <a:ext uri="{FF2B5EF4-FFF2-40B4-BE49-F238E27FC236}">
+                <a16:creationId xmlns:a16="http://schemas.microsoft.com/office/drawing/2014/main" id="{8B23F9BC-E0C7-AF8C-5670-B1D6E6566EF5}"/>
+              </a:ext>
+            </a:extLst>
+          </p:cNvPr>
+          <p:cNvSpPr txBox="1"/>
+          <p:nvPr/>
+        </p:nvSpPr>
+        <p:spPr>
+          <a:xfrm>
+            <a:off x="6157666" y="4568005"/>
+            <a:ext cx="779637" cy="369332"/>
+          </a:xfrm>
+          <a:prstGeom prst="rect">
+            <a:avLst/>
+          </a:prstGeom>
+          <a:noFill/>
+        </p:spPr>
+        <p:txBody>
+          <a:bodyPr wrap="none" rtlCol="0">
+            <a:spAutoFit/>
+          </a:bodyPr>
+          <a:lstStyle/>
+          <a:p>
+            <a:r>
+              <a:rPr lang="pt-BR" dirty="0"/>
+              <a:t>AVIÃO</a:t>
+            </a:r>
+          </a:p>
+        </p:txBody>
+      </p:sp>
+      <p:sp>
+        <p:nvSpPr>
+          <p:cNvPr id="25" name="CaixaDeTexto 24">
+            <a:extLst>
+              <a:ext uri="{FF2B5EF4-FFF2-40B4-BE49-F238E27FC236}">
+                <a16:creationId xmlns:a16="http://schemas.microsoft.com/office/drawing/2014/main" id="{4280B453-8CB8-6CE3-FC11-A0553173BBD5}"/>
+              </a:ext>
+            </a:extLst>
+          </p:cNvPr>
+          <p:cNvSpPr txBox="1"/>
+          <p:nvPr/>
+        </p:nvSpPr>
+        <p:spPr>
+          <a:xfrm>
+            <a:off x="8179835" y="4568005"/>
+            <a:ext cx="1407629" cy="369332"/>
+          </a:xfrm>
+          <a:prstGeom prst="rect">
+            <a:avLst/>
+          </a:prstGeom>
+          <a:noFill/>
+        </p:spPr>
+        <p:txBody>
+          <a:bodyPr wrap="none" rtlCol="0">
+            <a:spAutoFit/>
+          </a:bodyPr>
+          <a:lstStyle/>
+          <a:p>
+            <a:r>
+              <a:rPr lang="pt-BR" dirty="0"/>
+              <a:t>AUTOMÓVEL</a:t>
+            </a:r>
+          </a:p>
+        </p:txBody>
+      </p:sp>
+      <p:sp>
+        <p:nvSpPr>
+          <p:cNvPr id="27" name="CaixaDeTexto 26">
+            <a:extLst>
+              <a:ext uri="{FF2B5EF4-FFF2-40B4-BE49-F238E27FC236}">
+                <a16:creationId xmlns:a16="http://schemas.microsoft.com/office/drawing/2014/main" id="{F223B746-4B94-3B8A-FE7D-E588C023DAFE}"/>
+              </a:ext>
+            </a:extLst>
+          </p:cNvPr>
+          <p:cNvSpPr txBox="1"/>
+          <p:nvPr/>
+        </p:nvSpPr>
+        <p:spPr>
+          <a:xfrm>
+            <a:off x="10829996" y="4568005"/>
+            <a:ext cx="837152" cy="369332"/>
+          </a:xfrm>
+          <a:prstGeom prst="rect">
+            <a:avLst/>
+          </a:prstGeom>
+          <a:noFill/>
+        </p:spPr>
+        <p:txBody>
+          <a:bodyPr wrap="none" rtlCol="0">
+            <a:spAutoFit/>
+          </a:bodyPr>
+          <a:lstStyle/>
+          <a:p>
+            <a:r>
+              <a:rPr lang="pt-BR" dirty="0"/>
+              <a:t>BARCO</a:t>
+            </a:r>
+          </a:p>
+        </p:txBody>
+      </p:sp>
+      <p:cxnSp>
+        <p:nvCxnSpPr>
+          <p:cNvPr id="29" name="Conector de Seta Reta 28">
+            <a:extLst>
+              <a:ext uri="{FF2B5EF4-FFF2-40B4-BE49-F238E27FC236}">
+                <a16:creationId xmlns:a16="http://schemas.microsoft.com/office/drawing/2014/main" id="{FB611D13-4C06-358B-89B4-8E5335854E5D}"/>
+              </a:ext>
+            </a:extLst>
+          </p:cNvPr>
+          <p:cNvCxnSpPr>
+            <a:cxnSpLocks/>
+          </p:cNvCxnSpPr>
+          <p:nvPr/>
+        </p:nvCxnSpPr>
+        <p:spPr>
+          <a:xfrm>
+            <a:off x="5505450" y="2935724"/>
+            <a:ext cx="0" cy="2346537"/>
+          </a:xfrm>
+          <a:prstGeom prst="straightConnector1">
+            <a:avLst/>
+          </a:prstGeom>
+          <a:ln>
+            <a:headEnd type="triangle"/>
+            <a:tailEnd type="triangle"/>
+          </a:ln>
+        </p:spPr>
+        <p:style>
+          <a:lnRef idx="1">
+            <a:schemeClr val="dk1"/>
+          </a:lnRef>
+          <a:fillRef idx="0">
+            <a:schemeClr val="dk1"/>
+          </a:fillRef>
+          <a:effectRef idx="0">
+            <a:schemeClr val="dk1"/>
+          </a:effectRef>
+          <a:fontRef idx="minor">
+            <a:schemeClr val="tx1"/>
+          </a:fontRef>
+        </p:style>
+      </p:cxnSp>
+      <p:sp>
+        <p:nvSpPr>
+          <p:cNvPr id="35" name="CaixaDeTexto 34">
+            <a:extLst>
+              <a:ext uri="{FF2B5EF4-FFF2-40B4-BE49-F238E27FC236}">
+                <a16:creationId xmlns:a16="http://schemas.microsoft.com/office/drawing/2014/main" id="{4130A3BF-4CDD-E515-8682-E9443306AE50}"/>
+              </a:ext>
+            </a:extLst>
+          </p:cNvPr>
+          <p:cNvSpPr txBox="1"/>
+          <p:nvPr/>
+        </p:nvSpPr>
+        <p:spPr>
+          <a:xfrm>
+            <a:off x="5416344" y="2539637"/>
+            <a:ext cx="1157176" cy="369332"/>
+          </a:xfrm>
+          <a:prstGeom prst="rect">
+            <a:avLst/>
+          </a:prstGeom>
+          <a:noFill/>
+        </p:spPr>
+        <p:txBody>
+          <a:bodyPr wrap="none" rtlCol="0">
+            <a:spAutoFit/>
+          </a:bodyPr>
+          <a:lstStyle/>
+          <a:p>
+            <a:r>
+              <a:rPr lang="pt-BR" dirty="0"/>
+              <a:t>ABSTRATO</a:t>
+            </a:r>
+          </a:p>
+        </p:txBody>
+      </p:sp>
+      <p:sp>
+        <p:nvSpPr>
+          <p:cNvPr id="36" name="CaixaDeTexto 35">
+            <a:extLst>
+              <a:ext uri="{FF2B5EF4-FFF2-40B4-BE49-F238E27FC236}">
+                <a16:creationId xmlns:a16="http://schemas.microsoft.com/office/drawing/2014/main" id="{584B174C-77B1-FDE4-F6E6-4A9DBAAC9217}"/>
+              </a:ext>
+            </a:extLst>
+          </p:cNvPr>
+          <p:cNvSpPr txBox="1"/>
+          <p:nvPr/>
+        </p:nvSpPr>
+        <p:spPr>
+          <a:xfrm>
+            <a:off x="5429679" y="5260367"/>
+            <a:ext cx="1226041" cy="369332"/>
+          </a:xfrm>
+          <a:prstGeom prst="rect">
+            <a:avLst/>
+          </a:prstGeom>
+          <a:noFill/>
+        </p:spPr>
+        <p:txBody>
+          <a:bodyPr wrap="none" rtlCol="0">
+            <a:spAutoFit/>
+          </a:bodyPr>
+          <a:lstStyle/>
+          <a:p>
+            <a:r>
+              <a:rPr lang="pt-BR" dirty="0"/>
+              <a:t>CONCRETO</a:t>
+            </a:r>
+          </a:p>
+        </p:txBody>
+      </p:sp>
+      <p:sp>
+        <p:nvSpPr>
+          <p:cNvPr id="37" name="CaixaDeTexto 36">
+            <a:extLst>
+              <a:ext uri="{FF2B5EF4-FFF2-40B4-BE49-F238E27FC236}">
+                <a16:creationId xmlns:a16="http://schemas.microsoft.com/office/drawing/2014/main" id="{8AFA0203-A6F2-31E8-7BCC-E97B2F4FFB29}"/>
+              </a:ext>
+            </a:extLst>
+          </p:cNvPr>
+          <p:cNvSpPr txBox="1"/>
+          <p:nvPr/>
+        </p:nvSpPr>
+        <p:spPr>
+          <a:xfrm>
+            <a:off x="8020050" y="4846117"/>
+            <a:ext cx="1791901" cy="830997"/>
+          </a:xfrm>
+          <a:prstGeom prst="rect">
+            <a:avLst/>
+          </a:prstGeom>
+          <a:noFill/>
+        </p:spPr>
+        <p:txBody>
+          <a:bodyPr wrap="none" rtlCol="0">
+            <a:spAutoFit/>
+          </a:bodyPr>
+          <a:lstStyle/>
+          <a:p>
+            <a:pPr marL="285750" indent="-285750">
+              <a:buFont typeface="Arial" panose="020B0604020202020204" pitchFamily="34" charset="0"/>
+              <a:buChar char="•"/>
+            </a:pPr>
+            <a:r>
+              <a:rPr lang="pt-BR" sz="1200" dirty="0">
+                <a:solidFill>
+                  <a:srgbClr val="FF0000"/>
+                </a:solidFill>
+              </a:rPr>
+              <a:t>COR</a:t>
+            </a:r>
+          </a:p>
+          <a:p>
+            <a:pPr marL="285750" indent="-285750">
+              <a:buFont typeface="Arial" panose="020B0604020202020204" pitchFamily="34" charset="0"/>
+              <a:buChar char="•"/>
+            </a:pPr>
+            <a:r>
+              <a:rPr lang="pt-BR" sz="1200" dirty="0">
+                <a:solidFill>
+                  <a:srgbClr val="FF0000"/>
+                </a:solidFill>
+              </a:rPr>
+              <a:t>NÚMERO DE PORTAS</a:t>
+            </a:r>
+          </a:p>
+          <a:p>
+            <a:pPr marL="285750" indent="-285750">
+              <a:buFont typeface="Arial" panose="020B0604020202020204" pitchFamily="34" charset="0"/>
+              <a:buChar char="•"/>
+            </a:pPr>
+            <a:r>
+              <a:rPr lang="pt-BR" sz="1200" dirty="0">
+                <a:solidFill>
+                  <a:srgbClr val="FF0000"/>
+                </a:solidFill>
+              </a:rPr>
+              <a:t>PLACA</a:t>
+            </a:r>
+          </a:p>
+          <a:p>
+            <a:pPr marL="285750" indent="-285750">
+              <a:buFont typeface="Arial" panose="020B0604020202020204" pitchFamily="34" charset="0"/>
+              <a:buChar char="•"/>
+            </a:pPr>
+            <a:r>
+              <a:rPr lang="pt-BR" sz="1200" dirty="0">
+                <a:solidFill>
+                  <a:srgbClr val="FF0000"/>
+                </a:solidFill>
+              </a:rPr>
+              <a:t>MARCHA</a:t>
+            </a:r>
+          </a:p>
+        </p:txBody>
+      </p:sp>
+      <p:sp>
+        <p:nvSpPr>
+          <p:cNvPr id="40" name="CaixaDeTexto 39">
+            <a:extLst>
+              <a:ext uri="{FF2B5EF4-FFF2-40B4-BE49-F238E27FC236}">
+                <a16:creationId xmlns:a16="http://schemas.microsoft.com/office/drawing/2014/main" id="{BD0FFCE0-8C34-3473-0F8E-B6FB2D9A6DA2}"/>
+              </a:ext>
+            </a:extLst>
+          </p:cNvPr>
+          <p:cNvSpPr txBox="1"/>
+          <p:nvPr/>
+        </p:nvSpPr>
+        <p:spPr>
+          <a:xfrm>
+            <a:off x="8845550" y="3518767"/>
+            <a:ext cx="1740798" cy="461665"/>
+          </a:xfrm>
+          <a:prstGeom prst="rect">
+            <a:avLst/>
+          </a:prstGeom>
+          <a:noFill/>
+        </p:spPr>
+        <p:txBody>
+          <a:bodyPr wrap="none" rtlCol="0">
+            <a:spAutoFit/>
+          </a:bodyPr>
+          <a:lstStyle/>
+          <a:p>
+            <a:pPr marL="285750" indent="-285750">
+              <a:buFont typeface="Arial" panose="020B0604020202020204" pitchFamily="34" charset="0"/>
+              <a:buChar char="•"/>
+            </a:pPr>
+            <a:r>
+              <a:rPr lang="pt-BR" sz="1200" dirty="0">
+                <a:solidFill>
+                  <a:srgbClr val="FF0000"/>
+                </a:solidFill>
+              </a:rPr>
+              <a:t>NÚMERO DE RODAS</a:t>
+            </a:r>
+          </a:p>
+          <a:p>
+            <a:pPr marL="285750" indent="-285750">
+              <a:buFont typeface="Arial" panose="020B0604020202020204" pitchFamily="34" charset="0"/>
+              <a:buChar char="•"/>
+            </a:pPr>
+            <a:r>
+              <a:rPr lang="pt-BR" sz="1200" dirty="0">
+                <a:solidFill>
+                  <a:srgbClr val="FF0000"/>
+                </a:solidFill>
+              </a:rPr>
+              <a:t>VELOCIDADE</a:t>
+            </a:r>
+          </a:p>
+        </p:txBody>
+      </p:sp>
+    </p:spTree>
+    <p:extLst>
+      <p:ext uri="{BB962C8B-B14F-4D97-AF65-F5344CB8AC3E}">
+        <p14:creationId xmlns:p14="http://schemas.microsoft.com/office/powerpoint/2010/main" val="2644569600"/>
+      </p:ext>
+    </p:extLst>
+  </p:cSld>
+  <p:clrMapOvr>
+    <a:masterClrMapping/>
+  </p:clrMapOvr>
+</p:sld>
+</file>
+
+<file path=ppt/slides/slide18.xml><?xml version="1.0" encoding="utf-8"?>
+<p:sld xmlns:a="http://schemas.openxmlformats.org/drawingml/2006/main" xmlns:r="http://schemas.openxmlformats.org/officeDocument/2006/relationships" xmlns:p="http://schemas.openxmlformats.org/presentationml/2006/main">
+  <p:cSld>
+    <p:spTree>
+      <p:nvGrpSpPr>
+        <p:cNvPr id="1" name=""/>
+        <p:cNvGrpSpPr/>
+        <p:nvPr/>
+      </p:nvGrpSpPr>
+      <p:grpSpPr>
+        <a:xfrm>
+          <a:off x="0" y="0"/>
+          <a:ext cx="0" cy="0"/>
+          <a:chOff x="0" y="0"/>
+          <a:chExt cx="0" cy="0"/>
+        </a:xfrm>
+      </p:grpSpPr>
+      <p:sp>
+        <p:nvSpPr>
+          <p:cNvPr id="3" name="Espaço Reservado para Conteúdo 2">
+            <a:extLst>
+              <a:ext uri="{FF2B5EF4-FFF2-40B4-BE49-F238E27FC236}">
+                <a16:creationId xmlns:a16="http://schemas.microsoft.com/office/drawing/2014/main" id="{214589AA-2599-0375-F695-4E917B748CFD}"/>
+              </a:ext>
+            </a:extLst>
+          </p:cNvPr>
+          <p:cNvSpPr>
+            <a:spLocks noGrp="1"/>
+          </p:cNvSpPr>
+          <p:nvPr>
+            <p:ph idx="1"/>
+          </p:nvPr>
+        </p:nvSpPr>
+        <p:spPr>
+          <a:xfrm>
+            <a:off x="1097279" y="1845734"/>
+            <a:ext cx="4234651" cy="4023360"/>
+          </a:xfrm>
+        </p:spPr>
+        <p:txBody>
+          <a:bodyPr>
+            <a:normAutofit/>
+          </a:bodyPr>
+          <a:lstStyle/>
+          <a:p>
+            <a:r>
+              <a:rPr lang="pt-BR" dirty="0"/>
+              <a:t>A Herança é uma forma de reutilizar algo que já foi criado a partir de uma Classe existente (Atributos e Métodos).</a:t>
+            </a:r>
+          </a:p>
+          <a:p>
+            <a:r>
+              <a:rPr lang="pt-BR" dirty="0"/>
+              <a:t>A partir de uma </a:t>
+            </a:r>
+            <a:r>
+              <a:rPr lang="pt-BR" dirty="0" err="1"/>
+              <a:t>SuperClasse</a:t>
+            </a:r>
+            <a:r>
+              <a:rPr lang="pt-BR" dirty="0"/>
+              <a:t>, ou </a:t>
+            </a:r>
+            <a:r>
+              <a:rPr lang="pt-BR" dirty="0" err="1"/>
+              <a:t>tras</a:t>
+            </a:r>
+            <a:r>
+              <a:rPr lang="pt-BR" dirty="0"/>
+              <a:t> </a:t>
+            </a:r>
+            <a:r>
+              <a:rPr lang="pt-BR" dirty="0" err="1"/>
+              <a:t>SubClasses</a:t>
+            </a:r>
+            <a:r>
+              <a:rPr lang="pt-BR" dirty="0"/>
+              <a:t> podem utilizar as características da </a:t>
+            </a:r>
+            <a:r>
+              <a:rPr lang="pt-BR" dirty="0" err="1"/>
+              <a:t>SubClasse</a:t>
+            </a:r>
+            <a:r>
+              <a:rPr lang="pt-BR" dirty="0"/>
+              <a:t>, além das suas características particulares.</a:t>
+            </a:r>
+          </a:p>
+        </p:txBody>
+      </p:sp>
+      <p:sp>
+        <p:nvSpPr>
+          <p:cNvPr id="4" name="Título 1">
+            <a:extLst>
+              <a:ext uri="{FF2B5EF4-FFF2-40B4-BE49-F238E27FC236}">
+                <a16:creationId xmlns:a16="http://schemas.microsoft.com/office/drawing/2014/main" id="{DAC41EFE-8AFB-BCBE-AA8A-AE54FE39FE31}"/>
+              </a:ext>
+            </a:extLst>
+          </p:cNvPr>
+          <p:cNvSpPr>
+            <a:spLocks noGrp="1"/>
+          </p:cNvSpPr>
+          <p:nvPr>
+            <p:ph type="title"/>
+          </p:nvPr>
+        </p:nvSpPr>
+        <p:spPr>
+          <a:xfrm>
+            <a:off x="1097280" y="286603"/>
+            <a:ext cx="10058400" cy="1450757"/>
+          </a:xfrm>
+        </p:spPr>
+        <p:txBody>
+          <a:bodyPr/>
+          <a:lstStyle/>
+          <a:p>
+            <a:r>
+              <a:rPr lang="pt-BR" dirty="0"/>
+              <a:t>HERANÇA</a:t>
+            </a:r>
+            <a:endParaRPr lang="pt-BR" sz="2400" dirty="0"/>
+          </a:p>
+        </p:txBody>
+      </p:sp>
+      <p:sp>
+        <p:nvSpPr>
+          <p:cNvPr id="2" name="Retângulo 1">
+            <a:extLst>
+              <a:ext uri="{FF2B5EF4-FFF2-40B4-BE49-F238E27FC236}">
+                <a16:creationId xmlns:a16="http://schemas.microsoft.com/office/drawing/2014/main" id="{DDD3ABFD-6602-D531-1BFC-B9A96DA036F7}"/>
+              </a:ext>
+            </a:extLst>
+          </p:cNvPr>
+          <p:cNvSpPr/>
+          <p:nvPr/>
+        </p:nvSpPr>
+        <p:spPr>
+          <a:xfrm>
+            <a:off x="8020050" y="2571750"/>
+            <a:ext cx="1714500" cy="571500"/>
+          </a:xfrm>
+          <a:prstGeom prst="rect">
+            <a:avLst/>
+          </a:prstGeom>
+        </p:spPr>
+        <p:style>
+          <a:lnRef idx="2">
+            <a:schemeClr val="accent1">
+              <a:shade val="15000"/>
+            </a:schemeClr>
+          </a:lnRef>
+          <a:fillRef idx="1">
+            <a:schemeClr val="accent1"/>
+          </a:fillRef>
+          <a:effectRef idx="0">
+            <a:schemeClr val="accent1"/>
+          </a:effectRef>
+          <a:fontRef idx="minor">
+            <a:schemeClr val="lt1"/>
+          </a:fontRef>
+        </p:style>
+        <p:txBody>
+          <a:bodyPr rtlCol="0" anchor="ctr"/>
+          <a:lstStyle/>
+          <a:p>
+            <a:pPr algn="ctr"/>
+            <a:r>
+              <a:rPr lang="pt-BR" dirty="0"/>
+              <a:t>TRANSPORTE</a:t>
+            </a:r>
+          </a:p>
+        </p:txBody>
+      </p:sp>
+      <p:sp>
+        <p:nvSpPr>
+          <p:cNvPr id="5" name="Retângulo 4">
+            <a:extLst>
+              <a:ext uri="{FF2B5EF4-FFF2-40B4-BE49-F238E27FC236}">
+                <a16:creationId xmlns:a16="http://schemas.microsoft.com/office/drawing/2014/main" id="{A1C14CB1-0951-AF25-CA85-9A53D940BDBE}"/>
+              </a:ext>
+            </a:extLst>
+          </p:cNvPr>
+          <p:cNvSpPr/>
+          <p:nvPr/>
+        </p:nvSpPr>
+        <p:spPr>
+          <a:xfrm>
+            <a:off x="8020050" y="4040294"/>
+            <a:ext cx="1714500" cy="571500"/>
+          </a:xfrm>
+          <a:prstGeom prst="rect">
+            <a:avLst/>
+          </a:prstGeom>
+        </p:spPr>
+        <p:style>
+          <a:lnRef idx="2">
+            <a:schemeClr val="accent1">
+              <a:shade val="15000"/>
+            </a:schemeClr>
+          </a:lnRef>
+          <a:fillRef idx="1">
+            <a:schemeClr val="accent1"/>
+          </a:fillRef>
+          <a:effectRef idx="0">
+            <a:schemeClr val="accent1"/>
+          </a:effectRef>
+          <a:fontRef idx="minor">
+            <a:schemeClr val="lt1"/>
+          </a:fontRef>
+        </p:style>
+        <p:txBody>
+          <a:bodyPr rtlCol="0" anchor="ctr"/>
+          <a:lstStyle/>
+          <a:p>
+            <a:pPr algn="ctr"/>
+            <a:r>
+              <a:rPr lang="pt-BR" dirty="0"/>
+              <a:t>TERRESTRE</a:t>
+            </a:r>
+          </a:p>
+        </p:txBody>
+      </p:sp>
+      <p:sp>
+        <p:nvSpPr>
+          <p:cNvPr id="6" name="Retângulo 5">
+            <a:extLst>
+              <a:ext uri="{FF2B5EF4-FFF2-40B4-BE49-F238E27FC236}">
+                <a16:creationId xmlns:a16="http://schemas.microsoft.com/office/drawing/2014/main" id="{3F065706-3505-B203-C130-D923E50A1EF3}"/>
+              </a:ext>
+            </a:extLst>
+          </p:cNvPr>
+          <p:cNvSpPr/>
+          <p:nvPr/>
+        </p:nvSpPr>
+        <p:spPr>
+          <a:xfrm>
+            <a:off x="10349865" y="4040294"/>
+            <a:ext cx="1714500" cy="571500"/>
+          </a:xfrm>
+          <a:prstGeom prst="rect">
+            <a:avLst/>
+          </a:prstGeom>
+        </p:spPr>
+        <p:style>
+          <a:lnRef idx="2">
+            <a:schemeClr val="accent1">
+              <a:shade val="15000"/>
+            </a:schemeClr>
+          </a:lnRef>
+          <a:fillRef idx="1">
+            <a:schemeClr val="accent1"/>
+          </a:fillRef>
+          <a:effectRef idx="0">
+            <a:schemeClr val="accent1"/>
+          </a:effectRef>
+          <a:fontRef idx="minor">
+            <a:schemeClr val="lt1"/>
+          </a:fontRef>
+        </p:style>
+        <p:txBody>
+          <a:bodyPr rtlCol="0" anchor="ctr"/>
+          <a:lstStyle/>
+          <a:p>
+            <a:pPr algn="ctr"/>
+            <a:r>
+              <a:rPr lang="pt-BR" dirty="0"/>
+              <a:t>AQUÁTICO</a:t>
+            </a:r>
+          </a:p>
+        </p:txBody>
+      </p:sp>
+      <p:sp>
+        <p:nvSpPr>
+          <p:cNvPr id="7" name="Retângulo 6">
+            <a:extLst>
+              <a:ext uri="{FF2B5EF4-FFF2-40B4-BE49-F238E27FC236}">
+                <a16:creationId xmlns:a16="http://schemas.microsoft.com/office/drawing/2014/main" id="{664AA1FA-5064-5DF6-8FCE-74DF4169BF88}"/>
+              </a:ext>
+            </a:extLst>
+          </p:cNvPr>
+          <p:cNvSpPr/>
+          <p:nvPr/>
+        </p:nvSpPr>
+        <p:spPr>
+          <a:xfrm>
+            <a:off x="5690235" y="4040294"/>
+            <a:ext cx="1714500" cy="571500"/>
+          </a:xfrm>
+          <a:prstGeom prst="rect">
+            <a:avLst/>
+          </a:prstGeom>
+        </p:spPr>
+        <p:style>
+          <a:lnRef idx="2">
+            <a:schemeClr val="accent1">
+              <a:shade val="15000"/>
+            </a:schemeClr>
+          </a:lnRef>
+          <a:fillRef idx="1">
+            <a:schemeClr val="accent1"/>
+          </a:fillRef>
+          <a:effectRef idx="0">
+            <a:schemeClr val="accent1"/>
+          </a:effectRef>
+          <a:fontRef idx="minor">
+            <a:schemeClr val="lt1"/>
+          </a:fontRef>
+        </p:style>
+        <p:txBody>
+          <a:bodyPr rtlCol="0" anchor="ctr"/>
+          <a:lstStyle/>
+          <a:p>
+            <a:pPr algn="ctr"/>
+            <a:r>
+              <a:rPr lang="pt-BR" dirty="0"/>
+              <a:t>AÉREO</a:t>
+            </a:r>
+          </a:p>
+        </p:txBody>
+      </p:sp>
+      <p:cxnSp>
+        <p:nvCxnSpPr>
+          <p:cNvPr id="17" name="Conector: Angulado 16">
+            <a:extLst>
+              <a:ext uri="{FF2B5EF4-FFF2-40B4-BE49-F238E27FC236}">
+                <a16:creationId xmlns:a16="http://schemas.microsoft.com/office/drawing/2014/main" id="{833D0729-212D-BF1D-FB88-AA44AE56A86E}"/>
+              </a:ext>
+            </a:extLst>
+          </p:cNvPr>
+          <p:cNvCxnSpPr>
+            <a:cxnSpLocks/>
+            <a:stCxn id="6" idx="0"/>
+            <a:endCxn id="7" idx="0"/>
+          </p:cNvCxnSpPr>
+          <p:nvPr/>
+        </p:nvCxnSpPr>
+        <p:spPr>
+          <a:xfrm rot="16200000" flipV="1">
+            <a:off x="8877300" y="1710479"/>
+            <a:ext cx="12700" cy="4659630"/>
+          </a:xfrm>
+          <a:prstGeom prst="bentConnector3">
+            <a:avLst>
+              <a:gd name="adj1" fmla="val 4500000"/>
+            </a:avLst>
+          </a:prstGeom>
+          <a:ln>
+            <a:headEnd type="triangle"/>
+            <a:tailEnd type="triangle"/>
+          </a:ln>
+        </p:spPr>
+        <p:style>
+          <a:lnRef idx="1">
+            <a:schemeClr val="dk1"/>
+          </a:lnRef>
+          <a:fillRef idx="0">
+            <a:schemeClr val="dk1"/>
+          </a:fillRef>
+          <a:effectRef idx="0">
+            <a:schemeClr val="dk1"/>
+          </a:effectRef>
+          <a:fontRef idx="minor">
+            <a:schemeClr val="tx1"/>
+          </a:fontRef>
+        </p:style>
+      </p:cxnSp>
+      <p:cxnSp>
+        <p:nvCxnSpPr>
+          <p:cNvPr id="21" name="Conector de Seta Reta 20">
+            <a:extLst>
+              <a:ext uri="{FF2B5EF4-FFF2-40B4-BE49-F238E27FC236}">
+                <a16:creationId xmlns:a16="http://schemas.microsoft.com/office/drawing/2014/main" id="{85C50F87-EB67-32B7-CC75-75C29C503209}"/>
+              </a:ext>
+            </a:extLst>
+          </p:cNvPr>
+          <p:cNvCxnSpPr>
+            <a:cxnSpLocks/>
+            <a:stCxn id="2" idx="2"/>
+            <a:endCxn id="5" idx="0"/>
+          </p:cNvCxnSpPr>
+          <p:nvPr/>
+        </p:nvCxnSpPr>
+        <p:spPr>
+          <a:xfrm>
+            <a:off x="8877300" y="3143250"/>
+            <a:ext cx="0" cy="897044"/>
+          </a:xfrm>
+          <a:prstGeom prst="straightConnector1">
+            <a:avLst/>
+          </a:prstGeom>
+          <a:ln>
+            <a:tailEnd type="triangle"/>
+          </a:ln>
+        </p:spPr>
+        <p:style>
+          <a:lnRef idx="1">
+            <a:schemeClr val="dk1"/>
+          </a:lnRef>
+          <a:fillRef idx="0">
+            <a:schemeClr val="dk1"/>
+          </a:fillRef>
+          <a:effectRef idx="0">
+            <a:schemeClr val="dk1"/>
+          </a:effectRef>
+          <a:fontRef idx="minor">
+            <a:schemeClr val="tx1"/>
+          </a:fontRef>
+        </p:style>
+      </p:cxnSp>
+      <p:sp>
+        <p:nvSpPr>
+          <p:cNvPr id="23" name="CaixaDeTexto 22">
+            <a:extLst>
+              <a:ext uri="{FF2B5EF4-FFF2-40B4-BE49-F238E27FC236}">
+                <a16:creationId xmlns:a16="http://schemas.microsoft.com/office/drawing/2014/main" id="{43AADB19-6B25-929C-06C5-06224C85B7E0}"/>
+              </a:ext>
+            </a:extLst>
+          </p:cNvPr>
+          <p:cNvSpPr txBox="1"/>
+          <p:nvPr/>
+        </p:nvSpPr>
+        <p:spPr>
+          <a:xfrm>
+            <a:off x="8845550" y="3200400"/>
+            <a:ext cx="985847" cy="276999"/>
+          </a:xfrm>
+          <a:prstGeom prst="rect">
+            <a:avLst/>
+          </a:prstGeom>
+          <a:noFill/>
+        </p:spPr>
+        <p:txBody>
+          <a:bodyPr wrap="none" rtlCol="0">
+            <a:spAutoFit/>
+          </a:bodyPr>
+          <a:lstStyle/>
+          <a:p>
+            <a:r>
+              <a:rPr lang="pt-BR" sz="1200" dirty="0">
+                <a:solidFill>
+                  <a:srgbClr val="FF0000"/>
+                </a:solidFill>
+              </a:rPr>
+              <a:t>CAPACIDADE</a:t>
+            </a:r>
+          </a:p>
+        </p:txBody>
+      </p:sp>
+      <p:sp>
+        <p:nvSpPr>
+          <p:cNvPr id="24" name="CaixaDeTexto 23">
+            <a:extLst>
+              <a:ext uri="{FF2B5EF4-FFF2-40B4-BE49-F238E27FC236}">
+                <a16:creationId xmlns:a16="http://schemas.microsoft.com/office/drawing/2014/main" id="{8B23F9BC-E0C7-AF8C-5670-B1D6E6566EF5}"/>
+              </a:ext>
+            </a:extLst>
+          </p:cNvPr>
+          <p:cNvSpPr txBox="1"/>
+          <p:nvPr/>
+        </p:nvSpPr>
+        <p:spPr>
+          <a:xfrm>
+            <a:off x="6157666" y="4568005"/>
+            <a:ext cx="779637" cy="369332"/>
+          </a:xfrm>
+          <a:prstGeom prst="rect">
+            <a:avLst/>
+          </a:prstGeom>
+          <a:noFill/>
+        </p:spPr>
+        <p:txBody>
+          <a:bodyPr wrap="none" rtlCol="0">
+            <a:spAutoFit/>
+          </a:bodyPr>
+          <a:lstStyle/>
+          <a:p>
+            <a:r>
+              <a:rPr lang="pt-BR" dirty="0"/>
+              <a:t>AVIÃO</a:t>
+            </a:r>
+          </a:p>
+        </p:txBody>
+      </p:sp>
+      <p:sp>
+        <p:nvSpPr>
+          <p:cNvPr id="25" name="CaixaDeTexto 24">
+            <a:extLst>
+              <a:ext uri="{FF2B5EF4-FFF2-40B4-BE49-F238E27FC236}">
+                <a16:creationId xmlns:a16="http://schemas.microsoft.com/office/drawing/2014/main" id="{4280B453-8CB8-6CE3-FC11-A0553173BBD5}"/>
+              </a:ext>
+            </a:extLst>
+          </p:cNvPr>
+          <p:cNvSpPr txBox="1"/>
+          <p:nvPr/>
+        </p:nvSpPr>
+        <p:spPr>
+          <a:xfrm>
+            <a:off x="8179835" y="4568005"/>
+            <a:ext cx="1407629" cy="369332"/>
+          </a:xfrm>
+          <a:prstGeom prst="rect">
+            <a:avLst/>
+          </a:prstGeom>
+          <a:noFill/>
+        </p:spPr>
+        <p:txBody>
+          <a:bodyPr wrap="none" rtlCol="0">
+            <a:spAutoFit/>
+          </a:bodyPr>
+          <a:lstStyle/>
+          <a:p>
+            <a:r>
+              <a:rPr lang="pt-BR" dirty="0"/>
+              <a:t>AUTOMÓVEL</a:t>
+            </a:r>
+          </a:p>
+        </p:txBody>
+      </p:sp>
+      <p:sp>
+        <p:nvSpPr>
+          <p:cNvPr id="27" name="CaixaDeTexto 26">
+            <a:extLst>
+              <a:ext uri="{FF2B5EF4-FFF2-40B4-BE49-F238E27FC236}">
+                <a16:creationId xmlns:a16="http://schemas.microsoft.com/office/drawing/2014/main" id="{F223B746-4B94-3B8A-FE7D-E588C023DAFE}"/>
+              </a:ext>
+            </a:extLst>
+          </p:cNvPr>
+          <p:cNvSpPr txBox="1"/>
+          <p:nvPr/>
+        </p:nvSpPr>
+        <p:spPr>
+          <a:xfrm>
+            <a:off x="10829996" y="4568005"/>
+            <a:ext cx="837152" cy="369332"/>
+          </a:xfrm>
+          <a:prstGeom prst="rect">
+            <a:avLst/>
+          </a:prstGeom>
+          <a:noFill/>
+        </p:spPr>
+        <p:txBody>
+          <a:bodyPr wrap="none" rtlCol="0">
+            <a:spAutoFit/>
+          </a:bodyPr>
+          <a:lstStyle/>
+          <a:p>
+            <a:r>
+              <a:rPr lang="pt-BR" dirty="0"/>
+              <a:t>BARCO</a:t>
+            </a:r>
+          </a:p>
+        </p:txBody>
+      </p:sp>
+      <p:cxnSp>
+        <p:nvCxnSpPr>
+          <p:cNvPr id="29" name="Conector de Seta Reta 28">
+            <a:extLst>
+              <a:ext uri="{FF2B5EF4-FFF2-40B4-BE49-F238E27FC236}">
+                <a16:creationId xmlns:a16="http://schemas.microsoft.com/office/drawing/2014/main" id="{FB611D13-4C06-358B-89B4-8E5335854E5D}"/>
+              </a:ext>
+            </a:extLst>
+          </p:cNvPr>
+          <p:cNvCxnSpPr>
+            <a:cxnSpLocks/>
+          </p:cNvCxnSpPr>
+          <p:nvPr/>
+        </p:nvCxnSpPr>
+        <p:spPr>
+          <a:xfrm>
+            <a:off x="5505450" y="2935724"/>
+            <a:ext cx="0" cy="2346537"/>
+          </a:xfrm>
+          <a:prstGeom prst="straightConnector1">
+            <a:avLst/>
+          </a:prstGeom>
+          <a:ln>
+            <a:headEnd type="triangle"/>
+            <a:tailEnd type="triangle"/>
+          </a:ln>
+        </p:spPr>
+        <p:style>
+          <a:lnRef idx="1">
+            <a:schemeClr val="dk1"/>
+          </a:lnRef>
+          <a:fillRef idx="0">
+            <a:schemeClr val="dk1"/>
+          </a:fillRef>
+          <a:effectRef idx="0">
+            <a:schemeClr val="dk1"/>
+          </a:effectRef>
+          <a:fontRef idx="minor">
+            <a:schemeClr val="tx1"/>
+          </a:fontRef>
+        </p:style>
+      </p:cxnSp>
+      <p:sp>
+        <p:nvSpPr>
+          <p:cNvPr id="35" name="CaixaDeTexto 34">
+            <a:extLst>
+              <a:ext uri="{FF2B5EF4-FFF2-40B4-BE49-F238E27FC236}">
+                <a16:creationId xmlns:a16="http://schemas.microsoft.com/office/drawing/2014/main" id="{4130A3BF-4CDD-E515-8682-E9443306AE50}"/>
+              </a:ext>
+            </a:extLst>
+          </p:cNvPr>
+          <p:cNvSpPr txBox="1"/>
+          <p:nvPr/>
+        </p:nvSpPr>
+        <p:spPr>
+          <a:xfrm>
+            <a:off x="5416344" y="2539637"/>
+            <a:ext cx="1157176" cy="369332"/>
+          </a:xfrm>
+          <a:prstGeom prst="rect">
+            <a:avLst/>
+          </a:prstGeom>
+          <a:noFill/>
+        </p:spPr>
+        <p:txBody>
+          <a:bodyPr wrap="none" rtlCol="0">
+            <a:spAutoFit/>
+          </a:bodyPr>
+          <a:lstStyle/>
+          <a:p>
+            <a:r>
+              <a:rPr lang="pt-BR" dirty="0"/>
+              <a:t>ABSTRATO</a:t>
+            </a:r>
+          </a:p>
+        </p:txBody>
+      </p:sp>
+      <p:sp>
+        <p:nvSpPr>
+          <p:cNvPr id="36" name="CaixaDeTexto 35">
+            <a:extLst>
+              <a:ext uri="{FF2B5EF4-FFF2-40B4-BE49-F238E27FC236}">
+                <a16:creationId xmlns:a16="http://schemas.microsoft.com/office/drawing/2014/main" id="{584B174C-77B1-FDE4-F6E6-4A9DBAAC9217}"/>
+              </a:ext>
+            </a:extLst>
+          </p:cNvPr>
+          <p:cNvSpPr txBox="1"/>
+          <p:nvPr/>
+        </p:nvSpPr>
+        <p:spPr>
+          <a:xfrm>
+            <a:off x="5429679" y="5260367"/>
+            <a:ext cx="1226041" cy="369332"/>
+          </a:xfrm>
+          <a:prstGeom prst="rect">
+            <a:avLst/>
+          </a:prstGeom>
+          <a:noFill/>
+        </p:spPr>
+        <p:txBody>
+          <a:bodyPr wrap="none" rtlCol="0">
+            <a:spAutoFit/>
+          </a:bodyPr>
+          <a:lstStyle/>
+          <a:p>
+            <a:r>
+              <a:rPr lang="pt-BR" dirty="0"/>
+              <a:t>CONCRETO</a:t>
+            </a:r>
+          </a:p>
+        </p:txBody>
+      </p:sp>
+      <p:sp>
+        <p:nvSpPr>
+          <p:cNvPr id="37" name="CaixaDeTexto 36">
+            <a:extLst>
+              <a:ext uri="{FF2B5EF4-FFF2-40B4-BE49-F238E27FC236}">
+                <a16:creationId xmlns:a16="http://schemas.microsoft.com/office/drawing/2014/main" id="{8AFA0203-A6F2-31E8-7BCC-E97B2F4FFB29}"/>
+              </a:ext>
+            </a:extLst>
+          </p:cNvPr>
+          <p:cNvSpPr txBox="1"/>
+          <p:nvPr/>
+        </p:nvSpPr>
+        <p:spPr>
+          <a:xfrm>
+            <a:off x="8020050" y="4846117"/>
+            <a:ext cx="1791901" cy="830997"/>
+          </a:xfrm>
+          <a:prstGeom prst="rect">
+            <a:avLst/>
+          </a:prstGeom>
+          <a:noFill/>
+        </p:spPr>
+        <p:txBody>
+          <a:bodyPr wrap="none" rtlCol="0">
+            <a:spAutoFit/>
+          </a:bodyPr>
+          <a:lstStyle/>
+          <a:p>
+            <a:pPr marL="285750" indent="-285750">
+              <a:buFont typeface="Arial" panose="020B0604020202020204" pitchFamily="34" charset="0"/>
+              <a:buChar char="•"/>
+            </a:pPr>
+            <a:r>
+              <a:rPr lang="pt-BR" sz="1200" dirty="0">
+                <a:solidFill>
+                  <a:srgbClr val="FF0000"/>
+                </a:solidFill>
+              </a:rPr>
+              <a:t>COR</a:t>
+            </a:r>
+          </a:p>
+          <a:p>
+            <a:pPr marL="285750" indent="-285750">
+              <a:buFont typeface="Arial" panose="020B0604020202020204" pitchFamily="34" charset="0"/>
+              <a:buChar char="•"/>
+            </a:pPr>
+            <a:r>
+              <a:rPr lang="pt-BR" sz="1200" dirty="0">
+                <a:solidFill>
+                  <a:srgbClr val="FF0000"/>
+                </a:solidFill>
+              </a:rPr>
+              <a:t>NÚMERO DE PORTAS</a:t>
+            </a:r>
+          </a:p>
+          <a:p>
+            <a:pPr marL="285750" indent="-285750">
+              <a:buFont typeface="Arial" panose="020B0604020202020204" pitchFamily="34" charset="0"/>
+              <a:buChar char="•"/>
+            </a:pPr>
+            <a:r>
+              <a:rPr lang="pt-BR" sz="1200" dirty="0">
+                <a:solidFill>
+                  <a:srgbClr val="FF0000"/>
+                </a:solidFill>
+              </a:rPr>
+              <a:t>PLACA</a:t>
+            </a:r>
+          </a:p>
+          <a:p>
+            <a:pPr marL="285750" indent="-285750">
+              <a:buFont typeface="Arial" panose="020B0604020202020204" pitchFamily="34" charset="0"/>
+              <a:buChar char="•"/>
+            </a:pPr>
+            <a:r>
+              <a:rPr lang="pt-BR" sz="1200" dirty="0">
+                <a:solidFill>
+                  <a:srgbClr val="FF0000"/>
+                </a:solidFill>
+              </a:rPr>
+              <a:t>MARCHA</a:t>
+            </a:r>
+          </a:p>
+        </p:txBody>
+      </p:sp>
+      <p:sp>
+        <p:nvSpPr>
+          <p:cNvPr id="40" name="CaixaDeTexto 39">
+            <a:extLst>
+              <a:ext uri="{FF2B5EF4-FFF2-40B4-BE49-F238E27FC236}">
+                <a16:creationId xmlns:a16="http://schemas.microsoft.com/office/drawing/2014/main" id="{BD0FFCE0-8C34-3473-0F8E-B6FB2D9A6DA2}"/>
+              </a:ext>
+            </a:extLst>
+          </p:cNvPr>
+          <p:cNvSpPr txBox="1"/>
+          <p:nvPr/>
+        </p:nvSpPr>
+        <p:spPr>
+          <a:xfrm>
+            <a:off x="8845550" y="3518767"/>
+            <a:ext cx="1740798" cy="461665"/>
+          </a:xfrm>
+          <a:prstGeom prst="rect">
+            <a:avLst/>
+          </a:prstGeom>
+          <a:noFill/>
+        </p:spPr>
+        <p:txBody>
+          <a:bodyPr wrap="none" rtlCol="0">
+            <a:spAutoFit/>
+          </a:bodyPr>
+          <a:lstStyle/>
+          <a:p>
+            <a:pPr marL="285750" indent="-285750">
+              <a:buFont typeface="Arial" panose="020B0604020202020204" pitchFamily="34" charset="0"/>
+              <a:buChar char="•"/>
+            </a:pPr>
+            <a:r>
+              <a:rPr lang="pt-BR" sz="1200" dirty="0">
+                <a:solidFill>
+                  <a:srgbClr val="FF0000"/>
+                </a:solidFill>
+              </a:rPr>
+              <a:t>NÚMERO DE RODAS</a:t>
+            </a:r>
+          </a:p>
+          <a:p>
+            <a:pPr marL="285750" indent="-285750">
+              <a:buFont typeface="Arial" panose="020B0604020202020204" pitchFamily="34" charset="0"/>
+              <a:buChar char="•"/>
+            </a:pPr>
+            <a:r>
+              <a:rPr lang="pt-BR" sz="1200" dirty="0">
+                <a:solidFill>
+                  <a:srgbClr val="FF0000"/>
+                </a:solidFill>
+              </a:rPr>
+              <a:t>VELOCIDADE</a:t>
+            </a:r>
+          </a:p>
+        </p:txBody>
+      </p:sp>
+    </p:spTree>
+    <p:extLst>
+      <p:ext uri="{BB962C8B-B14F-4D97-AF65-F5344CB8AC3E}">
+        <p14:creationId xmlns:p14="http://schemas.microsoft.com/office/powerpoint/2010/main" val="3921447418"/>
+      </p:ext>
+    </p:extLst>
+  </p:cSld>
+  <p:clrMapOvr>
+    <a:masterClrMapping/>
+  </p:clrMapOvr>
+</p:sld>
+</file>
+
+<file path=ppt/slides/slide19.xml><?xml version="1.0" encoding="utf-8"?>
+<p:sld xmlns:a="http://schemas.openxmlformats.org/drawingml/2006/main" xmlns:r="http://schemas.openxmlformats.org/officeDocument/2006/relationships" xmlns:p="http://schemas.openxmlformats.org/presentationml/2006/main">
+  <p:cSld>
+    <p:spTree>
+      <p:nvGrpSpPr>
+        <p:cNvPr id="1" name=""/>
+        <p:cNvGrpSpPr/>
+        <p:nvPr/>
+      </p:nvGrpSpPr>
+      <p:grpSpPr>
+        <a:xfrm>
+          <a:off x="0" y="0"/>
+          <a:ext cx="0" cy="0"/>
+          <a:chOff x="0" y="0"/>
+          <a:chExt cx="0" cy="0"/>
+        </a:xfrm>
+      </p:grpSpPr>
+      <p:graphicFrame>
+        <p:nvGraphicFramePr>
+          <p:cNvPr id="5" name="Espaço Reservado para Conteúdo 4">
+            <a:extLst>
+              <a:ext uri="{FF2B5EF4-FFF2-40B4-BE49-F238E27FC236}">
+                <a16:creationId xmlns:a16="http://schemas.microsoft.com/office/drawing/2014/main" id="{1BAE8A0F-CAA3-DEBA-CE1F-2DCDCD7D45A9}"/>
+              </a:ext>
+            </a:extLst>
+          </p:cNvPr>
+          <p:cNvGraphicFramePr>
+            <a:graphicFrameLocks noGrp="1"/>
+          </p:cNvGraphicFramePr>
+          <p:nvPr>
+            <p:ph idx="1"/>
+            <p:extLst>
+              <p:ext uri="{D42A27DB-BD31-4B8C-83A1-F6EECF244321}">
+                <p14:modId xmlns:p14="http://schemas.microsoft.com/office/powerpoint/2010/main" val="2245532201"/>
+              </p:ext>
+            </p:extLst>
+          </p:nvPr>
+        </p:nvGraphicFramePr>
+        <p:xfrm>
+          <a:off x="7307263" y="1904271"/>
+          <a:ext cx="2370137" cy="1241154"/>
+        </p:xfrm>
+        <a:graphic>
+          <a:graphicData uri="http://schemas.openxmlformats.org/drawingml/2006/table">
+            <a:tbl>
+              <a:tblPr firstRow="1" bandRow="1">
+                <a:tableStyleId>{2D5ABB26-0587-4C30-8999-92F81FD0307C}</a:tableStyleId>
+              </a:tblPr>
+              <a:tblGrid>
+                <a:gridCol w="2370137">
+                  <a:extLst>
+                    <a:ext uri="{9D8B030D-6E8A-4147-A177-3AD203B41FA5}">
+                      <a16:colId xmlns:a16="http://schemas.microsoft.com/office/drawing/2014/main" val="1655728336"/>
+                    </a:ext>
+                  </a:extLst>
+                </a:gridCol>
+              </a:tblGrid>
+              <a:tr h="312396">
+                <a:tc>
+                  <a:txBody>
+                    <a:bodyPr/>
+                    <a:lstStyle/>
+                    <a:p>
+                      <a:pPr algn="ctr"/>
+                      <a:r>
+                        <a:rPr lang="pt-BR" b="1" dirty="0"/>
+                        <a:t>TRANSPORTE</a:t>
+                      </a:r>
+                    </a:p>
+                  </a:txBody>
+                  <a:tcPr>
+                    <a:lnL w="12700" cap="flat" cmpd="sng" algn="ctr">
+                      <a:solidFill>
+                        <a:schemeClr val="tx1"/>
+                      </a:solidFill>
+                      <a:prstDash val="solid"/>
+                      <a:round/>
+                      <a:headEnd type="none" w="med" len="med"/>
+                      <a:tailEnd type="none" w="med" len="med"/>
+                    </a:lnL>
+                    <a:lnR w="12700" cap="flat" cmpd="sng" algn="ctr">
+                      <a:solidFill>
+                        <a:schemeClr val="tx1"/>
+                      </a:solidFill>
+                      <a:prstDash val="solid"/>
+                      <a:round/>
+                      <a:headEnd type="none" w="med" len="med"/>
+                      <a:tailEnd type="none" w="med" len="med"/>
+                    </a:lnR>
+                    <a:lnT w="12700" cap="flat" cmpd="sng" algn="ctr">
+                      <a:solidFill>
+                        <a:schemeClr val="tx1"/>
+                      </a:solidFill>
+                      <a:prstDash val="solid"/>
+                      <a:round/>
+                      <a:headEnd type="none" w="med" len="med"/>
+                      <a:tailEnd type="none" w="med" len="med"/>
+                    </a:lnT>
+                    <a:lnB w="12700" cap="flat" cmpd="sng" algn="ctr">
+                      <a:solidFill>
+                        <a:schemeClr val="tx1"/>
+                      </a:solidFill>
+                      <a:prstDash val="solid"/>
+                      <a:round/>
+                      <a:headEnd type="none" w="med" len="med"/>
+                      <a:tailEnd type="none" w="med" len="med"/>
+                    </a:lnB>
+                  </a:tcPr>
+                </a:tc>
+                <a:extLst>
+                  <a:ext uri="{0D108BD9-81ED-4DB2-BD59-A6C34878D82A}">
+                    <a16:rowId xmlns:a16="http://schemas.microsoft.com/office/drawing/2014/main" val="2440149001"/>
+                  </a:ext>
+                </a:extLst>
+              </a:tr>
+              <a:tr h="509634">
+                <a:tc>
+                  <a:txBody>
+                    <a:bodyPr/>
+                    <a:lstStyle/>
+                    <a:p>
+                      <a:r>
+                        <a:rPr lang="pt-BR" dirty="0"/>
+                        <a:t>- capacidade: int</a:t>
+                      </a:r>
+                    </a:p>
+                  </a:txBody>
+                  <a:tcPr>
+                    <a:lnL w="12700" cap="flat" cmpd="sng" algn="ctr">
+                      <a:solidFill>
+                        <a:schemeClr val="tx1"/>
+                      </a:solidFill>
+                      <a:prstDash val="solid"/>
+                      <a:round/>
+                      <a:headEnd type="none" w="med" len="med"/>
+                      <a:tailEnd type="none" w="med" len="med"/>
+                    </a:lnL>
+                    <a:lnR w="12700" cap="flat" cmpd="sng" algn="ctr">
+                      <a:solidFill>
+                        <a:schemeClr val="tx1"/>
+                      </a:solidFill>
+                      <a:prstDash val="solid"/>
+                      <a:round/>
+                      <a:headEnd type="none" w="med" len="med"/>
+                      <a:tailEnd type="none" w="med" len="med"/>
+                    </a:lnR>
+                    <a:lnT w="12700" cap="flat" cmpd="sng" algn="ctr">
+                      <a:solidFill>
+                        <a:schemeClr val="tx1"/>
+                      </a:solidFill>
+                      <a:prstDash val="solid"/>
+                      <a:round/>
+                      <a:headEnd type="none" w="med" len="med"/>
+                      <a:tailEnd type="none" w="med" len="med"/>
+                    </a:lnT>
+                    <a:lnB w="12700" cap="flat" cmpd="sng" algn="ctr">
+                      <a:solidFill>
+                        <a:schemeClr val="tx1"/>
+                      </a:solidFill>
+                      <a:prstDash val="solid"/>
+                      <a:round/>
+                      <a:headEnd type="none" w="med" len="med"/>
+                      <a:tailEnd type="none" w="med" len="med"/>
+                    </a:lnB>
+                  </a:tcPr>
+                </a:tc>
+                <a:extLst>
+                  <a:ext uri="{0D108BD9-81ED-4DB2-BD59-A6C34878D82A}">
+                    <a16:rowId xmlns:a16="http://schemas.microsoft.com/office/drawing/2014/main" val="2755435307"/>
+                  </a:ext>
+                </a:extLst>
+              </a:tr>
+              <a:tr h="312396">
+                <a:tc>
+                  <a:txBody>
+                    <a:bodyPr/>
+                    <a:lstStyle/>
+                    <a:p>
+                      <a:endParaRPr lang="pt-BR" dirty="0"/>
+                    </a:p>
+                  </a:txBody>
+                  <a:tcPr>
+                    <a:lnL w="12700" cap="flat" cmpd="sng" algn="ctr">
+                      <a:solidFill>
+                        <a:schemeClr val="tx1"/>
+                      </a:solidFill>
+                      <a:prstDash val="solid"/>
+                      <a:round/>
+                      <a:headEnd type="none" w="med" len="med"/>
+                      <a:tailEnd type="none" w="med" len="med"/>
+                    </a:lnL>
+                    <a:lnR w="12700" cap="flat" cmpd="sng" algn="ctr">
+                      <a:solidFill>
+                        <a:schemeClr val="tx1"/>
+                      </a:solidFill>
+                      <a:prstDash val="solid"/>
+                      <a:round/>
+                      <a:headEnd type="none" w="med" len="med"/>
+                      <a:tailEnd type="none" w="med" len="med"/>
+                    </a:lnR>
+                    <a:lnT w="12700" cap="flat" cmpd="sng" algn="ctr">
+                      <a:solidFill>
+                        <a:schemeClr val="tx1"/>
+                      </a:solidFill>
+                      <a:prstDash val="solid"/>
+                      <a:round/>
+                      <a:headEnd type="none" w="med" len="med"/>
+                      <a:tailEnd type="none" w="med" len="med"/>
+                    </a:lnT>
+                    <a:lnB w="12700" cap="flat" cmpd="sng" algn="ctr">
+                      <a:solidFill>
+                        <a:schemeClr val="tx1"/>
+                      </a:solidFill>
+                      <a:prstDash val="solid"/>
+                      <a:round/>
+                      <a:headEnd type="none" w="med" len="med"/>
+                      <a:tailEnd type="none" w="med" len="med"/>
+                    </a:lnB>
+                  </a:tcPr>
+                </a:tc>
+                <a:extLst>
+                  <a:ext uri="{0D108BD9-81ED-4DB2-BD59-A6C34878D82A}">
+                    <a16:rowId xmlns:a16="http://schemas.microsoft.com/office/drawing/2014/main" val="696977993"/>
+                  </a:ext>
+                </a:extLst>
+              </a:tr>
+            </a:tbl>
+          </a:graphicData>
+        </a:graphic>
+      </p:graphicFrame>
+      <p:sp>
+        <p:nvSpPr>
+          <p:cNvPr id="4" name="Título 1">
+            <a:extLst>
+              <a:ext uri="{FF2B5EF4-FFF2-40B4-BE49-F238E27FC236}">
+                <a16:creationId xmlns:a16="http://schemas.microsoft.com/office/drawing/2014/main" id="{6C39060B-FEF0-6AA5-65E9-39A732572625}"/>
+              </a:ext>
+            </a:extLst>
+          </p:cNvPr>
+          <p:cNvSpPr>
+            <a:spLocks noGrp="1"/>
+          </p:cNvSpPr>
+          <p:nvPr>
+            <p:ph type="title"/>
+          </p:nvPr>
+        </p:nvSpPr>
+        <p:spPr>
+          <a:xfrm>
+            <a:off x="1096963" y="287338"/>
+            <a:ext cx="10058400" cy="1449387"/>
+          </a:xfrm>
+        </p:spPr>
+        <p:txBody>
+          <a:bodyPr/>
+          <a:lstStyle/>
+          <a:p>
+            <a:r>
+              <a:rPr lang="pt-BR" dirty="0"/>
+              <a:t>HERANÇA</a:t>
+            </a:r>
+            <a:endParaRPr lang="pt-BR" sz="2400" dirty="0"/>
+          </a:p>
+        </p:txBody>
+      </p:sp>
+      <p:graphicFrame>
+        <p:nvGraphicFramePr>
+          <p:cNvPr id="6" name="Espaço Reservado para Conteúdo 4">
+            <a:extLst>
+              <a:ext uri="{FF2B5EF4-FFF2-40B4-BE49-F238E27FC236}">
+                <a16:creationId xmlns:a16="http://schemas.microsoft.com/office/drawing/2014/main" id="{ED0016E0-00F8-7F81-A40E-320CD79260F7}"/>
+              </a:ext>
+            </a:extLst>
+          </p:cNvPr>
+          <p:cNvGraphicFramePr>
+            <a:graphicFrameLocks/>
+          </p:cNvGraphicFramePr>
+          <p:nvPr>
+            <p:extLst>
+              <p:ext uri="{D42A27DB-BD31-4B8C-83A1-F6EECF244321}">
+                <p14:modId xmlns:p14="http://schemas.microsoft.com/office/powerpoint/2010/main" val="3928519235"/>
+              </p:ext>
+            </p:extLst>
+          </p:nvPr>
+        </p:nvGraphicFramePr>
+        <p:xfrm>
+          <a:off x="7307262" y="3415174"/>
+          <a:ext cx="2370138" cy="1005840"/>
+        </p:xfrm>
+        <a:graphic>
+          <a:graphicData uri="http://schemas.openxmlformats.org/drawingml/2006/table">
+            <a:tbl>
+              <a:tblPr firstRow="1" bandRow="1">
+                <a:tableStyleId>{2D5ABB26-0587-4C30-8999-92F81FD0307C}</a:tableStyleId>
+              </a:tblPr>
+              <a:tblGrid>
+                <a:gridCol w="2370138">
+                  <a:extLst>
+                    <a:ext uri="{9D8B030D-6E8A-4147-A177-3AD203B41FA5}">
+                      <a16:colId xmlns:a16="http://schemas.microsoft.com/office/drawing/2014/main" val="1655728336"/>
+                    </a:ext>
+                  </a:extLst>
+                </a:gridCol>
+              </a:tblGrid>
+              <a:tr h="312396">
+                <a:tc>
+                  <a:txBody>
+                    <a:bodyPr/>
+                    <a:lstStyle/>
+                    <a:p>
+                      <a:pPr algn="ctr"/>
+                      <a:r>
+                        <a:rPr lang="pt-BR" b="1" dirty="0"/>
+                        <a:t>TERRESTRE</a:t>
+                      </a:r>
+                    </a:p>
+                  </a:txBody>
+                  <a:tcPr>
+                    <a:lnL w="12700" cap="flat" cmpd="sng" algn="ctr">
+                      <a:solidFill>
+                        <a:schemeClr val="tx1"/>
+                      </a:solidFill>
+                      <a:prstDash val="solid"/>
+                      <a:round/>
+                      <a:headEnd type="none" w="med" len="med"/>
+                      <a:tailEnd type="none" w="med" len="med"/>
+                    </a:lnL>
+                    <a:lnR w="12700" cap="flat" cmpd="sng" algn="ctr">
+                      <a:solidFill>
+                        <a:schemeClr val="tx1"/>
+                      </a:solidFill>
+                      <a:prstDash val="solid"/>
+                      <a:round/>
+                      <a:headEnd type="none" w="med" len="med"/>
+                      <a:tailEnd type="none" w="med" len="med"/>
+                    </a:lnR>
+                    <a:lnT w="12700" cap="flat" cmpd="sng" algn="ctr">
+                      <a:solidFill>
+                        <a:schemeClr val="tx1"/>
+                      </a:solidFill>
+                      <a:prstDash val="solid"/>
+                      <a:round/>
+                      <a:headEnd type="none" w="med" len="med"/>
+                      <a:tailEnd type="none" w="med" len="med"/>
+                    </a:lnT>
+                    <a:lnB w="12700" cap="flat" cmpd="sng" algn="ctr">
+                      <a:solidFill>
+                        <a:schemeClr val="tx1"/>
+                      </a:solidFill>
+                      <a:prstDash val="solid"/>
+                      <a:round/>
+                      <a:headEnd type="none" w="med" len="med"/>
+                      <a:tailEnd type="none" w="med" len="med"/>
+                    </a:lnB>
+                  </a:tcPr>
+                </a:tc>
+                <a:extLst>
+                  <a:ext uri="{0D108BD9-81ED-4DB2-BD59-A6C34878D82A}">
+                    <a16:rowId xmlns:a16="http://schemas.microsoft.com/office/drawing/2014/main" val="2440149001"/>
+                  </a:ext>
+                </a:extLst>
+              </a:tr>
+              <a:tr h="509634">
+                <a:tc>
+                  <a:txBody>
+                    <a:bodyPr/>
+                    <a:lstStyle/>
+                    <a:p>
+                      <a:pPr marL="0" indent="0">
+                        <a:buFontTx/>
+                        <a:buNone/>
+                      </a:pPr>
+                      <a:r>
+                        <a:rPr lang="pt-BR" dirty="0"/>
+                        <a:t>-numero de rodas: int</a:t>
+                      </a:r>
+                    </a:p>
+                    <a:p>
+                      <a:pPr marL="0" indent="0">
+                        <a:buFontTx/>
+                        <a:buNone/>
+                      </a:pPr>
+                      <a:r>
+                        <a:rPr lang="pt-BR" dirty="0"/>
+                        <a:t>-velocidade: </a:t>
+                      </a:r>
+                      <a:r>
+                        <a:rPr lang="pt-BR" dirty="0" err="1"/>
+                        <a:t>float</a:t>
+                      </a:r>
+                      <a:endParaRPr lang="pt-BR" dirty="0"/>
+                    </a:p>
+                  </a:txBody>
+                  <a:tcPr>
+                    <a:lnL w="12700" cap="flat" cmpd="sng" algn="ctr">
+                      <a:solidFill>
+                        <a:schemeClr val="tx1"/>
+                      </a:solidFill>
+                      <a:prstDash val="solid"/>
+                      <a:round/>
+                      <a:headEnd type="none" w="med" len="med"/>
+                      <a:tailEnd type="none" w="med" len="med"/>
+                    </a:lnL>
+                    <a:lnR w="12700" cap="flat" cmpd="sng" algn="ctr">
+                      <a:solidFill>
+                        <a:schemeClr val="tx1"/>
+                      </a:solidFill>
+                      <a:prstDash val="solid"/>
+                      <a:round/>
+                      <a:headEnd type="none" w="med" len="med"/>
+                      <a:tailEnd type="none" w="med" len="med"/>
+                    </a:lnR>
+                    <a:lnT w="12700" cap="flat" cmpd="sng" algn="ctr">
+                      <a:solidFill>
+                        <a:schemeClr val="tx1"/>
+                      </a:solidFill>
+                      <a:prstDash val="solid"/>
+                      <a:round/>
+                      <a:headEnd type="none" w="med" len="med"/>
+                      <a:tailEnd type="none" w="med" len="med"/>
+                    </a:lnT>
+                    <a:lnB w="12700" cap="flat" cmpd="sng" algn="ctr">
+                      <a:solidFill>
+                        <a:schemeClr val="tx1"/>
+                      </a:solidFill>
+                      <a:prstDash val="solid"/>
+                      <a:round/>
+                      <a:headEnd type="none" w="med" len="med"/>
+                      <a:tailEnd type="none" w="med" len="med"/>
+                    </a:lnB>
+                  </a:tcPr>
+                </a:tc>
+                <a:extLst>
+                  <a:ext uri="{0D108BD9-81ED-4DB2-BD59-A6C34878D82A}">
+                    <a16:rowId xmlns:a16="http://schemas.microsoft.com/office/drawing/2014/main" val="2755435307"/>
+                  </a:ext>
+                </a:extLst>
+              </a:tr>
+            </a:tbl>
+          </a:graphicData>
+        </a:graphic>
+      </p:graphicFrame>
+      <p:graphicFrame>
+        <p:nvGraphicFramePr>
+          <p:cNvPr id="7" name="Espaço Reservado para Conteúdo 4">
+            <a:extLst>
+              <a:ext uri="{FF2B5EF4-FFF2-40B4-BE49-F238E27FC236}">
+                <a16:creationId xmlns:a16="http://schemas.microsoft.com/office/drawing/2014/main" id="{1DD555F0-9923-540C-C5AC-7FA9987C79D9}"/>
+              </a:ext>
+            </a:extLst>
+          </p:cNvPr>
+          <p:cNvGraphicFramePr>
+            <a:graphicFrameLocks/>
+          </p:cNvGraphicFramePr>
+          <p:nvPr>
+            <p:extLst>
+              <p:ext uri="{D42A27DB-BD31-4B8C-83A1-F6EECF244321}">
+                <p14:modId xmlns:p14="http://schemas.microsoft.com/office/powerpoint/2010/main" val="3712202798"/>
+              </p:ext>
+            </p:extLst>
+          </p:nvPr>
+        </p:nvGraphicFramePr>
+        <p:xfrm>
+          <a:off x="7307262" y="4690763"/>
+          <a:ext cx="2370138" cy="1554480"/>
+        </p:xfrm>
+        <a:graphic>
+          <a:graphicData uri="http://schemas.openxmlformats.org/drawingml/2006/table">
+            <a:tbl>
+              <a:tblPr firstRow="1" bandRow="1">
+                <a:tableStyleId>{2D5ABB26-0587-4C30-8999-92F81FD0307C}</a:tableStyleId>
+              </a:tblPr>
+              <a:tblGrid>
+                <a:gridCol w="2370138">
+                  <a:extLst>
+                    <a:ext uri="{9D8B030D-6E8A-4147-A177-3AD203B41FA5}">
+                      <a16:colId xmlns:a16="http://schemas.microsoft.com/office/drawing/2014/main" val="1655728336"/>
+                    </a:ext>
+                  </a:extLst>
+                </a:gridCol>
+              </a:tblGrid>
+              <a:tr h="312396">
+                <a:tc>
+                  <a:txBody>
+                    <a:bodyPr/>
+                    <a:lstStyle/>
+                    <a:p>
+                      <a:pPr algn="ctr"/>
+                      <a:r>
+                        <a:rPr lang="pt-BR" b="1" dirty="0"/>
+                        <a:t>TRANSPORTE</a:t>
+                      </a:r>
+                    </a:p>
+                  </a:txBody>
+                  <a:tcPr>
+                    <a:lnL w="12700" cap="flat" cmpd="sng" algn="ctr">
+                      <a:solidFill>
+                        <a:schemeClr val="tx1"/>
+                      </a:solidFill>
+                      <a:prstDash val="solid"/>
+                      <a:round/>
+                      <a:headEnd type="none" w="med" len="med"/>
+                      <a:tailEnd type="none" w="med" len="med"/>
+                    </a:lnL>
+                    <a:lnR w="12700" cap="flat" cmpd="sng" algn="ctr">
+                      <a:solidFill>
+                        <a:schemeClr val="tx1"/>
+                      </a:solidFill>
+                      <a:prstDash val="solid"/>
+                      <a:round/>
+                      <a:headEnd type="none" w="med" len="med"/>
+                      <a:tailEnd type="none" w="med" len="med"/>
+                    </a:lnR>
+                    <a:lnT w="12700" cap="flat" cmpd="sng" algn="ctr">
+                      <a:solidFill>
+                        <a:schemeClr val="tx1"/>
+                      </a:solidFill>
+                      <a:prstDash val="solid"/>
+                      <a:round/>
+                      <a:headEnd type="none" w="med" len="med"/>
+                      <a:tailEnd type="none" w="med" len="med"/>
+                    </a:lnT>
+                    <a:lnB w="12700" cap="flat" cmpd="sng" algn="ctr">
+                      <a:solidFill>
+                        <a:schemeClr val="tx1"/>
+                      </a:solidFill>
+                      <a:prstDash val="solid"/>
+                      <a:round/>
+                      <a:headEnd type="none" w="med" len="med"/>
+                      <a:tailEnd type="none" w="med" len="med"/>
+                    </a:lnB>
+                  </a:tcPr>
+                </a:tc>
+                <a:extLst>
+                  <a:ext uri="{0D108BD9-81ED-4DB2-BD59-A6C34878D82A}">
+                    <a16:rowId xmlns:a16="http://schemas.microsoft.com/office/drawing/2014/main" val="2440149001"/>
+                  </a:ext>
+                </a:extLst>
+              </a:tr>
+              <a:tr h="509634">
+                <a:tc>
+                  <a:txBody>
+                    <a:bodyPr/>
+                    <a:lstStyle/>
+                    <a:p>
+                      <a:pPr marL="0" indent="0">
+                        <a:buFontTx/>
+                        <a:buNone/>
+                      </a:pPr>
+                      <a:r>
+                        <a:rPr lang="pt-BR" dirty="0"/>
+                        <a:t>-cor: </a:t>
+                      </a:r>
+                      <a:r>
+                        <a:rPr lang="pt-BR" dirty="0" err="1"/>
+                        <a:t>String</a:t>
+                      </a:r>
+                      <a:endParaRPr lang="pt-BR" dirty="0"/>
+                    </a:p>
+                    <a:p>
+                      <a:pPr marL="0" indent="0">
+                        <a:buFontTx/>
+                        <a:buNone/>
+                      </a:pPr>
+                      <a:r>
+                        <a:rPr lang="pt-BR" dirty="0"/>
+                        <a:t>-numero de portas: int</a:t>
+                      </a:r>
+                    </a:p>
+                    <a:p>
+                      <a:pPr marL="0" indent="0">
+                        <a:buFontTx/>
+                        <a:buNone/>
+                      </a:pPr>
+                      <a:r>
+                        <a:rPr lang="pt-BR" dirty="0"/>
+                        <a:t>-placa: </a:t>
+                      </a:r>
+                      <a:r>
+                        <a:rPr lang="pt-BR" dirty="0" err="1"/>
+                        <a:t>String</a:t>
+                      </a:r>
+                      <a:endParaRPr lang="pt-BR" dirty="0"/>
+                    </a:p>
+                    <a:p>
+                      <a:pPr marL="0" indent="0">
+                        <a:buFontTx/>
+                        <a:buNone/>
+                      </a:pPr>
+                      <a:r>
+                        <a:rPr lang="pt-BR" dirty="0"/>
+                        <a:t>-marcha: int</a:t>
+                      </a:r>
+                    </a:p>
+                  </a:txBody>
+                  <a:tcPr>
+                    <a:lnL w="12700" cap="flat" cmpd="sng" algn="ctr">
+                      <a:solidFill>
+                        <a:schemeClr val="tx1"/>
+                      </a:solidFill>
+                      <a:prstDash val="solid"/>
+                      <a:round/>
+                      <a:headEnd type="none" w="med" len="med"/>
+                      <a:tailEnd type="none" w="med" len="med"/>
+                    </a:lnL>
+                    <a:lnR w="12700" cap="flat" cmpd="sng" algn="ctr">
+                      <a:solidFill>
+                        <a:schemeClr val="tx1"/>
+                      </a:solidFill>
+                      <a:prstDash val="solid"/>
+                      <a:round/>
+                      <a:headEnd type="none" w="med" len="med"/>
+                      <a:tailEnd type="none" w="med" len="med"/>
+                    </a:lnR>
+                    <a:lnT w="12700" cap="flat" cmpd="sng" algn="ctr">
+                      <a:solidFill>
+                        <a:schemeClr val="tx1"/>
+                      </a:solidFill>
+                      <a:prstDash val="solid"/>
+                      <a:round/>
+                      <a:headEnd type="none" w="med" len="med"/>
+                      <a:tailEnd type="none" w="med" len="med"/>
+                    </a:lnT>
+                    <a:lnB w="12700" cap="flat" cmpd="sng" algn="ctr">
+                      <a:solidFill>
+                        <a:schemeClr val="tx1"/>
+                      </a:solidFill>
+                      <a:prstDash val="solid"/>
+                      <a:round/>
+                      <a:headEnd type="none" w="med" len="med"/>
+                      <a:tailEnd type="none" w="med" len="med"/>
+                    </a:lnB>
+                  </a:tcPr>
+                </a:tc>
+                <a:extLst>
+                  <a:ext uri="{0D108BD9-81ED-4DB2-BD59-A6C34878D82A}">
+                    <a16:rowId xmlns:a16="http://schemas.microsoft.com/office/drawing/2014/main" val="2755435307"/>
+                  </a:ext>
+                </a:extLst>
+              </a:tr>
+            </a:tbl>
+          </a:graphicData>
+        </a:graphic>
+      </p:graphicFrame>
+      <p:graphicFrame>
+        <p:nvGraphicFramePr>
+          <p:cNvPr id="8" name="Espaço Reservado para Conteúdo 4">
+            <a:extLst>
+              <a:ext uri="{FF2B5EF4-FFF2-40B4-BE49-F238E27FC236}">
+                <a16:creationId xmlns:a16="http://schemas.microsoft.com/office/drawing/2014/main" id="{BC3EF0F4-6AC9-39DD-4F91-5796F074D933}"/>
+              </a:ext>
+            </a:extLst>
+          </p:cNvPr>
+          <p:cNvGraphicFramePr>
+            <a:graphicFrameLocks/>
+          </p:cNvGraphicFramePr>
+          <p:nvPr>
+            <p:extLst>
+              <p:ext uri="{D42A27DB-BD31-4B8C-83A1-F6EECF244321}">
+                <p14:modId xmlns:p14="http://schemas.microsoft.com/office/powerpoint/2010/main" val="861583094"/>
+              </p:ext>
+            </p:extLst>
+          </p:nvPr>
+        </p:nvGraphicFramePr>
+        <p:xfrm>
+          <a:off x="9963151" y="3439448"/>
+          <a:ext cx="1028699" cy="875394"/>
+        </p:xfrm>
+        <a:graphic>
+          <a:graphicData uri="http://schemas.openxmlformats.org/drawingml/2006/table">
+            <a:tbl>
+              <a:tblPr firstRow="1" bandRow="1">
+                <a:tableStyleId>{2D5ABB26-0587-4C30-8999-92F81FD0307C}</a:tableStyleId>
+              </a:tblPr>
+              <a:tblGrid>
+                <a:gridCol w="1028699">
+                  <a:extLst>
+                    <a:ext uri="{9D8B030D-6E8A-4147-A177-3AD203B41FA5}">
+                      <a16:colId xmlns:a16="http://schemas.microsoft.com/office/drawing/2014/main" val="1655728336"/>
+                    </a:ext>
+                  </a:extLst>
+                </a:gridCol>
+              </a:tblGrid>
+              <a:tr h="312396">
+                <a:tc>
+                  <a:txBody>
+                    <a:bodyPr/>
+                    <a:lstStyle/>
+                    <a:p>
+                      <a:pPr algn="ctr"/>
+                      <a:r>
+                        <a:rPr lang="pt-BR" b="1" dirty="0"/>
+                        <a:t>AEREO</a:t>
+                      </a:r>
+                    </a:p>
+                  </a:txBody>
+                  <a:tcPr>
+                    <a:lnL w="12700" cap="flat" cmpd="sng" algn="ctr">
+                      <a:solidFill>
+                        <a:schemeClr val="tx1"/>
+                      </a:solidFill>
+                      <a:prstDash val="solid"/>
+                      <a:round/>
+                      <a:headEnd type="none" w="med" len="med"/>
+                      <a:tailEnd type="none" w="med" len="med"/>
+                    </a:lnL>
+                    <a:lnR w="12700" cap="flat" cmpd="sng" algn="ctr">
+                      <a:solidFill>
+                        <a:schemeClr val="tx1"/>
+                      </a:solidFill>
+                      <a:prstDash val="solid"/>
+                      <a:round/>
+                      <a:headEnd type="none" w="med" len="med"/>
+                      <a:tailEnd type="none" w="med" len="med"/>
+                    </a:lnR>
+                    <a:lnT w="12700" cap="flat" cmpd="sng" algn="ctr">
+                      <a:solidFill>
+                        <a:schemeClr val="tx1"/>
+                      </a:solidFill>
+                      <a:prstDash val="solid"/>
+                      <a:round/>
+                      <a:headEnd type="none" w="med" len="med"/>
+                      <a:tailEnd type="none" w="med" len="med"/>
+                    </a:lnT>
+                    <a:lnB w="12700" cap="flat" cmpd="sng" algn="ctr">
+                      <a:solidFill>
+                        <a:schemeClr val="tx1"/>
+                      </a:solidFill>
+                      <a:prstDash val="solid"/>
+                      <a:round/>
+                      <a:headEnd type="none" w="med" len="med"/>
+                      <a:tailEnd type="none" w="med" len="med"/>
+                    </a:lnB>
+                  </a:tcPr>
+                </a:tc>
+                <a:extLst>
+                  <a:ext uri="{0D108BD9-81ED-4DB2-BD59-A6C34878D82A}">
+                    <a16:rowId xmlns:a16="http://schemas.microsoft.com/office/drawing/2014/main" val="2440149001"/>
+                  </a:ext>
+                </a:extLst>
+              </a:tr>
+              <a:tr h="509634">
+                <a:tc>
+                  <a:txBody>
+                    <a:bodyPr/>
+                    <a:lstStyle/>
+                    <a:p>
+                      <a:endParaRPr lang="pt-BR" dirty="0"/>
+                    </a:p>
+                  </a:txBody>
+                  <a:tcPr>
+                    <a:lnL w="12700" cap="flat" cmpd="sng" algn="ctr">
+                      <a:solidFill>
+                        <a:schemeClr val="tx1"/>
+                      </a:solidFill>
+                      <a:prstDash val="solid"/>
+                      <a:round/>
+                      <a:headEnd type="none" w="med" len="med"/>
+                      <a:tailEnd type="none" w="med" len="med"/>
+                    </a:lnL>
+                    <a:lnR w="12700" cap="flat" cmpd="sng" algn="ctr">
+                      <a:solidFill>
+                        <a:schemeClr val="tx1"/>
+                      </a:solidFill>
+                      <a:prstDash val="solid"/>
+                      <a:round/>
+                      <a:headEnd type="none" w="med" len="med"/>
+                      <a:tailEnd type="none" w="med" len="med"/>
+                    </a:lnR>
+                    <a:lnT w="12700" cap="flat" cmpd="sng" algn="ctr">
+                      <a:solidFill>
+                        <a:schemeClr val="tx1"/>
+                      </a:solidFill>
+                      <a:prstDash val="solid"/>
+                      <a:round/>
+                      <a:headEnd type="none" w="med" len="med"/>
+                      <a:tailEnd type="none" w="med" len="med"/>
+                    </a:lnT>
+                    <a:lnB w="12700" cap="flat" cmpd="sng" algn="ctr">
+                      <a:solidFill>
+                        <a:schemeClr val="tx1"/>
+                      </a:solidFill>
+                      <a:prstDash val="solid"/>
+                      <a:round/>
+                      <a:headEnd type="none" w="med" len="med"/>
+                      <a:tailEnd type="none" w="med" len="med"/>
+                    </a:lnB>
+                  </a:tcPr>
+                </a:tc>
+                <a:extLst>
+                  <a:ext uri="{0D108BD9-81ED-4DB2-BD59-A6C34878D82A}">
+                    <a16:rowId xmlns:a16="http://schemas.microsoft.com/office/drawing/2014/main" val="2755435307"/>
+                  </a:ext>
+                </a:extLst>
+              </a:tr>
+            </a:tbl>
+          </a:graphicData>
+        </a:graphic>
+      </p:graphicFrame>
+      <p:graphicFrame>
+        <p:nvGraphicFramePr>
+          <p:cNvPr id="9" name="Espaço Reservado para Conteúdo 4">
+            <a:extLst>
+              <a:ext uri="{FF2B5EF4-FFF2-40B4-BE49-F238E27FC236}">
+                <a16:creationId xmlns:a16="http://schemas.microsoft.com/office/drawing/2014/main" id="{3CB1EEC2-A65D-75F7-5857-D4E575AAA5BD}"/>
+              </a:ext>
+            </a:extLst>
+          </p:cNvPr>
+          <p:cNvGraphicFramePr>
+            <a:graphicFrameLocks/>
+          </p:cNvGraphicFramePr>
+          <p:nvPr>
+            <p:extLst>
+              <p:ext uri="{D42A27DB-BD31-4B8C-83A1-F6EECF244321}">
+                <p14:modId xmlns:p14="http://schemas.microsoft.com/office/powerpoint/2010/main" val="2344923092"/>
+              </p:ext>
+            </p:extLst>
+          </p:nvPr>
+        </p:nvGraphicFramePr>
+        <p:xfrm>
+          <a:off x="9955213" y="4690763"/>
+          <a:ext cx="1028699" cy="875394"/>
+        </p:xfrm>
+        <a:graphic>
+          <a:graphicData uri="http://schemas.openxmlformats.org/drawingml/2006/table">
+            <a:tbl>
+              <a:tblPr firstRow="1" bandRow="1">
+                <a:tableStyleId>{2D5ABB26-0587-4C30-8999-92F81FD0307C}</a:tableStyleId>
+              </a:tblPr>
+              <a:tblGrid>
+                <a:gridCol w="1028699">
+                  <a:extLst>
+                    <a:ext uri="{9D8B030D-6E8A-4147-A177-3AD203B41FA5}">
+                      <a16:colId xmlns:a16="http://schemas.microsoft.com/office/drawing/2014/main" val="1655728336"/>
+                    </a:ext>
+                  </a:extLst>
+                </a:gridCol>
+              </a:tblGrid>
+              <a:tr h="312396">
+                <a:tc>
+                  <a:txBody>
+                    <a:bodyPr/>
+                    <a:lstStyle/>
+                    <a:p>
+                      <a:pPr algn="ctr"/>
+                      <a:r>
+                        <a:rPr lang="pt-BR" b="1" dirty="0"/>
+                        <a:t>AVIAO</a:t>
+                      </a:r>
+                    </a:p>
+                  </a:txBody>
+                  <a:tcPr>
+                    <a:lnL w="12700" cap="flat" cmpd="sng" algn="ctr">
+                      <a:solidFill>
+                        <a:schemeClr val="tx1"/>
+                      </a:solidFill>
+                      <a:prstDash val="solid"/>
+                      <a:round/>
+                      <a:headEnd type="none" w="med" len="med"/>
+                      <a:tailEnd type="none" w="med" len="med"/>
+                    </a:lnL>
+                    <a:lnR w="12700" cap="flat" cmpd="sng" algn="ctr">
+                      <a:solidFill>
+                        <a:schemeClr val="tx1"/>
+                      </a:solidFill>
+                      <a:prstDash val="solid"/>
+                      <a:round/>
+                      <a:headEnd type="none" w="med" len="med"/>
+                      <a:tailEnd type="none" w="med" len="med"/>
+                    </a:lnR>
+                    <a:lnT w="12700" cap="flat" cmpd="sng" algn="ctr">
+                      <a:solidFill>
+                        <a:schemeClr val="tx1"/>
+                      </a:solidFill>
+                      <a:prstDash val="solid"/>
+                      <a:round/>
+                      <a:headEnd type="none" w="med" len="med"/>
+                      <a:tailEnd type="none" w="med" len="med"/>
+                    </a:lnT>
+                    <a:lnB w="12700" cap="flat" cmpd="sng" algn="ctr">
+                      <a:solidFill>
+                        <a:schemeClr val="tx1"/>
+                      </a:solidFill>
+                      <a:prstDash val="solid"/>
+                      <a:round/>
+                      <a:headEnd type="none" w="med" len="med"/>
+                      <a:tailEnd type="none" w="med" len="med"/>
+                    </a:lnB>
+                  </a:tcPr>
+                </a:tc>
+                <a:extLst>
+                  <a:ext uri="{0D108BD9-81ED-4DB2-BD59-A6C34878D82A}">
+                    <a16:rowId xmlns:a16="http://schemas.microsoft.com/office/drawing/2014/main" val="2440149001"/>
+                  </a:ext>
+                </a:extLst>
+              </a:tr>
+              <a:tr h="509634">
+                <a:tc>
+                  <a:txBody>
+                    <a:bodyPr/>
+                    <a:lstStyle/>
+                    <a:p>
+                      <a:endParaRPr lang="pt-BR" dirty="0"/>
+                    </a:p>
+                  </a:txBody>
+                  <a:tcPr>
+                    <a:lnL w="12700" cap="flat" cmpd="sng" algn="ctr">
+                      <a:solidFill>
+                        <a:schemeClr val="tx1"/>
+                      </a:solidFill>
+                      <a:prstDash val="solid"/>
+                      <a:round/>
+                      <a:headEnd type="none" w="med" len="med"/>
+                      <a:tailEnd type="none" w="med" len="med"/>
+                    </a:lnL>
+                    <a:lnR w="12700" cap="flat" cmpd="sng" algn="ctr">
+                      <a:solidFill>
+                        <a:schemeClr val="tx1"/>
+                      </a:solidFill>
+                      <a:prstDash val="solid"/>
+                      <a:round/>
+                      <a:headEnd type="none" w="med" len="med"/>
+                      <a:tailEnd type="none" w="med" len="med"/>
+                    </a:lnR>
+                    <a:lnT w="12700" cap="flat" cmpd="sng" algn="ctr">
+                      <a:solidFill>
+                        <a:schemeClr val="tx1"/>
+                      </a:solidFill>
+                      <a:prstDash val="solid"/>
+                      <a:round/>
+                      <a:headEnd type="none" w="med" len="med"/>
+                      <a:tailEnd type="none" w="med" len="med"/>
+                    </a:lnT>
+                    <a:lnB w="12700" cap="flat" cmpd="sng" algn="ctr">
+                      <a:solidFill>
+                        <a:schemeClr val="tx1"/>
+                      </a:solidFill>
+                      <a:prstDash val="solid"/>
+                      <a:round/>
+                      <a:headEnd type="none" w="med" len="med"/>
+                      <a:tailEnd type="none" w="med" len="med"/>
+                    </a:lnB>
+                  </a:tcPr>
+                </a:tc>
+                <a:extLst>
+                  <a:ext uri="{0D108BD9-81ED-4DB2-BD59-A6C34878D82A}">
+                    <a16:rowId xmlns:a16="http://schemas.microsoft.com/office/drawing/2014/main" val="2755435307"/>
+                  </a:ext>
+                </a:extLst>
+              </a:tr>
+            </a:tbl>
+          </a:graphicData>
+        </a:graphic>
+      </p:graphicFrame>
+      <p:graphicFrame>
+        <p:nvGraphicFramePr>
+          <p:cNvPr id="10" name="Espaço Reservado para Conteúdo 4">
+            <a:extLst>
+              <a:ext uri="{FF2B5EF4-FFF2-40B4-BE49-F238E27FC236}">
+                <a16:creationId xmlns:a16="http://schemas.microsoft.com/office/drawing/2014/main" id="{D6DE0364-8FD2-FB30-3C55-B5C1801DA3A9}"/>
+              </a:ext>
+            </a:extLst>
+          </p:cNvPr>
+          <p:cNvGraphicFramePr>
+            <a:graphicFrameLocks/>
+          </p:cNvGraphicFramePr>
+          <p:nvPr>
+            <p:extLst>
+              <p:ext uri="{D42A27DB-BD31-4B8C-83A1-F6EECF244321}">
+                <p14:modId xmlns:p14="http://schemas.microsoft.com/office/powerpoint/2010/main" val="2836106223"/>
+              </p:ext>
+            </p:extLst>
+          </p:nvPr>
+        </p:nvGraphicFramePr>
+        <p:xfrm>
+          <a:off x="5791200" y="3439448"/>
+          <a:ext cx="1230311" cy="875394"/>
+        </p:xfrm>
+        <a:graphic>
+          <a:graphicData uri="http://schemas.openxmlformats.org/drawingml/2006/table">
+            <a:tbl>
+              <a:tblPr firstRow="1" bandRow="1">
+                <a:tableStyleId>{2D5ABB26-0587-4C30-8999-92F81FD0307C}</a:tableStyleId>
+              </a:tblPr>
+              <a:tblGrid>
+                <a:gridCol w="1230311">
+                  <a:extLst>
+                    <a:ext uri="{9D8B030D-6E8A-4147-A177-3AD203B41FA5}">
+                      <a16:colId xmlns:a16="http://schemas.microsoft.com/office/drawing/2014/main" val="1655728336"/>
+                    </a:ext>
+                  </a:extLst>
+                </a:gridCol>
+              </a:tblGrid>
+              <a:tr h="312396">
+                <a:tc>
+                  <a:txBody>
+                    <a:bodyPr/>
+                    <a:lstStyle/>
+                    <a:p>
+                      <a:pPr algn="ctr"/>
+                      <a:r>
+                        <a:rPr lang="pt-BR" b="1" dirty="0"/>
+                        <a:t>AQUATICO</a:t>
+                      </a:r>
+                    </a:p>
+                  </a:txBody>
+                  <a:tcPr>
+                    <a:lnL w="12700" cap="flat" cmpd="sng" algn="ctr">
+                      <a:solidFill>
+                        <a:schemeClr val="tx1"/>
+                      </a:solidFill>
+                      <a:prstDash val="solid"/>
+                      <a:round/>
+                      <a:headEnd type="none" w="med" len="med"/>
+                      <a:tailEnd type="none" w="med" len="med"/>
+                    </a:lnL>
+                    <a:lnR w="12700" cap="flat" cmpd="sng" algn="ctr">
+                      <a:solidFill>
+                        <a:schemeClr val="tx1"/>
+                      </a:solidFill>
+                      <a:prstDash val="solid"/>
+                      <a:round/>
+                      <a:headEnd type="none" w="med" len="med"/>
+                      <a:tailEnd type="none" w="med" len="med"/>
+                    </a:lnR>
+                    <a:lnT w="12700" cap="flat" cmpd="sng" algn="ctr">
+                      <a:solidFill>
+                        <a:schemeClr val="tx1"/>
+                      </a:solidFill>
+                      <a:prstDash val="solid"/>
+                      <a:round/>
+                      <a:headEnd type="none" w="med" len="med"/>
+                      <a:tailEnd type="none" w="med" len="med"/>
+                    </a:lnT>
+                    <a:lnB w="12700" cap="flat" cmpd="sng" algn="ctr">
+                      <a:solidFill>
+                        <a:schemeClr val="tx1"/>
+                      </a:solidFill>
+                      <a:prstDash val="solid"/>
+                      <a:round/>
+                      <a:headEnd type="none" w="med" len="med"/>
+                      <a:tailEnd type="none" w="med" len="med"/>
+                    </a:lnB>
+                  </a:tcPr>
+                </a:tc>
+                <a:extLst>
+                  <a:ext uri="{0D108BD9-81ED-4DB2-BD59-A6C34878D82A}">
+                    <a16:rowId xmlns:a16="http://schemas.microsoft.com/office/drawing/2014/main" val="2440149001"/>
+                  </a:ext>
+                </a:extLst>
+              </a:tr>
+              <a:tr h="509634">
+                <a:tc>
+                  <a:txBody>
+                    <a:bodyPr/>
+                    <a:lstStyle/>
+                    <a:p>
+                      <a:endParaRPr lang="pt-BR" dirty="0"/>
+                    </a:p>
+                  </a:txBody>
+                  <a:tcPr>
+                    <a:lnL w="12700" cap="flat" cmpd="sng" algn="ctr">
+                      <a:solidFill>
+                        <a:schemeClr val="tx1"/>
+                      </a:solidFill>
+                      <a:prstDash val="solid"/>
+                      <a:round/>
+                      <a:headEnd type="none" w="med" len="med"/>
+                      <a:tailEnd type="none" w="med" len="med"/>
+                    </a:lnL>
+                    <a:lnR w="12700" cap="flat" cmpd="sng" algn="ctr">
+                      <a:solidFill>
+                        <a:schemeClr val="tx1"/>
+                      </a:solidFill>
+                      <a:prstDash val="solid"/>
+                      <a:round/>
+                      <a:headEnd type="none" w="med" len="med"/>
+                      <a:tailEnd type="none" w="med" len="med"/>
+                    </a:lnR>
+                    <a:lnT w="12700" cap="flat" cmpd="sng" algn="ctr">
+                      <a:solidFill>
+                        <a:schemeClr val="tx1"/>
+                      </a:solidFill>
+                      <a:prstDash val="solid"/>
+                      <a:round/>
+                      <a:headEnd type="none" w="med" len="med"/>
+                      <a:tailEnd type="none" w="med" len="med"/>
+                    </a:lnT>
+                    <a:lnB w="12700" cap="flat" cmpd="sng" algn="ctr">
+                      <a:solidFill>
+                        <a:schemeClr val="tx1"/>
+                      </a:solidFill>
+                      <a:prstDash val="solid"/>
+                      <a:round/>
+                      <a:headEnd type="none" w="med" len="med"/>
+                      <a:tailEnd type="none" w="med" len="med"/>
+                    </a:lnB>
+                  </a:tcPr>
+                </a:tc>
+                <a:extLst>
+                  <a:ext uri="{0D108BD9-81ED-4DB2-BD59-A6C34878D82A}">
+                    <a16:rowId xmlns:a16="http://schemas.microsoft.com/office/drawing/2014/main" val="2755435307"/>
+                  </a:ext>
+                </a:extLst>
+              </a:tr>
+            </a:tbl>
+          </a:graphicData>
+        </a:graphic>
+      </p:graphicFrame>
+      <p:graphicFrame>
+        <p:nvGraphicFramePr>
+          <p:cNvPr id="11" name="Espaço Reservado para Conteúdo 4">
+            <a:extLst>
+              <a:ext uri="{FF2B5EF4-FFF2-40B4-BE49-F238E27FC236}">
+                <a16:creationId xmlns:a16="http://schemas.microsoft.com/office/drawing/2014/main" id="{A5C74CA6-322C-59BF-35A7-691DFF327991}"/>
+              </a:ext>
+            </a:extLst>
+          </p:cNvPr>
+          <p:cNvGraphicFramePr>
+            <a:graphicFrameLocks/>
+          </p:cNvGraphicFramePr>
+          <p:nvPr>
+            <p:extLst>
+              <p:ext uri="{D42A27DB-BD31-4B8C-83A1-F6EECF244321}">
+                <p14:modId xmlns:p14="http://schemas.microsoft.com/office/powerpoint/2010/main" val="1776258464"/>
+              </p:ext>
+            </p:extLst>
+          </p:nvPr>
+        </p:nvGraphicFramePr>
+        <p:xfrm>
+          <a:off x="5799138" y="4690763"/>
+          <a:ext cx="1230311" cy="875394"/>
+        </p:xfrm>
+        <a:graphic>
+          <a:graphicData uri="http://schemas.openxmlformats.org/drawingml/2006/table">
+            <a:tbl>
+              <a:tblPr firstRow="1" bandRow="1">
+                <a:tableStyleId>{2D5ABB26-0587-4C30-8999-92F81FD0307C}</a:tableStyleId>
+              </a:tblPr>
+              <a:tblGrid>
+                <a:gridCol w="1230311">
+                  <a:extLst>
+                    <a:ext uri="{9D8B030D-6E8A-4147-A177-3AD203B41FA5}">
+                      <a16:colId xmlns:a16="http://schemas.microsoft.com/office/drawing/2014/main" val="1655728336"/>
+                    </a:ext>
+                  </a:extLst>
+                </a:gridCol>
+              </a:tblGrid>
+              <a:tr h="312396">
+                <a:tc>
+                  <a:txBody>
+                    <a:bodyPr/>
+                    <a:lstStyle/>
+                    <a:p>
+                      <a:pPr algn="ctr"/>
+                      <a:r>
+                        <a:rPr lang="pt-BR" b="1" dirty="0"/>
+                        <a:t>BARCO</a:t>
+                      </a:r>
+                    </a:p>
+                  </a:txBody>
+                  <a:tcPr>
+                    <a:lnL w="12700" cap="flat" cmpd="sng" algn="ctr">
+                      <a:solidFill>
+                        <a:schemeClr val="tx1"/>
+                      </a:solidFill>
+                      <a:prstDash val="solid"/>
+                      <a:round/>
+                      <a:headEnd type="none" w="med" len="med"/>
+                      <a:tailEnd type="none" w="med" len="med"/>
+                    </a:lnL>
+                    <a:lnR w="12700" cap="flat" cmpd="sng" algn="ctr">
+                      <a:solidFill>
+                        <a:schemeClr val="tx1"/>
+                      </a:solidFill>
+                      <a:prstDash val="solid"/>
+                      <a:round/>
+                      <a:headEnd type="none" w="med" len="med"/>
+                      <a:tailEnd type="none" w="med" len="med"/>
+                    </a:lnR>
+                    <a:lnT w="12700" cap="flat" cmpd="sng" algn="ctr">
+                      <a:solidFill>
+                        <a:schemeClr val="tx1"/>
+                      </a:solidFill>
+                      <a:prstDash val="solid"/>
+                      <a:round/>
+                      <a:headEnd type="none" w="med" len="med"/>
+                      <a:tailEnd type="none" w="med" len="med"/>
+                    </a:lnT>
+                    <a:lnB w="12700" cap="flat" cmpd="sng" algn="ctr">
+                      <a:solidFill>
+                        <a:schemeClr val="tx1"/>
+                      </a:solidFill>
+                      <a:prstDash val="solid"/>
+                      <a:round/>
+                      <a:headEnd type="none" w="med" len="med"/>
+                      <a:tailEnd type="none" w="med" len="med"/>
+                    </a:lnB>
+                  </a:tcPr>
+                </a:tc>
+                <a:extLst>
+                  <a:ext uri="{0D108BD9-81ED-4DB2-BD59-A6C34878D82A}">
+                    <a16:rowId xmlns:a16="http://schemas.microsoft.com/office/drawing/2014/main" val="2440149001"/>
+                  </a:ext>
+                </a:extLst>
+              </a:tr>
+              <a:tr h="509634">
+                <a:tc>
+                  <a:txBody>
+                    <a:bodyPr/>
+                    <a:lstStyle/>
+                    <a:p>
+                      <a:endParaRPr lang="pt-BR" dirty="0"/>
+                    </a:p>
+                  </a:txBody>
+                  <a:tcPr>
+                    <a:lnL w="12700" cap="flat" cmpd="sng" algn="ctr">
+                      <a:solidFill>
+                        <a:schemeClr val="tx1"/>
+                      </a:solidFill>
+                      <a:prstDash val="solid"/>
+                      <a:round/>
+                      <a:headEnd type="none" w="med" len="med"/>
+                      <a:tailEnd type="none" w="med" len="med"/>
+                    </a:lnL>
+                    <a:lnR w="12700" cap="flat" cmpd="sng" algn="ctr">
+                      <a:solidFill>
+                        <a:schemeClr val="tx1"/>
+                      </a:solidFill>
+                      <a:prstDash val="solid"/>
+                      <a:round/>
+                      <a:headEnd type="none" w="med" len="med"/>
+                      <a:tailEnd type="none" w="med" len="med"/>
+                    </a:lnR>
+                    <a:lnT w="12700" cap="flat" cmpd="sng" algn="ctr">
+                      <a:solidFill>
+                        <a:schemeClr val="tx1"/>
+                      </a:solidFill>
+                      <a:prstDash val="solid"/>
+                      <a:round/>
+                      <a:headEnd type="none" w="med" len="med"/>
+                      <a:tailEnd type="none" w="med" len="med"/>
+                    </a:lnT>
+                    <a:lnB w="12700" cap="flat" cmpd="sng" algn="ctr">
+                      <a:solidFill>
+                        <a:schemeClr val="tx1"/>
+                      </a:solidFill>
+                      <a:prstDash val="solid"/>
+                      <a:round/>
+                      <a:headEnd type="none" w="med" len="med"/>
+                      <a:tailEnd type="none" w="med" len="med"/>
+                    </a:lnB>
+                  </a:tcPr>
+                </a:tc>
+                <a:extLst>
+                  <a:ext uri="{0D108BD9-81ED-4DB2-BD59-A6C34878D82A}">
+                    <a16:rowId xmlns:a16="http://schemas.microsoft.com/office/drawing/2014/main" val="2755435307"/>
+                  </a:ext>
+                </a:extLst>
+              </a:tr>
+            </a:tbl>
+          </a:graphicData>
+        </a:graphic>
+      </p:graphicFrame>
+      <p:cxnSp>
+        <p:nvCxnSpPr>
+          <p:cNvPr id="13" name="Conector: Angulado 12">
+            <a:extLst>
+              <a:ext uri="{FF2B5EF4-FFF2-40B4-BE49-F238E27FC236}">
+                <a16:creationId xmlns:a16="http://schemas.microsoft.com/office/drawing/2014/main" id="{1E76C894-2DAC-5429-26AF-7AC664B0D628}"/>
+              </a:ext>
+            </a:extLst>
+          </p:cNvPr>
+          <p:cNvCxnSpPr>
+            <a:cxnSpLocks/>
+            <a:endCxn id="5" idx="1"/>
+          </p:cNvCxnSpPr>
+          <p:nvPr/>
+        </p:nvCxnSpPr>
+        <p:spPr>
+          <a:xfrm rot="5400000" flipH="1" flipV="1">
+            <a:off x="6403478" y="2535663"/>
+            <a:ext cx="914600" cy="892970"/>
+          </a:xfrm>
+          <a:prstGeom prst="bentConnector2">
+            <a:avLst/>
+          </a:prstGeom>
+          <a:ln>
+            <a:tailEnd type="triangle"/>
+          </a:ln>
+        </p:spPr>
+        <p:style>
+          <a:lnRef idx="1">
+            <a:schemeClr val="dk1"/>
+          </a:lnRef>
+          <a:fillRef idx="0">
+            <a:schemeClr val="dk1"/>
+          </a:fillRef>
+          <a:effectRef idx="0">
+            <a:schemeClr val="dk1"/>
+          </a:effectRef>
+          <a:fontRef idx="minor">
+            <a:schemeClr val="tx1"/>
+          </a:fontRef>
+        </p:style>
+      </p:cxnSp>
+      <p:cxnSp>
+        <p:nvCxnSpPr>
+          <p:cNvPr id="15" name="Conector: Angulado 14">
+            <a:extLst>
+              <a:ext uri="{FF2B5EF4-FFF2-40B4-BE49-F238E27FC236}">
+                <a16:creationId xmlns:a16="http://schemas.microsoft.com/office/drawing/2014/main" id="{80909811-DFD8-46A6-BFA3-9F8184ACFA05}"/>
+              </a:ext>
+            </a:extLst>
+          </p:cNvPr>
+          <p:cNvCxnSpPr>
+            <a:cxnSpLocks/>
+            <a:stCxn id="8" idx="0"/>
+            <a:endCxn id="5" idx="3"/>
+          </p:cNvCxnSpPr>
+          <p:nvPr/>
+        </p:nvCxnSpPr>
+        <p:spPr>
+          <a:xfrm rot="16200000" flipV="1">
+            <a:off x="9620150" y="2582098"/>
+            <a:ext cx="914600" cy="800100"/>
+          </a:xfrm>
+          <a:prstGeom prst="bentConnector2">
+            <a:avLst/>
+          </a:prstGeom>
+          <a:ln>
+            <a:tailEnd type="triangle"/>
+          </a:ln>
+        </p:spPr>
+        <p:style>
+          <a:lnRef idx="1">
+            <a:schemeClr val="dk1"/>
+          </a:lnRef>
+          <a:fillRef idx="0">
+            <a:schemeClr val="dk1"/>
+          </a:fillRef>
+          <a:effectRef idx="0">
+            <a:schemeClr val="dk1"/>
+          </a:effectRef>
+          <a:fontRef idx="minor">
+            <a:schemeClr val="tx1"/>
+          </a:fontRef>
+        </p:style>
+      </p:cxnSp>
+      <p:cxnSp>
+        <p:nvCxnSpPr>
+          <p:cNvPr id="19" name="Conector de Seta Reta 18">
+            <a:extLst>
+              <a:ext uri="{FF2B5EF4-FFF2-40B4-BE49-F238E27FC236}">
+                <a16:creationId xmlns:a16="http://schemas.microsoft.com/office/drawing/2014/main" id="{30C3E128-1DD2-0154-113D-04CA8EEFD62F}"/>
+              </a:ext>
+            </a:extLst>
+          </p:cNvPr>
+          <p:cNvCxnSpPr>
+            <a:cxnSpLocks/>
+          </p:cNvCxnSpPr>
+          <p:nvPr/>
+        </p:nvCxnSpPr>
+        <p:spPr>
+          <a:xfrm flipV="1">
+            <a:off x="6414293" y="4303771"/>
+            <a:ext cx="0" cy="386992"/>
+          </a:xfrm>
+          <a:prstGeom prst="straightConnector1">
+            <a:avLst/>
+          </a:prstGeom>
+          <a:ln>
+            <a:tailEnd type="triangle"/>
+          </a:ln>
+        </p:spPr>
+        <p:style>
+          <a:lnRef idx="1">
+            <a:schemeClr val="dk1"/>
+          </a:lnRef>
+          <a:fillRef idx="0">
+            <a:schemeClr val="dk1"/>
+          </a:fillRef>
+          <a:effectRef idx="0">
+            <a:schemeClr val="dk1"/>
+          </a:effectRef>
+          <a:fontRef idx="minor">
+            <a:schemeClr val="tx1"/>
+          </a:fontRef>
+        </p:style>
+      </p:cxnSp>
+      <p:cxnSp>
+        <p:nvCxnSpPr>
+          <p:cNvPr id="21" name="Conector de Seta Reta 20">
+            <a:extLst>
+              <a:ext uri="{FF2B5EF4-FFF2-40B4-BE49-F238E27FC236}">
+                <a16:creationId xmlns:a16="http://schemas.microsoft.com/office/drawing/2014/main" id="{DF642369-3F94-9AA0-827D-717B5FBF8B9C}"/>
+              </a:ext>
+            </a:extLst>
+          </p:cNvPr>
+          <p:cNvCxnSpPr>
+            <a:cxnSpLocks/>
+            <a:stCxn id="7" idx="0"/>
+          </p:cNvCxnSpPr>
+          <p:nvPr/>
+        </p:nvCxnSpPr>
+        <p:spPr>
+          <a:xfrm flipV="1">
+            <a:off x="8492331" y="4438592"/>
+            <a:ext cx="0" cy="252171"/>
+          </a:xfrm>
+          <a:prstGeom prst="straightConnector1">
+            <a:avLst/>
+          </a:prstGeom>
+          <a:ln>
+            <a:tailEnd type="triangle"/>
+          </a:ln>
+        </p:spPr>
+        <p:style>
+          <a:lnRef idx="1">
+            <a:schemeClr val="dk1"/>
+          </a:lnRef>
+          <a:fillRef idx="0">
+            <a:schemeClr val="dk1"/>
+          </a:fillRef>
+          <a:effectRef idx="0">
+            <a:schemeClr val="dk1"/>
+          </a:effectRef>
+          <a:fontRef idx="minor">
+            <a:schemeClr val="tx1"/>
+          </a:fontRef>
+        </p:style>
+      </p:cxnSp>
+      <p:cxnSp>
+        <p:nvCxnSpPr>
+          <p:cNvPr id="22" name="Conector de Seta Reta 21">
+            <a:extLst>
+              <a:ext uri="{FF2B5EF4-FFF2-40B4-BE49-F238E27FC236}">
+                <a16:creationId xmlns:a16="http://schemas.microsoft.com/office/drawing/2014/main" id="{0F040A78-CEB0-5512-E0CC-C9178C31475E}"/>
+              </a:ext>
+            </a:extLst>
+          </p:cNvPr>
+          <p:cNvCxnSpPr>
+            <a:cxnSpLocks/>
+            <a:stCxn id="9" idx="0"/>
+            <a:endCxn id="8" idx="2"/>
+          </p:cNvCxnSpPr>
+          <p:nvPr/>
+        </p:nvCxnSpPr>
+        <p:spPr>
+          <a:xfrm flipV="1">
+            <a:off x="10469562" y="4314842"/>
+            <a:ext cx="7938" cy="375921"/>
+          </a:xfrm>
+          <a:prstGeom prst="straightConnector1">
+            <a:avLst/>
+          </a:prstGeom>
+          <a:ln>
+            <a:tailEnd type="triangle"/>
+          </a:ln>
+        </p:spPr>
+        <p:style>
+          <a:lnRef idx="1">
+            <a:schemeClr val="dk1"/>
+          </a:lnRef>
+          <a:fillRef idx="0">
+            <a:schemeClr val="dk1"/>
+          </a:fillRef>
+          <a:effectRef idx="0">
+            <a:schemeClr val="dk1"/>
+          </a:effectRef>
+          <a:fontRef idx="minor">
+            <a:schemeClr val="tx1"/>
+          </a:fontRef>
+        </p:style>
+      </p:cxnSp>
+      <p:cxnSp>
+        <p:nvCxnSpPr>
+          <p:cNvPr id="27" name="Conector de Seta Reta 26">
+            <a:extLst>
+              <a:ext uri="{FF2B5EF4-FFF2-40B4-BE49-F238E27FC236}">
+                <a16:creationId xmlns:a16="http://schemas.microsoft.com/office/drawing/2014/main" id="{0506D031-3B06-4369-6132-54693C5C1CB5}"/>
+              </a:ext>
+            </a:extLst>
+          </p:cNvPr>
+          <p:cNvCxnSpPr>
+            <a:cxnSpLocks/>
+            <a:stCxn id="6" idx="0"/>
+            <a:endCxn id="5" idx="2"/>
+          </p:cNvCxnSpPr>
+          <p:nvPr/>
+        </p:nvCxnSpPr>
+        <p:spPr>
+          <a:xfrm flipV="1">
+            <a:off x="8492331" y="3145425"/>
+            <a:ext cx="0" cy="269749"/>
+          </a:xfrm>
+          <a:prstGeom prst="straightConnector1">
+            <a:avLst/>
+          </a:prstGeom>
+          <a:ln>
+            <a:tailEnd type="triangle"/>
+          </a:ln>
+        </p:spPr>
+        <p:style>
+          <a:lnRef idx="1">
+            <a:schemeClr val="dk1"/>
+          </a:lnRef>
+          <a:fillRef idx="0">
+            <a:schemeClr val="dk1"/>
+          </a:fillRef>
+          <a:effectRef idx="0">
+            <a:schemeClr val="dk1"/>
+          </a:effectRef>
+          <a:fontRef idx="minor">
+            <a:schemeClr val="tx1"/>
+          </a:fontRef>
+        </p:style>
+      </p:cxnSp>
+      <p:sp>
+        <p:nvSpPr>
+          <p:cNvPr id="31" name="Espaço Reservado para Conteúdo 2">
+            <a:extLst>
+              <a:ext uri="{FF2B5EF4-FFF2-40B4-BE49-F238E27FC236}">
+                <a16:creationId xmlns:a16="http://schemas.microsoft.com/office/drawing/2014/main" id="{D2061234-52CD-FFAB-42EF-8F3150325C73}"/>
+              </a:ext>
+            </a:extLst>
+          </p:cNvPr>
+          <p:cNvSpPr txBox="1">
+            <a:spLocks/>
+          </p:cNvSpPr>
+          <p:nvPr/>
+        </p:nvSpPr>
+        <p:spPr>
+          <a:xfrm>
+            <a:off x="1097279" y="1845734"/>
+            <a:ext cx="4234651" cy="4023360"/>
+          </a:xfrm>
+          <a:prstGeom prst="rect">
+            <a:avLst/>
+          </a:prstGeom>
+        </p:spPr>
+        <p:txBody>
+          <a:bodyPr vert="horz" lIns="0" tIns="45720" rIns="0" bIns="45720" rtlCol="0">
+            <a:normAutofit/>
+          </a:bodyPr>
+          <a:lstStyle>
+            <a:lvl1pPr marL="91440" indent="-91440" algn="l" defTabSz="914400" rtl="0" eaLnBrk="1" latinLnBrk="0" hangingPunct="1">
+              <a:lnSpc>
+                <a:spcPct val="90000"/>
+              </a:lnSpc>
+              <a:spcBef>
+                <a:spcPts val="1200"/>
+              </a:spcBef>
+              <a:spcAft>
+                <a:spcPts val="200"/>
+              </a:spcAft>
+              <a:buClr>
+                <a:schemeClr val="accent1"/>
+              </a:buClr>
+              <a:buSzPct val="100000"/>
+              <a:buFont typeface="Calibri" panose="020F0502020204030204" pitchFamily="34" charset="0"/>
+              <a:buChar char=" "/>
+              <a:defRPr sz="2000" kern="1200">
+                <a:solidFill>
+                  <a:schemeClr val="tx1">
+                    <a:lumMod val="75000"/>
+                    <a:lumOff val="25000"/>
+                  </a:schemeClr>
+                </a:solidFill>
+                <a:latin typeface="+mn-lt"/>
+                <a:ea typeface="+mn-ea"/>
+                <a:cs typeface="+mn-cs"/>
+              </a:defRPr>
+            </a:lvl1pPr>
+            <a:lvl2pPr marL="384048" indent="-182880" algn="l" defTabSz="914400" rtl="0" eaLnBrk="1" latinLnBrk="0" hangingPunct="1">
+              <a:lnSpc>
+                <a:spcPct val="90000"/>
+              </a:lnSpc>
+              <a:spcBef>
+                <a:spcPts val="200"/>
+              </a:spcBef>
+              <a:spcAft>
+                <a:spcPts val="400"/>
+              </a:spcAft>
+              <a:buClr>
+                <a:schemeClr val="accent1"/>
+              </a:buClr>
+              <a:buFont typeface="Calibri" pitchFamily="34" charset="0"/>
+              <a:buChar char="◦"/>
+              <a:defRPr sz="1800" kern="1200">
+                <a:solidFill>
+                  <a:schemeClr val="tx1">
+                    <a:lumMod val="75000"/>
+                    <a:lumOff val="25000"/>
+                  </a:schemeClr>
+                </a:solidFill>
+                <a:latin typeface="+mn-lt"/>
+                <a:ea typeface="+mn-ea"/>
+                <a:cs typeface="+mn-cs"/>
+              </a:defRPr>
+            </a:lvl2pPr>
+            <a:lvl3pPr marL="566928" indent="-182880" algn="l" defTabSz="914400" rtl="0" eaLnBrk="1" latinLnBrk="0" hangingPunct="1">
+              <a:lnSpc>
+                <a:spcPct val="90000"/>
+              </a:lnSpc>
+              <a:spcBef>
+                <a:spcPts val="200"/>
+              </a:spcBef>
+              <a:spcAft>
+                <a:spcPts val="400"/>
+              </a:spcAft>
+              <a:buClr>
+                <a:schemeClr val="accent1"/>
+              </a:buClr>
+              <a:buFont typeface="Calibri" pitchFamily="34" charset="0"/>
+              <a:buChar char="◦"/>
+              <a:defRPr sz="1400" kern="1200">
+                <a:solidFill>
+                  <a:schemeClr val="tx1">
+                    <a:lumMod val="75000"/>
+                    <a:lumOff val="25000"/>
+                  </a:schemeClr>
+                </a:solidFill>
+                <a:latin typeface="+mn-lt"/>
+                <a:ea typeface="+mn-ea"/>
+                <a:cs typeface="+mn-cs"/>
+              </a:defRPr>
+            </a:lvl3pPr>
+            <a:lvl4pPr marL="749808" indent="-182880" algn="l" defTabSz="914400" rtl="0" eaLnBrk="1" latinLnBrk="0" hangingPunct="1">
+              <a:lnSpc>
+                <a:spcPct val="90000"/>
+              </a:lnSpc>
+              <a:spcBef>
+                <a:spcPts val="200"/>
+              </a:spcBef>
+              <a:spcAft>
+                <a:spcPts val="400"/>
+              </a:spcAft>
+              <a:buClr>
+                <a:schemeClr val="accent1"/>
+              </a:buClr>
+              <a:buFont typeface="Calibri" pitchFamily="34" charset="0"/>
+              <a:buChar char="◦"/>
+              <a:defRPr sz="1400" kern="1200">
+                <a:solidFill>
+                  <a:schemeClr val="tx1">
+                    <a:lumMod val="75000"/>
+                    <a:lumOff val="25000"/>
+                  </a:schemeClr>
+                </a:solidFill>
+                <a:latin typeface="+mn-lt"/>
+                <a:ea typeface="+mn-ea"/>
+                <a:cs typeface="+mn-cs"/>
+              </a:defRPr>
+            </a:lvl4pPr>
+            <a:lvl5pPr marL="932688" indent="-182880" algn="l" defTabSz="914400" rtl="0" eaLnBrk="1" latinLnBrk="0" hangingPunct="1">
+              <a:lnSpc>
+                <a:spcPct val="90000"/>
+              </a:lnSpc>
+              <a:spcBef>
+                <a:spcPts val="200"/>
+              </a:spcBef>
+              <a:spcAft>
+                <a:spcPts val="400"/>
+              </a:spcAft>
+              <a:buClr>
+                <a:schemeClr val="accent1"/>
+              </a:buClr>
+              <a:buFont typeface="Calibri" pitchFamily="34" charset="0"/>
+              <a:buChar char="◦"/>
+              <a:defRPr sz="1400" kern="1200">
+                <a:solidFill>
+                  <a:schemeClr val="tx1">
+                    <a:lumMod val="75000"/>
+                    <a:lumOff val="25000"/>
+                  </a:schemeClr>
+                </a:solidFill>
+                <a:latin typeface="+mn-lt"/>
+                <a:ea typeface="+mn-ea"/>
+                <a:cs typeface="+mn-cs"/>
+              </a:defRPr>
+            </a:lvl5pPr>
+            <a:lvl6pPr marL="1100000" indent="-228600" algn="l" defTabSz="914400" rtl="0" eaLnBrk="1" latinLnBrk="0" hangingPunct="1">
+              <a:lnSpc>
+                <a:spcPct val="90000"/>
+              </a:lnSpc>
+              <a:spcBef>
+                <a:spcPts val="200"/>
+              </a:spcBef>
+              <a:spcAft>
+                <a:spcPts val="400"/>
+              </a:spcAft>
+              <a:buClr>
+                <a:schemeClr val="accent1"/>
+              </a:buClr>
+              <a:buFont typeface="Calibri" pitchFamily="34" charset="0"/>
+              <a:buChar char="◦"/>
+              <a:defRPr sz="1400" kern="1200">
+                <a:solidFill>
+                  <a:schemeClr val="tx1">
+                    <a:lumMod val="75000"/>
+                    <a:lumOff val="25000"/>
+                  </a:schemeClr>
+                </a:solidFill>
+                <a:latin typeface="+mn-lt"/>
+                <a:ea typeface="+mn-ea"/>
+                <a:cs typeface="+mn-cs"/>
+              </a:defRPr>
+            </a:lvl6pPr>
+            <a:lvl7pPr marL="1300000" indent="-228600" algn="l" defTabSz="914400" rtl="0" eaLnBrk="1" latinLnBrk="0" hangingPunct="1">
+              <a:lnSpc>
+                <a:spcPct val="90000"/>
+              </a:lnSpc>
+              <a:spcBef>
+                <a:spcPts val="200"/>
+              </a:spcBef>
+              <a:spcAft>
+                <a:spcPts val="400"/>
+              </a:spcAft>
+              <a:buClr>
+                <a:schemeClr val="accent1"/>
+              </a:buClr>
+              <a:buFont typeface="Calibri" pitchFamily="34" charset="0"/>
+              <a:buChar char="◦"/>
+              <a:defRPr sz="1400" kern="1200">
+                <a:solidFill>
+                  <a:schemeClr val="tx1">
+                    <a:lumMod val="75000"/>
+                    <a:lumOff val="25000"/>
+                  </a:schemeClr>
+                </a:solidFill>
+                <a:latin typeface="+mn-lt"/>
+                <a:ea typeface="+mn-ea"/>
+                <a:cs typeface="+mn-cs"/>
+              </a:defRPr>
+            </a:lvl7pPr>
+            <a:lvl8pPr marL="1500000" indent="-228600" algn="l" defTabSz="914400" rtl="0" eaLnBrk="1" latinLnBrk="0" hangingPunct="1">
+              <a:lnSpc>
+                <a:spcPct val="90000"/>
+              </a:lnSpc>
+              <a:spcBef>
+                <a:spcPts val="200"/>
+              </a:spcBef>
+              <a:spcAft>
+                <a:spcPts val="400"/>
+              </a:spcAft>
+              <a:buClr>
+                <a:schemeClr val="accent1"/>
+              </a:buClr>
+              <a:buFont typeface="Calibri" pitchFamily="34" charset="0"/>
+              <a:buChar char="◦"/>
+              <a:defRPr sz="1400" kern="1200">
+                <a:solidFill>
+                  <a:schemeClr val="tx1">
+                    <a:lumMod val="75000"/>
+                    <a:lumOff val="25000"/>
+                  </a:schemeClr>
+                </a:solidFill>
+                <a:latin typeface="+mn-lt"/>
+                <a:ea typeface="+mn-ea"/>
+                <a:cs typeface="+mn-cs"/>
+              </a:defRPr>
+            </a:lvl8pPr>
+            <a:lvl9pPr marL="1700000" indent="-228600" algn="l" defTabSz="914400" rtl="0" eaLnBrk="1" latinLnBrk="0" hangingPunct="1">
+              <a:lnSpc>
+                <a:spcPct val="90000"/>
+              </a:lnSpc>
+              <a:spcBef>
+                <a:spcPts val="200"/>
+              </a:spcBef>
+              <a:spcAft>
+                <a:spcPts val="400"/>
+              </a:spcAft>
+              <a:buClr>
+                <a:schemeClr val="accent1"/>
+              </a:buClr>
+              <a:buFont typeface="Calibri" pitchFamily="34" charset="0"/>
+              <a:buChar char="◦"/>
+              <a:defRPr sz="1400" kern="1200">
+                <a:solidFill>
+                  <a:schemeClr val="tx1">
+                    <a:lumMod val="75000"/>
+                    <a:lumOff val="25000"/>
+                  </a:schemeClr>
+                </a:solidFill>
+                <a:latin typeface="+mn-lt"/>
+                <a:ea typeface="+mn-ea"/>
+                <a:cs typeface="+mn-cs"/>
+              </a:defRPr>
+            </a:lvl9pPr>
+          </a:lstStyle>
+          <a:p>
+            <a:r>
+              <a:rPr lang="pt-BR" dirty="0"/>
+              <a:t>Veja o exemplo ao lado, onde temos o Diagrama de Classes, utilizando os elementos do exemplo anterior.</a:t>
+            </a:r>
+          </a:p>
+        </p:txBody>
+      </p:sp>
+    </p:spTree>
+    <p:extLst>
+      <p:ext uri="{BB962C8B-B14F-4D97-AF65-F5344CB8AC3E}">
+        <p14:creationId xmlns:p14="http://schemas.microsoft.com/office/powerpoint/2010/main" val="3649941287"/>
       </p:ext>
     </p:extLst>
   </p:cSld>
@@ -6442,6 +10626,5319 @@
 </p:sld>
 </file>
 
+<file path=ppt/slides/slide20.xml><?xml version="1.0" encoding="utf-8"?>
+<p:sld xmlns:a="http://schemas.openxmlformats.org/drawingml/2006/main" xmlns:r="http://schemas.openxmlformats.org/officeDocument/2006/relationships" xmlns:p="http://schemas.openxmlformats.org/presentationml/2006/main">
+  <p:cSld>
+    <p:spTree>
+      <p:nvGrpSpPr>
+        <p:cNvPr id="1" name=""/>
+        <p:cNvGrpSpPr/>
+        <p:nvPr/>
+      </p:nvGrpSpPr>
+      <p:grpSpPr>
+        <a:xfrm>
+          <a:off x="0" y="0"/>
+          <a:ext cx="0" cy="0"/>
+          <a:chOff x="0" y="0"/>
+          <a:chExt cx="0" cy="0"/>
+        </a:xfrm>
+      </p:grpSpPr>
+      <p:sp>
+        <p:nvSpPr>
+          <p:cNvPr id="4" name="Título 1">
+            <a:extLst>
+              <a:ext uri="{FF2B5EF4-FFF2-40B4-BE49-F238E27FC236}">
+                <a16:creationId xmlns:a16="http://schemas.microsoft.com/office/drawing/2014/main" id="{6C39060B-FEF0-6AA5-65E9-39A732572625}"/>
+              </a:ext>
+            </a:extLst>
+          </p:cNvPr>
+          <p:cNvSpPr>
+            <a:spLocks noGrp="1"/>
+          </p:cNvSpPr>
+          <p:nvPr>
+            <p:ph type="title"/>
+          </p:nvPr>
+        </p:nvSpPr>
+        <p:spPr>
+          <a:xfrm>
+            <a:off x="1096963" y="287338"/>
+            <a:ext cx="10058400" cy="1449387"/>
+          </a:xfrm>
+        </p:spPr>
+        <p:txBody>
+          <a:bodyPr/>
+          <a:lstStyle/>
+          <a:p>
+            <a:r>
+              <a:rPr lang="pt-BR" dirty="0"/>
+              <a:t>HERANÇA</a:t>
+            </a:r>
+            <a:br>
+              <a:rPr lang="pt-BR" dirty="0"/>
+            </a:br>
+            <a:r>
+              <a:rPr lang="pt-BR" sz="2400" dirty="0"/>
+              <a:t>TIPOS DE HERANÇA</a:t>
+            </a:r>
+          </a:p>
+        </p:txBody>
+      </p:sp>
+      <p:sp>
+        <p:nvSpPr>
+          <p:cNvPr id="31" name="Espaço Reservado para Conteúdo 2">
+            <a:extLst>
+              <a:ext uri="{FF2B5EF4-FFF2-40B4-BE49-F238E27FC236}">
+                <a16:creationId xmlns:a16="http://schemas.microsoft.com/office/drawing/2014/main" id="{D2061234-52CD-FFAB-42EF-8F3150325C73}"/>
+              </a:ext>
+            </a:extLst>
+          </p:cNvPr>
+          <p:cNvSpPr txBox="1">
+            <a:spLocks/>
+          </p:cNvSpPr>
+          <p:nvPr/>
+        </p:nvSpPr>
+        <p:spPr>
+          <a:xfrm>
+            <a:off x="1097279" y="1845734"/>
+            <a:ext cx="10058084" cy="4023360"/>
+          </a:xfrm>
+          <a:prstGeom prst="rect">
+            <a:avLst/>
+          </a:prstGeom>
+        </p:spPr>
+        <p:txBody>
+          <a:bodyPr vert="horz" lIns="0" tIns="45720" rIns="0" bIns="45720" rtlCol="0">
+            <a:normAutofit/>
+          </a:bodyPr>
+          <a:lstStyle>
+            <a:lvl1pPr marL="91440" indent="-91440" algn="l" defTabSz="914400" rtl="0" eaLnBrk="1" latinLnBrk="0" hangingPunct="1">
+              <a:lnSpc>
+                <a:spcPct val="90000"/>
+              </a:lnSpc>
+              <a:spcBef>
+                <a:spcPts val="1200"/>
+              </a:spcBef>
+              <a:spcAft>
+                <a:spcPts val="200"/>
+              </a:spcAft>
+              <a:buClr>
+                <a:schemeClr val="accent1"/>
+              </a:buClr>
+              <a:buSzPct val="100000"/>
+              <a:buFont typeface="Calibri" panose="020F0502020204030204" pitchFamily="34" charset="0"/>
+              <a:buChar char=" "/>
+              <a:defRPr sz="2000" kern="1200">
+                <a:solidFill>
+                  <a:schemeClr val="tx1">
+                    <a:lumMod val="75000"/>
+                    <a:lumOff val="25000"/>
+                  </a:schemeClr>
+                </a:solidFill>
+                <a:latin typeface="+mn-lt"/>
+                <a:ea typeface="+mn-ea"/>
+                <a:cs typeface="+mn-cs"/>
+              </a:defRPr>
+            </a:lvl1pPr>
+            <a:lvl2pPr marL="384048" indent="-182880" algn="l" defTabSz="914400" rtl="0" eaLnBrk="1" latinLnBrk="0" hangingPunct="1">
+              <a:lnSpc>
+                <a:spcPct val="90000"/>
+              </a:lnSpc>
+              <a:spcBef>
+                <a:spcPts val="200"/>
+              </a:spcBef>
+              <a:spcAft>
+                <a:spcPts val="400"/>
+              </a:spcAft>
+              <a:buClr>
+                <a:schemeClr val="accent1"/>
+              </a:buClr>
+              <a:buFont typeface="Calibri" pitchFamily="34" charset="0"/>
+              <a:buChar char="◦"/>
+              <a:defRPr sz="1800" kern="1200">
+                <a:solidFill>
+                  <a:schemeClr val="tx1">
+                    <a:lumMod val="75000"/>
+                    <a:lumOff val="25000"/>
+                  </a:schemeClr>
+                </a:solidFill>
+                <a:latin typeface="+mn-lt"/>
+                <a:ea typeface="+mn-ea"/>
+                <a:cs typeface="+mn-cs"/>
+              </a:defRPr>
+            </a:lvl2pPr>
+            <a:lvl3pPr marL="566928" indent="-182880" algn="l" defTabSz="914400" rtl="0" eaLnBrk="1" latinLnBrk="0" hangingPunct="1">
+              <a:lnSpc>
+                <a:spcPct val="90000"/>
+              </a:lnSpc>
+              <a:spcBef>
+                <a:spcPts val="200"/>
+              </a:spcBef>
+              <a:spcAft>
+                <a:spcPts val="400"/>
+              </a:spcAft>
+              <a:buClr>
+                <a:schemeClr val="accent1"/>
+              </a:buClr>
+              <a:buFont typeface="Calibri" pitchFamily="34" charset="0"/>
+              <a:buChar char="◦"/>
+              <a:defRPr sz="1400" kern="1200">
+                <a:solidFill>
+                  <a:schemeClr val="tx1">
+                    <a:lumMod val="75000"/>
+                    <a:lumOff val="25000"/>
+                  </a:schemeClr>
+                </a:solidFill>
+                <a:latin typeface="+mn-lt"/>
+                <a:ea typeface="+mn-ea"/>
+                <a:cs typeface="+mn-cs"/>
+              </a:defRPr>
+            </a:lvl3pPr>
+            <a:lvl4pPr marL="749808" indent="-182880" algn="l" defTabSz="914400" rtl="0" eaLnBrk="1" latinLnBrk="0" hangingPunct="1">
+              <a:lnSpc>
+                <a:spcPct val="90000"/>
+              </a:lnSpc>
+              <a:spcBef>
+                <a:spcPts val="200"/>
+              </a:spcBef>
+              <a:spcAft>
+                <a:spcPts val="400"/>
+              </a:spcAft>
+              <a:buClr>
+                <a:schemeClr val="accent1"/>
+              </a:buClr>
+              <a:buFont typeface="Calibri" pitchFamily="34" charset="0"/>
+              <a:buChar char="◦"/>
+              <a:defRPr sz="1400" kern="1200">
+                <a:solidFill>
+                  <a:schemeClr val="tx1">
+                    <a:lumMod val="75000"/>
+                    <a:lumOff val="25000"/>
+                  </a:schemeClr>
+                </a:solidFill>
+                <a:latin typeface="+mn-lt"/>
+                <a:ea typeface="+mn-ea"/>
+                <a:cs typeface="+mn-cs"/>
+              </a:defRPr>
+            </a:lvl4pPr>
+            <a:lvl5pPr marL="932688" indent="-182880" algn="l" defTabSz="914400" rtl="0" eaLnBrk="1" latinLnBrk="0" hangingPunct="1">
+              <a:lnSpc>
+                <a:spcPct val="90000"/>
+              </a:lnSpc>
+              <a:spcBef>
+                <a:spcPts val="200"/>
+              </a:spcBef>
+              <a:spcAft>
+                <a:spcPts val="400"/>
+              </a:spcAft>
+              <a:buClr>
+                <a:schemeClr val="accent1"/>
+              </a:buClr>
+              <a:buFont typeface="Calibri" pitchFamily="34" charset="0"/>
+              <a:buChar char="◦"/>
+              <a:defRPr sz="1400" kern="1200">
+                <a:solidFill>
+                  <a:schemeClr val="tx1">
+                    <a:lumMod val="75000"/>
+                    <a:lumOff val="25000"/>
+                  </a:schemeClr>
+                </a:solidFill>
+                <a:latin typeface="+mn-lt"/>
+                <a:ea typeface="+mn-ea"/>
+                <a:cs typeface="+mn-cs"/>
+              </a:defRPr>
+            </a:lvl5pPr>
+            <a:lvl6pPr marL="1100000" indent="-228600" algn="l" defTabSz="914400" rtl="0" eaLnBrk="1" latinLnBrk="0" hangingPunct="1">
+              <a:lnSpc>
+                <a:spcPct val="90000"/>
+              </a:lnSpc>
+              <a:spcBef>
+                <a:spcPts val="200"/>
+              </a:spcBef>
+              <a:spcAft>
+                <a:spcPts val="400"/>
+              </a:spcAft>
+              <a:buClr>
+                <a:schemeClr val="accent1"/>
+              </a:buClr>
+              <a:buFont typeface="Calibri" pitchFamily="34" charset="0"/>
+              <a:buChar char="◦"/>
+              <a:defRPr sz="1400" kern="1200">
+                <a:solidFill>
+                  <a:schemeClr val="tx1">
+                    <a:lumMod val="75000"/>
+                    <a:lumOff val="25000"/>
+                  </a:schemeClr>
+                </a:solidFill>
+                <a:latin typeface="+mn-lt"/>
+                <a:ea typeface="+mn-ea"/>
+                <a:cs typeface="+mn-cs"/>
+              </a:defRPr>
+            </a:lvl6pPr>
+            <a:lvl7pPr marL="1300000" indent="-228600" algn="l" defTabSz="914400" rtl="0" eaLnBrk="1" latinLnBrk="0" hangingPunct="1">
+              <a:lnSpc>
+                <a:spcPct val="90000"/>
+              </a:lnSpc>
+              <a:spcBef>
+                <a:spcPts val="200"/>
+              </a:spcBef>
+              <a:spcAft>
+                <a:spcPts val="400"/>
+              </a:spcAft>
+              <a:buClr>
+                <a:schemeClr val="accent1"/>
+              </a:buClr>
+              <a:buFont typeface="Calibri" pitchFamily="34" charset="0"/>
+              <a:buChar char="◦"/>
+              <a:defRPr sz="1400" kern="1200">
+                <a:solidFill>
+                  <a:schemeClr val="tx1">
+                    <a:lumMod val="75000"/>
+                    <a:lumOff val="25000"/>
+                  </a:schemeClr>
+                </a:solidFill>
+                <a:latin typeface="+mn-lt"/>
+                <a:ea typeface="+mn-ea"/>
+                <a:cs typeface="+mn-cs"/>
+              </a:defRPr>
+            </a:lvl7pPr>
+            <a:lvl8pPr marL="1500000" indent="-228600" algn="l" defTabSz="914400" rtl="0" eaLnBrk="1" latinLnBrk="0" hangingPunct="1">
+              <a:lnSpc>
+                <a:spcPct val="90000"/>
+              </a:lnSpc>
+              <a:spcBef>
+                <a:spcPts val="200"/>
+              </a:spcBef>
+              <a:spcAft>
+                <a:spcPts val="400"/>
+              </a:spcAft>
+              <a:buClr>
+                <a:schemeClr val="accent1"/>
+              </a:buClr>
+              <a:buFont typeface="Calibri" pitchFamily="34" charset="0"/>
+              <a:buChar char="◦"/>
+              <a:defRPr sz="1400" kern="1200">
+                <a:solidFill>
+                  <a:schemeClr val="tx1">
+                    <a:lumMod val="75000"/>
+                    <a:lumOff val="25000"/>
+                  </a:schemeClr>
+                </a:solidFill>
+                <a:latin typeface="+mn-lt"/>
+                <a:ea typeface="+mn-ea"/>
+                <a:cs typeface="+mn-cs"/>
+              </a:defRPr>
+            </a:lvl8pPr>
+            <a:lvl9pPr marL="1700000" indent="-228600" algn="l" defTabSz="914400" rtl="0" eaLnBrk="1" latinLnBrk="0" hangingPunct="1">
+              <a:lnSpc>
+                <a:spcPct val="90000"/>
+              </a:lnSpc>
+              <a:spcBef>
+                <a:spcPts val="200"/>
+              </a:spcBef>
+              <a:spcAft>
+                <a:spcPts val="400"/>
+              </a:spcAft>
+              <a:buClr>
+                <a:schemeClr val="accent1"/>
+              </a:buClr>
+              <a:buFont typeface="Calibri" pitchFamily="34" charset="0"/>
+              <a:buChar char="◦"/>
+              <a:defRPr sz="1400" kern="1200">
+                <a:solidFill>
+                  <a:schemeClr val="tx1">
+                    <a:lumMod val="75000"/>
+                    <a:lumOff val="25000"/>
+                  </a:schemeClr>
+                </a:solidFill>
+                <a:latin typeface="+mn-lt"/>
+                <a:ea typeface="+mn-ea"/>
+                <a:cs typeface="+mn-cs"/>
+              </a:defRPr>
+            </a:lvl9pPr>
+          </a:lstStyle>
+          <a:p>
+            <a:r>
+              <a:rPr lang="pt-BR" dirty="0"/>
+              <a:t>Existem dois tipos de Herança:</a:t>
+            </a:r>
+          </a:p>
+          <a:p>
+            <a:pPr lvl="1"/>
+            <a:r>
+              <a:rPr lang="pt-BR" b="1" dirty="0"/>
+              <a:t>Herança Simples</a:t>
+            </a:r>
+            <a:r>
+              <a:rPr lang="pt-BR" dirty="0"/>
+              <a:t>: cada Classe pode ter apenas uma </a:t>
+            </a:r>
+            <a:r>
+              <a:rPr lang="pt-BR" dirty="0" err="1"/>
+              <a:t>SuperClasse</a:t>
+            </a:r>
+            <a:r>
+              <a:rPr lang="pt-BR" dirty="0"/>
+              <a:t>. Na linguagem Java, usamos a palavra </a:t>
+            </a:r>
+            <a:r>
+              <a:rPr lang="pt-BR" b="1" dirty="0" err="1"/>
+              <a:t>extends</a:t>
+            </a:r>
+            <a:r>
+              <a:rPr lang="pt-BR" b="1" dirty="0"/>
+              <a:t> </a:t>
+            </a:r>
+            <a:r>
+              <a:rPr lang="pt-BR" dirty="0"/>
+              <a:t>para declarar que uma classe está herdando características de outra.</a:t>
+            </a:r>
+          </a:p>
+          <a:p>
+            <a:pPr lvl="1"/>
+            <a:r>
+              <a:rPr lang="pt-BR" b="1" dirty="0"/>
+              <a:t>Herança Múltipla</a:t>
+            </a:r>
+            <a:r>
+              <a:rPr lang="pt-BR" dirty="0"/>
+              <a:t>: quando uma Classe passa a ter mais de uma </a:t>
+            </a:r>
+            <a:r>
+              <a:rPr lang="pt-BR" dirty="0" err="1"/>
+              <a:t>SuperClasse</a:t>
+            </a:r>
+            <a:r>
+              <a:rPr lang="pt-BR" dirty="0"/>
+              <a:t>, herdando as características de ambas. Na linguagem Java, utilizamos </a:t>
+            </a:r>
+            <a:r>
+              <a:rPr lang="pt-BR" b="1" dirty="0"/>
+              <a:t>interfaces</a:t>
+            </a:r>
+            <a:r>
+              <a:rPr lang="pt-BR" dirty="0"/>
+              <a:t> para simular a herança múltipla, diferente da linguagem C++ que implementa nativamente.</a:t>
+            </a:r>
+            <a:endParaRPr lang="pt-BR" b="1" dirty="0"/>
+          </a:p>
+        </p:txBody>
+      </p:sp>
+    </p:spTree>
+    <p:extLst>
+      <p:ext uri="{BB962C8B-B14F-4D97-AF65-F5344CB8AC3E}">
+        <p14:creationId xmlns:p14="http://schemas.microsoft.com/office/powerpoint/2010/main" val="3303970123"/>
+      </p:ext>
+    </p:extLst>
+  </p:cSld>
+  <p:clrMapOvr>
+    <a:masterClrMapping/>
+  </p:clrMapOvr>
+</p:sld>
+</file>
+
+<file path=ppt/slides/slide21.xml><?xml version="1.0" encoding="utf-8"?>
+<p:sld xmlns:a="http://schemas.openxmlformats.org/drawingml/2006/main" xmlns:r="http://schemas.openxmlformats.org/officeDocument/2006/relationships" xmlns:p="http://schemas.openxmlformats.org/presentationml/2006/main">
+  <p:cSld>
+    <p:spTree>
+      <p:nvGrpSpPr>
+        <p:cNvPr id="1" name=""/>
+        <p:cNvGrpSpPr/>
+        <p:nvPr/>
+      </p:nvGrpSpPr>
+      <p:grpSpPr>
+        <a:xfrm>
+          <a:off x="0" y="0"/>
+          <a:ext cx="0" cy="0"/>
+          <a:chOff x="0" y="0"/>
+          <a:chExt cx="0" cy="0"/>
+        </a:xfrm>
+      </p:grpSpPr>
+      <p:sp>
+        <p:nvSpPr>
+          <p:cNvPr id="4" name="Título 1">
+            <a:extLst>
+              <a:ext uri="{FF2B5EF4-FFF2-40B4-BE49-F238E27FC236}">
+                <a16:creationId xmlns:a16="http://schemas.microsoft.com/office/drawing/2014/main" id="{6C39060B-FEF0-6AA5-65E9-39A732572625}"/>
+              </a:ext>
+            </a:extLst>
+          </p:cNvPr>
+          <p:cNvSpPr>
+            <a:spLocks noGrp="1"/>
+          </p:cNvSpPr>
+          <p:nvPr>
+            <p:ph type="title"/>
+          </p:nvPr>
+        </p:nvSpPr>
+        <p:spPr>
+          <a:xfrm>
+            <a:off x="1096963" y="287338"/>
+            <a:ext cx="10058400" cy="1449387"/>
+          </a:xfrm>
+        </p:spPr>
+        <p:txBody>
+          <a:bodyPr/>
+          <a:lstStyle/>
+          <a:p>
+            <a:r>
+              <a:rPr lang="pt-BR" dirty="0"/>
+              <a:t>HERANÇA</a:t>
+            </a:r>
+            <a:br>
+              <a:rPr lang="pt-BR" dirty="0"/>
+            </a:br>
+            <a:r>
+              <a:rPr lang="pt-BR" sz="2400" dirty="0" err="1"/>
+              <a:t>HERANÇA</a:t>
+            </a:r>
+            <a:r>
+              <a:rPr lang="pt-BR" sz="2400" dirty="0"/>
+              <a:t> EM JAVA</a:t>
+            </a:r>
+          </a:p>
+        </p:txBody>
+      </p:sp>
+      <p:sp>
+        <p:nvSpPr>
+          <p:cNvPr id="31" name="Espaço Reservado para Conteúdo 2">
+            <a:extLst>
+              <a:ext uri="{FF2B5EF4-FFF2-40B4-BE49-F238E27FC236}">
+                <a16:creationId xmlns:a16="http://schemas.microsoft.com/office/drawing/2014/main" id="{D2061234-52CD-FFAB-42EF-8F3150325C73}"/>
+              </a:ext>
+            </a:extLst>
+          </p:cNvPr>
+          <p:cNvSpPr txBox="1">
+            <a:spLocks/>
+          </p:cNvSpPr>
+          <p:nvPr/>
+        </p:nvSpPr>
+        <p:spPr>
+          <a:xfrm>
+            <a:off x="1097279" y="1845734"/>
+            <a:ext cx="10058084" cy="4023360"/>
+          </a:xfrm>
+          <a:prstGeom prst="rect">
+            <a:avLst/>
+          </a:prstGeom>
+        </p:spPr>
+        <p:txBody>
+          <a:bodyPr vert="horz" lIns="0" tIns="45720" rIns="0" bIns="45720" rtlCol="0">
+            <a:normAutofit/>
+          </a:bodyPr>
+          <a:lstStyle>
+            <a:lvl1pPr marL="91440" indent="-91440" algn="l" defTabSz="914400" rtl="0" eaLnBrk="1" latinLnBrk="0" hangingPunct="1">
+              <a:lnSpc>
+                <a:spcPct val="90000"/>
+              </a:lnSpc>
+              <a:spcBef>
+                <a:spcPts val="1200"/>
+              </a:spcBef>
+              <a:spcAft>
+                <a:spcPts val="200"/>
+              </a:spcAft>
+              <a:buClr>
+                <a:schemeClr val="accent1"/>
+              </a:buClr>
+              <a:buSzPct val="100000"/>
+              <a:buFont typeface="Calibri" panose="020F0502020204030204" pitchFamily="34" charset="0"/>
+              <a:buChar char=" "/>
+              <a:defRPr sz="2000" kern="1200">
+                <a:solidFill>
+                  <a:schemeClr val="tx1">
+                    <a:lumMod val="75000"/>
+                    <a:lumOff val="25000"/>
+                  </a:schemeClr>
+                </a:solidFill>
+                <a:latin typeface="+mn-lt"/>
+                <a:ea typeface="+mn-ea"/>
+                <a:cs typeface="+mn-cs"/>
+              </a:defRPr>
+            </a:lvl1pPr>
+            <a:lvl2pPr marL="384048" indent="-182880" algn="l" defTabSz="914400" rtl="0" eaLnBrk="1" latinLnBrk="0" hangingPunct="1">
+              <a:lnSpc>
+                <a:spcPct val="90000"/>
+              </a:lnSpc>
+              <a:spcBef>
+                <a:spcPts val="200"/>
+              </a:spcBef>
+              <a:spcAft>
+                <a:spcPts val="400"/>
+              </a:spcAft>
+              <a:buClr>
+                <a:schemeClr val="accent1"/>
+              </a:buClr>
+              <a:buFont typeface="Calibri" pitchFamily="34" charset="0"/>
+              <a:buChar char="◦"/>
+              <a:defRPr sz="1800" kern="1200">
+                <a:solidFill>
+                  <a:schemeClr val="tx1">
+                    <a:lumMod val="75000"/>
+                    <a:lumOff val="25000"/>
+                  </a:schemeClr>
+                </a:solidFill>
+                <a:latin typeface="+mn-lt"/>
+                <a:ea typeface="+mn-ea"/>
+                <a:cs typeface="+mn-cs"/>
+              </a:defRPr>
+            </a:lvl2pPr>
+            <a:lvl3pPr marL="566928" indent="-182880" algn="l" defTabSz="914400" rtl="0" eaLnBrk="1" latinLnBrk="0" hangingPunct="1">
+              <a:lnSpc>
+                <a:spcPct val="90000"/>
+              </a:lnSpc>
+              <a:spcBef>
+                <a:spcPts val="200"/>
+              </a:spcBef>
+              <a:spcAft>
+                <a:spcPts val="400"/>
+              </a:spcAft>
+              <a:buClr>
+                <a:schemeClr val="accent1"/>
+              </a:buClr>
+              <a:buFont typeface="Calibri" pitchFamily="34" charset="0"/>
+              <a:buChar char="◦"/>
+              <a:defRPr sz="1400" kern="1200">
+                <a:solidFill>
+                  <a:schemeClr val="tx1">
+                    <a:lumMod val="75000"/>
+                    <a:lumOff val="25000"/>
+                  </a:schemeClr>
+                </a:solidFill>
+                <a:latin typeface="+mn-lt"/>
+                <a:ea typeface="+mn-ea"/>
+                <a:cs typeface="+mn-cs"/>
+              </a:defRPr>
+            </a:lvl3pPr>
+            <a:lvl4pPr marL="749808" indent="-182880" algn="l" defTabSz="914400" rtl="0" eaLnBrk="1" latinLnBrk="0" hangingPunct="1">
+              <a:lnSpc>
+                <a:spcPct val="90000"/>
+              </a:lnSpc>
+              <a:spcBef>
+                <a:spcPts val="200"/>
+              </a:spcBef>
+              <a:spcAft>
+                <a:spcPts val="400"/>
+              </a:spcAft>
+              <a:buClr>
+                <a:schemeClr val="accent1"/>
+              </a:buClr>
+              <a:buFont typeface="Calibri" pitchFamily="34" charset="0"/>
+              <a:buChar char="◦"/>
+              <a:defRPr sz="1400" kern="1200">
+                <a:solidFill>
+                  <a:schemeClr val="tx1">
+                    <a:lumMod val="75000"/>
+                    <a:lumOff val="25000"/>
+                  </a:schemeClr>
+                </a:solidFill>
+                <a:latin typeface="+mn-lt"/>
+                <a:ea typeface="+mn-ea"/>
+                <a:cs typeface="+mn-cs"/>
+              </a:defRPr>
+            </a:lvl4pPr>
+            <a:lvl5pPr marL="932688" indent="-182880" algn="l" defTabSz="914400" rtl="0" eaLnBrk="1" latinLnBrk="0" hangingPunct="1">
+              <a:lnSpc>
+                <a:spcPct val="90000"/>
+              </a:lnSpc>
+              <a:spcBef>
+                <a:spcPts val="200"/>
+              </a:spcBef>
+              <a:spcAft>
+                <a:spcPts val="400"/>
+              </a:spcAft>
+              <a:buClr>
+                <a:schemeClr val="accent1"/>
+              </a:buClr>
+              <a:buFont typeface="Calibri" pitchFamily="34" charset="0"/>
+              <a:buChar char="◦"/>
+              <a:defRPr sz="1400" kern="1200">
+                <a:solidFill>
+                  <a:schemeClr val="tx1">
+                    <a:lumMod val="75000"/>
+                    <a:lumOff val="25000"/>
+                  </a:schemeClr>
+                </a:solidFill>
+                <a:latin typeface="+mn-lt"/>
+                <a:ea typeface="+mn-ea"/>
+                <a:cs typeface="+mn-cs"/>
+              </a:defRPr>
+            </a:lvl5pPr>
+            <a:lvl6pPr marL="1100000" indent="-228600" algn="l" defTabSz="914400" rtl="0" eaLnBrk="1" latinLnBrk="0" hangingPunct="1">
+              <a:lnSpc>
+                <a:spcPct val="90000"/>
+              </a:lnSpc>
+              <a:spcBef>
+                <a:spcPts val="200"/>
+              </a:spcBef>
+              <a:spcAft>
+                <a:spcPts val="400"/>
+              </a:spcAft>
+              <a:buClr>
+                <a:schemeClr val="accent1"/>
+              </a:buClr>
+              <a:buFont typeface="Calibri" pitchFamily="34" charset="0"/>
+              <a:buChar char="◦"/>
+              <a:defRPr sz="1400" kern="1200">
+                <a:solidFill>
+                  <a:schemeClr val="tx1">
+                    <a:lumMod val="75000"/>
+                    <a:lumOff val="25000"/>
+                  </a:schemeClr>
+                </a:solidFill>
+                <a:latin typeface="+mn-lt"/>
+                <a:ea typeface="+mn-ea"/>
+                <a:cs typeface="+mn-cs"/>
+              </a:defRPr>
+            </a:lvl6pPr>
+            <a:lvl7pPr marL="1300000" indent="-228600" algn="l" defTabSz="914400" rtl="0" eaLnBrk="1" latinLnBrk="0" hangingPunct="1">
+              <a:lnSpc>
+                <a:spcPct val="90000"/>
+              </a:lnSpc>
+              <a:spcBef>
+                <a:spcPts val="200"/>
+              </a:spcBef>
+              <a:spcAft>
+                <a:spcPts val="400"/>
+              </a:spcAft>
+              <a:buClr>
+                <a:schemeClr val="accent1"/>
+              </a:buClr>
+              <a:buFont typeface="Calibri" pitchFamily="34" charset="0"/>
+              <a:buChar char="◦"/>
+              <a:defRPr sz="1400" kern="1200">
+                <a:solidFill>
+                  <a:schemeClr val="tx1">
+                    <a:lumMod val="75000"/>
+                    <a:lumOff val="25000"/>
+                  </a:schemeClr>
+                </a:solidFill>
+                <a:latin typeface="+mn-lt"/>
+                <a:ea typeface="+mn-ea"/>
+                <a:cs typeface="+mn-cs"/>
+              </a:defRPr>
+            </a:lvl7pPr>
+            <a:lvl8pPr marL="1500000" indent="-228600" algn="l" defTabSz="914400" rtl="0" eaLnBrk="1" latinLnBrk="0" hangingPunct="1">
+              <a:lnSpc>
+                <a:spcPct val="90000"/>
+              </a:lnSpc>
+              <a:spcBef>
+                <a:spcPts val="200"/>
+              </a:spcBef>
+              <a:spcAft>
+                <a:spcPts val="400"/>
+              </a:spcAft>
+              <a:buClr>
+                <a:schemeClr val="accent1"/>
+              </a:buClr>
+              <a:buFont typeface="Calibri" pitchFamily="34" charset="0"/>
+              <a:buChar char="◦"/>
+              <a:defRPr sz="1400" kern="1200">
+                <a:solidFill>
+                  <a:schemeClr val="tx1">
+                    <a:lumMod val="75000"/>
+                    <a:lumOff val="25000"/>
+                  </a:schemeClr>
+                </a:solidFill>
+                <a:latin typeface="+mn-lt"/>
+                <a:ea typeface="+mn-ea"/>
+                <a:cs typeface="+mn-cs"/>
+              </a:defRPr>
+            </a:lvl8pPr>
+            <a:lvl9pPr marL="1700000" indent="-228600" algn="l" defTabSz="914400" rtl="0" eaLnBrk="1" latinLnBrk="0" hangingPunct="1">
+              <a:lnSpc>
+                <a:spcPct val="90000"/>
+              </a:lnSpc>
+              <a:spcBef>
+                <a:spcPts val="200"/>
+              </a:spcBef>
+              <a:spcAft>
+                <a:spcPts val="400"/>
+              </a:spcAft>
+              <a:buClr>
+                <a:schemeClr val="accent1"/>
+              </a:buClr>
+              <a:buFont typeface="Calibri" pitchFamily="34" charset="0"/>
+              <a:buChar char="◦"/>
+              <a:defRPr sz="1400" kern="1200">
+                <a:solidFill>
+                  <a:schemeClr val="tx1">
+                    <a:lumMod val="75000"/>
+                    <a:lumOff val="25000"/>
+                  </a:schemeClr>
+                </a:solidFill>
+                <a:latin typeface="+mn-lt"/>
+                <a:ea typeface="+mn-ea"/>
+                <a:cs typeface="+mn-cs"/>
+              </a:defRPr>
+            </a:lvl9pPr>
+          </a:lstStyle>
+          <a:p>
+            <a:r>
+              <a:rPr lang="pt-BR" dirty="0"/>
+              <a:t>A sintaxe utilizada na linguagem Java para indicar que uma Classe está herdando de outra é:</a:t>
+            </a:r>
+          </a:p>
+          <a:p>
+            <a:r>
+              <a:rPr lang="pt-BR" b="1" dirty="0"/>
+              <a:t> 		</a:t>
+            </a:r>
+            <a:r>
+              <a:rPr lang="pt-BR" b="1" dirty="0">
+                <a:solidFill>
+                  <a:srgbClr val="FF0000"/>
+                </a:solidFill>
+              </a:rPr>
+              <a:t>[modificador] </a:t>
+            </a:r>
+            <a:r>
+              <a:rPr lang="pt-BR" b="1" dirty="0">
+                <a:solidFill>
+                  <a:srgbClr val="0070C0"/>
+                </a:solidFill>
+              </a:rPr>
+              <a:t>class </a:t>
+            </a:r>
+            <a:r>
+              <a:rPr lang="pt-BR" b="1" dirty="0" err="1"/>
+              <a:t>nomeClasse</a:t>
+            </a:r>
+            <a:r>
+              <a:rPr lang="pt-BR" b="1" dirty="0"/>
+              <a:t> </a:t>
+            </a:r>
+            <a:r>
+              <a:rPr lang="pt-BR" b="1" dirty="0" err="1">
+                <a:solidFill>
+                  <a:srgbClr val="FF0000"/>
+                </a:solidFill>
+              </a:rPr>
+              <a:t>extends</a:t>
+            </a:r>
+            <a:r>
+              <a:rPr lang="pt-BR" b="1" dirty="0">
+                <a:solidFill>
+                  <a:srgbClr val="FF0000"/>
+                </a:solidFill>
+              </a:rPr>
+              <a:t> </a:t>
+            </a:r>
+            <a:r>
+              <a:rPr lang="pt-BR" b="1" dirty="0" err="1"/>
+              <a:t>nomeSuperClasse</a:t>
+            </a:r>
+            <a:r>
+              <a:rPr lang="pt-BR" b="1" dirty="0"/>
+              <a:t> {</a:t>
+            </a:r>
+          </a:p>
+          <a:p>
+            <a:r>
+              <a:rPr lang="pt-BR" b="1" dirty="0"/>
+              <a:t>			</a:t>
+            </a:r>
+            <a:r>
+              <a:rPr lang="pt-BR" b="1" dirty="0">
+                <a:solidFill>
+                  <a:srgbClr val="00B050"/>
+                </a:solidFill>
+              </a:rPr>
+              <a:t>// Código da </a:t>
+            </a:r>
+            <a:r>
+              <a:rPr lang="pt-BR" b="1" dirty="0" err="1">
+                <a:solidFill>
+                  <a:srgbClr val="00B050"/>
+                </a:solidFill>
+              </a:rPr>
+              <a:t>SubClasse</a:t>
+            </a:r>
+            <a:endParaRPr lang="pt-BR" b="1" dirty="0">
+              <a:solidFill>
+                <a:srgbClr val="00B050"/>
+              </a:solidFill>
+            </a:endParaRPr>
+          </a:p>
+          <a:p>
+            <a:r>
+              <a:rPr lang="pt-BR" b="1" dirty="0"/>
+              <a:t>		}</a:t>
+            </a:r>
+          </a:p>
+        </p:txBody>
+      </p:sp>
+    </p:spTree>
+    <p:extLst>
+      <p:ext uri="{BB962C8B-B14F-4D97-AF65-F5344CB8AC3E}">
+        <p14:creationId xmlns:p14="http://schemas.microsoft.com/office/powerpoint/2010/main" val="3178516944"/>
+      </p:ext>
+    </p:extLst>
+  </p:cSld>
+  <p:clrMapOvr>
+    <a:masterClrMapping/>
+  </p:clrMapOvr>
+</p:sld>
+</file>
+
+<file path=ppt/slides/slide22.xml><?xml version="1.0" encoding="utf-8"?>
+<p:sld xmlns:a="http://schemas.openxmlformats.org/drawingml/2006/main" xmlns:r="http://schemas.openxmlformats.org/officeDocument/2006/relationships" xmlns:p="http://schemas.openxmlformats.org/presentationml/2006/main">
+  <p:cSld>
+    <p:spTree>
+      <p:nvGrpSpPr>
+        <p:cNvPr id="1" name=""/>
+        <p:cNvGrpSpPr/>
+        <p:nvPr/>
+      </p:nvGrpSpPr>
+      <p:grpSpPr>
+        <a:xfrm>
+          <a:off x="0" y="0"/>
+          <a:ext cx="0" cy="0"/>
+          <a:chOff x="0" y="0"/>
+          <a:chExt cx="0" cy="0"/>
+        </a:xfrm>
+      </p:grpSpPr>
+      <p:sp>
+        <p:nvSpPr>
+          <p:cNvPr id="4" name="Título 1">
+            <a:extLst>
+              <a:ext uri="{FF2B5EF4-FFF2-40B4-BE49-F238E27FC236}">
+                <a16:creationId xmlns:a16="http://schemas.microsoft.com/office/drawing/2014/main" id="{6C39060B-FEF0-6AA5-65E9-39A732572625}"/>
+              </a:ext>
+            </a:extLst>
+          </p:cNvPr>
+          <p:cNvSpPr>
+            <a:spLocks noGrp="1"/>
+          </p:cNvSpPr>
+          <p:nvPr>
+            <p:ph type="title"/>
+          </p:nvPr>
+        </p:nvSpPr>
+        <p:spPr>
+          <a:xfrm>
+            <a:off x="1096963" y="287338"/>
+            <a:ext cx="10058400" cy="1449387"/>
+          </a:xfrm>
+        </p:spPr>
+        <p:txBody>
+          <a:bodyPr/>
+          <a:lstStyle/>
+          <a:p>
+            <a:r>
+              <a:rPr lang="pt-BR" dirty="0"/>
+              <a:t>HERANÇA</a:t>
+            </a:r>
+            <a:br>
+              <a:rPr lang="pt-BR" dirty="0"/>
+            </a:br>
+            <a:r>
+              <a:rPr lang="pt-BR" sz="2400" dirty="0" err="1"/>
+              <a:t>HERANÇA</a:t>
+            </a:r>
+            <a:r>
+              <a:rPr lang="pt-BR" sz="2400" dirty="0"/>
+              <a:t> EM JAVA</a:t>
+            </a:r>
+          </a:p>
+        </p:txBody>
+      </p:sp>
+      <p:sp>
+        <p:nvSpPr>
+          <p:cNvPr id="31" name="Espaço Reservado para Conteúdo 2">
+            <a:extLst>
+              <a:ext uri="{FF2B5EF4-FFF2-40B4-BE49-F238E27FC236}">
+                <a16:creationId xmlns:a16="http://schemas.microsoft.com/office/drawing/2014/main" id="{D2061234-52CD-FFAB-42EF-8F3150325C73}"/>
+              </a:ext>
+            </a:extLst>
+          </p:cNvPr>
+          <p:cNvSpPr txBox="1">
+            <a:spLocks/>
+          </p:cNvSpPr>
+          <p:nvPr/>
+        </p:nvSpPr>
+        <p:spPr>
+          <a:xfrm>
+            <a:off x="1097279" y="1845734"/>
+            <a:ext cx="10058084" cy="4023360"/>
+          </a:xfrm>
+          <a:prstGeom prst="rect">
+            <a:avLst/>
+          </a:prstGeom>
+        </p:spPr>
+        <p:txBody>
+          <a:bodyPr vert="horz" lIns="0" tIns="45720" rIns="0" bIns="45720" rtlCol="0">
+            <a:normAutofit/>
+          </a:bodyPr>
+          <a:lstStyle>
+            <a:lvl1pPr marL="91440" indent="-91440" algn="l" defTabSz="914400" rtl="0" eaLnBrk="1" latinLnBrk="0" hangingPunct="1">
+              <a:lnSpc>
+                <a:spcPct val="90000"/>
+              </a:lnSpc>
+              <a:spcBef>
+                <a:spcPts val="1200"/>
+              </a:spcBef>
+              <a:spcAft>
+                <a:spcPts val="200"/>
+              </a:spcAft>
+              <a:buClr>
+                <a:schemeClr val="accent1"/>
+              </a:buClr>
+              <a:buSzPct val="100000"/>
+              <a:buFont typeface="Calibri" panose="020F0502020204030204" pitchFamily="34" charset="0"/>
+              <a:buChar char=" "/>
+              <a:defRPr sz="2000" kern="1200">
+                <a:solidFill>
+                  <a:schemeClr val="tx1">
+                    <a:lumMod val="75000"/>
+                    <a:lumOff val="25000"/>
+                  </a:schemeClr>
+                </a:solidFill>
+                <a:latin typeface="+mn-lt"/>
+                <a:ea typeface="+mn-ea"/>
+                <a:cs typeface="+mn-cs"/>
+              </a:defRPr>
+            </a:lvl1pPr>
+            <a:lvl2pPr marL="384048" indent="-182880" algn="l" defTabSz="914400" rtl="0" eaLnBrk="1" latinLnBrk="0" hangingPunct="1">
+              <a:lnSpc>
+                <a:spcPct val="90000"/>
+              </a:lnSpc>
+              <a:spcBef>
+                <a:spcPts val="200"/>
+              </a:spcBef>
+              <a:spcAft>
+                <a:spcPts val="400"/>
+              </a:spcAft>
+              <a:buClr>
+                <a:schemeClr val="accent1"/>
+              </a:buClr>
+              <a:buFont typeface="Calibri" pitchFamily="34" charset="0"/>
+              <a:buChar char="◦"/>
+              <a:defRPr sz="1800" kern="1200">
+                <a:solidFill>
+                  <a:schemeClr val="tx1">
+                    <a:lumMod val="75000"/>
+                    <a:lumOff val="25000"/>
+                  </a:schemeClr>
+                </a:solidFill>
+                <a:latin typeface="+mn-lt"/>
+                <a:ea typeface="+mn-ea"/>
+                <a:cs typeface="+mn-cs"/>
+              </a:defRPr>
+            </a:lvl2pPr>
+            <a:lvl3pPr marL="566928" indent="-182880" algn="l" defTabSz="914400" rtl="0" eaLnBrk="1" latinLnBrk="0" hangingPunct="1">
+              <a:lnSpc>
+                <a:spcPct val="90000"/>
+              </a:lnSpc>
+              <a:spcBef>
+                <a:spcPts val="200"/>
+              </a:spcBef>
+              <a:spcAft>
+                <a:spcPts val="400"/>
+              </a:spcAft>
+              <a:buClr>
+                <a:schemeClr val="accent1"/>
+              </a:buClr>
+              <a:buFont typeface="Calibri" pitchFamily="34" charset="0"/>
+              <a:buChar char="◦"/>
+              <a:defRPr sz="1400" kern="1200">
+                <a:solidFill>
+                  <a:schemeClr val="tx1">
+                    <a:lumMod val="75000"/>
+                    <a:lumOff val="25000"/>
+                  </a:schemeClr>
+                </a:solidFill>
+                <a:latin typeface="+mn-lt"/>
+                <a:ea typeface="+mn-ea"/>
+                <a:cs typeface="+mn-cs"/>
+              </a:defRPr>
+            </a:lvl3pPr>
+            <a:lvl4pPr marL="749808" indent="-182880" algn="l" defTabSz="914400" rtl="0" eaLnBrk="1" latinLnBrk="0" hangingPunct="1">
+              <a:lnSpc>
+                <a:spcPct val="90000"/>
+              </a:lnSpc>
+              <a:spcBef>
+                <a:spcPts val="200"/>
+              </a:spcBef>
+              <a:spcAft>
+                <a:spcPts val="400"/>
+              </a:spcAft>
+              <a:buClr>
+                <a:schemeClr val="accent1"/>
+              </a:buClr>
+              <a:buFont typeface="Calibri" pitchFamily="34" charset="0"/>
+              <a:buChar char="◦"/>
+              <a:defRPr sz="1400" kern="1200">
+                <a:solidFill>
+                  <a:schemeClr val="tx1">
+                    <a:lumMod val="75000"/>
+                    <a:lumOff val="25000"/>
+                  </a:schemeClr>
+                </a:solidFill>
+                <a:latin typeface="+mn-lt"/>
+                <a:ea typeface="+mn-ea"/>
+                <a:cs typeface="+mn-cs"/>
+              </a:defRPr>
+            </a:lvl4pPr>
+            <a:lvl5pPr marL="932688" indent="-182880" algn="l" defTabSz="914400" rtl="0" eaLnBrk="1" latinLnBrk="0" hangingPunct="1">
+              <a:lnSpc>
+                <a:spcPct val="90000"/>
+              </a:lnSpc>
+              <a:spcBef>
+                <a:spcPts val="200"/>
+              </a:spcBef>
+              <a:spcAft>
+                <a:spcPts val="400"/>
+              </a:spcAft>
+              <a:buClr>
+                <a:schemeClr val="accent1"/>
+              </a:buClr>
+              <a:buFont typeface="Calibri" pitchFamily="34" charset="0"/>
+              <a:buChar char="◦"/>
+              <a:defRPr sz="1400" kern="1200">
+                <a:solidFill>
+                  <a:schemeClr val="tx1">
+                    <a:lumMod val="75000"/>
+                    <a:lumOff val="25000"/>
+                  </a:schemeClr>
+                </a:solidFill>
+                <a:latin typeface="+mn-lt"/>
+                <a:ea typeface="+mn-ea"/>
+                <a:cs typeface="+mn-cs"/>
+              </a:defRPr>
+            </a:lvl5pPr>
+            <a:lvl6pPr marL="1100000" indent="-228600" algn="l" defTabSz="914400" rtl="0" eaLnBrk="1" latinLnBrk="0" hangingPunct="1">
+              <a:lnSpc>
+                <a:spcPct val="90000"/>
+              </a:lnSpc>
+              <a:spcBef>
+                <a:spcPts val="200"/>
+              </a:spcBef>
+              <a:spcAft>
+                <a:spcPts val="400"/>
+              </a:spcAft>
+              <a:buClr>
+                <a:schemeClr val="accent1"/>
+              </a:buClr>
+              <a:buFont typeface="Calibri" pitchFamily="34" charset="0"/>
+              <a:buChar char="◦"/>
+              <a:defRPr sz="1400" kern="1200">
+                <a:solidFill>
+                  <a:schemeClr val="tx1">
+                    <a:lumMod val="75000"/>
+                    <a:lumOff val="25000"/>
+                  </a:schemeClr>
+                </a:solidFill>
+                <a:latin typeface="+mn-lt"/>
+                <a:ea typeface="+mn-ea"/>
+                <a:cs typeface="+mn-cs"/>
+              </a:defRPr>
+            </a:lvl6pPr>
+            <a:lvl7pPr marL="1300000" indent="-228600" algn="l" defTabSz="914400" rtl="0" eaLnBrk="1" latinLnBrk="0" hangingPunct="1">
+              <a:lnSpc>
+                <a:spcPct val="90000"/>
+              </a:lnSpc>
+              <a:spcBef>
+                <a:spcPts val="200"/>
+              </a:spcBef>
+              <a:spcAft>
+                <a:spcPts val="400"/>
+              </a:spcAft>
+              <a:buClr>
+                <a:schemeClr val="accent1"/>
+              </a:buClr>
+              <a:buFont typeface="Calibri" pitchFamily="34" charset="0"/>
+              <a:buChar char="◦"/>
+              <a:defRPr sz="1400" kern="1200">
+                <a:solidFill>
+                  <a:schemeClr val="tx1">
+                    <a:lumMod val="75000"/>
+                    <a:lumOff val="25000"/>
+                  </a:schemeClr>
+                </a:solidFill>
+                <a:latin typeface="+mn-lt"/>
+                <a:ea typeface="+mn-ea"/>
+                <a:cs typeface="+mn-cs"/>
+              </a:defRPr>
+            </a:lvl7pPr>
+            <a:lvl8pPr marL="1500000" indent="-228600" algn="l" defTabSz="914400" rtl="0" eaLnBrk="1" latinLnBrk="0" hangingPunct="1">
+              <a:lnSpc>
+                <a:spcPct val="90000"/>
+              </a:lnSpc>
+              <a:spcBef>
+                <a:spcPts val="200"/>
+              </a:spcBef>
+              <a:spcAft>
+                <a:spcPts val="400"/>
+              </a:spcAft>
+              <a:buClr>
+                <a:schemeClr val="accent1"/>
+              </a:buClr>
+              <a:buFont typeface="Calibri" pitchFamily="34" charset="0"/>
+              <a:buChar char="◦"/>
+              <a:defRPr sz="1400" kern="1200">
+                <a:solidFill>
+                  <a:schemeClr val="tx1">
+                    <a:lumMod val="75000"/>
+                    <a:lumOff val="25000"/>
+                  </a:schemeClr>
+                </a:solidFill>
+                <a:latin typeface="+mn-lt"/>
+                <a:ea typeface="+mn-ea"/>
+                <a:cs typeface="+mn-cs"/>
+              </a:defRPr>
+            </a:lvl8pPr>
+            <a:lvl9pPr marL="1700000" indent="-228600" algn="l" defTabSz="914400" rtl="0" eaLnBrk="1" latinLnBrk="0" hangingPunct="1">
+              <a:lnSpc>
+                <a:spcPct val="90000"/>
+              </a:lnSpc>
+              <a:spcBef>
+                <a:spcPts val="200"/>
+              </a:spcBef>
+              <a:spcAft>
+                <a:spcPts val="400"/>
+              </a:spcAft>
+              <a:buClr>
+                <a:schemeClr val="accent1"/>
+              </a:buClr>
+              <a:buFont typeface="Calibri" pitchFamily="34" charset="0"/>
+              <a:buChar char="◦"/>
+              <a:defRPr sz="1400" kern="1200">
+                <a:solidFill>
+                  <a:schemeClr val="tx1">
+                    <a:lumMod val="75000"/>
+                    <a:lumOff val="25000"/>
+                  </a:schemeClr>
+                </a:solidFill>
+                <a:latin typeface="+mn-lt"/>
+                <a:ea typeface="+mn-ea"/>
+                <a:cs typeface="+mn-cs"/>
+              </a:defRPr>
+            </a:lvl9pPr>
+          </a:lstStyle>
+          <a:p>
+            <a:r>
+              <a:rPr lang="pt-BR" dirty="0"/>
+              <a:t>Na aula anterior observamos que os Modificadores de Acesso para as Classes são:</a:t>
+            </a:r>
+          </a:p>
+          <a:p>
+            <a:pPr lvl="1"/>
+            <a:r>
+              <a:rPr lang="pt-BR" b="1" dirty="0"/>
+              <a:t>Padrão</a:t>
+            </a:r>
+            <a:r>
+              <a:rPr lang="pt-BR" dirty="0"/>
+              <a:t> – permite que a classe pode ser acessada por todas as outras Classes do mesmo pacote;</a:t>
+            </a:r>
+          </a:p>
+          <a:p>
+            <a:pPr lvl="1"/>
+            <a:r>
+              <a:rPr lang="pt-BR" b="1" dirty="0"/>
+              <a:t>Public</a:t>
+            </a:r>
+            <a:r>
+              <a:rPr lang="pt-BR" dirty="0"/>
+              <a:t> – pode ser acessada por qualquer Classe de qualquer Pacote.</a:t>
+            </a:r>
+            <a:endParaRPr lang="pt-BR" b="1" dirty="0"/>
+          </a:p>
+          <a:p>
+            <a:r>
+              <a:rPr lang="pt-BR" dirty="0"/>
+              <a:t>E os Modificadores Non-Access para as Classes são:</a:t>
+            </a:r>
+          </a:p>
+          <a:p>
+            <a:pPr lvl="1"/>
+            <a:r>
+              <a:rPr lang="pt-BR" b="1" dirty="0"/>
+              <a:t>Abstract</a:t>
+            </a:r>
+            <a:r>
+              <a:rPr lang="pt-BR" dirty="0"/>
+              <a:t> – não pode ser usada para criar objetos, e para acessar essa Classe Abstrata, deve ser herdada por outra Classe.</a:t>
+            </a:r>
+          </a:p>
+          <a:p>
+            <a:pPr lvl="1"/>
+            <a:r>
+              <a:rPr lang="pt-BR" b="1" dirty="0"/>
+              <a:t>Final</a:t>
+            </a:r>
+            <a:r>
+              <a:rPr lang="pt-BR" dirty="0"/>
+              <a:t> – uma Classe não pode ser herdada por outras Classes.</a:t>
+            </a:r>
+            <a:endParaRPr lang="pt-BR" b="1" dirty="0"/>
+          </a:p>
+          <a:p>
+            <a:endParaRPr lang="pt-BR" dirty="0"/>
+          </a:p>
+        </p:txBody>
+      </p:sp>
+    </p:spTree>
+    <p:extLst>
+      <p:ext uri="{BB962C8B-B14F-4D97-AF65-F5344CB8AC3E}">
+        <p14:creationId xmlns:p14="http://schemas.microsoft.com/office/powerpoint/2010/main" val="3904506542"/>
+      </p:ext>
+    </p:extLst>
+  </p:cSld>
+  <p:clrMapOvr>
+    <a:masterClrMapping/>
+  </p:clrMapOvr>
+</p:sld>
+</file>
+
+<file path=ppt/slides/slide23.xml><?xml version="1.0" encoding="utf-8"?>
+<p:sld xmlns:a="http://schemas.openxmlformats.org/drawingml/2006/main" xmlns:r="http://schemas.openxmlformats.org/officeDocument/2006/relationships" xmlns:p="http://schemas.openxmlformats.org/presentationml/2006/main">
+  <p:cSld>
+    <p:spTree>
+      <p:nvGrpSpPr>
+        <p:cNvPr id="1" name=""/>
+        <p:cNvGrpSpPr/>
+        <p:nvPr/>
+      </p:nvGrpSpPr>
+      <p:grpSpPr>
+        <a:xfrm>
+          <a:off x="0" y="0"/>
+          <a:ext cx="0" cy="0"/>
+          <a:chOff x="0" y="0"/>
+          <a:chExt cx="0" cy="0"/>
+        </a:xfrm>
+      </p:grpSpPr>
+      <p:sp>
+        <p:nvSpPr>
+          <p:cNvPr id="4" name="Título 1">
+            <a:extLst>
+              <a:ext uri="{FF2B5EF4-FFF2-40B4-BE49-F238E27FC236}">
+                <a16:creationId xmlns:a16="http://schemas.microsoft.com/office/drawing/2014/main" id="{6C39060B-FEF0-6AA5-65E9-39A732572625}"/>
+              </a:ext>
+            </a:extLst>
+          </p:cNvPr>
+          <p:cNvSpPr>
+            <a:spLocks noGrp="1"/>
+          </p:cNvSpPr>
+          <p:nvPr>
+            <p:ph type="title"/>
+          </p:nvPr>
+        </p:nvSpPr>
+        <p:spPr>
+          <a:xfrm>
+            <a:off x="1096963" y="287338"/>
+            <a:ext cx="10058400" cy="1449387"/>
+          </a:xfrm>
+        </p:spPr>
+        <p:txBody>
+          <a:bodyPr/>
+          <a:lstStyle/>
+          <a:p>
+            <a:r>
+              <a:rPr lang="pt-BR" dirty="0"/>
+              <a:t>HERANÇA</a:t>
+            </a:r>
+            <a:br>
+              <a:rPr lang="pt-BR" dirty="0"/>
+            </a:br>
+            <a:r>
+              <a:rPr lang="pt-BR" sz="2400" dirty="0" err="1"/>
+              <a:t>HERANÇA</a:t>
+            </a:r>
+            <a:r>
+              <a:rPr lang="pt-BR" sz="2400" dirty="0"/>
+              <a:t> EM JAVA</a:t>
+            </a:r>
+          </a:p>
+        </p:txBody>
+      </p:sp>
+      <p:sp>
+        <p:nvSpPr>
+          <p:cNvPr id="31" name="Espaço Reservado para Conteúdo 2">
+            <a:extLst>
+              <a:ext uri="{FF2B5EF4-FFF2-40B4-BE49-F238E27FC236}">
+                <a16:creationId xmlns:a16="http://schemas.microsoft.com/office/drawing/2014/main" id="{D2061234-52CD-FFAB-42EF-8F3150325C73}"/>
+              </a:ext>
+            </a:extLst>
+          </p:cNvPr>
+          <p:cNvSpPr txBox="1">
+            <a:spLocks/>
+          </p:cNvSpPr>
+          <p:nvPr/>
+        </p:nvSpPr>
+        <p:spPr>
+          <a:xfrm>
+            <a:off x="1097279" y="1845734"/>
+            <a:ext cx="10058084" cy="4023360"/>
+          </a:xfrm>
+          <a:prstGeom prst="rect">
+            <a:avLst/>
+          </a:prstGeom>
+        </p:spPr>
+        <p:txBody>
+          <a:bodyPr vert="horz" lIns="0" tIns="45720" rIns="0" bIns="45720" rtlCol="0">
+            <a:normAutofit/>
+          </a:bodyPr>
+          <a:lstStyle>
+            <a:lvl1pPr marL="91440" indent="-91440" algn="l" defTabSz="914400" rtl="0" eaLnBrk="1" latinLnBrk="0" hangingPunct="1">
+              <a:lnSpc>
+                <a:spcPct val="90000"/>
+              </a:lnSpc>
+              <a:spcBef>
+                <a:spcPts val="1200"/>
+              </a:spcBef>
+              <a:spcAft>
+                <a:spcPts val="200"/>
+              </a:spcAft>
+              <a:buClr>
+                <a:schemeClr val="accent1"/>
+              </a:buClr>
+              <a:buSzPct val="100000"/>
+              <a:buFont typeface="Calibri" panose="020F0502020204030204" pitchFamily="34" charset="0"/>
+              <a:buChar char=" "/>
+              <a:defRPr sz="2000" kern="1200">
+                <a:solidFill>
+                  <a:schemeClr val="tx1">
+                    <a:lumMod val="75000"/>
+                    <a:lumOff val="25000"/>
+                  </a:schemeClr>
+                </a:solidFill>
+                <a:latin typeface="+mn-lt"/>
+                <a:ea typeface="+mn-ea"/>
+                <a:cs typeface="+mn-cs"/>
+              </a:defRPr>
+            </a:lvl1pPr>
+            <a:lvl2pPr marL="384048" indent="-182880" algn="l" defTabSz="914400" rtl="0" eaLnBrk="1" latinLnBrk="0" hangingPunct="1">
+              <a:lnSpc>
+                <a:spcPct val="90000"/>
+              </a:lnSpc>
+              <a:spcBef>
+                <a:spcPts val="200"/>
+              </a:spcBef>
+              <a:spcAft>
+                <a:spcPts val="400"/>
+              </a:spcAft>
+              <a:buClr>
+                <a:schemeClr val="accent1"/>
+              </a:buClr>
+              <a:buFont typeface="Calibri" pitchFamily="34" charset="0"/>
+              <a:buChar char="◦"/>
+              <a:defRPr sz="1800" kern="1200">
+                <a:solidFill>
+                  <a:schemeClr val="tx1">
+                    <a:lumMod val="75000"/>
+                    <a:lumOff val="25000"/>
+                  </a:schemeClr>
+                </a:solidFill>
+                <a:latin typeface="+mn-lt"/>
+                <a:ea typeface="+mn-ea"/>
+                <a:cs typeface="+mn-cs"/>
+              </a:defRPr>
+            </a:lvl2pPr>
+            <a:lvl3pPr marL="566928" indent="-182880" algn="l" defTabSz="914400" rtl="0" eaLnBrk="1" latinLnBrk="0" hangingPunct="1">
+              <a:lnSpc>
+                <a:spcPct val="90000"/>
+              </a:lnSpc>
+              <a:spcBef>
+                <a:spcPts val="200"/>
+              </a:spcBef>
+              <a:spcAft>
+                <a:spcPts val="400"/>
+              </a:spcAft>
+              <a:buClr>
+                <a:schemeClr val="accent1"/>
+              </a:buClr>
+              <a:buFont typeface="Calibri" pitchFamily="34" charset="0"/>
+              <a:buChar char="◦"/>
+              <a:defRPr sz="1400" kern="1200">
+                <a:solidFill>
+                  <a:schemeClr val="tx1">
+                    <a:lumMod val="75000"/>
+                    <a:lumOff val="25000"/>
+                  </a:schemeClr>
+                </a:solidFill>
+                <a:latin typeface="+mn-lt"/>
+                <a:ea typeface="+mn-ea"/>
+                <a:cs typeface="+mn-cs"/>
+              </a:defRPr>
+            </a:lvl3pPr>
+            <a:lvl4pPr marL="749808" indent="-182880" algn="l" defTabSz="914400" rtl="0" eaLnBrk="1" latinLnBrk="0" hangingPunct="1">
+              <a:lnSpc>
+                <a:spcPct val="90000"/>
+              </a:lnSpc>
+              <a:spcBef>
+                <a:spcPts val="200"/>
+              </a:spcBef>
+              <a:spcAft>
+                <a:spcPts val="400"/>
+              </a:spcAft>
+              <a:buClr>
+                <a:schemeClr val="accent1"/>
+              </a:buClr>
+              <a:buFont typeface="Calibri" pitchFamily="34" charset="0"/>
+              <a:buChar char="◦"/>
+              <a:defRPr sz="1400" kern="1200">
+                <a:solidFill>
+                  <a:schemeClr val="tx1">
+                    <a:lumMod val="75000"/>
+                    <a:lumOff val="25000"/>
+                  </a:schemeClr>
+                </a:solidFill>
+                <a:latin typeface="+mn-lt"/>
+                <a:ea typeface="+mn-ea"/>
+                <a:cs typeface="+mn-cs"/>
+              </a:defRPr>
+            </a:lvl4pPr>
+            <a:lvl5pPr marL="932688" indent="-182880" algn="l" defTabSz="914400" rtl="0" eaLnBrk="1" latinLnBrk="0" hangingPunct="1">
+              <a:lnSpc>
+                <a:spcPct val="90000"/>
+              </a:lnSpc>
+              <a:spcBef>
+                <a:spcPts val="200"/>
+              </a:spcBef>
+              <a:spcAft>
+                <a:spcPts val="400"/>
+              </a:spcAft>
+              <a:buClr>
+                <a:schemeClr val="accent1"/>
+              </a:buClr>
+              <a:buFont typeface="Calibri" pitchFamily="34" charset="0"/>
+              <a:buChar char="◦"/>
+              <a:defRPr sz="1400" kern="1200">
+                <a:solidFill>
+                  <a:schemeClr val="tx1">
+                    <a:lumMod val="75000"/>
+                    <a:lumOff val="25000"/>
+                  </a:schemeClr>
+                </a:solidFill>
+                <a:latin typeface="+mn-lt"/>
+                <a:ea typeface="+mn-ea"/>
+                <a:cs typeface="+mn-cs"/>
+              </a:defRPr>
+            </a:lvl5pPr>
+            <a:lvl6pPr marL="1100000" indent="-228600" algn="l" defTabSz="914400" rtl="0" eaLnBrk="1" latinLnBrk="0" hangingPunct="1">
+              <a:lnSpc>
+                <a:spcPct val="90000"/>
+              </a:lnSpc>
+              <a:spcBef>
+                <a:spcPts val="200"/>
+              </a:spcBef>
+              <a:spcAft>
+                <a:spcPts val="400"/>
+              </a:spcAft>
+              <a:buClr>
+                <a:schemeClr val="accent1"/>
+              </a:buClr>
+              <a:buFont typeface="Calibri" pitchFamily="34" charset="0"/>
+              <a:buChar char="◦"/>
+              <a:defRPr sz="1400" kern="1200">
+                <a:solidFill>
+                  <a:schemeClr val="tx1">
+                    <a:lumMod val="75000"/>
+                    <a:lumOff val="25000"/>
+                  </a:schemeClr>
+                </a:solidFill>
+                <a:latin typeface="+mn-lt"/>
+                <a:ea typeface="+mn-ea"/>
+                <a:cs typeface="+mn-cs"/>
+              </a:defRPr>
+            </a:lvl6pPr>
+            <a:lvl7pPr marL="1300000" indent="-228600" algn="l" defTabSz="914400" rtl="0" eaLnBrk="1" latinLnBrk="0" hangingPunct="1">
+              <a:lnSpc>
+                <a:spcPct val="90000"/>
+              </a:lnSpc>
+              <a:spcBef>
+                <a:spcPts val="200"/>
+              </a:spcBef>
+              <a:spcAft>
+                <a:spcPts val="400"/>
+              </a:spcAft>
+              <a:buClr>
+                <a:schemeClr val="accent1"/>
+              </a:buClr>
+              <a:buFont typeface="Calibri" pitchFamily="34" charset="0"/>
+              <a:buChar char="◦"/>
+              <a:defRPr sz="1400" kern="1200">
+                <a:solidFill>
+                  <a:schemeClr val="tx1">
+                    <a:lumMod val="75000"/>
+                    <a:lumOff val="25000"/>
+                  </a:schemeClr>
+                </a:solidFill>
+                <a:latin typeface="+mn-lt"/>
+                <a:ea typeface="+mn-ea"/>
+                <a:cs typeface="+mn-cs"/>
+              </a:defRPr>
+            </a:lvl7pPr>
+            <a:lvl8pPr marL="1500000" indent="-228600" algn="l" defTabSz="914400" rtl="0" eaLnBrk="1" latinLnBrk="0" hangingPunct="1">
+              <a:lnSpc>
+                <a:spcPct val="90000"/>
+              </a:lnSpc>
+              <a:spcBef>
+                <a:spcPts val="200"/>
+              </a:spcBef>
+              <a:spcAft>
+                <a:spcPts val="400"/>
+              </a:spcAft>
+              <a:buClr>
+                <a:schemeClr val="accent1"/>
+              </a:buClr>
+              <a:buFont typeface="Calibri" pitchFamily="34" charset="0"/>
+              <a:buChar char="◦"/>
+              <a:defRPr sz="1400" kern="1200">
+                <a:solidFill>
+                  <a:schemeClr val="tx1">
+                    <a:lumMod val="75000"/>
+                    <a:lumOff val="25000"/>
+                  </a:schemeClr>
+                </a:solidFill>
+                <a:latin typeface="+mn-lt"/>
+                <a:ea typeface="+mn-ea"/>
+                <a:cs typeface="+mn-cs"/>
+              </a:defRPr>
+            </a:lvl8pPr>
+            <a:lvl9pPr marL="1700000" indent="-228600" algn="l" defTabSz="914400" rtl="0" eaLnBrk="1" latinLnBrk="0" hangingPunct="1">
+              <a:lnSpc>
+                <a:spcPct val="90000"/>
+              </a:lnSpc>
+              <a:spcBef>
+                <a:spcPts val="200"/>
+              </a:spcBef>
+              <a:spcAft>
+                <a:spcPts val="400"/>
+              </a:spcAft>
+              <a:buClr>
+                <a:schemeClr val="accent1"/>
+              </a:buClr>
+              <a:buFont typeface="Calibri" pitchFamily="34" charset="0"/>
+              <a:buChar char="◦"/>
+              <a:defRPr sz="1400" kern="1200">
+                <a:solidFill>
+                  <a:schemeClr val="tx1">
+                    <a:lumMod val="75000"/>
+                    <a:lumOff val="25000"/>
+                  </a:schemeClr>
+                </a:solidFill>
+                <a:latin typeface="+mn-lt"/>
+                <a:ea typeface="+mn-ea"/>
+                <a:cs typeface="+mn-cs"/>
+              </a:defRPr>
+            </a:lvl9pPr>
+          </a:lstStyle>
+          <a:p>
+            <a:r>
+              <a:rPr lang="pt-BR" dirty="0"/>
+              <a:t>A palavra reservada </a:t>
+            </a:r>
+            <a:r>
+              <a:rPr lang="pt-BR" b="1" dirty="0" err="1"/>
+              <a:t>extends</a:t>
+            </a:r>
+            <a:r>
+              <a:rPr lang="pt-BR" dirty="0"/>
+              <a:t> indica que uma Classe está sendo criada como uma herança de uma classe existente.</a:t>
+            </a:r>
+          </a:p>
+          <a:p>
+            <a:r>
+              <a:rPr lang="pt-BR" dirty="0"/>
+              <a:t>Sendo assim, a Classe existente (A) é uma </a:t>
+            </a:r>
+            <a:r>
+              <a:rPr lang="pt-BR" dirty="0" err="1"/>
+              <a:t>SuperClasse</a:t>
+            </a:r>
+            <a:r>
+              <a:rPr lang="pt-BR" dirty="0"/>
+              <a:t> e a nova Classe (B) é a </a:t>
+            </a:r>
+            <a:r>
+              <a:rPr lang="pt-BR" dirty="0" err="1"/>
+              <a:t>SubClasse</a:t>
+            </a:r>
+            <a:r>
+              <a:rPr lang="pt-BR" dirty="0"/>
+              <a:t>.</a:t>
+            </a:r>
+          </a:p>
+          <a:p>
+            <a:r>
+              <a:rPr lang="pt-BR" dirty="0"/>
+              <a:t>O método </a:t>
+            </a:r>
+            <a:r>
+              <a:rPr lang="pt-BR" b="1" dirty="0"/>
+              <a:t>construtor</a:t>
+            </a:r>
+            <a:r>
+              <a:rPr lang="pt-BR" dirty="0"/>
+              <a:t> da </a:t>
+            </a:r>
+            <a:r>
+              <a:rPr lang="pt-BR" dirty="0" err="1"/>
+              <a:t>SubClasse</a:t>
+            </a:r>
+            <a:r>
+              <a:rPr lang="pt-BR" dirty="0"/>
+              <a:t> (B) utiliza o método </a:t>
+            </a:r>
+            <a:r>
+              <a:rPr lang="pt-BR" i="1" dirty="0"/>
+              <a:t>super()</a:t>
+            </a:r>
+            <a:r>
+              <a:rPr lang="pt-BR" dirty="0"/>
+              <a:t>, onde tem a função de chamar o método construtor da </a:t>
+            </a:r>
+            <a:r>
+              <a:rPr lang="pt-BR" dirty="0" err="1"/>
+              <a:t>SuperClasse</a:t>
+            </a:r>
+            <a:r>
+              <a:rPr lang="pt-BR" dirty="0"/>
+              <a:t> (A).</a:t>
+            </a:r>
+          </a:p>
+          <a:p>
+            <a:r>
+              <a:rPr lang="pt-BR" dirty="0"/>
+              <a:t>O método</a:t>
+            </a:r>
+            <a:r>
+              <a:rPr lang="pt-BR" i="1" dirty="0"/>
+              <a:t> </a:t>
+            </a:r>
+            <a:r>
+              <a:rPr lang="pt-BR" b="1" dirty="0"/>
+              <a:t>super()</a:t>
+            </a:r>
+            <a:r>
+              <a:rPr lang="pt-BR" dirty="0"/>
+              <a:t> passa como parâmetro todos os Atributos da </a:t>
+            </a:r>
+            <a:r>
+              <a:rPr lang="pt-BR" dirty="0" err="1"/>
+              <a:t>SuperClasse</a:t>
+            </a:r>
+            <a:r>
+              <a:rPr lang="pt-BR" dirty="0"/>
+              <a:t>; os tributos específicos da </a:t>
+            </a:r>
+            <a:r>
+              <a:rPr lang="pt-BR" dirty="0" err="1"/>
+              <a:t>SubClasse</a:t>
+            </a:r>
+            <a:r>
+              <a:rPr lang="pt-BR" dirty="0"/>
+              <a:t> devem ser mantidos no Método Construtor da </a:t>
+            </a:r>
+            <a:r>
+              <a:rPr lang="pt-BR" dirty="0" err="1"/>
+              <a:t>SubClasse</a:t>
+            </a:r>
+            <a:r>
+              <a:rPr lang="pt-BR" dirty="0"/>
+              <a:t>.</a:t>
+            </a:r>
+          </a:p>
+          <a:p>
+            <a:r>
+              <a:rPr lang="pt-BR" dirty="0"/>
+              <a:t>A palavra reservada </a:t>
+            </a:r>
+            <a:r>
+              <a:rPr lang="pt-BR" b="1" dirty="0"/>
+              <a:t>super </a:t>
+            </a:r>
+            <a:r>
+              <a:rPr lang="pt-BR" dirty="0"/>
+              <a:t>é diferente do </a:t>
+            </a:r>
+            <a:r>
+              <a:rPr lang="pt-BR" i="1" dirty="0"/>
+              <a:t>Método super()</a:t>
+            </a:r>
+            <a:r>
+              <a:rPr lang="pt-BR" dirty="0"/>
+              <a:t>, e faz referencia a </a:t>
+            </a:r>
+            <a:r>
+              <a:rPr lang="pt-BR" dirty="0" err="1"/>
+              <a:t>SuperClasse</a:t>
+            </a:r>
+            <a:r>
+              <a:rPr lang="pt-BR" dirty="0"/>
+              <a:t>, semelhante ao </a:t>
+            </a:r>
+            <a:r>
+              <a:rPr lang="pt-BR" i="1" dirty="0" err="1"/>
+              <a:t>this</a:t>
+            </a:r>
+            <a:r>
+              <a:rPr lang="pt-BR" i="1" dirty="0"/>
+              <a:t> </a:t>
+            </a:r>
+            <a:r>
+              <a:rPr lang="pt-BR" dirty="0"/>
+              <a:t>que faz referencia aos objetos da própria classe.</a:t>
+            </a:r>
+          </a:p>
+          <a:p>
+            <a:r>
+              <a:rPr lang="pt-BR" dirty="0"/>
+              <a:t>Usamos a palavra </a:t>
+            </a:r>
+            <a:r>
+              <a:rPr lang="pt-BR" b="1" dirty="0"/>
+              <a:t>super</a:t>
+            </a:r>
+            <a:r>
+              <a:rPr lang="pt-BR" dirty="0"/>
+              <a:t> para chamar os métodos da </a:t>
+            </a:r>
+            <a:r>
+              <a:rPr lang="pt-BR" dirty="0" err="1"/>
+              <a:t>SuperClasse</a:t>
+            </a:r>
+            <a:r>
+              <a:rPr lang="pt-BR" dirty="0"/>
+              <a:t>; também evita confusões com os métodos nomes de maneira semelhante para ambas a </a:t>
+            </a:r>
+            <a:r>
+              <a:rPr lang="pt-BR" dirty="0" err="1"/>
+              <a:t>SubClasses</a:t>
+            </a:r>
+            <a:r>
+              <a:rPr lang="pt-BR" dirty="0"/>
+              <a:t> e </a:t>
+            </a:r>
+            <a:r>
+              <a:rPr lang="pt-BR" dirty="0" err="1"/>
+              <a:t>SuperClasse</a:t>
+            </a:r>
+            <a:r>
+              <a:rPr lang="pt-BR" dirty="0"/>
+              <a:t>.</a:t>
+            </a:r>
+          </a:p>
+          <a:p>
+            <a:endParaRPr lang="pt-BR" dirty="0"/>
+          </a:p>
+        </p:txBody>
+      </p:sp>
+    </p:spTree>
+    <p:extLst>
+      <p:ext uri="{BB962C8B-B14F-4D97-AF65-F5344CB8AC3E}">
+        <p14:creationId xmlns:p14="http://schemas.microsoft.com/office/powerpoint/2010/main" val="781293911"/>
+      </p:ext>
+    </p:extLst>
+  </p:cSld>
+  <p:clrMapOvr>
+    <a:masterClrMapping/>
+  </p:clrMapOvr>
+</p:sld>
+</file>
+
+<file path=ppt/slides/slide24.xml><?xml version="1.0" encoding="utf-8"?>
+<p:sld xmlns:a="http://schemas.openxmlformats.org/drawingml/2006/main" xmlns:r="http://schemas.openxmlformats.org/officeDocument/2006/relationships" xmlns:p="http://schemas.openxmlformats.org/presentationml/2006/main">
+  <p:cSld>
+    <p:spTree>
+      <p:nvGrpSpPr>
+        <p:cNvPr id="1" name=""/>
+        <p:cNvGrpSpPr/>
+        <p:nvPr/>
+      </p:nvGrpSpPr>
+      <p:grpSpPr>
+        <a:xfrm>
+          <a:off x="0" y="0"/>
+          <a:ext cx="0" cy="0"/>
+          <a:chOff x="0" y="0"/>
+          <a:chExt cx="0" cy="0"/>
+        </a:xfrm>
+      </p:grpSpPr>
+      <p:sp>
+        <p:nvSpPr>
+          <p:cNvPr id="4" name="Título 1">
+            <a:extLst>
+              <a:ext uri="{FF2B5EF4-FFF2-40B4-BE49-F238E27FC236}">
+                <a16:creationId xmlns:a16="http://schemas.microsoft.com/office/drawing/2014/main" id="{6C39060B-FEF0-6AA5-65E9-39A732572625}"/>
+              </a:ext>
+            </a:extLst>
+          </p:cNvPr>
+          <p:cNvSpPr>
+            <a:spLocks noGrp="1"/>
+          </p:cNvSpPr>
+          <p:nvPr>
+            <p:ph type="title"/>
+          </p:nvPr>
+        </p:nvSpPr>
+        <p:spPr>
+          <a:xfrm>
+            <a:off x="1096963" y="287338"/>
+            <a:ext cx="10058400" cy="1449387"/>
+          </a:xfrm>
+        </p:spPr>
+        <p:txBody>
+          <a:bodyPr/>
+          <a:lstStyle/>
+          <a:p>
+            <a:r>
+              <a:rPr lang="pt-BR" dirty="0"/>
+              <a:t>POLIMORFISMO</a:t>
+            </a:r>
+            <a:endParaRPr lang="pt-BR" sz="2400" dirty="0"/>
+          </a:p>
+        </p:txBody>
+      </p:sp>
+      <p:sp>
+        <p:nvSpPr>
+          <p:cNvPr id="31" name="Espaço Reservado para Conteúdo 2">
+            <a:extLst>
+              <a:ext uri="{FF2B5EF4-FFF2-40B4-BE49-F238E27FC236}">
+                <a16:creationId xmlns:a16="http://schemas.microsoft.com/office/drawing/2014/main" id="{D2061234-52CD-FFAB-42EF-8F3150325C73}"/>
+              </a:ext>
+            </a:extLst>
+          </p:cNvPr>
+          <p:cNvSpPr txBox="1">
+            <a:spLocks/>
+          </p:cNvSpPr>
+          <p:nvPr/>
+        </p:nvSpPr>
+        <p:spPr>
+          <a:xfrm>
+            <a:off x="1097279" y="1845734"/>
+            <a:ext cx="10058084" cy="4023360"/>
+          </a:xfrm>
+          <a:prstGeom prst="rect">
+            <a:avLst/>
+          </a:prstGeom>
+        </p:spPr>
+        <p:txBody>
+          <a:bodyPr vert="horz" lIns="0" tIns="45720" rIns="0" bIns="45720" rtlCol="0">
+            <a:normAutofit/>
+          </a:bodyPr>
+          <a:lstStyle>
+            <a:lvl1pPr marL="91440" indent="-91440" algn="l" defTabSz="914400" rtl="0" eaLnBrk="1" latinLnBrk="0" hangingPunct="1">
+              <a:lnSpc>
+                <a:spcPct val="90000"/>
+              </a:lnSpc>
+              <a:spcBef>
+                <a:spcPts val="1200"/>
+              </a:spcBef>
+              <a:spcAft>
+                <a:spcPts val="200"/>
+              </a:spcAft>
+              <a:buClr>
+                <a:schemeClr val="accent1"/>
+              </a:buClr>
+              <a:buSzPct val="100000"/>
+              <a:buFont typeface="Calibri" panose="020F0502020204030204" pitchFamily="34" charset="0"/>
+              <a:buChar char=" "/>
+              <a:defRPr sz="2000" kern="1200">
+                <a:solidFill>
+                  <a:schemeClr val="tx1">
+                    <a:lumMod val="75000"/>
+                    <a:lumOff val="25000"/>
+                  </a:schemeClr>
+                </a:solidFill>
+                <a:latin typeface="+mn-lt"/>
+                <a:ea typeface="+mn-ea"/>
+                <a:cs typeface="+mn-cs"/>
+              </a:defRPr>
+            </a:lvl1pPr>
+            <a:lvl2pPr marL="384048" indent="-182880" algn="l" defTabSz="914400" rtl="0" eaLnBrk="1" latinLnBrk="0" hangingPunct="1">
+              <a:lnSpc>
+                <a:spcPct val="90000"/>
+              </a:lnSpc>
+              <a:spcBef>
+                <a:spcPts val="200"/>
+              </a:spcBef>
+              <a:spcAft>
+                <a:spcPts val="400"/>
+              </a:spcAft>
+              <a:buClr>
+                <a:schemeClr val="accent1"/>
+              </a:buClr>
+              <a:buFont typeface="Calibri" pitchFamily="34" charset="0"/>
+              <a:buChar char="◦"/>
+              <a:defRPr sz="1800" kern="1200">
+                <a:solidFill>
+                  <a:schemeClr val="tx1">
+                    <a:lumMod val="75000"/>
+                    <a:lumOff val="25000"/>
+                  </a:schemeClr>
+                </a:solidFill>
+                <a:latin typeface="+mn-lt"/>
+                <a:ea typeface="+mn-ea"/>
+                <a:cs typeface="+mn-cs"/>
+              </a:defRPr>
+            </a:lvl2pPr>
+            <a:lvl3pPr marL="566928" indent="-182880" algn="l" defTabSz="914400" rtl="0" eaLnBrk="1" latinLnBrk="0" hangingPunct="1">
+              <a:lnSpc>
+                <a:spcPct val="90000"/>
+              </a:lnSpc>
+              <a:spcBef>
+                <a:spcPts val="200"/>
+              </a:spcBef>
+              <a:spcAft>
+                <a:spcPts val="400"/>
+              </a:spcAft>
+              <a:buClr>
+                <a:schemeClr val="accent1"/>
+              </a:buClr>
+              <a:buFont typeface="Calibri" pitchFamily="34" charset="0"/>
+              <a:buChar char="◦"/>
+              <a:defRPr sz="1400" kern="1200">
+                <a:solidFill>
+                  <a:schemeClr val="tx1">
+                    <a:lumMod val="75000"/>
+                    <a:lumOff val="25000"/>
+                  </a:schemeClr>
+                </a:solidFill>
+                <a:latin typeface="+mn-lt"/>
+                <a:ea typeface="+mn-ea"/>
+                <a:cs typeface="+mn-cs"/>
+              </a:defRPr>
+            </a:lvl3pPr>
+            <a:lvl4pPr marL="749808" indent="-182880" algn="l" defTabSz="914400" rtl="0" eaLnBrk="1" latinLnBrk="0" hangingPunct="1">
+              <a:lnSpc>
+                <a:spcPct val="90000"/>
+              </a:lnSpc>
+              <a:spcBef>
+                <a:spcPts val="200"/>
+              </a:spcBef>
+              <a:spcAft>
+                <a:spcPts val="400"/>
+              </a:spcAft>
+              <a:buClr>
+                <a:schemeClr val="accent1"/>
+              </a:buClr>
+              <a:buFont typeface="Calibri" pitchFamily="34" charset="0"/>
+              <a:buChar char="◦"/>
+              <a:defRPr sz="1400" kern="1200">
+                <a:solidFill>
+                  <a:schemeClr val="tx1">
+                    <a:lumMod val="75000"/>
+                    <a:lumOff val="25000"/>
+                  </a:schemeClr>
+                </a:solidFill>
+                <a:latin typeface="+mn-lt"/>
+                <a:ea typeface="+mn-ea"/>
+                <a:cs typeface="+mn-cs"/>
+              </a:defRPr>
+            </a:lvl4pPr>
+            <a:lvl5pPr marL="932688" indent="-182880" algn="l" defTabSz="914400" rtl="0" eaLnBrk="1" latinLnBrk="0" hangingPunct="1">
+              <a:lnSpc>
+                <a:spcPct val="90000"/>
+              </a:lnSpc>
+              <a:spcBef>
+                <a:spcPts val="200"/>
+              </a:spcBef>
+              <a:spcAft>
+                <a:spcPts val="400"/>
+              </a:spcAft>
+              <a:buClr>
+                <a:schemeClr val="accent1"/>
+              </a:buClr>
+              <a:buFont typeface="Calibri" pitchFamily="34" charset="0"/>
+              <a:buChar char="◦"/>
+              <a:defRPr sz="1400" kern="1200">
+                <a:solidFill>
+                  <a:schemeClr val="tx1">
+                    <a:lumMod val="75000"/>
+                    <a:lumOff val="25000"/>
+                  </a:schemeClr>
+                </a:solidFill>
+                <a:latin typeface="+mn-lt"/>
+                <a:ea typeface="+mn-ea"/>
+                <a:cs typeface="+mn-cs"/>
+              </a:defRPr>
+            </a:lvl5pPr>
+            <a:lvl6pPr marL="1100000" indent="-228600" algn="l" defTabSz="914400" rtl="0" eaLnBrk="1" latinLnBrk="0" hangingPunct="1">
+              <a:lnSpc>
+                <a:spcPct val="90000"/>
+              </a:lnSpc>
+              <a:spcBef>
+                <a:spcPts val="200"/>
+              </a:spcBef>
+              <a:spcAft>
+                <a:spcPts val="400"/>
+              </a:spcAft>
+              <a:buClr>
+                <a:schemeClr val="accent1"/>
+              </a:buClr>
+              <a:buFont typeface="Calibri" pitchFamily="34" charset="0"/>
+              <a:buChar char="◦"/>
+              <a:defRPr sz="1400" kern="1200">
+                <a:solidFill>
+                  <a:schemeClr val="tx1">
+                    <a:lumMod val="75000"/>
+                    <a:lumOff val="25000"/>
+                  </a:schemeClr>
+                </a:solidFill>
+                <a:latin typeface="+mn-lt"/>
+                <a:ea typeface="+mn-ea"/>
+                <a:cs typeface="+mn-cs"/>
+              </a:defRPr>
+            </a:lvl6pPr>
+            <a:lvl7pPr marL="1300000" indent="-228600" algn="l" defTabSz="914400" rtl="0" eaLnBrk="1" latinLnBrk="0" hangingPunct="1">
+              <a:lnSpc>
+                <a:spcPct val="90000"/>
+              </a:lnSpc>
+              <a:spcBef>
+                <a:spcPts val="200"/>
+              </a:spcBef>
+              <a:spcAft>
+                <a:spcPts val="400"/>
+              </a:spcAft>
+              <a:buClr>
+                <a:schemeClr val="accent1"/>
+              </a:buClr>
+              <a:buFont typeface="Calibri" pitchFamily="34" charset="0"/>
+              <a:buChar char="◦"/>
+              <a:defRPr sz="1400" kern="1200">
+                <a:solidFill>
+                  <a:schemeClr val="tx1">
+                    <a:lumMod val="75000"/>
+                    <a:lumOff val="25000"/>
+                  </a:schemeClr>
+                </a:solidFill>
+                <a:latin typeface="+mn-lt"/>
+                <a:ea typeface="+mn-ea"/>
+                <a:cs typeface="+mn-cs"/>
+              </a:defRPr>
+            </a:lvl7pPr>
+            <a:lvl8pPr marL="1500000" indent="-228600" algn="l" defTabSz="914400" rtl="0" eaLnBrk="1" latinLnBrk="0" hangingPunct="1">
+              <a:lnSpc>
+                <a:spcPct val="90000"/>
+              </a:lnSpc>
+              <a:spcBef>
+                <a:spcPts val="200"/>
+              </a:spcBef>
+              <a:spcAft>
+                <a:spcPts val="400"/>
+              </a:spcAft>
+              <a:buClr>
+                <a:schemeClr val="accent1"/>
+              </a:buClr>
+              <a:buFont typeface="Calibri" pitchFamily="34" charset="0"/>
+              <a:buChar char="◦"/>
+              <a:defRPr sz="1400" kern="1200">
+                <a:solidFill>
+                  <a:schemeClr val="tx1">
+                    <a:lumMod val="75000"/>
+                    <a:lumOff val="25000"/>
+                  </a:schemeClr>
+                </a:solidFill>
+                <a:latin typeface="+mn-lt"/>
+                <a:ea typeface="+mn-ea"/>
+                <a:cs typeface="+mn-cs"/>
+              </a:defRPr>
+            </a:lvl8pPr>
+            <a:lvl9pPr marL="1700000" indent="-228600" algn="l" defTabSz="914400" rtl="0" eaLnBrk="1" latinLnBrk="0" hangingPunct="1">
+              <a:lnSpc>
+                <a:spcPct val="90000"/>
+              </a:lnSpc>
+              <a:spcBef>
+                <a:spcPts val="200"/>
+              </a:spcBef>
+              <a:spcAft>
+                <a:spcPts val="400"/>
+              </a:spcAft>
+              <a:buClr>
+                <a:schemeClr val="accent1"/>
+              </a:buClr>
+              <a:buFont typeface="Calibri" pitchFamily="34" charset="0"/>
+              <a:buChar char="◦"/>
+              <a:defRPr sz="1400" kern="1200">
+                <a:solidFill>
+                  <a:schemeClr val="tx1">
+                    <a:lumMod val="75000"/>
+                    <a:lumOff val="25000"/>
+                  </a:schemeClr>
+                </a:solidFill>
+                <a:latin typeface="+mn-lt"/>
+                <a:ea typeface="+mn-ea"/>
+                <a:cs typeface="+mn-cs"/>
+              </a:defRPr>
+            </a:lvl9pPr>
+          </a:lstStyle>
+          <a:p>
+            <a:r>
+              <a:rPr lang="pt-BR" dirty="0"/>
+              <a:t>Na POO, o polimorfismo representa a habilidade de objetos de classes diferentes responderem a mesma mensagem de diferentes maneiras.</a:t>
+            </a:r>
+          </a:p>
+          <a:p>
+            <a:r>
+              <a:rPr lang="pt-BR" dirty="0"/>
+              <a:t>O polimorfismo é a capacidade de um objeto decidir qual o método a ser aplica em si mesmo.</a:t>
+            </a:r>
+          </a:p>
+        </p:txBody>
+      </p:sp>
+      <p:pic>
+        <p:nvPicPr>
+          <p:cNvPr id="3" name="Gráfico 2" descr="Controlador de jogo">
+            <a:extLst>
+              <a:ext uri="{FF2B5EF4-FFF2-40B4-BE49-F238E27FC236}">
+                <a16:creationId xmlns:a16="http://schemas.microsoft.com/office/drawing/2014/main" id="{B2415149-8D1E-7C8D-1582-067A2DF228ED}"/>
+              </a:ext>
+            </a:extLst>
+          </p:cNvPr>
+          <p:cNvPicPr>
+            <a:picLocks noChangeAspect="1"/>
+          </p:cNvPicPr>
+          <p:nvPr/>
+        </p:nvPicPr>
+        <p:blipFill>
+          <a:blip r:embed="rId2">
+            <a:extLst>
+              <a:ext uri="{28A0092B-C50C-407E-A947-70E740481C1C}">
+                <a14:useLocalDpi xmlns:a14="http://schemas.microsoft.com/office/drawing/2010/main" val="0"/>
+              </a:ext>
+              <a:ext uri="{96DAC541-7B7A-43D3-8B79-37D633B846F1}">
+                <asvg:svgBlip xmlns:asvg="http://schemas.microsoft.com/office/drawing/2016/SVG/main" r:embed="rId3"/>
+              </a:ext>
+            </a:extLst>
+          </a:blip>
+          <a:stretch>
+            <a:fillRect/>
+          </a:stretch>
+        </p:blipFill>
+        <p:spPr>
+          <a:xfrm>
+            <a:off x="2535220" y="4365137"/>
+            <a:ext cx="914400" cy="914400"/>
+          </a:xfrm>
+          <a:prstGeom prst="rect">
+            <a:avLst/>
+          </a:prstGeom>
+        </p:spPr>
+      </p:pic>
+      <p:pic>
+        <p:nvPicPr>
+          <p:cNvPr id="6" name="Gráfico 5" descr="Carro">
+            <a:extLst>
+              <a:ext uri="{FF2B5EF4-FFF2-40B4-BE49-F238E27FC236}">
+                <a16:creationId xmlns:a16="http://schemas.microsoft.com/office/drawing/2014/main" id="{A046B4D3-EB4E-8C38-A427-94E79B70F72A}"/>
+              </a:ext>
+            </a:extLst>
+          </p:cNvPr>
+          <p:cNvPicPr>
+            <a:picLocks noChangeAspect="1"/>
+          </p:cNvPicPr>
+          <p:nvPr/>
+        </p:nvPicPr>
+        <p:blipFill>
+          <a:blip r:embed="rId4">
+            <a:extLst>
+              <a:ext uri="{28A0092B-C50C-407E-A947-70E740481C1C}">
+                <a14:useLocalDpi xmlns:a14="http://schemas.microsoft.com/office/drawing/2010/main" val="0"/>
+              </a:ext>
+              <a:ext uri="{96DAC541-7B7A-43D3-8B79-37D633B846F1}">
+                <asvg:svgBlip xmlns:asvg="http://schemas.microsoft.com/office/drawing/2016/SVG/main" r:embed="rId5"/>
+              </a:ext>
+            </a:extLst>
+          </a:blip>
+          <a:stretch>
+            <a:fillRect/>
+          </a:stretch>
+        </p:blipFill>
+        <p:spPr>
+          <a:xfrm>
+            <a:off x="7256481" y="3336104"/>
+            <a:ext cx="914400" cy="914400"/>
+          </a:xfrm>
+          <a:prstGeom prst="rect">
+            <a:avLst/>
+          </a:prstGeom>
+        </p:spPr>
+      </p:pic>
+      <p:pic>
+        <p:nvPicPr>
+          <p:cNvPr id="8" name="Gráfico 7" descr="Helicóptero">
+            <a:extLst>
+              <a:ext uri="{FF2B5EF4-FFF2-40B4-BE49-F238E27FC236}">
+                <a16:creationId xmlns:a16="http://schemas.microsoft.com/office/drawing/2014/main" id="{0E14ACCA-41C6-97C7-F730-DF0F79B203D8}"/>
+              </a:ext>
+            </a:extLst>
+          </p:cNvPr>
+          <p:cNvPicPr>
+            <a:picLocks noChangeAspect="1"/>
+          </p:cNvPicPr>
+          <p:nvPr/>
+        </p:nvPicPr>
+        <p:blipFill>
+          <a:blip r:embed="rId6">
+            <a:extLst>
+              <a:ext uri="{28A0092B-C50C-407E-A947-70E740481C1C}">
+                <a14:useLocalDpi xmlns:a14="http://schemas.microsoft.com/office/drawing/2010/main" val="0"/>
+              </a:ext>
+              <a:ext uri="{96DAC541-7B7A-43D3-8B79-37D633B846F1}">
+                <asvg:svgBlip xmlns:asvg="http://schemas.microsoft.com/office/drawing/2016/SVG/main" r:embed="rId7"/>
+              </a:ext>
+            </a:extLst>
+          </a:blip>
+          <a:stretch>
+            <a:fillRect/>
+          </a:stretch>
+        </p:blipFill>
+        <p:spPr>
+          <a:xfrm>
+            <a:off x="7256481" y="4305008"/>
+            <a:ext cx="914400" cy="914400"/>
+          </a:xfrm>
+          <a:prstGeom prst="rect">
+            <a:avLst/>
+          </a:prstGeom>
+        </p:spPr>
+      </p:pic>
+      <p:pic>
+        <p:nvPicPr>
+          <p:cNvPr id="10" name="Gráfico 9" descr="Rebocador">
+            <a:extLst>
+              <a:ext uri="{FF2B5EF4-FFF2-40B4-BE49-F238E27FC236}">
+                <a16:creationId xmlns:a16="http://schemas.microsoft.com/office/drawing/2014/main" id="{E33022D8-E86D-809A-977D-464B5969E75A}"/>
+              </a:ext>
+            </a:extLst>
+          </p:cNvPr>
+          <p:cNvPicPr>
+            <a:picLocks noChangeAspect="1"/>
+          </p:cNvPicPr>
+          <p:nvPr/>
+        </p:nvPicPr>
+        <p:blipFill>
+          <a:blip r:embed="rId8">
+            <a:extLst>
+              <a:ext uri="{28A0092B-C50C-407E-A947-70E740481C1C}">
+                <a14:useLocalDpi xmlns:a14="http://schemas.microsoft.com/office/drawing/2010/main" val="0"/>
+              </a:ext>
+              <a:ext uri="{96DAC541-7B7A-43D3-8B79-37D633B846F1}">
+                <asvg:svgBlip xmlns:asvg="http://schemas.microsoft.com/office/drawing/2016/SVG/main" r:embed="rId9"/>
+              </a:ext>
+            </a:extLst>
+          </a:blip>
+          <a:stretch>
+            <a:fillRect/>
+          </a:stretch>
+        </p:blipFill>
+        <p:spPr>
+          <a:xfrm>
+            <a:off x="7256481" y="5279537"/>
+            <a:ext cx="914400" cy="914400"/>
+          </a:xfrm>
+          <a:prstGeom prst="rect">
+            <a:avLst/>
+          </a:prstGeom>
+        </p:spPr>
+      </p:pic>
+      <p:cxnSp>
+        <p:nvCxnSpPr>
+          <p:cNvPr id="12" name="Conector de Seta Reta 11">
+            <a:extLst>
+              <a:ext uri="{FF2B5EF4-FFF2-40B4-BE49-F238E27FC236}">
+                <a16:creationId xmlns:a16="http://schemas.microsoft.com/office/drawing/2014/main" id="{A79B3B73-18C5-D3C5-6E14-8078AD1A03BC}"/>
+              </a:ext>
+            </a:extLst>
+          </p:cNvPr>
+          <p:cNvCxnSpPr>
+            <a:cxnSpLocks/>
+            <a:endCxn id="6" idx="1"/>
+          </p:cNvCxnSpPr>
+          <p:nvPr/>
+        </p:nvCxnSpPr>
+        <p:spPr>
+          <a:xfrm flipV="1">
+            <a:off x="3449620" y="3793304"/>
+            <a:ext cx="3806861" cy="1029033"/>
+          </a:xfrm>
+          <a:prstGeom prst="straightConnector1">
+            <a:avLst/>
+          </a:prstGeom>
+          <a:ln>
+            <a:tailEnd type="triangle"/>
+          </a:ln>
+        </p:spPr>
+        <p:style>
+          <a:lnRef idx="1">
+            <a:schemeClr val="dk1"/>
+          </a:lnRef>
+          <a:fillRef idx="0">
+            <a:schemeClr val="dk1"/>
+          </a:fillRef>
+          <a:effectRef idx="0">
+            <a:schemeClr val="dk1"/>
+          </a:effectRef>
+          <a:fontRef idx="minor">
+            <a:schemeClr val="tx1"/>
+          </a:fontRef>
+        </p:style>
+      </p:cxnSp>
+      <p:cxnSp>
+        <p:nvCxnSpPr>
+          <p:cNvPr id="14" name="Conector de Seta Reta 13">
+            <a:extLst>
+              <a:ext uri="{FF2B5EF4-FFF2-40B4-BE49-F238E27FC236}">
+                <a16:creationId xmlns:a16="http://schemas.microsoft.com/office/drawing/2014/main" id="{0A0937CB-98EA-FADA-E706-5A00BA410BCD}"/>
+              </a:ext>
+            </a:extLst>
+          </p:cNvPr>
+          <p:cNvCxnSpPr>
+            <a:cxnSpLocks/>
+            <a:stCxn id="3" idx="3"/>
+            <a:endCxn id="8" idx="1"/>
+          </p:cNvCxnSpPr>
+          <p:nvPr/>
+        </p:nvCxnSpPr>
+        <p:spPr>
+          <a:xfrm flipV="1">
+            <a:off x="3449620" y="4762208"/>
+            <a:ext cx="3806861" cy="60129"/>
+          </a:xfrm>
+          <a:prstGeom prst="straightConnector1">
+            <a:avLst/>
+          </a:prstGeom>
+          <a:ln>
+            <a:tailEnd type="triangle"/>
+          </a:ln>
+        </p:spPr>
+        <p:style>
+          <a:lnRef idx="1">
+            <a:schemeClr val="dk1"/>
+          </a:lnRef>
+          <a:fillRef idx="0">
+            <a:schemeClr val="dk1"/>
+          </a:fillRef>
+          <a:effectRef idx="0">
+            <a:schemeClr val="dk1"/>
+          </a:effectRef>
+          <a:fontRef idx="minor">
+            <a:schemeClr val="tx1"/>
+          </a:fontRef>
+        </p:style>
+      </p:cxnSp>
+      <p:cxnSp>
+        <p:nvCxnSpPr>
+          <p:cNvPr id="17" name="Conector de Seta Reta 16">
+            <a:extLst>
+              <a:ext uri="{FF2B5EF4-FFF2-40B4-BE49-F238E27FC236}">
+                <a16:creationId xmlns:a16="http://schemas.microsoft.com/office/drawing/2014/main" id="{507BC605-83F0-36B4-4FC6-C61CB7C4647C}"/>
+              </a:ext>
+            </a:extLst>
+          </p:cNvPr>
+          <p:cNvCxnSpPr>
+            <a:cxnSpLocks/>
+            <a:stCxn id="3" idx="3"/>
+            <a:endCxn id="10" idx="1"/>
+          </p:cNvCxnSpPr>
+          <p:nvPr/>
+        </p:nvCxnSpPr>
+        <p:spPr>
+          <a:xfrm>
+            <a:off x="3449620" y="4822337"/>
+            <a:ext cx="3806861" cy="914400"/>
+          </a:xfrm>
+          <a:prstGeom prst="straightConnector1">
+            <a:avLst/>
+          </a:prstGeom>
+          <a:ln>
+            <a:tailEnd type="triangle"/>
+          </a:ln>
+        </p:spPr>
+        <p:style>
+          <a:lnRef idx="1">
+            <a:schemeClr val="dk1"/>
+          </a:lnRef>
+          <a:fillRef idx="0">
+            <a:schemeClr val="dk1"/>
+          </a:fillRef>
+          <a:effectRef idx="0">
+            <a:schemeClr val="dk1"/>
+          </a:effectRef>
+          <a:fontRef idx="minor">
+            <a:schemeClr val="tx1"/>
+          </a:fontRef>
+        </p:style>
+      </p:cxnSp>
+      <p:sp>
+        <p:nvSpPr>
+          <p:cNvPr id="21" name="Retângulo 20">
+            <a:extLst>
+              <a:ext uri="{FF2B5EF4-FFF2-40B4-BE49-F238E27FC236}">
+                <a16:creationId xmlns:a16="http://schemas.microsoft.com/office/drawing/2014/main" id="{E9A3FA10-F33E-6880-4DEF-0124882C049B}"/>
+              </a:ext>
+            </a:extLst>
+          </p:cNvPr>
+          <p:cNvSpPr/>
+          <p:nvPr/>
+        </p:nvSpPr>
+        <p:spPr>
+          <a:xfrm>
+            <a:off x="3643349" y="4477269"/>
+            <a:ext cx="914400" cy="595295"/>
+          </a:xfrm>
+          <a:prstGeom prst="rect">
+            <a:avLst/>
+          </a:prstGeom>
+        </p:spPr>
+        <p:style>
+          <a:lnRef idx="2">
+            <a:schemeClr val="accent1">
+              <a:shade val="15000"/>
+            </a:schemeClr>
+          </a:lnRef>
+          <a:fillRef idx="1">
+            <a:schemeClr val="accent1"/>
+          </a:fillRef>
+          <a:effectRef idx="0">
+            <a:schemeClr val="accent1"/>
+          </a:effectRef>
+          <a:fontRef idx="minor">
+            <a:schemeClr val="lt1"/>
+          </a:fontRef>
+        </p:style>
+        <p:txBody>
+          <a:bodyPr rtlCol="0" anchor="ctr"/>
+          <a:lstStyle/>
+          <a:p>
+            <a:pPr algn="ctr"/>
+            <a:r>
+              <a:rPr lang="pt-BR" dirty="0"/>
+              <a:t>MOVER</a:t>
+            </a:r>
+          </a:p>
+        </p:txBody>
+      </p:sp>
+      <p:sp>
+        <p:nvSpPr>
+          <p:cNvPr id="22" name="CaixaDeTexto 21">
+            <a:extLst>
+              <a:ext uri="{FF2B5EF4-FFF2-40B4-BE49-F238E27FC236}">
+                <a16:creationId xmlns:a16="http://schemas.microsoft.com/office/drawing/2014/main" id="{356225D4-1B7B-F26B-F2FE-B816CC31B989}"/>
+              </a:ext>
+            </a:extLst>
+          </p:cNvPr>
+          <p:cNvSpPr txBox="1"/>
+          <p:nvPr/>
+        </p:nvSpPr>
+        <p:spPr>
+          <a:xfrm>
+            <a:off x="2457666" y="3849287"/>
+            <a:ext cx="1204689" cy="646331"/>
+          </a:xfrm>
+          <a:prstGeom prst="rect">
+            <a:avLst/>
+          </a:prstGeom>
+          <a:noFill/>
+        </p:spPr>
+        <p:txBody>
+          <a:bodyPr wrap="none" rtlCol="0">
+            <a:spAutoFit/>
+          </a:bodyPr>
+          <a:lstStyle/>
+          <a:p>
+            <a:r>
+              <a:rPr lang="pt-BR" dirty="0"/>
+              <a:t>CONTROLE</a:t>
+            </a:r>
+          </a:p>
+          <a:p>
+            <a:r>
+              <a:rPr lang="pt-BR" dirty="0"/>
+              <a:t>REMOTO</a:t>
+            </a:r>
+          </a:p>
+        </p:txBody>
+      </p:sp>
+      <p:sp>
+        <p:nvSpPr>
+          <p:cNvPr id="23" name="CaixaDeTexto 22">
+            <a:extLst>
+              <a:ext uri="{FF2B5EF4-FFF2-40B4-BE49-F238E27FC236}">
+                <a16:creationId xmlns:a16="http://schemas.microsoft.com/office/drawing/2014/main" id="{0BBBB585-BF10-31A6-0819-B0D909AB0FF3}"/>
+              </a:ext>
+            </a:extLst>
+          </p:cNvPr>
+          <p:cNvSpPr txBox="1"/>
+          <p:nvPr/>
+        </p:nvSpPr>
+        <p:spPr>
+          <a:xfrm>
+            <a:off x="8248435" y="3608638"/>
+            <a:ext cx="1194558" cy="369332"/>
+          </a:xfrm>
+          <a:prstGeom prst="rect">
+            <a:avLst/>
+          </a:prstGeom>
+          <a:noFill/>
+        </p:spPr>
+        <p:txBody>
+          <a:bodyPr wrap="none" rtlCol="0">
+            <a:spAutoFit/>
+          </a:bodyPr>
+          <a:lstStyle/>
+          <a:p>
+            <a:r>
+              <a:rPr lang="pt-BR" dirty="0"/>
+              <a:t>CARRINHO</a:t>
+            </a:r>
+          </a:p>
+        </p:txBody>
+      </p:sp>
+      <p:sp>
+        <p:nvSpPr>
+          <p:cNvPr id="24" name="CaixaDeTexto 23">
+            <a:extLst>
+              <a:ext uri="{FF2B5EF4-FFF2-40B4-BE49-F238E27FC236}">
+                <a16:creationId xmlns:a16="http://schemas.microsoft.com/office/drawing/2014/main" id="{2DF1EF35-EAD6-86AA-5339-5E7F365EC80F}"/>
+              </a:ext>
+            </a:extLst>
+          </p:cNvPr>
+          <p:cNvSpPr txBox="1"/>
+          <p:nvPr/>
+        </p:nvSpPr>
+        <p:spPr>
+          <a:xfrm>
+            <a:off x="8248435" y="4590250"/>
+            <a:ext cx="1487395" cy="369332"/>
+          </a:xfrm>
+          <a:prstGeom prst="rect">
+            <a:avLst/>
+          </a:prstGeom>
+          <a:noFill/>
+        </p:spPr>
+        <p:txBody>
+          <a:bodyPr wrap="none" rtlCol="0">
+            <a:spAutoFit/>
+          </a:bodyPr>
+          <a:lstStyle/>
+          <a:p>
+            <a:r>
+              <a:rPr lang="pt-BR" dirty="0"/>
+              <a:t>HELICÓPTERO</a:t>
+            </a:r>
+          </a:p>
+        </p:txBody>
+      </p:sp>
+      <p:sp>
+        <p:nvSpPr>
+          <p:cNvPr id="25" name="CaixaDeTexto 24">
+            <a:extLst>
+              <a:ext uri="{FF2B5EF4-FFF2-40B4-BE49-F238E27FC236}">
+                <a16:creationId xmlns:a16="http://schemas.microsoft.com/office/drawing/2014/main" id="{03DCA9EE-4EC2-8711-B792-B4529128D7C7}"/>
+              </a:ext>
+            </a:extLst>
+          </p:cNvPr>
+          <p:cNvSpPr txBox="1"/>
+          <p:nvPr/>
+        </p:nvSpPr>
+        <p:spPr>
+          <a:xfrm>
+            <a:off x="8248435" y="5571862"/>
+            <a:ext cx="837152" cy="369332"/>
+          </a:xfrm>
+          <a:prstGeom prst="rect">
+            <a:avLst/>
+          </a:prstGeom>
+          <a:noFill/>
+        </p:spPr>
+        <p:txBody>
+          <a:bodyPr wrap="none" rtlCol="0">
+            <a:spAutoFit/>
+          </a:bodyPr>
+          <a:lstStyle/>
+          <a:p>
+            <a:r>
+              <a:rPr lang="pt-BR" dirty="0"/>
+              <a:t>BARCO</a:t>
+            </a:r>
+          </a:p>
+        </p:txBody>
+      </p:sp>
+    </p:spTree>
+    <p:extLst>
+      <p:ext uri="{BB962C8B-B14F-4D97-AF65-F5344CB8AC3E}">
+        <p14:creationId xmlns:p14="http://schemas.microsoft.com/office/powerpoint/2010/main" val="4045457180"/>
+      </p:ext>
+    </p:extLst>
+  </p:cSld>
+  <p:clrMapOvr>
+    <a:masterClrMapping/>
+  </p:clrMapOvr>
+</p:sld>
+</file>
+
+<file path=ppt/slides/slide25.xml><?xml version="1.0" encoding="utf-8"?>
+<p:sld xmlns:a="http://schemas.openxmlformats.org/drawingml/2006/main" xmlns:r="http://schemas.openxmlformats.org/officeDocument/2006/relationships" xmlns:p="http://schemas.openxmlformats.org/presentationml/2006/main">
+  <p:cSld>
+    <p:spTree>
+      <p:nvGrpSpPr>
+        <p:cNvPr id="1" name=""/>
+        <p:cNvGrpSpPr/>
+        <p:nvPr/>
+      </p:nvGrpSpPr>
+      <p:grpSpPr>
+        <a:xfrm>
+          <a:off x="0" y="0"/>
+          <a:ext cx="0" cy="0"/>
+          <a:chOff x="0" y="0"/>
+          <a:chExt cx="0" cy="0"/>
+        </a:xfrm>
+      </p:grpSpPr>
+      <p:sp>
+        <p:nvSpPr>
+          <p:cNvPr id="4" name="Título 1">
+            <a:extLst>
+              <a:ext uri="{FF2B5EF4-FFF2-40B4-BE49-F238E27FC236}">
+                <a16:creationId xmlns:a16="http://schemas.microsoft.com/office/drawing/2014/main" id="{6C39060B-FEF0-6AA5-65E9-39A732572625}"/>
+              </a:ext>
+            </a:extLst>
+          </p:cNvPr>
+          <p:cNvSpPr>
+            <a:spLocks noGrp="1"/>
+          </p:cNvSpPr>
+          <p:nvPr>
+            <p:ph type="title"/>
+          </p:nvPr>
+        </p:nvSpPr>
+        <p:spPr>
+          <a:xfrm>
+            <a:off x="1096963" y="287338"/>
+            <a:ext cx="10058400" cy="1449387"/>
+          </a:xfrm>
+        </p:spPr>
+        <p:txBody>
+          <a:bodyPr/>
+          <a:lstStyle/>
+          <a:p>
+            <a:r>
+              <a:rPr lang="pt-BR" dirty="0"/>
+              <a:t>POLIMORFISMO</a:t>
+            </a:r>
+            <a:endParaRPr lang="pt-BR" sz="2400" dirty="0"/>
+          </a:p>
+        </p:txBody>
+      </p:sp>
+      <p:sp>
+        <p:nvSpPr>
+          <p:cNvPr id="31" name="Espaço Reservado para Conteúdo 2">
+            <a:extLst>
+              <a:ext uri="{FF2B5EF4-FFF2-40B4-BE49-F238E27FC236}">
+                <a16:creationId xmlns:a16="http://schemas.microsoft.com/office/drawing/2014/main" id="{D2061234-52CD-FFAB-42EF-8F3150325C73}"/>
+              </a:ext>
+            </a:extLst>
+          </p:cNvPr>
+          <p:cNvSpPr txBox="1">
+            <a:spLocks/>
+          </p:cNvSpPr>
+          <p:nvPr/>
+        </p:nvSpPr>
+        <p:spPr>
+          <a:xfrm>
+            <a:off x="1097279" y="1845734"/>
+            <a:ext cx="10058084" cy="4023360"/>
+          </a:xfrm>
+          <a:prstGeom prst="rect">
+            <a:avLst/>
+          </a:prstGeom>
+        </p:spPr>
+        <p:txBody>
+          <a:bodyPr vert="horz" lIns="0" tIns="45720" rIns="0" bIns="45720" rtlCol="0">
+            <a:normAutofit/>
+          </a:bodyPr>
+          <a:lstStyle>
+            <a:lvl1pPr marL="91440" indent="-91440" algn="l" defTabSz="914400" rtl="0" eaLnBrk="1" latinLnBrk="0" hangingPunct="1">
+              <a:lnSpc>
+                <a:spcPct val="90000"/>
+              </a:lnSpc>
+              <a:spcBef>
+                <a:spcPts val="1200"/>
+              </a:spcBef>
+              <a:spcAft>
+                <a:spcPts val="200"/>
+              </a:spcAft>
+              <a:buClr>
+                <a:schemeClr val="accent1"/>
+              </a:buClr>
+              <a:buSzPct val="100000"/>
+              <a:buFont typeface="Calibri" panose="020F0502020204030204" pitchFamily="34" charset="0"/>
+              <a:buChar char=" "/>
+              <a:defRPr sz="2000" kern="1200">
+                <a:solidFill>
+                  <a:schemeClr val="tx1">
+                    <a:lumMod val="75000"/>
+                    <a:lumOff val="25000"/>
+                  </a:schemeClr>
+                </a:solidFill>
+                <a:latin typeface="+mn-lt"/>
+                <a:ea typeface="+mn-ea"/>
+                <a:cs typeface="+mn-cs"/>
+              </a:defRPr>
+            </a:lvl1pPr>
+            <a:lvl2pPr marL="384048" indent="-182880" algn="l" defTabSz="914400" rtl="0" eaLnBrk="1" latinLnBrk="0" hangingPunct="1">
+              <a:lnSpc>
+                <a:spcPct val="90000"/>
+              </a:lnSpc>
+              <a:spcBef>
+                <a:spcPts val="200"/>
+              </a:spcBef>
+              <a:spcAft>
+                <a:spcPts val="400"/>
+              </a:spcAft>
+              <a:buClr>
+                <a:schemeClr val="accent1"/>
+              </a:buClr>
+              <a:buFont typeface="Calibri" pitchFamily="34" charset="0"/>
+              <a:buChar char="◦"/>
+              <a:defRPr sz="1800" kern="1200">
+                <a:solidFill>
+                  <a:schemeClr val="tx1">
+                    <a:lumMod val="75000"/>
+                    <a:lumOff val="25000"/>
+                  </a:schemeClr>
+                </a:solidFill>
+                <a:latin typeface="+mn-lt"/>
+                <a:ea typeface="+mn-ea"/>
+                <a:cs typeface="+mn-cs"/>
+              </a:defRPr>
+            </a:lvl2pPr>
+            <a:lvl3pPr marL="566928" indent="-182880" algn="l" defTabSz="914400" rtl="0" eaLnBrk="1" latinLnBrk="0" hangingPunct="1">
+              <a:lnSpc>
+                <a:spcPct val="90000"/>
+              </a:lnSpc>
+              <a:spcBef>
+                <a:spcPts val="200"/>
+              </a:spcBef>
+              <a:spcAft>
+                <a:spcPts val="400"/>
+              </a:spcAft>
+              <a:buClr>
+                <a:schemeClr val="accent1"/>
+              </a:buClr>
+              <a:buFont typeface="Calibri" pitchFamily="34" charset="0"/>
+              <a:buChar char="◦"/>
+              <a:defRPr sz="1400" kern="1200">
+                <a:solidFill>
+                  <a:schemeClr val="tx1">
+                    <a:lumMod val="75000"/>
+                    <a:lumOff val="25000"/>
+                  </a:schemeClr>
+                </a:solidFill>
+                <a:latin typeface="+mn-lt"/>
+                <a:ea typeface="+mn-ea"/>
+                <a:cs typeface="+mn-cs"/>
+              </a:defRPr>
+            </a:lvl3pPr>
+            <a:lvl4pPr marL="749808" indent="-182880" algn="l" defTabSz="914400" rtl="0" eaLnBrk="1" latinLnBrk="0" hangingPunct="1">
+              <a:lnSpc>
+                <a:spcPct val="90000"/>
+              </a:lnSpc>
+              <a:spcBef>
+                <a:spcPts val="200"/>
+              </a:spcBef>
+              <a:spcAft>
+                <a:spcPts val="400"/>
+              </a:spcAft>
+              <a:buClr>
+                <a:schemeClr val="accent1"/>
+              </a:buClr>
+              <a:buFont typeface="Calibri" pitchFamily="34" charset="0"/>
+              <a:buChar char="◦"/>
+              <a:defRPr sz="1400" kern="1200">
+                <a:solidFill>
+                  <a:schemeClr val="tx1">
+                    <a:lumMod val="75000"/>
+                    <a:lumOff val="25000"/>
+                  </a:schemeClr>
+                </a:solidFill>
+                <a:latin typeface="+mn-lt"/>
+                <a:ea typeface="+mn-ea"/>
+                <a:cs typeface="+mn-cs"/>
+              </a:defRPr>
+            </a:lvl4pPr>
+            <a:lvl5pPr marL="932688" indent="-182880" algn="l" defTabSz="914400" rtl="0" eaLnBrk="1" latinLnBrk="0" hangingPunct="1">
+              <a:lnSpc>
+                <a:spcPct val="90000"/>
+              </a:lnSpc>
+              <a:spcBef>
+                <a:spcPts val="200"/>
+              </a:spcBef>
+              <a:spcAft>
+                <a:spcPts val="400"/>
+              </a:spcAft>
+              <a:buClr>
+                <a:schemeClr val="accent1"/>
+              </a:buClr>
+              <a:buFont typeface="Calibri" pitchFamily="34" charset="0"/>
+              <a:buChar char="◦"/>
+              <a:defRPr sz="1400" kern="1200">
+                <a:solidFill>
+                  <a:schemeClr val="tx1">
+                    <a:lumMod val="75000"/>
+                    <a:lumOff val="25000"/>
+                  </a:schemeClr>
+                </a:solidFill>
+                <a:latin typeface="+mn-lt"/>
+                <a:ea typeface="+mn-ea"/>
+                <a:cs typeface="+mn-cs"/>
+              </a:defRPr>
+            </a:lvl5pPr>
+            <a:lvl6pPr marL="1100000" indent="-228600" algn="l" defTabSz="914400" rtl="0" eaLnBrk="1" latinLnBrk="0" hangingPunct="1">
+              <a:lnSpc>
+                <a:spcPct val="90000"/>
+              </a:lnSpc>
+              <a:spcBef>
+                <a:spcPts val="200"/>
+              </a:spcBef>
+              <a:spcAft>
+                <a:spcPts val="400"/>
+              </a:spcAft>
+              <a:buClr>
+                <a:schemeClr val="accent1"/>
+              </a:buClr>
+              <a:buFont typeface="Calibri" pitchFamily="34" charset="0"/>
+              <a:buChar char="◦"/>
+              <a:defRPr sz="1400" kern="1200">
+                <a:solidFill>
+                  <a:schemeClr val="tx1">
+                    <a:lumMod val="75000"/>
+                    <a:lumOff val="25000"/>
+                  </a:schemeClr>
+                </a:solidFill>
+                <a:latin typeface="+mn-lt"/>
+                <a:ea typeface="+mn-ea"/>
+                <a:cs typeface="+mn-cs"/>
+              </a:defRPr>
+            </a:lvl6pPr>
+            <a:lvl7pPr marL="1300000" indent="-228600" algn="l" defTabSz="914400" rtl="0" eaLnBrk="1" latinLnBrk="0" hangingPunct="1">
+              <a:lnSpc>
+                <a:spcPct val="90000"/>
+              </a:lnSpc>
+              <a:spcBef>
+                <a:spcPts val="200"/>
+              </a:spcBef>
+              <a:spcAft>
+                <a:spcPts val="400"/>
+              </a:spcAft>
+              <a:buClr>
+                <a:schemeClr val="accent1"/>
+              </a:buClr>
+              <a:buFont typeface="Calibri" pitchFamily="34" charset="0"/>
+              <a:buChar char="◦"/>
+              <a:defRPr sz="1400" kern="1200">
+                <a:solidFill>
+                  <a:schemeClr val="tx1">
+                    <a:lumMod val="75000"/>
+                    <a:lumOff val="25000"/>
+                  </a:schemeClr>
+                </a:solidFill>
+                <a:latin typeface="+mn-lt"/>
+                <a:ea typeface="+mn-ea"/>
+                <a:cs typeface="+mn-cs"/>
+              </a:defRPr>
+            </a:lvl7pPr>
+            <a:lvl8pPr marL="1500000" indent="-228600" algn="l" defTabSz="914400" rtl="0" eaLnBrk="1" latinLnBrk="0" hangingPunct="1">
+              <a:lnSpc>
+                <a:spcPct val="90000"/>
+              </a:lnSpc>
+              <a:spcBef>
+                <a:spcPts val="200"/>
+              </a:spcBef>
+              <a:spcAft>
+                <a:spcPts val="400"/>
+              </a:spcAft>
+              <a:buClr>
+                <a:schemeClr val="accent1"/>
+              </a:buClr>
+              <a:buFont typeface="Calibri" pitchFamily="34" charset="0"/>
+              <a:buChar char="◦"/>
+              <a:defRPr sz="1400" kern="1200">
+                <a:solidFill>
+                  <a:schemeClr val="tx1">
+                    <a:lumMod val="75000"/>
+                    <a:lumOff val="25000"/>
+                  </a:schemeClr>
+                </a:solidFill>
+                <a:latin typeface="+mn-lt"/>
+                <a:ea typeface="+mn-ea"/>
+                <a:cs typeface="+mn-cs"/>
+              </a:defRPr>
+            </a:lvl8pPr>
+            <a:lvl9pPr marL="1700000" indent="-228600" algn="l" defTabSz="914400" rtl="0" eaLnBrk="1" latinLnBrk="0" hangingPunct="1">
+              <a:lnSpc>
+                <a:spcPct val="90000"/>
+              </a:lnSpc>
+              <a:spcBef>
+                <a:spcPts val="200"/>
+              </a:spcBef>
+              <a:spcAft>
+                <a:spcPts val="400"/>
+              </a:spcAft>
+              <a:buClr>
+                <a:schemeClr val="accent1"/>
+              </a:buClr>
+              <a:buFont typeface="Calibri" pitchFamily="34" charset="0"/>
+              <a:buChar char="◦"/>
+              <a:defRPr sz="1400" kern="1200">
+                <a:solidFill>
+                  <a:schemeClr val="tx1">
+                    <a:lumMod val="75000"/>
+                    <a:lumOff val="25000"/>
+                  </a:schemeClr>
+                </a:solidFill>
+                <a:latin typeface="+mn-lt"/>
+                <a:ea typeface="+mn-ea"/>
+                <a:cs typeface="+mn-cs"/>
+              </a:defRPr>
+            </a:lvl9pPr>
+          </a:lstStyle>
+          <a:p>
+            <a:r>
+              <a:rPr lang="pt-BR" dirty="0"/>
+              <a:t>Veja que, embora os objetos se movam, eles se movimentarão de formas diferentes:</a:t>
+            </a:r>
+          </a:p>
+        </p:txBody>
+      </p:sp>
+      <p:pic>
+        <p:nvPicPr>
+          <p:cNvPr id="3" name="Gráfico 2" descr="Controlador de jogo">
+            <a:extLst>
+              <a:ext uri="{FF2B5EF4-FFF2-40B4-BE49-F238E27FC236}">
+                <a16:creationId xmlns:a16="http://schemas.microsoft.com/office/drawing/2014/main" id="{B2415149-8D1E-7C8D-1582-067A2DF228ED}"/>
+              </a:ext>
+            </a:extLst>
+          </p:cNvPr>
+          <p:cNvPicPr>
+            <a:picLocks noChangeAspect="1"/>
+          </p:cNvPicPr>
+          <p:nvPr/>
+        </p:nvPicPr>
+        <p:blipFill>
+          <a:blip r:embed="rId2">
+            <a:extLst>
+              <a:ext uri="{28A0092B-C50C-407E-A947-70E740481C1C}">
+                <a14:useLocalDpi xmlns:a14="http://schemas.microsoft.com/office/drawing/2010/main" val="0"/>
+              </a:ext>
+              <a:ext uri="{96DAC541-7B7A-43D3-8B79-37D633B846F1}">
+                <asvg:svgBlip xmlns:asvg="http://schemas.microsoft.com/office/drawing/2016/SVG/main" r:embed="rId3"/>
+              </a:ext>
+            </a:extLst>
+          </a:blip>
+          <a:stretch>
+            <a:fillRect/>
+          </a:stretch>
+        </p:blipFill>
+        <p:spPr>
+          <a:xfrm>
+            <a:off x="2592370" y="3946037"/>
+            <a:ext cx="914400" cy="914400"/>
+          </a:xfrm>
+          <a:prstGeom prst="rect">
+            <a:avLst/>
+          </a:prstGeom>
+        </p:spPr>
+      </p:pic>
+      <p:pic>
+        <p:nvPicPr>
+          <p:cNvPr id="6" name="Gráfico 5" descr="Carro">
+            <a:extLst>
+              <a:ext uri="{FF2B5EF4-FFF2-40B4-BE49-F238E27FC236}">
+                <a16:creationId xmlns:a16="http://schemas.microsoft.com/office/drawing/2014/main" id="{A046B4D3-EB4E-8C38-A427-94E79B70F72A}"/>
+              </a:ext>
+            </a:extLst>
+          </p:cNvPr>
+          <p:cNvPicPr>
+            <a:picLocks noChangeAspect="1"/>
+          </p:cNvPicPr>
+          <p:nvPr/>
+        </p:nvPicPr>
+        <p:blipFill>
+          <a:blip r:embed="rId4">
+            <a:extLst>
+              <a:ext uri="{28A0092B-C50C-407E-A947-70E740481C1C}">
+                <a14:useLocalDpi xmlns:a14="http://schemas.microsoft.com/office/drawing/2010/main" val="0"/>
+              </a:ext>
+              <a:ext uri="{96DAC541-7B7A-43D3-8B79-37D633B846F1}">
+                <asvg:svgBlip xmlns:asvg="http://schemas.microsoft.com/office/drawing/2016/SVG/main" r:embed="rId5"/>
+              </a:ext>
+            </a:extLst>
+          </a:blip>
+          <a:stretch>
+            <a:fillRect/>
+          </a:stretch>
+        </p:blipFill>
+        <p:spPr>
+          <a:xfrm>
+            <a:off x="7313631" y="2917004"/>
+            <a:ext cx="914400" cy="914400"/>
+          </a:xfrm>
+          <a:prstGeom prst="rect">
+            <a:avLst/>
+          </a:prstGeom>
+        </p:spPr>
+      </p:pic>
+      <p:pic>
+        <p:nvPicPr>
+          <p:cNvPr id="8" name="Gráfico 7" descr="Helicóptero">
+            <a:extLst>
+              <a:ext uri="{FF2B5EF4-FFF2-40B4-BE49-F238E27FC236}">
+                <a16:creationId xmlns:a16="http://schemas.microsoft.com/office/drawing/2014/main" id="{0E14ACCA-41C6-97C7-F730-DF0F79B203D8}"/>
+              </a:ext>
+            </a:extLst>
+          </p:cNvPr>
+          <p:cNvPicPr>
+            <a:picLocks noChangeAspect="1"/>
+          </p:cNvPicPr>
+          <p:nvPr/>
+        </p:nvPicPr>
+        <p:blipFill>
+          <a:blip r:embed="rId6">
+            <a:extLst>
+              <a:ext uri="{28A0092B-C50C-407E-A947-70E740481C1C}">
+                <a14:useLocalDpi xmlns:a14="http://schemas.microsoft.com/office/drawing/2010/main" val="0"/>
+              </a:ext>
+              <a:ext uri="{96DAC541-7B7A-43D3-8B79-37D633B846F1}">
+                <asvg:svgBlip xmlns:asvg="http://schemas.microsoft.com/office/drawing/2016/SVG/main" r:embed="rId7"/>
+              </a:ext>
+            </a:extLst>
+          </a:blip>
+          <a:stretch>
+            <a:fillRect/>
+          </a:stretch>
+        </p:blipFill>
+        <p:spPr>
+          <a:xfrm>
+            <a:off x="7313631" y="3885908"/>
+            <a:ext cx="914400" cy="914400"/>
+          </a:xfrm>
+          <a:prstGeom prst="rect">
+            <a:avLst/>
+          </a:prstGeom>
+        </p:spPr>
+      </p:pic>
+      <p:pic>
+        <p:nvPicPr>
+          <p:cNvPr id="10" name="Gráfico 9" descr="Rebocador">
+            <a:extLst>
+              <a:ext uri="{FF2B5EF4-FFF2-40B4-BE49-F238E27FC236}">
+                <a16:creationId xmlns:a16="http://schemas.microsoft.com/office/drawing/2014/main" id="{E33022D8-E86D-809A-977D-464B5969E75A}"/>
+              </a:ext>
+            </a:extLst>
+          </p:cNvPr>
+          <p:cNvPicPr>
+            <a:picLocks noChangeAspect="1"/>
+          </p:cNvPicPr>
+          <p:nvPr/>
+        </p:nvPicPr>
+        <p:blipFill>
+          <a:blip r:embed="rId8">
+            <a:extLst>
+              <a:ext uri="{28A0092B-C50C-407E-A947-70E740481C1C}">
+                <a14:useLocalDpi xmlns:a14="http://schemas.microsoft.com/office/drawing/2010/main" val="0"/>
+              </a:ext>
+              <a:ext uri="{96DAC541-7B7A-43D3-8B79-37D633B846F1}">
+                <asvg:svgBlip xmlns:asvg="http://schemas.microsoft.com/office/drawing/2016/SVG/main" r:embed="rId9"/>
+              </a:ext>
+            </a:extLst>
+          </a:blip>
+          <a:stretch>
+            <a:fillRect/>
+          </a:stretch>
+        </p:blipFill>
+        <p:spPr>
+          <a:xfrm>
+            <a:off x="7313631" y="4860437"/>
+            <a:ext cx="914400" cy="914400"/>
+          </a:xfrm>
+          <a:prstGeom prst="rect">
+            <a:avLst/>
+          </a:prstGeom>
+        </p:spPr>
+      </p:pic>
+      <p:cxnSp>
+        <p:nvCxnSpPr>
+          <p:cNvPr id="12" name="Conector de Seta Reta 11">
+            <a:extLst>
+              <a:ext uri="{FF2B5EF4-FFF2-40B4-BE49-F238E27FC236}">
+                <a16:creationId xmlns:a16="http://schemas.microsoft.com/office/drawing/2014/main" id="{A79B3B73-18C5-D3C5-6E14-8078AD1A03BC}"/>
+              </a:ext>
+            </a:extLst>
+          </p:cNvPr>
+          <p:cNvCxnSpPr>
+            <a:cxnSpLocks/>
+            <a:endCxn id="6" idx="1"/>
+          </p:cNvCxnSpPr>
+          <p:nvPr/>
+        </p:nvCxnSpPr>
+        <p:spPr>
+          <a:xfrm flipV="1">
+            <a:off x="3506770" y="3374204"/>
+            <a:ext cx="3806861" cy="1029033"/>
+          </a:xfrm>
+          <a:prstGeom prst="straightConnector1">
+            <a:avLst/>
+          </a:prstGeom>
+          <a:ln>
+            <a:tailEnd type="triangle"/>
+          </a:ln>
+        </p:spPr>
+        <p:style>
+          <a:lnRef idx="1">
+            <a:schemeClr val="dk1"/>
+          </a:lnRef>
+          <a:fillRef idx="0">
+            <a:schemeClr val="dk1"/>
+          </a:fillRef>
+          <a:effectRef idx="0">
+            <a:schemeClr val="dk1"/>
+          </a:effectRef>
+          <a:fontRef idx="minor">
+            <a:schemeClr val="tx1"/>
+          </a:fontRef>
+        </p:style>
+      </p:cxnSp>
+      <p:cxnSp>
+        <p:nvCxnSpPr>
+          <p:cNvPr id="14" name="Conector de Seta Reta 13">
+            <a:extLst>
+              <a:ext uri="{FF2B5EF4-FFF2-40B4-BE49-F238E27FC236}">
+                <a16:creationId xmlns:a16="http://schemas.microsoft.com/office/drawing/2014/main" id="{0A0937CB-98EA-FADA-E706-5A00BA410BCD}"/>
+              </a:ext>
+            </a:extLst>
+          </p:cNvPr>
+          <p:cNvCxnSpPr>
+            <a:cxnSpLocks/>
+            <a:stCxn id="3" idx="3"/>
+            <a:endCxn id="8" idx="1"/>
+          </p:cNvCxnSpPr>
+          <p:nvPr/>
+        </p:nvCxnSpPr>
+        <p:spPr>
+          <a:xfrm flipV="1">
+            <a:off x="3506770" y="4343108"/>
+            <a:ext cx="3806861" cy="60129"/>
+          </a:xfrm>
+          <a:prstGeom prst="straightConnector1">
+            <a:avLst/>
+          </a:prstGeom>
+          <a:ln>
+            <a:tailEnd type="triangle"/>
+          </a:ln>
+        </p:spPr>
+        <p:style>
+          <a:lnRef idx="1">
+            <a:schemeClr val="dk1"/>
+          </a:lnRef>
+          <a:fillRef idx="0">
+            <a:schemeClr val="dk1"/>
+          </a:fillRef>
+          <a:effectRef idx="0">
+            <a:schemeClr val="dk1"/>
+          </a:effectRef>
+          <a:fontRef idx="minor">
+            <a:schemeClr val="tx1"/>
+          </a:fontRef>
+        </p:style>
+      </p:cxnSp>
+      <p:cxnSp>
+        <p:nvCxnSpPr>
+          <p:cNvPr id="17" name="Conector de Seta Reta 16">
+            <a:extLst>
+              <a:ext uri="{FF2B5EF4-FFF2-40B4-BE49-F238E27FC236}">
+                <a16:creationId xmlns:a16="http://schemas.microsoft.com/office/drawing/2014/main" id="{507BC605-83F0-36B4-4FC6-C61CB7C4647C}"/>
+              </a:ext>
+            </a:extLst>
+          </p:cNvPr>
+          <p:cNvCxnSpPr>
+            <a:cxnSpLocks/>
+            <a:stCxn id="3" idx="3"/>
+            <a:endCxn id="10" idx="1"/>
+          </p:cNvCxnSpPr>
+          <p:nvPr/>
+        </p:nvCxnSpPr>
+        <p:spPr>
+          <a:xfrm>
+            <a:off x="3506770" y="4403237"/>
+            <a:ext cx="3806861" cy="914400"/>
+          </a:xfrm>
+          <a:prstGeom prst="straightConnector1">
+            <a:avLst/>
+          </a:prstGeom>
+          <a:ln>
+            <a:tailEnd type="triangle"/>
+          </a:ln>
+        </p:spPr>
+        <p:style>
+          <a:lnRef idx="1">
+            <a:schemeClr val="dk1"/>
+          </a:lnRef>
+          <a:fillRef idx="0">
+            <a:schemeClr val="dk1"/>
+          </a:fillRef>
+          <a:effectRef idx="0">
+            <a:schemeClr val="dk1"/>
+          </a:effectRef>
+          <a:fontRef idx="minor">
+            <a:schemeClr val="tx1"/>
+          </a:fontRef>
+        </p:style>
+      </p:cxnSp>
+      <p:sp>
+        <p:nvSpPr>
+          <p:cNvPr id="21" name="Retângulo 20">
+            <a:extLst>
+              <a:ext uri="{FF2B5EF4-FFF2-40B4-BE49-F238E27FC236}">
+                <a16:creationId xmlns:a16="http://schemas.microsoft.com/office/drawing/2014/main" id="{E9A3FA10-F33E-6880-4DEF-0124882C049B}"/>
+              </a:ext>
+            </a:extLst>
+          </p:cNvPr>
+          <p:cNvSpPr/>
+          <p:nvPr/>
+        </p:nvSpPr>
+        <p:spPr>
+          <a:xfrm>
+            <a:off x="3700499" y="4058169"/>
+            <a:ext cx="914400" cy="595295"/>
+          </a:xfrm>
+          <a:prstGeom prst="rect">
+            <a:avLst/>
+          </a:prstGeom>
+        </p:spPr>
+        <p:style>
+          <a:lnRef idx="2">
+            <a:schemeClr val="accent1">
+              <a:shade val="15000"/>
+            </a:schemeClr>
+          </a:lnRef>
+          <a:fillRef idx="1">
+            <a:schemeClr val="accent1"/>
+          </a:fillRef>
+          <a:effectRef idx="0">
+            <a:schemeClr val="accent1"/>
+          </a:effectRef>
+          <a:fontRef idx="minor">
+            <a:schemeClr val="lt1"/>
+          </a:fontRef>
+        </p:style>
+        <p:txBody>
+          <a:bodyPr rtlCol="0" anchor="ctr"/>
+          <a:lstStyle/>
+          <a:p>
+            <a:pPr algn="ctr"/>
+            <a:r>
+              <a:rPr lang="pt-BR" dirty="0"/>
+              <a:t>MOVER</a:t>
+            </a:r>
+          </a:p>
+        </p:txBody>
+      </p:sp>
+      <p:sp>
+        <p:nvSpPr>
+          <p:cNvPr id="22" name="CaixaDeTexto 21">
+            <a:extLst>
+              <a:ext uri="{FF2B5EF4-FFF2-40B4-BE49-F238E27FC236}">
+                <a16:creationId xmlns:a16="http://schemas.microsoft.com/office/drawing/2014/main" id="{356225D4-1B7B-F26B-F2FE-B816CC31B989}"/>
+              </a:ext>
+            </a:extLst>
+          </p:cNvPr>
+          <p:cNvSpPr txBox="1"/>
+          <p:nvPr/>
+        </p:nvSpPr>
+        <p:spPr>
+          <a:xfrm>
+            <a:off x="2514816" y="3430187"/>
+            <a:ext cx="1204689" cy="646331"/>
+          </a:xfrm>
+          <a:prstGeom prst="rect">
+            <a:avLst/>
+          </a:prstGeom>
+          <a:noFill/>
+        </p:spPr>
+        <p:txBody>
+          <a:bodyPr wrap="none" rtlCol="0">
+            <a:spAutoFit/>
+          </a:bodyPr>
+          <a:lstStyle/>
+          <a:p>
+            <a:r>
+              <a:rPr lang="pt-BR" dirty="0"/>
+              <a:t>CONTROLE</a:t>
+            </a:r>
+          </a:p>
+          <a:p>
+            <a:r>
+              <a:rPr lang="pt-BR" dirty="0"/>
+              <a:t>REMOTO</a:t>
+            </a:r>
+          </a:p>
+        </p:txBody>
+      </p:sp>
+      <p:sp>
+        <p:nvSpPr>
+          <p:cNvPr id="23" name="CaixaDeTexto 22">
+            <a:extLst>
+              <a:ext uri="{FF2B5EF4-FFF2-40B4-BE49-F238E27FC236}">
+                <a16:creationId xmlns:a16="http://schemas.microsoft.com/office/drawing/2014/main" id="{0BBBB585-BF10-31A6-0819-B0D909AB0FF3}"/>
+              </a:ext>
+            </a:extLst>
+          </p:cNvPr>
+          <p:cNvSpPr txBox="1"/>
+          <p:nvPr/>
+        </p:nvSpPr>
+        <p:spPr>
+          <a:xfrm>
+            <a:off x="8305585" y="3189538"/>
+            <a:ext cx="1194558" cy="369332"/>
+          </a:xfrm>
+          <a:prstGeom prst="rect">
+            <a:avLst/>
+          </a:prstGeom>
+          <a:noFill/>
+        </p:spPr>
+        <p:txBody>
+          <a:bodyPr wrap="none" rtlCol="0">
+            <a:spAutoFit/>
+          </a:bodyPr>
+          <a:lstStyle/>
+          <a:p>
+            <a:r>
+              <a:rPr lang="pt-BR" dirty="0"/>
+              <a:t>CARRINHO</a:t>
+            </a:r>
+          </a:p>
+        </p:txBody>
+      </p:sp>
+      <p:sp>
+        <p:nvSpPr>
+          <p:cNvPr id="24" name="CaixaDeTexto 23">
+            <a:extLst>
+              <a:ext uri="{FF2B5EF4-FFF2-40B4-BE49-F238E27FC236}">
+                <a16:creationId xmlns:a16="http://schemas.microsoft.com/office/drawing/2014/main" id="{2DF1EF35-EAD6-86AA-5339-5E7F365EC80F}"/>
+              </a:ext>
+            </a:extLst>
+          </p:cNvPr>
+          <p:cNvSpPr txBox="1"/>
+          <p:nvPr/>
+        </p:nvSpPr>
+        <p:spPr>
+          <a:xfrm>
+            <a:off x="8305585" y="4171150"/>
+            <a:ext cx="1487395" cy="369332"/>
+          </a:xfrm>
+          <a:prstGeom prst="rect">
+            <a:avLst/>
+          </a:prstGeom>
+          <a:noFill/>
+        </p:spPr>
+        <p:txBody>
+          <a:bodyPr wrap="none" rtlCol="0">
+            <a:spAutoFit/>
+          </a:bodyPr>
+          <a:lstStyle/>
+          <a:p>
+            <a:r>
+              <a:rPr lang="pt-BR" dirty="0"/>
+              <a:t>HELICÓPTERO</a:t>
+            </a:r>
+          </a:p>
+        </p:txBody>
+      </p:sp>
+      <p:sp>
+        <p:nvSpPr>
+          <p:cNvPr id="25" name="CaixaDeTexto 24">
+            <a:extLst>
+              <a:ext uri="{FF2B5EF4-FFF2-40B4-BE49-F238E27FC236}">
+                <a16:creationId xmlns:a16="http://schemas.microsoft.com/office/drawing/2014/main" id="{03DCA9EE-4EC2-8711-B792-B4529128D7C7}"/>
+              </a:ext>
+            </a:extLst>
+          </p:cNvPr>
+          <p:cNvSpPr txBox="1"/>
+          <p:nvPr/>
+        </p:nvSpPr>
+        <p:spPr>
+          <a:xfrm>
+            <a:off x="8305585" y="5152762"/>
+            <a:ext cx="837152" cy="369332"/>
+          </a:xfrm>
+          <a:prstGeom prst="rect">
+            <a:avLst/>
+          </a:prstGeom>
+          <a:noFill/>
+        </p:spPr>
+        <p:txBody>
+          <a:bodyPr wrap="none" rtlCol="0">
+            <a:spAutoFit/>
+          </a:bodyPr>
+          <a:lstStyle/>
+          <a:p>
+            <a:r>
+              <a:rPr lang="pt-BR" dirty="0"/>
+              <a:t>BARCO</a:t>
+            </a:r>
+          </a:p>
+        </p:txBody>
+      </p:sp>
+      <p:sp>
+        <p:nvSpPr>
+          <p:cNvPr id="7" name="Retângulo 6">
+            <a:extLst>
+              <a:ext uri="{FF2B5EF4-FFF2-40B4-BE49-F238E27FC236}">
+                <a16:creationId xmlns:a16="http://schemas.microsoft.com/office/drawing/2014/main" id="{A047E579-0000-838D-F351-06C563D73B6C}"/>
+              </a:ext>
+            </a:extLst>
+          </p:cNvPr>
+          <p:cNvSpPr/>
+          <p:nvPr/>
+        </p:nvSpPr>
+        <p:spPr>
+          <a:xfrm>
+            <a:off x="5692459" y="3352378"/>
+            <a:ext cx="1204689" cy="595295"/>
+          </a:xfrm>
+          <a:prstGeom prst="rect">
+            <a:avLst/>
+          </a:prstGeom>
+        </p:spPr>
+        <p:style>
+          <a:lnRef idx="2">
+            <a:schemeClr val="accent1">
+              <a:shade val="15000"/>
+            </a:schemeClr>
+          </a:lnRef>
+          <a:fillRef idx="1">
+            <a:schemeClr val="accent1"/>
+          </a:fillRef>
+          <a:effectRef idx="0">
+            <a:schemeClr val="accent1"/>
+          </a:effectRef>
+          <a:fontRef idx="minor">
+            <a:schemeClr val="lt1"/>
+          </a:fontRef>
+        </p:style>
+        <p:txBody>
+          <a:bodyPr rtlCol="0" anchor="ctr"/>
+          <a:lstStyle/>
+          <a:p>
+            <a:pPr algn="ctr"/>
+            <a:r>
+              <a:rPr lang="pt-BR" dirty="0"/>
+              <a:t>CORRER</a:t>
+            </a:r>
+          </a:p>
+        </p:txBody>
+      </p:sp>
+      <p:sp>
+        <p:nvSpPr>
+          <p:cNvPr id="11" name="Retângulo 10">
+            <a:extLst>
+              <a:ext uri="{FF2B5EF4-FFF2-40B4-BE49-F238E27FC236}">
+                <a16:creationId xmlns:a16="http://schemas.microsoft.com/office/drawing/2014/main" id="{D65FCC03-DF2D-F3AC-5147-80D20B48C7DC}"/>
+              </a:ext>
+            </a:extLst>
+          </p:cNvPr>
+          <p:cNvSpPr/>
+          <p:nvPr/>
+        </p:nvSpPr>
+        <p:spPr>
+          <a:xfrm>
+            <a:off x="5692459" y="4042519"/>
+            <a:ext cx="1204689" cy="595295"/>
+          </a:xfrm>
+          <a:prstGeom prst="rect">
+            <a:avLst/>
+          </a:prstGeom>
+        </p:spPr>
+        <p:style>
+          <a:lnRef idx="2">
+            <a:schemeClr val="accent1">
+              <a:shade val="15000"/>
+            </a:schemeClr>
+          </a:lnRef>
+          <a:fillRef idx="1">
+            <a:schemeClr val="accent1"/>
+          </a:fillRef>
+          <a:effectRef idx="0">
+            <a:schemeClr val="accent1"/>
+          </a:effectRef>
+          <a:fontRef idx="minor">
+            <a:schemeClr val="lt1"/>
+          </a:fontRef>
+        </p:style>
+        <p:txBody>
+          <a:bodyPr rtlCol="0" anchor="ctr"/>
+          <a:lstStyle/>
+          <a:p>
+            <a:pPr algn="ctr"/>
+            <a:r>
+              <a:rPr lang="pt-BR" dirty="0"/>
+              <a:t>VOAR</a:t>
+            </a:r>
+          </a:p>
+        </p:txBody>
+      </p:sp>
+      <p:sp>
+        <p:nvSpPr>
+          <p:cNvPr id="13" name="Retângulo 12">
+            <a:extLst>
+              <a:ext uri="{FF2B5EF4-FFF2-40B4-BE49-F238E27FC236}">
+                <a16:creationId xmlns:a16="http://schemas.microsoft.com/office/drawing/2014/main" id="{399C311D-850A-FA81-416B-5716AE3EC456}"/>
+              </a:ext>
+            </a:extLst>
+          </p:cNvPr>
+          <p:cNvSpPr/>
+          <p:nvPr/>
+        </p:nvSpPr>
+        <p:spPr>
+          <a:xfrm>
+            <a:off x="5687661" y="4699819"/>
+            <a:ext cx="1204689" cy="595295"/>
+          </a:xfrm>
+          <a:prstGeom prst="rect">
+            <a:avLst/>
+          </a:prstGeom>
+        </p:spPr>
+        <p:style>
+          <a:lnRef idx="2">
+            <a:schemeClr val="accent1">
+              <a:shade val="15000"/>
+            </a:schemeClr>
+          </a:lnRef>
+          <a:fillRef idx="1">
+            <a:schemeClr val="accent1"/>
+          </a:fillRef>
+          <a:effectRef idx="0">
+            <a:schemeClr val="accent1"/>
+          </a:effectRef>
+          <a:fontRef idx="minor">
+            <a:schemeClr val="lt1"/>
+          </a:fontRef>
+        </p:style>
+        <p:txBody>
+          <a:bodyPr rtlCol="0" anchor="ctr"/>
+          <a:lstStyle/>
+          <a:p>
+            <a:pPr algn="ctr"/>
+            <a:r>
+              <a:rPr lang="pt-BR" dirty="0"/>
+              <a:t>NAVEGAR</a:t>
+            </a:r>
+          </a:p>
+        </p:txBody>
+      </p:sp>
+    </p:spTree>
+    <p:extLst>
+      <p:ext uri="{BB962C8B-B14F-4D97-AF65-F5344CB8AC3E}">
+        <p14:creationId xmlns:p14="http://schemas.microsoft.com/office/powerpoint/2010/main" val="3173686644"/>
+      </p:ext>
+    </p:extLst>
+  </p:cSld>
+  <p:clrMapOvr>
+    <a:masterClrMapping/>
+  </p:clrMapOvr>
+</p:sld>
+</file>
+
+<file path=ppt/slides/slide26.xml><?xml version="1.0" encoding="utf-8"?>
+<p:sld xmlns:a="http://schemas.openxmlformats.org/drawingml/2006/main" xmlns:r="http://schemas.openxmlformats.org/officeDocument/2006/relationships" xmlns:p="http://schemas.openxmlformats.org/presentationml/2006/main">
+  <p:cSld>
+    <p:spTree>
+      <p:nvGrpSpPr>
+        <p:cNvPr id="1" name=""/>
+        <p:cNvGrpSpPr/>
+        <p:nvPr/>
+      </p:nvGrpSpPr>
+      <p:grpSpPr>
+        <a:xfrm>
+          <a:off x="0" y="0"/>
+          <a:ext cx="0" cy="0"/>
+          <a:chOff x="0" y="0"/>
+          <a:chExt cx="0" cy="0"/>
+        </a:xfrm>
+      </p:grpSpPr>
+      <p:sp>
+        <p:nvSpPr>
+          <p:cNvPr id="4" name="Título 1">
+            <a:extLst>
+              <a:ext uri="{FF2B5EF4-FFF2-40B4-BE49-F238E27FC236}">
+                <a16:creationId xmlns:a16="http://schemas.microsoft.com/office/drawing/2014/main" id="{6C39060B-FEF0-6AA5-65E9-39A732572625}"/>
+              </a:ext>
+            </a:extLst>
+          </p:cNvPr>
+          <p:cNvSpPr>
+            <a:spLocks noGrp="1"/>
+          </p:cNvSpPr>
+          <p:nvPr>
+            <p:ph type="title"/>
+          </p:nvPr>
+        </p:nvSpPr>
+        <p:spPr>
+          <a:xfrm>
+            <a:off x="1096963" y="287338"/>
+            <a:ext cx="10058400" cy="1449387"/>
+          </a:xfrm>
+        </p:spPr>
+        <p:txBody>
+          <a:bodyPr/>
+          <a:lstStyle/>
+          <a:p>
+            <a:r>
+              <a:rPr lang="pt-BR" dirty="0"/>
+              <a:t>POLIMORFISMO</a:t>
+            </a:r>
+            <a:endParaRPr lang="pt-BR" sz="2400" dirty="0"/>
+          </a:p>
+        </p:txBody>
+      </p:sp>
+      <p:sp>
+        <p:nvSpPr>
+          <p:cNvPr id="31" name="Espaço Reservado para Conteúdo 2">
+            <a:extLst>
+              <a:ext uri="{FF2B5EF4-FFF2-40B4-BE49-F238E27FC236}">
+                <a16:creationId xmlns:a16="http://schemas.microsoft.com/office/drawing/2014/main" id="{D2061234-52CD-FFAB-42EF-8F3150325C73}"/>
+              </a:ext>
+            </a:extLst>
+          </p:cNvPr>
+          <p:cNvSpPr txBox="1">
+            <a:spLocks/>
+          </p:cNvSpPr>
+          <p:nvPr/>
+        </p:nvSpPr>
+        <p:spPr>
+          <a:xfrm>
+            <a:off x="1097279" y="1845734"/>
+            <a:ext cx="10058084" cy="4023360"/>
+          </a:xfrm>
+          <a:prstGeom prst="rect">
+            <a:avLst/>
+          </a:prstGeom>
+        </p:spPr>
+        <p:txBody>
+          <a:bodyPr vert="horz" lIns="0" tIns="45720" rIns="0" bIns="45720" rtlCol="0">
+            <a:normAutofit/>
+          </a:bodyPr>
+          <a:lstStyle>
+            <a:lvl1pPr marL="91440" indent="-91440" algn="l" defTabSz="914400" rtl="0" eaLnBrk="1" latinLnBrk="0" hangingPunct="1">
+              <a:lnSpc>
+                <a:spcPct val="90000"/>
+              </a:lnSpc>
+              <a:spcBef>
+                <a:spcPts val="1200"/>
+              </a:spcBef>
+              <a:spcAft>
+                <a:spcPts val="200"/>
+              </a:spcAft>
+              <a:buClr>
+                <a:schemeClr val="accent1"/>
+              </a:buClr>
+              <a:buSzPct val="100000"/>
+              <a:buFont typeface="Calibri" panose="020F0502020204030204" pitchFamily="34" charset="0"/>
+              <a:buChar char=" "/>
+              <a:defRPr sz="2000" kern="1200">
+                <a:solidFill>
+                  <a:schemeClr val="tx1">
+                    <a:lumMod val="75000"/>
+                    <a:lumOff val="25000"/>
+                  </a:schemeClr>
+                </a:solidFill>
+                <a:latin typeface="+mn-lt"/>
+                <a:ea typeface="+mn-ea"/>
+                <a:cs typeface="+mn-cs"/>
+              </a:defRPr>
+            </a:lvl1pPr>
+            <a:lvl2pPr marL="384048" indent="-182880" algn="l" defTabSz="914400" rtl="0" eaLnBrk="1" latinLnBrk="0" hangingPunct="1">
+              <a:lnSpc>
+                <a:spcPct val="90000"/>
+              </a:lnSpc>
+              <a:spcBef>
+                <a:spcPts val="200"/>
+              </a:spcBef>
+              <a:spcAft>
+                <a:spcPts val="400"/>
+              </a:spcAft>
+              <a:buClr>
+                <a:schemeClr val="accent1"/>
+              </a:buClr>
+              <a:buFont typeface="Calibri" pitchFamily="34" charset="0"/>
+              <a:buChar char="◦"/>
+              <a:defRPr sz="1800" kern="1200">
+                <a:solidFill>
+                  <a:schemeClr val="tx1">
+                    <a:lumMod val="75000"/>
+                    <a:lumOff val="25000"/>
+                  </a:schemeClr>
+                </a:solidFill>
+                <a:latin typeface="+mn-lt"/>
+                <a:ea typeface="+mn-ea"/>
+                <a:cs typeface="+mn-cs"/>
+              </a:defRPr>
+            </a:lvl2pPr>
+            <a:lvl3pPr marL="566928" indent="-182880" algn="l" defTabSz="914400" rtl="0" eaLnBrk="1" latinLnBrk="0" hangingPunct="1">
+              <a:lnSpc>
+                <a:spcPct val="90000"/>
+              </a:lnSpc>
+              <a:spcBef>
+                <a:spcPts val="200"/>
+              </a:spcBef>
+              <a:spcAft>
+                <a:spcPts val="400"/>
+              </a:spcAft>
+              <a:buClr>
+                <a:schemeClr val="accent1"/>
+              </a:buClr>
+              <a:buFont typeface="Calibri" pitchFamily="34" charset="0"/>
+              <a:buChar char="◦"/>
+              <a:defRPr sz="1400" kern="1200">
+                <a:solidFill>
+                  <a:schemeClr val="tx1">
+                    <a:lumMod val="75000"/>
+                    <a:lumOff val="25000"/>
+                  </a:schemeClr>
+                </a:solidFill>
+                <a:latin typeface="+mn-lt"/>
+                <a:ea typeface="+mn-ea"/>
+                <a:cs typeface="+mn-cs"/>
+              </a:defRPr>
+            </a:lvl3pPr>
+            <a:lvl4pPr marL="749808" indent="-182880" algn="l" defTabSz="914400" rtl="0" eaLnBrk="1" latinLnBrk="0" hangingPunct="1">
+              <a:lnSpc>
+                <a:spcPct val="90000"/>
+              </a:lnSpc>
+              <a:spcBef>
+                <a:spcPts val="200"/>
+              </a:spcBef>
+              <a:spcAft>
+                <a:spcPts val="400"/>
+              </a:spcAft>
+              <a:buClr>
+                <a:schemeClr val="accent1"/>
+              </a:buClr>
+              <a:buFont typeface="Calibri" pitchFamily="34" charset="0"/>
+              <a:buChar char="◦"/>
+              <a:defRPr sz="1400" kern="1200">
+                <a:solidFill>
+                  <a:schemeClr val="tx1">
+                    <a:lumMod val="75000"/>
+                    <a:lumOff val="25000"/>
+                  </a:schemeClr>
+                </a:solidFill>
+                <a:latin typeface="+mn-lt"/>
+                <a:ea typeface="+mn-ea"/>
+                <a:cs typeface="+mn-cs"/>
+              </a:defRPr>
+            </a:lvl4pPr>
+            <a:lvl5pPr marL="932688" indent="-182880" algn="l" defTabSz="914400" rtl="0" eaLnBrk="1" latinLnBrk="0" hangingPunct="1">
+              <a:lnSpc>
+                <a:spcPct val="90000"/>
+              </a:lnSpc>
+              <a:spcBef>
+                <a:spcPts val="200"/>
+              </a:spcBef>
+              <a:spcAft>
+                <a:spcPts val="400"/>
+              </a:spcAft>
+              <a:buClr>
+                <a:schemeClr val="accent1"/>
+              </a:buClr>
+              <a:buFont typeface="Calibri" pitchFamily="34" charset="0"/>
+              <a:buChar char="◦"/>
+              <a:defRPr sz="1400" kern="1200">
+                <a:solidFill>
+                  <a:schemeClr val="tx1">
+                    <a:lumMod val="75000"/>
+                    <a:lumOff val="25000"/>
+                  </a:schemeClr>
+                </a:solidFill>
+                <a:latin typeface="+mn-lt"/>
+                <a:ea typeface="+mn-ea"/>
+                <a:cs typeface="+mn-cs"/>
+              </a:defRPr>
+            </a:lvl5pPr>
+            <a:lvl6pPr marL="1100000" indent="-228600" algn="l" defTabSz="914400" rtl="0" eaLnBrk="1" latinLnBrk="0" hangingPunct="1">
+              <a:lnSpc>
+                <a:spcPct val="90000"/>
+              </a:lnSpc>
+              <a:spcBef>
+                <a:spcPts val="200"/>
+              </a:spcBef>
+              <a:spcAft>
+                <a:spcPts val="400"/>
+              </a:spcAft>
+              <a:buClr>
+                <a:schemeClr val="accent1"/>
+              </a:buClr>
+              <a:buFont typeface="Calibri" pitchFamily="34" charset="0"/>
+              <a:buChar char="◦"/>
+              <a:defRPr sz="1400" kern="1200">
+                <a:solidFill>
+                  <a:schemeClr val="tx1">
+                    <a:lumMod val="75000"/>
+                    <a:lumOff val="25000"/>
+                  </a:schemeClr>
+                </a:solidFill>
+                <a:latin typeface="+mn-lt"/>
+                <a:ea typeface="+mn-ea"/>
+                <a:cs typeface="+mn-cs"/>
+              </a:defRPr>
+            </a:lvl6pPr>
+            <a:lvl7pPr marL="1300000" indent="-228600" algn="l" defTabSz="914400" rtl="0" eaLnBrk="1" latinLnBrk="0" hangingPunct="1">
+              <a:lnSpc>
+                <a:spcPct val="90000"/>
+              </a:lnSpc>
+              <a:spcBef>
+                <a:spcPts val="200"/>
+              </a:spcBef>
+              <a:spcAft>
+                <a:spcPts val="400"/>
+              </a:spcAft>
+              <a:buClr>
+                <a:schemeClr val="accent1"/>
+              </a:buClr>
+              <a:buFont typeface="Calibri" pitchFamily="34" charset="0"/>
+              <a:buChar char="◦"/>
+              <a:defRPr sz="1400" kern="1200">
+                <a:solidFill>
+                  <a:schemeClr val="tx1">
+                    <a:lumMod val="75000"/>
+                    <a:lumOff val="25000"/>
+                  </a:schemeClr>
+                </a:solidFill>
+                <a:latin typeface="+mn-lt"/>
+                <a:ea typeface="+mn-ea"/>
+                <a:cs typeface="+mn-cs"/>
+              </a:defRPr>
+            </a:lvl7pPr>
+            <a:lvl8pPr marL="1500000" indent="-228600" algn="l" defTabSz="914400" rtl="0" eaLnBrk="1" latinLnBrk="0" hangingPunct="1">
+              <a:lnSpc>
+                <a:spcPct val="90000"/>
+              </a:lnSpc>
+              <a:spcBef>
+                <a:spcPts val="200"/>
+              </a:spcBef>
+              <a:spcAft>
+                <a:spcPts val="400"/>
+              </a:spcAft>
+              <a:buClr>
+                <a:schemeClr val="accent1"/>
+              </a:buClr>
+              <a:buFont typeface="Calibri" pitchFamily="34" charset="0"/>
+              <a:buChar char="◦"/>
+              <a:defRPr sz="1400" kern="1200">
+                <a:solidFill>
+                  <a:schemeClr val="tx1">
+                    <a:lumMod val="75000"/>
+                    <a:lumOff val="25000"/>
+                  </a:schemeClr>
+                </a:solidFill>
+                <a:latin typeface="+mn-lt"/>
+                <a:ea typeface="+mn-ea"/>
+                <a:cs typeface="+mn-cs"/>
+              </a:defRPr>
+            </a:lvl8pPr>
+            <a:lvl9pPr marL="1700000" indent="-228600" algn="l" defTabSz="914400" rtl="0" eaLnBrk="1" latinLnBrk="0" hangingPunct="1">
+              <a:lnSpc>
+                <a:spcPct val="90000"/>
+              </a:lnSpc>
+              <a:spcBef>
+                <a:spcPts val="200"/>
+              </a:spcBef>
+              <a:spcAft>
+                <a:spcPts val="400"/>
+              </a:spcAft>
+              <a:buClr>
+                <a:schemeClr val="accent1"/>
+              </a:buClr>
+              <a:buFont typeface="Calibri" pitchFamily="34" charset="0"/>
+              <a:buChar char="◦"/>
+              <a:defRPr sz="1400" kern="1200">
+                <a:solidFill>
+                  <a:schemeClr val="tx1">
+                    <a:lumMod val="75000"/>
+                    <a:lumOff val="25000"/>
+                  </a:schemeClr>
+                </a:solidFill>
+                <a:latin typeface="+mn-lt"/>
+                <a:ea typeface="+mn-ea"/>
+                <a:cs typeface="+mn-cs"/>
+              </a:defRPr>
+            </a:lvl9pPr>
+          </a:lstStyle>
+          <a:p>
+            <a:r>
+              <a:rPr lang="pt-BR" dirty="0"/>
+              <a:t>Funcionamento:</a:t>
+            </a:r>
+          </a:p>
+          <a:p>
+            <a:pPr lvl="1"/>
+            <a:r>
+              <a:rPr lang="pt-BR" dirty="0"/>
+              <a:t>Por meio de mensagem, uma </a:t>
+            </a:r>
+            <a:r>
+              <a:rPr lang="pt-BR" dirty="0" err="1"/>
+              <a:t>SucClasse</a:t>
+            </a:r>
+            <a:r>
+              <a:rPr lang="pt-BR" dirty="0"/>
+              <a:t> aplica um </a:t>
+            </a:r>
+            <a:r>
+              <a:rPr lang="pt-BR" b="1" dirty="0"/>
+              <a:t>método</a:t>
+            </a:r>
+            <a:r>
+              <a:rPr lang="pt-BR" dirty="0"/>
+              <a:t> usando parâmetros; assim, a </a:t>
+            </a:r>
+            <a:r>
+              <a:rPr lang="pt-BR" dirty="0" err="1"/>
+              <a:t>SubClasse</a:t>
+            </a:r>
+            <a:r>
+              <a:rPr lang="pt-BR" dirty="0"/>
+              <a:t> verifica se ela tem um método com o mesmo nome, similar ao parâmetro.</a:t>
+            </a:r>
+          </a:p>
+          <a:p>
+            <a:pPr lvl="1"/>
+            <a:r>
+              <a:rPr lang="pt-BR" dirty="0"/>
+              <a:t>Caso tenha o mesmo nome no método e no parâmetro ela utilizará;</a:t>
+            </a:r>
+          </a:p>
+          <a:p>
+            <a:pPr lvl="1"/>
+            <a:r>
+              <a:rPr lang="pt-BR" dirty="0"/>
+              <a:t>Caso não tenha, a </a:t>
+            </a:r>
+            <a:r>
+              <a:rPr lang="pt-BR" dirty="0" err="1"/>
+              <a:t>SuperClasse</a:t>
+            </a:r>
+            <a:r>
+              <a:rPr lang="pt-BR" dirty="0"/>
+              <a:t> será responsável pelo procedimento da mensagem e procura um método com o nome do parâmetro.</a:t>
+            </a:r>
+          </a:p>
+          <a:p>
+            <a:pPr lvl="1"/>
+            <a:r>
+              <a:rPr lang="pt-BR" dirty="0"/>
+              <a:t>Caso encontre este método, ela chamará este método para ser implementado.</a:t>
+            </a:r>
+          </a:p>
+        </p:txBody>
+      </p:sp>
+    </p:spTree>
+    <p:extLst>
+      <p:ext uri="{BB962C8B-B14F-4D97-AF65-F5344CB8AC3E}">
+        <p14:creationId xmlns:p14="http://schemas.microsoft.com/office/powerpoint/2010/main" val="3251903148"/>
+      </p:ext>
+    </p:extLst>
+  </p:cSld>
+  <p:clrMapOvr>
+    <a:masterClrMapping/>
+  </p:clrMapOvr>
+</p:sld>
+</file>
+
+<file path=ppt/slides/slide27.xml><?xml version="1.0" encoding="utf-8"?>
+<p:sld xmlns:a="http://schemas.openxmlformats.org/drawingml/2006/main" xmlns:r="http://schemas.openxmlformats.org/officeDocument/2006/relationships" xmlns:p="http://schemas.openxmlformats.org/presentationml/2006/main">
+  <p:cSld>
+    <p:spTree>
+      <p:nvGrpSpPr>
+        <p:cNvPr id="1" name=""/>
+        <p:cNvGrpSpPr/>
+        <p:nvPr/>
+      </p:nvGrpSpPr>
+      <p:grpSpPr>
+        <a:xfrm>
+          <a:off x="0" y="0"/>
+          <a:ext cx="0" cy="0"/>
+          <a:chOff x="0" y="0"/>
+          <a:chExt cx="0" cy="0"/>
+        </a:xfrm>
+      </p:grpSpPr>
+      <p:sp>
+        <p:nvSpPr>
+          <p:cNvPr id="4" name="Título 1">
+            <a:extLst>
+              <a:ext uri="{FF2B5EF4-FFF2-40B4-BE49-F238E27FC236}">
+                <a16:creationId xmlns:a16="http://schemas.microsoft.com/office/drawing/2014/main" id="{6C39060B-FEF0-6AA5-65E9-39A732572625}"/>
+              </a:ext>
+            </a:extLst>
+          </p:cNvPr>
+          <p:cNvSpPr>
+            <a:spLocks noGrp="1"/>
+          </p:cNvSpPr>
+          <p:nvPr>
+            <p:ph type="title"/>
+          </p:nvPr>
+        </p:nvSpPr>
+        <p:spPr>
+          <a:xfrm>
+            <a:off x="1096963" y="287338"/>
+            <a:ext cx="10058400" cy="1449387"/>
+          </a:xfrm>
+        </p:spPr>
+        <p:txBody>
+          <a:bodyPr/>
+          <a:lstStyle/>
+          <a:p>
+            <a:r>
+              <a:rPr lang="pt-BR" dirty="0"/>
+              <a:t>POLIMORFISMO</a:t>
+            </a:r>
+            <a:endParaRPr lang="pt-BR" sz="2400" dirty="0"/>
+          </a:p>
+        </p:txBody>
+      </p:sp>
+      <p:sp>
+        <p:nvSpPr>
+          <p:cNvPr id="31" name="Espaço Reservado para Conteúdo 2">
+            <a:extLst>
+              <a:ext uri="{FF2B5EF4-FFF2-40B4-BE49-F238E27FC236}">
+                <a16:creationId xmlns:a16="http://schemas.microsoft.com/office/drawing/2014/main" id="{D2061234-52CD-FFAB-42EF-8F3150325C73}"/>
+              </a:ext>
+            </a:extLst>
+          </p:cNvPr>
+          <p:cNvSpPr txBox="1">
+            <a:spLocks/>
+          </p:cNvSpPr>
+          <p:nvPr/>
+        </p:nvSpPr>
+        <p:spPr>
+          <a:xfrm>
+            <a:off x="1097279" y="1845734"/>
+            <a:ext cx="10058084" cy="4023360"/>
+          </a:xfrm>
+          <a:prstGeom prst="rect">
+            <a:avLst/>
+          </a:prstGeom>
+        </p:spPr>
+        <p:txBody>
+          <a:bodyPr vert="horz" lIns="0" tIns="45720" rIns="0" bIns="45720" rtlCol="0">
+            <a:normAutofit/>
+          </a:bodyPr>
+          <a:lstStyle>
+            <a:lvl1pPr marL="91440" indent="-91440" algn="l" defTabSz="914400" rtl="0" eaLnBrk="1" latinLnBrk="0" hangingPunct="1">
+              <a:lnSpc>
+                <a:spcPct val="90000"/>
+              </a:lnSpc>
+              <a:spcBef>
+                <a:spcPts val="1200"/>
+              </a:spcBef>
+              <a:spcAft>
+                <a:spcPts val="200"/>
+              </a:spcAft>
+              <a:buClr>
+                <a:schemeClr val="accent1"/>
+              </a:buClr>
+              <a:buSzPct val="100000"/>
+              <a:buFont typeface="Calibri" panose="020F0502020204030204" pitchFamily="34" charset="0"/>
+              <a:buChar char=" "/>
+              <a:defRPr sz="2000" kern="1200">
+                <a:solidFill>
+                  <a:schemeClr val="tx1">
+                    <a:lumMod val="75000"/>
+                    <a:lumOff val="25000"/>
+                  </a:schemeClr>
+                </a:solidFill>
+                <a:latin typeface="+mn-lt"/>
+                <a:ea typeface="+mn-ea"/>
+                <a:cs typeface="+mn-cs"/>
+              </a:defRPr>
+            </a:lvl1pPr>
+            <a:lvl2pPr marL="384048" indent="-182880" algn="l" defTabSz="914400" rtl="0" eaLnBrk="1" latinLnBrk="0" hangingPunct="1">
+              <a:lnSpc>
+                <a:spcPct val="90000"/>
+              </a:lnSpc>
+              <a:spcBef>
+                <a:spcPts val="200"/>
+              </a:spcBef>
+              <a:spcAft>
+                <a:spcPts val="400"/>
+              </a:spcAft>
+              <a:buClr>
+                <a:schemeClr val="accent1"/>
+              </a:buClr>
+              <a:buFont typeface="Calibri" pitchFamily="34" charset="0"/>
+              <a:buChar char="◦"/>
+              <a:defRPr sz="1800" kern="1200">
+                <a:solidFill>
+                  <a:schemeClr val="tx1">
+                    <a:lumMod val="75000"/>
+                    <a:lumOff val="25000"/>
+                  </a:schemeClr>
+                </a:solidFill>
+                <a:latin typeface="+mn-lt"/>
+                <a:ea typeface="+mn-ea"/>
+                <a:cs typeface="+mn-cs"/>
+              </a:defRPr>
+            </a:lvl2pPr>
+            <a:lvl3pPr marL="566928" indent="-182880" algn="l" defTabSz="914400" rtl="0" eaLnBrk="1" latinLnBrk="0" hangingPunct="1">
+              <a:lnSpc>
+                <a:spcPct val="90000"/>
+              </a:lnSpc>
+              <a:spcBef>
+                <a:spcPts val="200"/>
+              </a:spcBef>
+              <a:spcAft>
+                <a:spcPts val="400"/>
+              </a:spcAft>
+              <a:buClr>
+                <a:schemeClr val="accent1"/>
+              </a:buClr>
+              <a:buFont typeface="Calibri" pitchFamily="34" charset="0"/>
+              <a:buChar char="◦"/>
+              <a:defRPr sz="1400" kern="1200">
+                <a:solidFill>
+                  <a:schemeClr val="tx1">
+                    <a:lumMod val="75000"/>
+                    <a:lumOff val="25000"/>
+                  </a:schemeClr>
+                </a:solidFill>
+                <a:latin typeface="+mn-lt"/>
+                <a:ea typeface="+mn-ea"/>
+                <a:cs typeface="+mn-cs"/>
+              </a:defRPr>
+            </a:lvl3pPr>
+            <a:lvl4pPr marL="749808" indent="-182880" algn="l" defTabSz="914400" rtl="0" eaLnBrk="1" latinLnBrk="0" hangingPunct="1">
+              <a:lnSpc>
+                <a:spcPct val="90000"/>
+              </a:lnSpc>
+              <a:spcBef>
+                <a:spcPts val="200"/>
+              </a:spcBef>
+              <a:spcAft>
+                <a:spcPts val="400"/>
+              </a:spcAft>
+              <a:buClr>
+                <a:schemeClr val="accent1"/>
+              </a:buClr>
+              <a:buFont typeface="Calibri" pitchFamily="34" charset="0"/>
+              <a:buChar char="◦"/>
+              <a:defRPr sz="1400" kern="1200">
+                <a:solidFill>
+                  <a:schemeClr val="tx1">
+                    <a:lumMod val="75000"/>
+                    <a:lumOff val="25000"/>
+                  </a:schemeClr>
+                </a:solidFill>
+                <a:latin typeface="+mn-lt"/>
+                <a:ea typeface="+mn-ea"/>
+                <a:cs typeface="+mn-cs"/>
+              </a:defRPr>
+            </a:lvl4pPr>
+            <a:lvl5pPr marL="932688" indent="-182880" algn="l" defTabSz="914400" rtl="0" eaLnBrk="1" latinLnBrk="0" hangingPunct="1">
+              <a:lnSpc>
+                <a:spcPct val="90000"/>
+              </a:lnSpc>
+              <a:spcBef>
+                <a:spcPts val="200"/>
+              </a:spcBef>
+              <a:spcAft>
+                <a:spcPts val="400"/>
+              </a:spcAft>
+              <a:buClr>
+                <a:schemeClr val="accent1"/>
+              </a:buClr>
+              <a:buFont typeface="Calibri" pitchFamily="34" charset="0"/>
+              <a:buChar char="◦"/>
+              <a:defRPr sz="1400" kern="1200">
+                <a:solidFill>
+                  <a:schemeClr val="tx1">
+                    <a:lumMod val="75000"/>
+                    <a:lumOff val="25000"/>
+                  </a:schemeClr>
+                </a:solidFill>
+                <a:latin typeface="+mn-lt"/>
+                <a:ea typeface="+mn-ea"/>
+                <a:cs typeface="+mn-cs"/>
+              </a:defRPr>
+            </a:lvl5pPr>
+            <a:lvl6pPr marL="1100000" indent="-228600" algn="l" defTabSz="914400" rtl="0" eaLnBrk="1" latinLnBrk="0" hangingPunct="1">
+              <a:lnSpc>
+                <a:spcPct val="90000"/>
+              </a:lnSpc>
+              <a:spcBef>
+                <a:spcPts val="200"/>
+              </a:spcBef>
+              <a:spcAft>
+                <a:spcPts val="400"/>
+              </a:spcAft>
+              <a:buClr>
+                <a:schemeClr val="accent1"/>
+              </a:buClr>
+              <a:buFont typeface="Calibri" pitchFamily="34" charset="0"/>
+              <a:buChar char="◦"/>
+              <a:defRPr sz="1400" kern="1200">
+                <a:solidFill>
+                  <a:schemeClr val="tx1">
+                    <a:lumMod val="75000"/>
+                    <a:lumOff val="25000"/>
+                  </a:schemeClr>
+                </a:solidFill>
+                <a:latin typeface="+mn-lt"/>
+                <a:ea typeface="+mn-ea"/>
+                <a:cs typeface="+mn-cs"/>
+              </a:defRPr>
+            </a:lvl6pPr>
+            <a:lvl7pPr marL="1300000" indent="-228600" algn="l" defTabSz="914400" rtl="0" eaLnBrk="1" latinLnBrk="0" hangingPunct="1">
+              <a:lnSpc>
+                <a:spcPct val="90000"/>
+              </a:lnSpc>
+              <a:spcBef>
+                <a:spcPts val="200"/>
+              </a:spcBef>
+              <a:spcAft>
+                <a:spcPts val="400"/>
+              </a:spcAft>
+              <a:buClr>
+                <a:schemeClr val="accent1"/>
+              </a:buClr>
+              <a:buFont typeface="Calibri" pitchFamily="34" charset="0"/>
+              <a:buChar char="◦"/>
+              <a:defRPr sz="1400" kern="1200">
+                <a:solidFill>
+                  <a:schemeClr val="tx1">
+                    <a:lumMod val="75000"/>
+                    <a:lumOff val="25000"/>
+                  </a:schemeClr>
+                </a:solidFill>
+                <a:latin typeface="+mn-lt"/>
+                <a:ea typeface="+mn-ea"/>
+                <a:cs typeface="+mn-cs"/>
+              </a:defRPr>
+            </a:lvl7pPr>
+            <a:lvl8pPr marL="1500000" indent="-228600" algn="l" defTabSz="914400" rtl="0" eaLnBrk="1" latinLnBrk="0" hangingPunct="1">
+              <a:lnSpc>
+                <a:spcPct val="90000"/>
+              </a:lnSpc>
+              <a:spcBef>
+                <a:spcPts val="200"/>
+              </a:spcBef>
+              <a:spcAft>
+                <a:spcPts val="400"/>
+              </a:spcAft>
+              <a:buClr>
+                <a:schemeClr val="accent1"/>
+              </a:buClr>
+              <a:buFont typeface="Calibri" pitchFamily="34" charset="0"/>
+              <a:buChar char="◦"/>
+              <a:defRPr sz="1400" kern="1200">
+                <a:solidFill>
+                  <a:schemeClr val="tx1">
+                    <a:lumMod val="75000"/>
+                    <a:lumOff val="25000"/>
+                  </a:schemeClr>
+                </a:solidFill>
+                <a:latin typeface="+mn-lt"/>
+                <a:ea typeface="+mn-ea"/>
+                <a:cs typeface="+mn-cs"/>
+              </a:defRPr>
+            </a:lvl8pPr>
+            <a:lvl9pPr marL="1700000" indent="-228600" algn="l" defTabSz="914400" rtl="0" eaLnBrk="1" latinLnBrk="0" hangingPunct="1">
+              <a:lnSpc>
+                <a:spcPct val="90000"/>
+              </a:lnSpc>
+              <a:spcBef>
+                <a:spcPts val="200"/>
+              </a:spcBef>
+              <a:spcAft>
+                <a:spcPts val="400"/>
+              </a:spcAft>
+              <a:buClr>
+                <a:schemeClr val="accent1"/>
+              </a:buClr>
+              <a:buFont typeface="Calibri" pitchFamily="34" charset="0"/>
+              <a:buChar char="◦"/>
+              <a:defRPr sz="1400" kern="1200">
+                <a:solidFill>
+                  <a:schemeClr val="tx1">
+                    <a:lumMod val="75000"/>
+                    <a:lumOff val="25000"/>
+                  </a:schemeClr>
+                </a:solidFill>
+                <a:latin typeface="+mn-lt"/>
+                <a:ea typeface="+mn-ea"/>
+                <a:cs typeface="+mn-cs"/>
+              </a:defRPr>
+            </a:lvl9pPr>
+          </a:lstStyle>
+          <a:p>
+            <a:r>
+              <a:rPr lang="pt-BR" dirty="0"/>
+              <a:t>O polimorfismo pode ser classificados de duas maneiras: Sobrecarga de Método e Sobrescrita de Método.</a:t>
+            </a:r>
+          </a:p>
+          <a:p>
+            <a:r>
+              <a:rPr lang="pt-BR" b="1" dirty="0"/>
+              <a:t>Polimorfismo de Sobrecarga</a:t>
+            </a:r>
+            <a:r>
+              <a:rPr lang="pt-BR" dirty="0"/>
+              <a:t> (Sobrecarga de Método) – embora tenham vários métodos com nomes semelhantes, as suas assinaturas serão diferentes, mesmo estando dentro da mesma Classe. Chamamos isso de Sobrecarregar.</a:t>
+            </a:r>
+          </a:p>
+          <a:p>
+            <a:r>
+              <a:rPr lang="pt-BR" dirty="0"/>
+              <a:t>Veja um exemplo no próximo slide.</a:t>
+            </a:r>
+          </a:p>
+        </p:txBody>
+      </p:sp>
+    </p:spTree>
+    <p:extLst>
+      <p:ext uri="{BB962C8B-B14F-4D97-AF65-F5344CB8AC3E}">
+        <p14:creationId xmlns:p14="http://schemas.microsoft.com/office/powerpoint/2010/main" val="3718444194"/>
+      </p:ext>
+    </p:extLst>
+  </p:cSld>
+  <p:clrMapOvr>
+    <a:masterClrMapping/>
+  </p:clrMapOvr>
+</p:sld>
+</file>
+
+<file path=ppt/slides/slide28.xml><?xml version="1.0" encoding="utf-8"?>
+<p:sld xmlns:a="http://schemas.openxmlformats.org/drawingml/2006/main" xmlns:r="http://schemas.openxmlformats.org/officeDocument/2006/relationships" xmlns:p="http://schemas.openxmlformats.org/presentationml/2006/main">
+  <p:cSld>
+    <p:spTree>
+      <p:nvGrpSpPr>
+        <p:cNvPr id="1" name=""/>
+        <p:cNvGrpSpPr/>
+        <p:nvPr/>
+      </p:nvGrpSpPr>
+      <p:grpSpPr>
+        <a:xfrm>
+          <a:off x="0" y="0"/>
+          <a:ext cx="0" cy="0"/>
+          <a:chOff x="0" y="0"/>
+          <a:chExt cx="0" cy="0"/>
+        </a:xfrm>
+      </p:grpSpPr>
+      <p:sp>
+        <p:nvSpPr>
+          <p:cNvPr id="4" name="Título 1">
+            <a:extLst>
+              <a:ext uri="{FF2B5EF4-FFF2-40B4-BE49-F238E27FC236}">
+                <a16:creationId xmlns:a16="http://schemas.microsoft.com/office/drawing/2014/main" id="{6C39060B-FEF0-6AA5-65E9-39A732572625}"/>
+              </a:ext>
+            </a:extLst>
+          </p:cNvPr>
+          <p:cNvSpPr>
+            <a:spLocks noGrp="1"/>
+          </p:cNvSpPr>
+          <p:nvPr>
+            <p:ph type="title"/>
+          </p:nvPr>
+        </p:nvSpPr>
+        <p:spPr>
+          <a:xfrm>
+            <a:off x="1096963" y="287338"/>
+            <a:ext cx="10058400" cy="1449387"/>
+          </a:xfrm>
+        </p:spPr>
+        <p:txBody>
+          <a:bodyPr/>
+          <a:lstStyle/>
+          <a:p>
+            <a:r>
+              <a:rPr lang="pt-BR" dirty="0"/>
+              <a:t>POLIMORFISMO</a:t>
+            </a:r>
+            <a:endParaRPr lang="pt-BR" sz="2400" dirty="0"/>
+          </a:p>
+        </p:txBody>
+      </p:sp>
+      <p:sp>
+        <p:nvSpPr>
+          <p:cNvPr id="31" name="Espaço Reservado para Conteúdo 2">
+            <a:extLst>
+              <a:ext uri="{FF2B5EF4-FFF2-40B4-BE49-F238E27FC236}">
+                <a16:creationId xmlns:a16="http://schemas.microsoft.com/office/drawing/2014/main" id="{D2061234-52CD-FFAB-42EF-8F3150325C73}"/>
+              </a:ext>
+            </a:extLst>
+          </p:cNvPr>
+          <p:cNvSpPr txBox="1">
+            <a:spLocks/>
+          </p:cNvSpPr>
+          <p:nvPr/>
+        </p:nvSpPr>
+        <p:spPr>
+          <a:xfrm>
+            <a:off x="1097279" y="1845734"/>
+            <a:ext cx="5436871" cy="4023360"/>
+          </a:xfrm>
+          <a:prstGeom prst="rect">
+            <a:avLst/>
+          </a:prstGeom>
+        </p:spPr>
+        <p:txBody>
+          <a:bodyPr vert="horz" lIns="0" tIns="45720" rIns="0" bIns="45720" rtlCol="0">
+            <a:normAutofit/>
+          </a:bodyPr>
+          <a:lstStyle>
+            <a:lvl1pPr marL="91440" indent="-91440" algn="l" defTabSz="914400" rtl="0" eaLnBrk="1" latinLnBrk="0" hangingPunct="1">
+              <a:lnSpc>
+                <a:spcPct val="90000"/>
+              </a:lnSpc>
+              <a:spcBef>
+                <a:spcPts val="1200"/>
+              </a:spcBef>
+              <a:spcAft>
+                <a:spcPts val="200"/>
+              </a:spcAft>
+              <a:buClr>
+                <a:schemeClr val="accent1"/>
+              </a:buClr>
+              <a:buSzPct val="100000"/>
+              <a:buFont typeface="Calibri" panose="020F0502020204030204" pitchFamily="34" charset="0"/>
+              <a:buChar char=" "/>
+              <a:defRPr sz="2000" kern="1200">
+                <a:solidFill>
+                  <a:schemeClr val="tx1">
+                    <a:lumMod val="75000"/>
+                    <a:lumOff val="25000"/>
+                  </a:schemeClr>
+                </a:solidFill>
+                <a:latin typeface="+mn-lt"/>
+                <a:ea typeface="+mn-ea"/>
+                <a:cs typeface="+mn-cs"/>
+              </a:defRPr>
+            </a:lvl1pPr>
+            <a:lvl2pPr marL="384048" indent="-182880" algn="l" defTabSz="914400" rtl="0" eaLnBrk="1" latinLnBrk="0" hangingPunct="1">
+              <a:lnSpc>
+                <a:spcPct val="90000"/>
+              </a:lnSpc>
+              <a:spcBef>
+                <a:spcPts val="200"/>
+              </a:spcBef>
+              <a:spcAft>
+                <a:spcPts val="400"/>
+              </a:spcAft>
+              <a:buClr>
+                <a:schemeClr val="accent1"/>
+              </a:buClr>
+              <a:buFont typeface="Calibri" pitchFamily="34" charset="0"/>
+              <a:buChar char="◦"/>
+              <a:defRPr sz="1800" kern="1200">
+                <a:solidFill>
+                  <a:schemeClr val="tx1">
+                    <a:lumMod val="75000"/>
+                    <a:lumOff val="25000"/>
+                  </a:schemeClr>
+                </a:solidFill>
+                <a:latin typeface="+mn-lt"/>
+                <a:ea typeface="+mn-ea"/>
+                <a:cs typeface="+mn-cs"/>
+              </a:defRPr>
+            </a:lvl2pPr>
+            <a:lvl3pPr marL="566928" indent="-182880" algn="l" defTabSz="914400" rtl="0" eaLnBrk="1" latinLnBrk="0" hangingPunct="1">
+              <a:lnSpc>
+                <a:spcPct val="90000"/>
+              </a:lnSpc>
+              <a:spcBef>
+                <a:spcPts val="200"/>
+              </a:spcBef>
+              <a:spcAft>
+                <a:spcPts val="400"/>
+              </a:spcAft>
+              <a:buClr>
+                <a:schemeClr val="accent1"/>
+              </a:buClr>
+              <a:buFont typeface="Calibri" pitchFamily="34" charset="0"/>
+              <a:buChar char="◦"/>
+              <a:defRPr sz="1400" kern="1200">
+                <a:solidFill>
+                  <a:schemeClr val="tx1">
+                    <a:lumMod val="75000"/>
+                    <a:lumOff val="25000"/>
+                  </a:schemeClr>
+                </a:solidFill>
+                <a:latin typeface="+mn-lt"/>
+                <a:ea typeface="+mn-ea"/>
+                <a:cs typeface="+mn-cs"/>
+              </a:defRPr>
+            </a:lvl3pPr>
+            <a:lvl4pPr marL="749808" indent="-182880" algn="l" defTabSz="914400" rtl="0" eaLnBrk="1" latinLnBrk="0" hangingPunct="1">
+              <a:lnSpc>
+                <a:spcPct val="90000"/>
+              </a:lnSpc>
+              <a:spcBef>
+                <a:spcPts val="200"/>
+              </a:spcBef>
+              <a:spcAft>
+                <a:spcPts val="400"/>
+              </a:spcAft>
+              <a:buClr>
+                <a:schemeClr val="accent1"/>
+              </a:buClr>
+              <a:buFont typeface="Calibri" pitchFamily="34" charset="0"/>
+              <a:buChar char="◦"/>
+              <a:defRPr sz="1400" kern="1200">
+                <a:solidFill>
+                  <a:schemeClr val="tx1">
+                    <a:lumMod val="75000"/>
+                    <a:lumOff val="25000"/>
+                  </a:schemeClr>
+                </a:solidFill>
+                <a:latin typeface="+mn-lt"/>
+                <a:ea typeface="+mn-ea"/>
+                <a:cs typeface="+mn-cs"/>
+              </a:defRPr>
+            </a:lvl4pPr>
+            <a:lvl5pPr marL="932688" indent="-182880" algn="l" defTabSz="914400" rtl="0" eaLnBrk="1" latinLnBrk="0" hangingPunct="1">
+              <a:lnSpc>
+                <a:spcPct val="90000"/>
+              </a:lnSpc>
+              <a:spcBef>
+                <a:spcPts val="200"/>
+              </a:spcBef>
+              <a:spcAft>
+                <a:spcPts val="400"/>
+              </a:spcAft>
+              <a:buClr>
+                <a:schemeClr val="accent1"/>
+              </a:buClr>
+              <a:buFont typeface="Calibri" pitchFamily="34" charset="0"/>
+              <a:buChar char="◦"/>
+              <a:defRPr sz="1400" kern="1200">
+                <a:solidFill>
+                  <a:schemeClr val="tx1">
+                    <a:lumMod val="75000"/>
+                    <a:lumOff val="25000"/>
+                  </a:schemeClr>
+                </a:solidFill>
+                <a:latin typeface="+mn-lt"/>
+                <a:ea typeface="+mn-ea"/>
+                <a:cs typeface="+mn-cs"/>
+              </a:defRPr>
+            </a:lvl5pPr>
+            <a:lvl6pPr marL="1100000" indent="-228600" algn="l" defTabSz="914400" rtl="0" eaLnBrk="1" latinLnBrk="0" hangingPunct="1">
+              <a:lnSpc>
+                <a:spcPct val="90000"/>
+              </a:lnSpc>
+              <a:spcBef>
+                <a:spcPts val="200"/>
+              </a:spcBef>
+              <a:spcAft>
+                <a:spcPts val="400"/>
+              </a:spcAft>
+              <a:buClr>
+                <a:schemeClr val="accent1"/>
+              </a:buClr>
+              <a:buFont typeface="Calibri" pitchFamily="34" charset="0"/>
+              <a:buChar char="◦"/>
+              <a:defRPr sz="1400" kern="1200">
+                <a:solidFill>
+                  <a:schemeClr val="tx1">
+                    <a:lumMod val="75000"/>
+                    <a:lumOff val="25000"/>
+                  </a:schemeClr>
+                </a:solidFill>
+                <a:latin typeface="+mn-lt"/>
+                <a:ea typeface="+mn-ea"/>
+                <a:cs typeface="+mn-cs"/>
+              </a:defRPr>
+            </a:lvl6pPr>
+            <a:lvl7pPr marL="1300000" indent="-228600" algn="l" defTabSz="914400" rtl="0" eaLnBrk="1" latinLnBrk="0" hangingPunct="1">
+              <a:lnSpc>
+                <a:spcPct val="90000"/>
+              </a:lnSpc>
+              <a:spcBef>
+                <a:spcPts val="200"/>
+              </a:spcBef>
+              <a:spcAft>
+                <a:spcPts val="400"/>
+              </a:spcAft>
+              <a:buClr>
+                <a:schemeClr val="accent1"/>
+              </a:buClr>
+              <a:buFont typeface="Calibri" pitchFamily="34" charset="0"/>
+              <a:buChar char="◦"/>
+              <a:defRPr sz="1400" kern="1200">
+                <a:solidFill>
+                  <a:schemeClr val="tx1">
+                    <a:lumMod val="75000"/>
+                    <a:lumOff val="25000"/>
+                  </a:schemeClr>
+                </a:solidFill>
+                <a:latin typeface="+mn-lt"/>
+                <a:ea typeface="+mn-ea"/>
+                <a:cs typeface="+mn-cs"/>
+              </a:defRPr>
+            </a:lvl7pPr>
+            <a:lvl8pPr marL="1500000" indent="-228600" algn="l" defTabSz="914400" rtl="0" eaLnBrk="1" latinLnBrk="0" hangingPunct="1">
+              <a:lnSpc>
+                <a:spcPct val="90000"/>
+              </a:lnSpc>
+              <a:spcBef>
+                <a:spcPts val="200"/>
+              </a:spcBef>
+              <a:spcAft>
+                <a:spcPts val="400"/>
+              </a:spcAft>
+              <a:buClr>
+                <a:schemeClr val="accent1"/>
+              </a:buClr>
+              <a:buFont typeface="Calibri" pitchFamily="34" charset="0"/>
+              <a:buChar char="◦"/>
+              <a:defRPr sz="1400" kern="1200">
+                <a:solidFill>
+                  <a:schemeClr val="tx1">
+                    <a:lumMod val="75000"/>
+                    <a:lumOff val="25000"/>
+                  </a:schemeClr>
+                </a:solidFill>
+                <a:latin typeface="+mn-lt"/>
+                <a:ea typeface="+mn-ea"/>
+                <a:cs typeface="+mn-cs"/>
+              </a:defRPr>
+            </a:lvl8pPr>
+            <a:lvl9pPr marL="1700000" indent="-228600" algn="l" defTabSz="914400" rtl="0" eaLnBrk="1" latinLnBrk="0" hangingPunct="1">
+              <a:lnSpc>
+                <a:spcPct val="90000"/>
+              </a:lnSpc>
+              <a:spcBef>
+                <a:spcPts val="200"/>
+              </a:spcBef>
+              <a:spcAft>
+                <a:spcPts val="400"/>
+              </a:spcAft>
+              <a:buClr>
+                <a:schemeClr val="accent1"/>
+              </a:buClr>
+              <a:buFont typeface="Calibri" pitchFamily="34" charset="0"/>
+              <a:buChar char="◦"/>
+              <a:defRPr sz="1400" kern="1200">
+                <a:solidFill>
+                  <a:schemeClr val="tx1">
+                    <a:lumMod val="75000"/>
+                    <a:lumOff val="25000"/>
+                  </a:schemeClr>
+                </a:solidFill>
+                <a:latin typeface="+mn-lt"/>
+                <a:ea typeface="+mn-ea"/>
+                <a:cs typeface="+mn-cs"/>
+              </a:defRPr>
+            </a:lvl9pPr>
+          </a:lstStyle>
+          <a:p>
+            <a:r>
+              <a:rPr lang="pt-BR" dirty="0"/>
+              <a:t> </a:t>
+            </a:r>
+            <a:r>
+              <a:rPr lang="pt-BR" dirty="0">
+                <a:solidFill>
+                  <a:srgbClr val="FF0000"/>
+                </a:solidFill>
+              </a:rPr>
+              <a:t>public</a:t>
+            </a:r>
+            <a:r>
+              <a:rPr lang="pt-BR" dirty="0"/>
+              <a:t> class Transporte {</a:t>
+            </a:r>
+          </a:p>
+          <a:p>
+            <a:r>
+              <a:rPr lang="pt-BR" dirty="0"/>
+              <a:t> 	</a:t>
+            </a:r>
+            <a:r>
+              <a:rPr lang="pt-BR" dirty="0">
+                <a:solidFill>
+                  <a:srgbClr val="FF0000"/>
+                </a:solidFill>
+              </a:rPr>
+              <a:t>private</a:t>
+            </a:r>
+            <a:r>
+              <a:rPr lang="pt-BR" dirty="0"/>
+              <a:t> int capacidade;</a:t>
+            </a:r>
+          </a:p>
+          <a:p>
+            <a:r>
+              <a:rPr lang="pt-BR" dirty="0"/>
+              <a:t> 	</a:t>
+            </a:r>
+            <a:r>
+              <a:rPr lang="pt-BR" dirty="0">
+                <a:solidFill>
+                  <a:srgbClr val="00B050"/>
+                </a:solidFill>
+              </a:rPr>
+              <a:t>/* Método Construtor com parâmetros  */</a:t>
+            </a:r>
+          </a:p>
+          <a:p>
+            <a:r>
+              <a:rPr lang="pt-BR" dirty="0"/>
+              <a:t> 	</a:t>
+            </a:r>
+            <a:r>
+              <a:rPr lang="pt-BR" dirty="0">
+                <a:solidFill>
+                  <a:srgbClr val="FF0000"/>
+                </a:solidFill>
+              </a:rPr>
+              <a:t>public</a:t>
+            </a:r>
+            <a:r>
+              <a:rPr lang="pt-BR" dirty="0"/>
+              <a:t> Transporte(int capacidade) {</a:t>
+            </a:r>
+          </a:p>
+          <a:p>
+            <a:r>
+              <a:rPr lang="pt-BR" dirty="0"/>
+              <a:t> 		this.capacidade = capacidade;</a:t>
+            </a:r>
+          </a:p>
+          <a:p>
+            <a:r>
+              <a:rPr lang="pt-BR" dirty="0"/>
+              <a:t> 	}</a:t>
+            </a:r>
+          </a:p>
+          <a:p>
+            <a:r>
+              <a:rPr lang="pt-BR" dirty="0"/>
+              <a:t> 	</a:t>
+            </a:r>
+            <a:r>
+              <a:rPr lang="pt-BR" dirty="0">
+                <a:solidFill>
+                  <a:srgbClr val="00B050"/>
+                </a:solidFill>
+              </a:rPr>
+              <a:t>/* Método Construtor sem parâmetro */</a:t>
+            </a:r>
+          </a:p>
+          <a:p>
+            <a:r>
+              <a:rPr lang="pt-BR" dirty="0"/>
+              <a:t> 	</a:t>
+            </a:r>
+            <a:r>
+              <a:rPr lang="pt-BR" dirty="0">
+                <a:solidFill>
+                  <a:srgbClr val="FF0000"/>
+                </a:solidFill>
+              </a:rPr>
+              <a:t>public</a:t>
+            </a:r>
+            <a:r>
+              <a:rPr lang="pt-BR" dirty="0"/>
+              <a:t> Transporte() { }</a:t>
+            </a:r>
+          </a:p>
+          <a:p>
+            <a:r>
+              <a:rPr lang="pt-BR" dirty="0"/>
+              <a:t>}</a:t>
+            </a:r>
+          </a:p>
+        </p:txBody>
+      </p:sp>
+      <p:sp>
+        <p:nvSpPr>
+          <p:cNvPr id="2" name="Espaço Reservado para Conteúdo 2">
+            <a:extLst>
+              <a:ext uri="{FF2B5EF4-FFF2-40B4-BE49-F238E27FC236}">
+                <a16:creationId xmlns:a16="http://schemas.microsoft.com/office/drawing/2014/main" id="{51F8588E-52DD-3FAD-E3D0-EFD8F41C84D9}"/>
+              </a:ext>
+            </a:extLst>
+          </p:cNvPr>
+          <p:cNvSpPr txBox="1">
+            <a:spLocks/>
+          </p:cNvSpPr>
+          <p:nvPr/>
+        </p:nvSpPr>
+        <p:spPr>
+          <a:xfrm>
+            <a:off x="6534150" y="1845734"/>
+            <a:ext cx="5436871" cy="4023360"/>
+          </a:xfrm>
+          <a:prstGeom prst="rect">
+            <a:avLst/>
+          </a:prstGeom>
+        </p:spPr>
+        <p:txBody>
+          <a:bodyPr vert="horz" lIns="0" tIns="45720" rIns="0" bIns="45720" rtlCol="0">
+            <a:normAutofit/>
+          </a:bodyPr>
+          <a:lstStyle>
+            <a:lvl1pPr marL="91440" indent="-91440" algn="l" defTabSz="914400" rtl="0" eaLnBrk="1" latinLnBrk="0" hangingPunct="1">
+              <a:lnSpc>
+                <a:spcPct val="90000"/>
+              </a:lnSpc>
+              <a:spcBef>
+                <a:spcPts val="1200"/>
+              </a:spcBef>
+              <a:spcAft>
+                <a:spcPts val="200"/>
+              </a:spcAft>
+              <a:buClr>
+                <a:schemeClr val="accent1"/>
+              </a:buClr>
+              <a:buSzPct val="100000"/>
+              <a:buFont typeface="Calibri" panose="020F0502020204030204" pitchFamily="34" charset="0"/>
+              <a:buChar char=" "/>
+              <a:defRPr sz="2000" kern="1200">
+                <a:solidFill>
+                  <a:schemeClr val="tx1">
+                    <a:lumMod val="75000"/>
+                    <a:lumOff val="25000"/>
+                  </a:schemeClr>
+                </a:solidFill>
+                <a:latin typeface="+mn-lt"/>
+                <a:ea typeface="+mn-ea"/>
+                <a:cs typeface="+mn-cs"/>
+              </a:defRPr>
+            </a:lvl1pPr>
+            <a:lvl2pPr marL="384048" indent="-182880" algn="l" defTabSz="914400" rtl="0" eaLnBrk="1" latinLnBrk="0" hangingPunct="1">
+              <a:lnSpc>
+                <a:spcPct val="90000"/>
+              </a:lnSpc>
+              <a:spcBef>
+                <a:spcPts val="200"/>
+              </a:spcBef>
+              <a:spcAft>
+                <a:spcPts val="400"/>
+              </a:spcAft>
+              <a:buClr>
+                <a:schemeClr val="accent1"/>
+              </a:buClr>
+              <a:buFont typeface="Calibri" pitchFamily="34" charset="0"/>
+              <a:buChar char="◦"/>
+              <a:defRPr sz="1800" kern="1200">
+                <a:solidFill>
+                  <a:schemeClr val="tx1">
+                    <a:lumMod val="75000"/>
+                    <a:lumOff val="25000"/>
+                  </a:schemeClr>
+                </a:solidFill>
+                <a:latin typeface="+mn-lt"/>
+                <a:ea typeface="+mn-ea"/>
+                <a:cs typeface="+mn-cs"/>
+              </a:defRPr>
+            </a:lvl2pPr>
+            <a:lvl3pPr marL="566928" indent="-182880" algn="l" defTabSz="914400" rtl="0" eaLnBrk="1" latinLnBrk="0" hangingPunct="1">
+              <a:lnSpc>
+                <a:spcPct val="90000"/>
+              </a:lnSpc>
+              <a:spcBef>
+                <a:spcPts val="200"/>
+              </a:spcBef>
+              <a:spcAft>
+                <a:spcPts val="400"/>
+              </a:spcAft>
+              <a:buClr>
+                <a:schemeClr val="accent1"/>
+              </a:buClr>
+              <a:buFont typeface="Calibri" pitchFamily="34" charset="0"/>
+              <a:buChar char="◦"/>
+              <a:defRPr sz="1400" kern="1200">
+                <a:solidFill>
+                  <a:schemeClr val="tx1">
+                    <a:lumMod val="75000"/>
+                    <a:lumOff val="25000"/>
+                  </a:schemeClr>
+                </a:solidFill>
+                <a:latin typeface="+mn-lt"/>
+                <a:ea typeface="+mn-ea"/>
+                <a:cs typeface="+mn-cs"/>
+              </a:defRPr>
+            </a:lvl3pPr>
+            <a:lvl4pPr marL="749808" indent="-182880" algn="l" defTabSz="914400" rtl="0" eaLnBrk="1" latinLnBrk="0" hangingPunct="1">
+              <a:lnSpc>
+                <a:spcPct val="90000"/>
+              </a:lnSpc>
+              <a:spcBef>
+                <a:spcPts val="200"/>
+              </a:spcBef>
+              <a:spcAft>
+                <a:spcPts val="400"/>
+              </a:spcAft>
+              <a:buClr>
+                <a:schemeClr val="accent1"/>
+              </a:buClr>
+              <a:buFont typeface="Calibri" pitchFamily="34" charset="0"/>
+              <a:buChar char="◦"/>
+              <a:defRPr sz="1400" kern="1200">
+                <a:solidFill>
+                  <a:schemeClr val="tx1">
+                    <a:lumMod val="75000"/>
+                    <a:lumOff val="25000"/>
+                  </a:schemeClr>
+                </a:solidFill>
+                <a:latin typeface="+mn-lt"/>
+                <a:ea typeface="+mn-ea"/>
+                <a:cs typeface="+mn-cs"/>
+              </a:defRPr>
+            </a:lvl4pPr>
+            <a:lvl5pPr marL="932688" indent="-182880" algn="l" defTabSz="914400" rtl="0" eaLnBrk="1" latinLnBrk="0" hangingPunct="1">
+              <a:lnSpc>
+                <a:spcPct val="90000"/>
+              </a:lnSpc>
+              <a:spcBef>
+                <a:spcPts val="200"/>
+              </a:spcBef>
+              <a:spcAft>
+                <a:spcPts val="400"/>
+              </a:spcAft>
+              <a:buClr>
+                <a:schemeClr val="accent1"/>
+              </a:buClr>
+              <a:buFont typeface="Calibri" pitchFamily="34" charset="0"/>
+              <a:buChar char="◦"/>
+              <a:defRPr sz="1400" kern="1200">
+                <a:solidFill>
+                  <a:schemeClr val="tx1">
+                    <a:lumMod val="75000"/>
+                    <a:lumOff val="25000"/>
+                  </a:schemeClr>
+                </a:solidFill>
+                <a:latin typeface="+mn-lt"/>
+                <a:ea typeface="+mn-ea"/>
+                <a:cs typeface="+mn-cs"/>
+              </a:defRPr>
+            </a:lvl5pPr>
+            <a:lvl6pPr marL="1100000" indent="-228600" algn="l" defTabSz="914400" rtl="0" eaLnBrk="1" latinLnBrk="0" hangingPunct="1">
+              <a:lnSpc>
+                <a:spcPct val="90000"/>
+              </a:lnSpc>
+              <a:spcBef>
+                <a:spcPts val="200"/>
+              </a:spcBef>
+              <a:spcAft>
+                <a:spcPts val="400"/>
+              </a:spcAft>
+              <a:buClr>
+                <a:schemeClr val="accent1"/>
+              </a:buClr>
+              <a:buFont typeface="Calibri" pitchFamily="34" charset="0"/>
+              <a:buChar char="◦"/>
+              <a:defRPr sz="1400" kern="1200">
+                <a:solidFill>
+                  <a:schemeClr val="tx1">
+                    <a:lumMod val="75000"/>
+                    <a:lumOff val="25000"/>
+                  </a:schemeClr>
+                </a:solidFill>
+                <a:latin typeface="+mn-lt"/>
+                <a:ea typeface="+mn-ea"/>
+                <a:cs typeface="+mn-cs"/>
+              </a:defRPr>
+            </a:lvl6pPr>
+            <a:lvl7pPr marL="1300000" indent="-228600" algn="l" defTabSz="914400" rtl="0" eaLnBrk="1" latinLnBrk="0" hangingPunct="1">
+              <a:lnSpc>
+                <a:spcPct val="90000"/>
+              </a:lnSpc>
+              <a:spcBef>
+                <a:spcPts val="200"/>
+              </a:spcBef>
+              <a:spcAft>
+                <a:spcPts val="400"/>
+              </a:spcAft>
+              <a:buClr>
+                <a:schemeClr val="accent1"/>
+              </a:buClr>
+              <a:buFont typeface="Calibri" pitchFamily="34" charset="0"/>
+              <a:buChar char="◦"/>
+              <a:defRPr sz="1400" kern="1200">
+                <a:solidFill>
+                  <a:schemeClr val="tx1">
+                    <a:lumMod val="75000"/>
+                    <a:lumOff val="25000"/>
+                  </a:schemeClr>
+                </a:solidFill>
+                <a:latin typeface="+mn-lt"/>
+                <a:ea typeface="+mn-ea"/>
+                <a:cs typeface="+mn-cs"/>
+              </a:defRPr>
+            </a:lvl7pPr>
+            <a:lvl8pPr marL="1500000" indent="-228600" algn="l" defTabSz="914400" rtl="0" eaLnBrk="1" latinLnBrk="0" hangingPunct="1">
+              <a:lnSpc>
+                <a:spcPct val="90000"/>
+              </a:lnSpc>
+              <a:spcBef>
+                <a:spcPts val="200"/>
+              </a:spcBef>
+              <a:spcAft>
+                <a:spcPts val="400"/>
+              </a:spcAft>
+              <a:buClr>
+                <a:schemeClr val="accent1"/>
+              </a:buClr>
+              <a:buFont typeface="Calibri" pitchFamily="34" charset="0"/>
+              <a:buChar char="◦"/>
+              <a:defRPr sz="1400" kern="1200">
+                <a:solidFill>
+                  <a:schemeClr val="tx1">
+                    <a:lumMod val="75000"/>
+                    <a:lumOff val="25000"/>
+                  </a:schemeClr>
+                </a:solidFill>
+                <a:latin typeface="+mn-lt"/>
+                <a:ea typeface="+mn-ea"/>
+                <a:cs typeface="+mn-cs"/>
+              </a:defRPr>
+            </a:lvl8pPr>
+            <a:lvl9pPr marL="1700000" indent="-228600" algn="l" defTabSz="914400" rtl="0" eaLnBrk="1" latinLnBrk="0" hangingPunct="1">
+              <a:lnSpc>
+                <a:spcPct val="90000"/>
+              </a:lnSpc>
+              <a:spcBef>
+                <a:spcPts val="200"/>
+              </a:spcBef>
+              <a:spcAft>
+                <a:spcPts val="400"/>
+              </a:spcAft>
+              <a:buClr>
+                <a:schemeClr val="accent1"/>
+              </a:buClr>
+              <a:buFont typeface="Calibri" pitchFamily="34" charset="0"/>
+              <a:buChar char="◦"/>
+              <a:defRPr sz="1400" kern="1200">
+                <a:solidFill>
+                  <a:schemeClr val="tx1">
+                    <a:lumMod val="75000"/>
+                    <a:lumOff val="25000"/>
+                  </a:schemeClr>
+                </a:solidFill>
+                <a:latin typeface="+mn-lt"/>
+                <a:ea typeface="+mn-ea"/>
+                <a:cs typeface="+mn-cs"/>
+              </a:defRPr>
+            </a:lvl9pPr>
+          </a:lstStyle>
+          <a:p>
+            <a:r>
+              <a:rPr lang="pt-BR" dirty="0"/>
+              <a:t> </a:t>
+            </a:r>
+            <a:r>
+              <a:rPr lang="pt-BR" dirty="0">
+                <a:solidFill>
+                  <a:srgbClr val="FF0000"/>
+                </a:solidFill>
+              </a:rPr>
+              <a:t>public</a:t>
+            </a:r>
+            <a:r>
+              <a:rPr lang="pt-BR" dirty="0"/>
+              <a:t> class Transporte {</a:t>
+            </a:r>
+          </a:p>
+          <a:p>
+            <a:r>
+              <a:rPr lang="pt-BR" dirty="0"/>
+              <a:t> 	</a:t>
+            </a:r>
+            <a:r>
+              <a:rPr lang="pt-BR" dirty="0">
+                <a:solidFill>
+                  <a:srgbClr val="FF0000"/>
+                </a:solidFill>
+              </a:rPr>
+              <a:t>private</a:t>
+            </a:r>
+            <a:r>
+              <a:rPr lang="pt-BR" dirty="0"/>
+              <a:t> int capacidade;</a:t>
+            </a:r>
+          </a:p>
+          <a:p>
+            <a:r>
+              <a:rPr lang="pt-BR" dirty="0"/>
+              <a:t> 	</a:t>
+            </a:r>
+            <a:r>
+              <a:rPr lang="pt-BR" dirty="0">
+                <a:solidFill>
+                  <a:srgbClr val="00B050"/>
+                </a:solidFill>
+              </a:rPr>
+              <a:t>/* Método Construtor com parâmetros  */</a:t>
+            </a:r>
+          </a:p>
+          <a:p>
+            <a:r>
+              <a:rPr lang="pt-BR" dirty="0"/>
+              <a:t> 	</a:t>
+            </a:r>
+            <a:r>
+              <a:rPr lang="pt-BR" dirty="0">
+                <a:solidFill>
+                  <a:srgbClr val="FF0000"/>
+                </a:solidFill>
+              </a:rPr>
+              <a:t>public</a:t>
+            </a:r>
+            <a:r>
+              <a:rPr lang="pt-BR" dirty="0"/>
+              <a:t> Transporte(int capacidade) {</a:t>
+            </a:r>
+          </a:p>
+          <a:p>
+            <a:r>
+              <a:rPr lang="pt-BR" dirty="0"/>
+              <a:t> 		this.capacidade = capacidade;</a:t>
+            </a:r>
+          </a:p>
+          <a:p>
+            <a:r>
+              <a:rPr lang="pt-BR" dirty="0"/>
+              <a:t> 	}</a:t>
+            </a:r>
+          </a:p>
+          <a:p>
+            <a:r>
+              <a:rPr lang="pt-BR" dirty="0"/>
+              <a:t> 	</a:t>
+            </a:r>
+            <a:r>
+              <a:rPr lang="pt-BR" dirty="0">
+                <a:solidFill>
+                  <a:srgbClr val="00B050"/>
+                </a:solidFill>
+              </a:rPr>
+              <a:t>/* Método Construtor sem parâmetro */</a:t>
+            </a:r>
+          </a:p>
+          <a:p>
+            <a:r>
+              <a:rPr lang="pt-BR" dirty="0"/>
+              <a:t> 	</a:t>
+            </a:r>
+            <a:r>
+              <a:rPr lang="pt-BR" dirty="0">
+                <a:solidFill>
+                  <a:srgbClr val="FF0000"/>
+                </a:solidFill>
+              </a:rPr>
+              <a:t>public</a:t>
+            </a:r>
+            <a:r>
+              <a:rPr lang="pt-BR" dirty="0"/>
+              <a:t> Transporte() { }</a:t>
+            </a:r>
+          </a:p>
+          <a:p>
+            <a:r>
+              <a:rPr lang="pt-BR" dirty="0"/>
+              <a:t>}</a:t>
+            </a:r>
+          </a:p>
+        </p:txBody>
+      </p:sp>
+    </p:spTree>
+    <p:extLst>
+      <p:ext uri="{BB962C8B-B14F-4D97-AF65-F5344CB8AC3E}">
+        <p14:creationId xmlns:p14="http://schemas.microsoft.com/office/powerpoint/2010/main" val="4094853416"/>
+      </p:ext>
+    </p:extLst>
+  </p:cSld>
+  <p:clrMapOvr>
+    <a:masterClrMapping/>
+  </p:clrMapOvr>
+</p:sld>
+</file>
+
+<file path=ppt/slides/slide29.xml><?xml version="1.0" encoding="utf-8"?>
+<p:sld xmlns:a="http://schemas.openxmlformats.org/drawingml/2006/main" xmlns:r="http://schemas.openxmlformats.org/officeDocument/2006/relationships" xmlns:p="http://schemas.openxmlformats.org/presentationml/2006/main">
+  <p:cSld>
+    <p:spTree>
+      <p:nvGrpSpPr>
+        <p:cNvPr id="1" name=""/>
+        <p:cNvGrpSpPr/>
+        <p:nvPr/>
+      </p:nvGrpSpPr>
+      <p:grpSpPr>
+        <a:xfrm>
+          <a:off x="0" y="0"/>
+          <a:ext cx="0" cy="0"/>
+          <a:chOff x="0" y="0"/>
+          <a:chExt cx="0" cy="0"/>
+        </a:xfrm>
+      </p:grpSpPr>
+      <p:sp>
+        <p:nvSpPr>
+          <p:cNvPr id="2" name="Título 1">
+            <a:extLst>
+              <a:ext uri="{FF2B5EF4-FFF2-40B4-BE49-F238E27FC236}">
+                <a16:creationId xmlns:a16="http://schemas.microsoft.com/office/drawing/2014/main" id="{C918661C-2083-9C4D-73B7-20B768BAD7D9}"/>
+              </a:ext>
+            </a:extLst>
+          </p:cNvPr>
+          <p:cNvSpPr>
+            <a:spLocks noGrp="1"/>
+          </p:cNvSpPr>
+          <p:nvPr>
+            <p:ph type="title"/>
+          </p:nvPr>
+        </p:nvSpPr>
+        <p:spPr/>
+        <p:txBody>
+          <a:bodyPr/>
+          <a:lstStyle/>
+          <a:p>
+            <a:r>
+              <a:rPr lang="pt-BR" dirty="0"/>
+              <a:t>Atividade de Hoje</a:t>
+            </a:r>
+          </a:p>
+        </p:txBody>
+      </p:sp>
+      <p:sp>
+        <p:nvSpPr>
+          <p:cNvPr id="3" name="Espaço Reservado para Conteúdo 2">
+            <a:extLst>
+              <a:ext uri="{FF2B5EF4-FFF2-40B4-BE49-F238E27FC236}">
+                <a16:creationId xmlns:a16="http://schemas.microsoft.com/office/drawing/2014/main" id="{AA97E504-545A-6B62-3668-64BBE4769FF6}"/>
+              </a:ext>
+            </a:extLst>
+          </p:cNvPr>
+          <p:cNvSpPr>
+            <a:spLocks noGrp="1"/>
+          </p:cNvSpPr>
+          <p:nvPr>
+            <p:ph idx="1"/>
+          </p:nvPr>
+        </p:nvSpPr>
+        <p:spPr/>
+        <p:txBody>
+          <a:bodyPr/>
+          <a:lstStyle/>
+          <a:p>
+            <a:r>
+              <a:rPr lang="pt-BR" dirty="0"/>
+              <a:t>Buscar exemplos de como implementar a Herança em Java.</a:t>
+            </a:r>
+          </a:p>
+        </p:txBody>
+      </p:sp>
+    </p:spTree>
+    <p:extLst>
+      <p:ext uri="{BB962C8B-B14F-4D97-AF65-F5344CB8AC3E}">
+        <p14:creationId xmlns:p14="http://schemas.microsoft.com/office/powerpoint/2010/main" val="1728503806"/>
+      </p:ext>
+    </p:extLst>
+  </p:cSld>
+  <p:clrMapOvr>
+    <a:masterClrMapping/>
+  </p:clrMapOvr>
+</p:sld>
+</file>
+
 <file path=ppt/slides/slide3.xml><?xml version="1.0" encoding="utf-8"?>
 <p:sld xmlns:a="http://schemas.openxmlformats.org/drawingml/2006/main" xmlns:r="http://schemas.openxmlformats.org/officeDocument/2006/relationships" xmlns:p="http://schemas.openxmlformats.org/presentationml/2006/main">
   <p:cSld>
@@ -6563,6 +16060,122 @@
     <p:extLst>
       <p:ext uri="{BB962C8B-B14F-4D97-AF65-F5344CB8AC3E}">
         <p14:creationId xmlns:p14="http://schemas.microsoft.com/office/powerpoint/2010/main" val="3313969757"/>
+      </p:ext>
+    </p:extLst>
+  </p:cSld>
+  <p:clrMapOvr>
+    <a:masterClrMapping/>
+  </p:clrMapOvr>
+</p:sld>
+</file>
+
+<file path=ppt/slides/slide30.xml><?xml version="1.0" encoding="utf-8"?>
+<p:sld xmlns:a="http://schemas.openxmlformats.org/drawingml/2006/main" xmlns:r="http://schemas.openxmlformats.org/officeDocument/2006/relationships" xmlns:p="http://schemas.openxmlformats.org/presentationml/2006/main">
+  <p:cSld>
+    <p:spTree>
+      <p:nvGrpSpPr>
+        <p:cNvPr id="1" name=""/>
+        <p:cNvGrpSpPr/>
+        <p:nvPr/>
+      </p:nvGrpSpPr>
+      <p:grpSpPr>
+        <a:xfrm>
+          <a:off x="0" y="0"/>
+          <a:ext cx="0" cy="0"/>
+          <a:chOff x="0" y="0"/>
+          <a:chExt cx="0" cy="0"/>
+        </a:xfrm>
+      </p:grpSpPr>
+      <p:sp>
+        <p:nvSpPr>
+          <p:cNvPr id="2" name="Título 1">
+            <a:extLst>
+              <a:ext uri="{FF2B5EF4-FFF2-40B4-BE49-F238E27FC236}">
+                <a16:creationId xmlns:a16="http://schemas.microsoft.com/office/drawing/2014/main" id="{AC177F44-D2EF-9C62-FCE4-DBBAFBC43A44}"/>
+              </a:ext>
+            </a:extLst>
+          </p:cNvPr>
+          <p:cNvSpPr>
+            <a:spLocks noGrp="1"/>
+          </p:cNvSpPr>
+          <p:nvPr>
+            <p:ph type="title"/>
+          </p:nvPr>
+        </p:nvSpPr>
+        <p:spPr/>
+        <p:txBody>
+          <a:bodyPr/>
+          <a:lstStyle/>
+          <a:p>
+            <a:r>
+              <a:rPr lang="pt-BR" dirty="0"/>
+              <a:t>REFERÊNCIAS </a:t>
+            </a:r>
+          </a:p>
+        </p:txBody>
+      </p:sp>
+      <p:sp>
+        <p:nvSpPr>
+          <p:cNvPr id="3" name="Espaço Reservado para Conteúdo 2">
+            <a:extLst>
+              <a:ext uri="{FF2B5EF4-FFF2-40B4-BE49-F238E27FC236}">
+                <a16:creationId xmlns:a16="http://schemas.microsoft.com/office/drawing/2014/main" id="{D424A8A3-35FB-4ADE-1E4D-02355E4310E3}"/>
+              </a:ext>
+            </a:extLst>
+          </p:cNvPr>
+          <p:cNvSpPr>
+            <a:spLocks noGrp="1"/>
+          </p:cNvSpPr>
+          <p:nvPr>
+            <p:ph idx="1"/>
+          </p:nvPr>
+        </p:nvSpPr>
+        <p:spPr/>
+        <p:txBody>
+          <a:bodyPr/>
+          <a:lstStyle/>
+          <a:p>
+            <a:r>
+              <a:rPr lang="pt-BR" b="1" dirty="0"/>
+              <a:t>Relacionamento entre Classes:</a:t>
+            </a:r>
+          </a:p>
+          <a:p>
+            <a:r>
+              <a:rPr lang="pt-BR" dirty="0"/>
+              <a:t>https://www.professorvida.com.br/if62c/material/relacionamentos.pdf</a:t>
+            </a:r>
+          </a:p>
+          <a:p>
+            <a:r>
+              <a:rPr lang="pt-BR" dirty="0"/>
+              <a:t>https://www.professorvida.com.br/if62c/material/relacionamentos.pdf</a:t>
+            </a:r>
+          </a:p>
+          <a:p>
+            <a:r>
+              <a:rPr lang="pt-BR" dirty="0"/>
+              <a:t>http://www.univasf.edu.br/~ricardo.aramos/disciplinas/ES_II_2010_1/aulas/DiagrClasses.pdf</a:t>
+            </a:r>
+          </a:p>
+          <a:p>
+            <a:r>
+              <a:rPr lang="pt-BR" b="1" dirty="0"/>
+              <a:t>Programação Orientada a Objetos – pt2</a:t>
+            </a:r>
+          </a:p>
+          <a:p>
+            <a:r>
+              <a:rPr lang="pt-BR" dirty="0"/>
+              <a:t>https://github.com/Leon4rdoalves/CookBook-Java/blob/main/10.md</a:t>
+            </a:r>
+          </a:p>
+        </p:txBody>
+      </p:sp>
+    </p:spTree>
+    <p:extLst>
+      <p:ext uri="{BB962C8B-B14F-4D97-AF65-F5344CB8AC3E}">
+        <p14:creationId xmlns:p14="http://schemas.microsoft.com/office/powerpoint/2010/main" val="2785718553"/>
       </p:ext>
     </p:extLst>
   </p:cSld>

--- a/Euripedes Simões de Paula/Java/Programação Orientada a Objetos 2/Programação Orientada a Objetos 2.pptx
+++ b/Euripedes Simões de Paula/Java/Programação Orientada a Objetos 2/Programação Orientada a Objetos 2.pptx
@@ -33,8 +33,14 @@
     <p:sldId id="283" r:id="rId27"/>
     <p:sldId id="284" r:id="rId28"/>
     <p:sldId id="285" r:id="rId29"/>
-    <p:sldId id="280" r:id="rId30"/>
-    <p:sldId id="259" r:id="rId31"/>
+    <p:sldId id="286" r:id="rId30"/>
+    <p:sldId id="287" r:id="rId31"/>
+    <p:sldId id="288" r:id="rId32"/>
+    <p:sldId id="289" r:id="rId33"/>
+    <p:sldId id="290" r:id="rId34"/>
+    <p:sldId id="291" r:id="rId35"/>
+    <p:sldId id="280" r:id="rId36"/>
+    <p:sldId id="259" r:id="rId37"/>
   </p:sldIdLst>
   <p:sldSz cx="12192000" cy="6858000"/>
   <p:notesSz cx="6858000" cy="9144000"/>
@@ -369,7 +375,7 @@
           <a:p>
             <a:fld id="{33F614C7-1985-416F-BC25-F02A921AA324}" type="datetimeFigureOut">
               <a:rPr lang="pt-BR" smtClean="0"/>
-              <a:t>30/04/2024</a:t>
+              <a:t>02/05/2024</a:t>
             </a:fld>
             <a:endParaRPr lang="pt-BR"/>
           </a:p>
@@ -577,7 +583,7 @@
           <a:p>
             <a:fld id="{33F614C7-1985-416F-BC25-F02A921AA324}" type="datetimeFigureOut">
               <a:rPr lang="pt-BR" smtClean="0"/>
-              <a:t>30/04/2024</a:t>
+              <a:t>02/05/2024</a:t>
             </a:fld>
             <a:endParaRPr lang="pt-BR"/>
           </a:p>
@@ -835,7 +841,7 @@
           <a:p>
             <a:fld id="{33F614C7-1985-416F-BC25-F02A921AA324}" type="datetimeFigureOut">
               <a:rPr lang="pt-BR" smtClean="0"/>
-              <a:t>30/04/2024</a:t>
+              <a:t>02/05/2024</a:t>
             </a:fld>
             <a:endParaRPr lang="pt-BR"/>
           </a:p>
@@ -1005,7 +1011,7 @@
           <a:p>
             <a:fld id="{33F614C7-1985-416F-BC25-F02A921AA324}" type="datetimeFigureOut">
               <a:rPr lang="pt-BR" smtClean="0"/>
-              <a:t>30/04/2024</a:t>
+              <a:t>02/05/2024</a:t>
             </a:fld>
             <a:endParaRPr lang="pt-BR"/>
           </a:p>
@@ -1342,7 +1348,7 @@
           <a:p>
             <a:fld id="{33F614C7-1985-416F-BC25-F02A921AA324}" type="datetimeFigureOut">
               <a:rPr lang="pt-BR" smtClean="0"/>
-              <a:t>30/04/2024</a:t>
+              <a:t>02/05/2024</a:t>
             </a:fld>
             <a:endParaRPr lang="pt-BR"/>
           </a:p>
@@ -1617,7 +1623,7 @@
           <a:p>
             <a:fld id="{33F614C7-1985-416F-BC25-F02A921AA324}" type="datetimeFigureOut">
               <a:rPr lang="pt-BR" smtClean="0"/>
-              <a:t>30/04/2024</a:t>
+              <a:t>02/05/2024</a:t>
             </a:fld>
             <a:endParaRPr lang="pt-BR"/>
           </a:p>
@@ -1996,7 +2002,7 @@
           <a:p>
             <a:fld id="{33F614C7-1985-416F-BC25-F02A921AA324}" type="datetimeFigureOut">
               <a:rPr lang="pt-BR" smtClean="0"/>
-              <a:t>30/04/2024</a:t>
+              <a:t>02/05/2024</a:t>
             </a:fld>
             <a:endParaRPr lang="pt-BR"/>
           </a:p>
@@ -2114,7 +2120,7 @@
           <a:p>
             <a:fld id="{33F614C7-1985-416F-BC25-F02A921AA324}" type="datetimeFigureOut">
               <a:rPr lang="pt-BR" smtClean="0"/>
-              <a:t>30/04/2024</a:t>
+              <a:t>02/05/2024</a:t>
             </a:fld>
             <a:endParaRPr lang="pt-BR"/>
           </a:p>
@@ -2287,7 +2293,7 @@
           <a:p>
             <a:fld id="{33F614C7-1985-416F-BC25-F02A921AA324}" type="datetimeFigureOut">
               <a:rPr lang="pt-BR" smtClean="0"/>
-              <a:t>30/04/2024</a:t>
+              <a:t>02/05/2024</a:t>
             </a:fld>
             <a:endParaRPr lang="pt-BR"/>
           </a:p>
@@ -2643,7 +2649,7 @@
           <a:p>
             <a:fld id="{33F614C7-1985-416F-BC25-F02A921AA324}" type="datetimeFigureOut">
               <a:rPr lang="pt-BR" smtClean="0"/>
-              <a:t>30/04/2024</a:t>
+              <a:t>02/05/2024</a:t>
             </a:fld>
             <a:endParaRPr lang="pt-BR"/>
           </a:p>
@@ -3022,7 +3028,7 @@
           <a:p>
             <a:fld id="{33F614C7-1985-416F-BC25-F02A921AA324}" type="datetimeFigureOut">
               <a:rPr lang="pt-BR" smtClean="0"/>
-              <a:t>30/04/2024</a:t>
+              <a:t>02/05/2024</a:t>
             </a:fld>
             <a:endParaRPr lang="pt-BR"/>
           </a:p>
@@ -3311,7 +3317,7 @@
           <a:p>
             <a:fld id="{33F614C7-1985-416F-BC25-F02A921AA324}" type="datetimeFigureOut">
               <a:rPr lang="pt-BR" smtClean="0"/>
-              <a:t>30/04/2024</a:t>
+              <a:t>02/05/2024</a:t>
             </a:fld>
             <a:endParaRPr lang="pt-BR"/>
           </a:p>
@@ -14985,6 +14991,12 @@
           <a:p>
             <a:r>
               <a:rPr lang="pt-BR" dirty="0"/>
+              <a:t>É uma maneira de criar o mesmo método de maneiras diferentes na mesma classe.</a:t>
+            </a:r>
+          </a:p>
+          <a:p>
+            <a:r>
+              <a:rPr lang="pt-BR" dirty="0"/>
               <a:t>Veja um exemplo no próximo slide.</a:t>
             </a:r>
           </a:p>
@@ -15723,119 +15735,19 @@
           <a:p>
             <a:r>
               <a:rPr lang="pt-BR" dirty="0"/>
-              <a:t> </a:t>
-            </a:r>
-            <a:r>
-              <a:rPr lang="pt-BR" dirty="0">
-                <a:solidFill>
-                  <a:srgbClr val="FF0000"/>
-                </a:solidFill>
-              </a:rPr>
-              <a:t>public</a:t>
-            </a:r>
-            <a:r>
-              <a:rPr lang="pt-BR" dirty="0"/>
-              <a:t> class Transporte {</a:t>
-            </a:r>
-          </a:p>
-          <a:p>
-            <a:r>
-              <a:rPr lang="pt-BR" dirty="0"/>
-              <a:t> 	</a:t>
-            </a:r>
-            <a:r>
-              <a:rPr lang="pt-BR" dirty="0">
-                <a:solidFill>
-                  <a:srgbClr val="FF0000"/>
-                </a:solidFill>
-              </a:rPr>
-              <a:t>private</a:t>
-            </a:r>
-            <a:r>
-              <a:rPr lang="pt-BR" dirty="0"/>
-              <a:t> int capacidade;</a:t>
-            </a:r>
-          </a:p>
-          <a:p>
-            <a:r>
-              <a:rPr lang="pt-BR" dirty="0"/>
-              <a:t> 	</a:t>
-            </a:r>
-            <a:r>
-              <a:rPr lang="pt-BR" dirty="0">
-                <a:solidFill>
-                  <a:srgbClr val="00B050"/>
-                </a:solidFill>
-              </a:rPr>
-              <a:t>/* Método Construtor com parâmetros  */</a:t>
-            </a:r>
-          </a:p>
-          <a:p>
-            <a:r>
-              <a:rPr lang="pt-BR" dirty="0"/>
-              <a:t> 	</a:t>
-            </a:r>
-            <a:r>
-              <a:rPr lang="pt-BR" dirty="0">
-                <a:solidFill>
-                  <a:srgbClr val="FF0000"/>
-                </a:solidFill>
-              </a:rPr>
-              <a:t>public</a:t>
-            </a:r>
-            <a:r>
-              <a:rPr lang="pt-BR" dirty="0"/>
-              <a:t> Transporte(int capacidade) {</a:t>
-            </a:r>
-          </a:p>
-          <a:p>
-            <a:r>
-              <a:rPr lang="pt-BR" dirty="0"/>
-              <a:t> 		this.capacidade = capacidade;</a:t>
-            </a:r>
-          </a:p>
-          <a:p>
-            <a:r>
-              <a:rPr lang="pt-BR" dirty="0"/>
-              <a:t> 	}</a:t>
-            </a:r>
-          </a:p>
-          <a:p>
-            <a:r>
-              <a:rPr lang="pt-BR" dirty="0"/>
-              <a:t> 	</a:t>
-            </a:r>
-            <a:r>
-              <a:rPr lang="pt-BR" dirty="0">
-                <a:solidFill>
-                  <a:srgbClr val="00B050"/>
-                </a:solidFill>
-              </a:rPr>
-              <a:t>/* Método Construtor sem parâmetro */</a:t>
-            </a:r>
-          </a:p>
-          <a:p>
-            <a:r>
-              <a:rPr lang="pt-BR" dirty="0"/>
-              <a:t> 	</a:t>
-            </a:r>
-            <a:r>
-              <a:rPr lang="pt-BR" dirty="0">
-                <a:solidFill>
-                  <a:srgbClr val="FF0000"/>
-                </a:solidFill>
-              </a:rPr>
-              <a:t>public</a:t>
-            </a:r>
-            <a:r>
-              <a:rPr lang="pt-BR" dirty="0"/>
-              <a:t> Transporte() { }</a:t>
-            </a:r>
-          </a:p>
-          <a:p>
-            <a:r>
-              <a:rPr lang="pt-BR" dirty="0"/>
-              <a:t>}</a:t>
+              <a:t>No exemplo ao lado temos dois Construtores que recebem o mesmo nome, onde apenas o primeiro tem parâmetro.</a:t>
+            </a:r>
+          </a:p>
+          <a:p>
+            <a:r>
+              <a:rPr lang="pt-BR" dirty="0"/>
+              <a:t>É comum uma classe ter maneiras diferentes de criar um objeto, e é ai que o polimorfismo de sobrecarga acontece, sobre os Métodos Construtores.</a:t>
+            </a:r>
+          </a:p>
+          <a:p>
+            <a:r>
+              <a:rPr lang="pt-BR" dirty="0"/>
+              <a:t>O programa recebe os valores nos parâmetros, e procura o método, e o invoca se o método for ideal.</a:t>
             </a:r>
           </a:p>
         </p:txBody>
@@ -15872,10 +15784,10 @@
       </p:grpSpPr>
       <p:sp>
         <p:nvSpPr>
-          <p:cNvPr id="2" name="Título 1">
+          <p:cNvPr id="4" name="Título 1">
             <a:extLst>
               <a:ext uri="{FF2B5EF4-FFF2-40B4-BE49-F238E27FC236}">
-                <a16:creationId xmlns:a16="http://schemas.microsoft.com/office/drawing/2014/main" id="{C918661C-2083-9C4D-73B7-20B768BAD7D9}"/>
+                <a16:creationId xmlns:a16="http://schemas.microsoft.com/office/drawing/2014/main" id="{6C39060B-FEF0-6AA5-65E9-39A732572625}"/>
               </a:ext>
             </a:extLst>
           </p:cNvPr>
@@ -15886,42 +15798,351 @@
             <p:ph type="title"/>
           </p:nvPr>
         </p:nvSpPr>
-        <p:spPr/>
+        <p:spPr>
+          <a:xfrm>
+            <a:off x="1096963" y="287338"/>
+            <a:ext cx="10058400" cy="1449387"/>
+          </a:xfrm>
+        </p:spPr>
         <p:txBody>
           <a:bodyPr/>
           <a:lstStyle/>
           <a:p>
             <a:r>
               <a:rPr lang="pt-BR" dirty="0"/>
-              <a:t>Atividade de Hoje</a:t>
-            </a:r>
+              <a:t>POLIMORFISMO</a:t>
+            </a:r>
+            <a:endParaRPr lang="pt-BR" sz="2400" dirty="0"/>
           </a:p>
         </p:txBody>
       </p:sp>
       <p:sp>
         <p:nvSpPr>
-          <p:cNvPr id="3" name="Espaço Reservado para Conteúdo 2">
+          <p:cNvPr id="31" name="Espaço Reservado para Conteúdo 2">
             <a:extLst>
               <a:ext uri="{FF2B5EF4-FFF2-40B4-BE49-F238E27FC236}">
-                <a16:creationId xmlns:a16="http://schemas.microsoft.com/office/drawing/2014/main" id="{AA97E504-545A-6B62-3668-64BBE4769FF6}"/>
+                <a16:creationId xmlns:a16="http://schemas.microsoft.com/office/drawing/2014/main" id="{D2061234-52CD-FFAB-42EF-8F3150325C73}"/>
               </a:ext>
             </a:extLst>
           </p:cNvPr>
-          <p:cNvSpPr>
-            <a:spLocks noGrp="1"/>
+          <p:cNvSpPr txBox="1">
+            <a:spLocks/>
           </p:cNvSpPr>
-          <p:nvPr>
-            <p:ph idx="1"/>
-          </p:nvPr>
+          <p:nvPr/>
         </p:nvSpPr>
-        <p:spPr/>
+        <p:spPr>
+          <a:xfrm>
+            <a:off x="1097279" y="1845734"/>
+            <a:ext cx="10058084" cy="4023360"/>
+          </a:xfrm>
+          <a:prstGeom prst="rect">
+            <a:avLst/>
+          </a:prstGeom>
+        </p:spPr>
         <p:txBody>
-          <a:bodyPr/>
-          <a:lstStyle/>
-          <a:p>
-            <a:r>
-              <a:rPr lang="pt-BR" dirty="0"/>
-              <a:t>Buscar exemplos de como implementar a Herança em Java.</a:t>
+          <a:bodyPr vert="horz" lIns="0" tIns="45720" rIns="0" bIns="45720" rtlCol="0">
+            <a:normAutofit/>
+          </a:bodyPr>
+          <a:lstStyle>
+            <a:lvl1pPr marL="91440" indent="-91440" algn="l" defTabSz="914400" rtl="0" eaLnBrk="1" latinLnBrk="0" hangingPunct="1">
+              <a:lnSpc>
+                <a:spcPct val="90000"/>
+              </a:lnSpc>
+              <a:spcBef>
+                <a:spcPts val="1200"/>
+              </a:spcBef>
+              <a:spcAft>
+                <a:spcPts val="200"/>
+              </a:spcAft>
+              <a:buClr>
+                <a:schemeClr val="accent1"/>
+              </a:buClr>
+              <a:buSzPct val="100000"/>
+              <a:buFont typeface="Calibri" panose="020F0502020204030204" pitchFamily="34" charset="0"/>
+              <a:buChar char=" "/>
+              <a:defRPr sz="2000" kern="1200">
+                <a:solidFill>
+                  <a:schemeClr val="tx1">
+                    <a:lumMod val="75000"/>
+                    <a:lumOff val="25000"/>
+                  </a:schemeClr>
+                </a:solidFill>
+                <a:latin typeface="+mn-lt"/>
+                <a:ea typeface="+mn-ea"/>
+                <a:cs typeface="+mn-cs"/>
+              </a:defRPr>
+            </a:lvl1pPr>
+            <a:lvl2pPr marL="384048" indent="-182880" algn="l" defTabSz="914400" rtl="0" eaLnBrk="1" latinLnBrk="0" hangingPunct="1">
+              <a:lnSpc>
+                <a:spcPct val="90000"/>
+              </a:lnSpc>
+              <a:spcBef>
+                <a:spcPts val="200"/>
+              </a:spcBef>
+              <a:spcAft>
+                <a:spcPts val="400"/>
+              </a:spcAft>
+              <a:buClr>
+                <a:schemeClr val="accent1"/>
+              </a:buClr>
+              <a:buFont typeface="Calibri" pitchFamily="34" charset="0"/>
+              <a:buChar char="◦"/>
+              <a:defRPr sz="1800" kern="1200">
+                <a:solidFill>
+                  <a:schemeClr val="tx1">
+                    <a:lumMod val="75000"/>
+                    <a:lumOff val="25000"/>
+                  </a:schemeClr>
+                </a:solidFill>
+                <a:latin typeface="+mn-lt"/>
+                <a:ea typeface="+mn-ea"/>
+                <a:cs typeface="+mn-cs"/>
+              </a:defRPr>
+            </a:lvl2pPr>
+            <a:lvl3pPr marL="566928" indent="-182880" algn="l" defTabSz="914400" rtl="0" eaLnBrk="1" latinLnBrk="0" hangingPunct="1">
+              <a:lnSpc>
+                <a:spcPct val="90000"/>
+              </a:lnSpc>
+              <a:spcBef>
+                <a:spcPts val="200"/>
+              </a:spcBef>
+              <a:spcAft>
+                <a:spcPts val="400"/>
+              </a:spcAft>
+              <a:buClr>
+                <a:schemeClr val="accent1"/>
+              </a:buClr>
+              <a:buFont typeface="Calibri" pitchFamily="34" charset="0"/>
+              <a:buChar char="◦"/>
+              <a:defRPr sz="1400" kern="1200">
+                <a:solidFill>
+                  <a:schemeClr val="tx1">
+                    <a:lumMod val="75000"/>
+                    <a:lumOff val="25000"/>
+                  </a:schemeClr>
+                </a:solidFill>
+                <a:latin typeface="+mn-lt"/>
+                <a:ea typeface="+mn-ea"/>
+                <a:cs typeface="+mn-cs"/>
+              </a:defRPr>
+            </a:lvl3pPr>
+            <a:lvl4pPr marL="749808" indent="-182880" algn="l" defTabSz="914400" rtl="0" eaLnBrk="1" latinLnBrk="0" hangingPunct="1">
+              <a:lnSpc>
+                <a:spcPct val="90000"/>
+              </a:lnSpc>
+              <a:spcBef>
+                <a:spcPts val="200"/>
+              </a:spcBef>
+              <a:spcAft>
+                <a:spcPts val="400"/>
+              </a:spcAft>
+              <a:buClr>
+                <a:schemeClr val="accent1"/>
+              </a:buClr>
+              <a:buFont typeface="Calibri" pitchFamily="34" charset="0"/>
+              <a:buChar char="◦"/>
+              <a:defRPr sz="1400" kern="1200">
+                <a:solidFill>
+                  <a:schemeClr val="tx1">
+                    <a:lumMod val="75000"/>
+                    <a:lumOff val="25000"/>
+                  </a:schemeClr>
+                </a:solidFill>
+                <a:latin typeface="+mn-lt"/>
+                <a:ea typeface="+mn-ea"/>
+                <a:cs typeface="+mn-cs"/>
+              </a:defRPr>
+            </a:lvl4pPr>
+            <a:lvl5pPr marL="932688" indent="-182880" algn="l" defTabSz="914400" rtl="0" eaLnBrk="1" latinLnBrk="0" hangingPunct="1">
+              <a:lnSpc>
+                <a:spcPct val="90000"/>
+              </a:lnSpc>
+              <a:spcBef>
+                <a:spcPts val="200"/>
+              </a:spcBef>
+              <a:spcAft>
+                <a:spcPts val="400"/>
+              </a:spcAft>
+              <a:buClr>
+                <a:schemeClr val="accent1"/>
+              </a:buClr>
+              <a:buFont typeface="Calibri" pitchFamily="34" charset="0"/>
+              <a:buChar char="◦"/>
+              <a:defRPr sz="1400" kern="1200">
+                <a:solidFill>
+                  <a:schemeClr val="tx1">
+                    <a:lumMod val="75000"/>
+                    <a:lumOff val="25000"/>
+                  </a:schemeClr>
+                </a:solidFill>
+                <a:latin typeface="+mn-lt"/>
+                <a:ea typeface="+mn-ea"/>
+                <a:cs typeface="+mn-cs"/>
+              </a:defRPr>
+            </a:lvl5pPr>
+            <a:lvl6pPr marL="1100000" indent="-228600" algn="l" defTabSz="914400" rtl="0" eaLnBrk="1" latinLnBrk="0" hangingPunct="1">
+              <a:lnSpc>
+                <a:spcPct val="90000"/>
+              </a:lnSpc>
+              <a:spcBef>
+                <a:spcPts val="200"/>
+              </a:spcBef>
+              <a:spcAft>
+                <a:spcPts val="400"/>
+              </a:spcAft>
+              <a:buClr>
+                <a:schemeClr val="accent1"/>
+              </a:buClr>
+              <a:buFont typeface="Calibri" pitchFamily="34" charset="0"/>
+              <a:buChar char="◦"/>
+              <a:defRPr sz="1400" kern="1200">
+                <a:solidFill>
+                  <a:schemeClr val="tx1">
+                    <a:lumMod val="75000"/>
+                    <a:lumOff val="25000"/>
+                  </a:schemeClr>
+                </a:solidFill>
+                <a:latin typeface="+mn-lt"/>
+                <a:ea typeface="+mn-ea"/>
+                <a:cs typeface="+mn-cs"/>
+              </a:defRPr>
+            </a:lvl6pPr>
+            <a:lvl7pPr marL="1300000" indent="-228600" algn="l" defTabSz="914400" rtl="0" eaLnBrk="1" latinLnBrk="0" hangingPunct="1">
+              <a:lnSpc>
+                <a:spcPct val="90000"/>
+              </a:lnSpc>
+              <a:spcBef>
+                <a:spcPts val="200"/>
+              </a:spcBef>
+              <a:spcAft>
+                <a:spcPts val="400"/>
+              </a:spcAft>
+              <a:buClr>
+                <a:schemeClr val="accent1"/>
+              </a:buClr>
+              <a:buFont typeface="Calibri" pitchFamily="34" charset="0"/>
+              <a:buChar char="◦"/>
+              <a:defRPr sz="1400" kern="1200">
+                <a:solidFill>
+                  <a:schemeClr val="tx1">
+                    <a:lumMod val="75000"/>
+                    <a:lumOff val="25000"/>
+                  </a:schemeClr>
+                </a:solidFill>
+                <a:latin typeface="+mn-lt"/>
+                <a:ea typeface="+mn-ea"/>
+                <a:cs typeface="+mn-cs"/>
+              </a:defRPr>
+            </a:lvl7pPr>
+            <a:lvl8pPr marL="1500000" indent="-228600" algn="l" defTabSz="914400" rtl="0" eaLnBrk="1" latinLnBrk="0" hangingPunct="1">
+              <a:lnSpc>
+                <a:spcPct val="90000"/>
+              </a:lnSpc>
+              <a:spcBef>
+                <a:spcPts val="200"/>
+              </a:spcBef>
+              <a:spcAft>
+                <a:spcPts val="400"/>
+              </a:spcAft>
+              <a:buClr>
+                <a:schemeClr val="accent1"/>
+              </a:buClr>
+              <a:buFont typeface="Calibri" pitchFamily="34" charset="0"/>
+              <a:buChar char="◦"/>
+              <a:defRPr sz="1400" kern="1200">
+                <a:solidFill>
+                  <a:schemeClr val="tx1">
+                    <a:lumMod val="75000"/>
+                    <a:lumOff val="25000"/>
+                  </a:schemeClr>
+                </a:solidFill>
+                <a:latin typeface="+mn-lt"/>
+                <a:ea typeface="+mn-ea"/>
+                <a:cs typeface="+mn-cs"/>
+              </a:defRPr>
+            </a:lvl8pPr>
+            <a:lvl9pPr marL="1700000" indent="-228600" algn="l" defTabSz="914400" rtl="0" eaLnBrk="1" latinLnBrk="0" hangingPunct="1">
+              <a:lnSpc>
+                <a:spcPct val="90000"/>
+              </a:lnSpc>
+              <a:spcBef>
+                <a:spcPts val="200"/>
+              </a:spcBef>
+              <a:spcAft>
+                <a:spcPts val="400"/>
+              </a:spcAft>
+              <a:buClr>
+                <a:schemeClr val="accent1"/>
+              </a:buClr>
+              <a:buFont typeface="Calibri" pitchFamily="34" charset="0"/>
+              <a:buChar char="◦"/>
+              <a:defRPr sz="1400" kern="1200">
+                <a:solidFill>
+                  <a:schemeClr val="tx1">
+                    <a:lumMod val="75000"/>
+                    <a:lumOff val="25000"/>
+                  </a:schemeClr>
+                </a:solidFill>
+                <a:latin typeface="+mn-lt"/>
+                <a:ea typeface="+mn-ea"/>
+                <a:cs typeface="+mn-cs"/>
+              </a:defRPr>
+            </a:lvl9pPr>
+          </a:lstStyle>
+          <a:p>
+            <a:r>
+              <a:rPr lang="pt-BR" dirty="0"/>
+              <a:t>O </a:t>
+            </a:r>
+            <a:r>
+              <a:rPr lang="pt-BR" b="1" dirty="0"/>
+              <a:t>Polimorfismo de Sobreposição</a:t>
+            </a:r>
+            <a:r>
+              <a:rPr lang="pt-BR" dirty="0"/>
+              <a:t> nos permite reescrever na </a:t>
+            </a:r>
+            <a:r>
+              <a:rPr lang="pt-BR" dirty="0" err="1"/>
+              <a:t>SubClasse</a:t>
+            </a:r>
+            <a:r>
+              <a:rPr lang="pt-BR" dirty="0"/>
+              <a:t> um método criado na </a:t>
+            </a:r>
+            <a:r>
+              <a:rPr lang="pt-BR" dirty="0" err="1"/>
+              <a:t>SuperClasse</a:t>
+            </a:r>
+            <a:r>
+              <a:rPr lang="pt-BR" dirty="0"/>
+              <a:t>. Contendo as mesma assinatura (nome e tipo) e o tipo de retorno do método criado anteriormente.</a:t>
+            </a:r>
+          </a:p>
+          <a:p>
+            <a:r>
+              <a:rPr lang="pt-BR" dirty="0"/>
+              <a:t>Diferente do Método de Sobrecarga, os Métodos Sobrecarregados permitem que os métodos coexistam com os mesmos nomes e com assinaturas diferentes na mesma classe.</a:t>
+            </a:r>
+          </a:p>
+          <a:p>
+            <a:r>
+              <a:rPr lang="pt-BR" dirty="0"/>
+              <a:t>A Sobrescrita está relacionada a Herança, e conseguimos especializar os métodos herdados da superclasse, alterando o comportamento na </a:t>
+            </a:r>
+            <a:r>
+              <a:rPr lang="pt-BR" dirty="0" err="1"/>
+              <a:t>suclasse</a:t>
+            </a:r>
+            <a:r>
+              <a:rPr lang="pt-BR" dirty="0"/>
+              <a:t>.</a:t>
+            </a:r>
+          </a:p>
+          <a:p>
+            <a:r>
+              <a:rPr lang="pt-BR" dirty="0"/>
+              <a:t> </a:t>
             </a:r>
           </a:p>
         </p:txBody>
@@ -15929,7 +16150,7 @@
     </p:spTree>
     <p:extLst>
       <p:ext uri="{BB962C8B-B14F-4D97-AF65-F5344CB8AC3E}">
-        <p14:creationId xmlns:p14="http://schemas.microsoft.com/office/powerpoint/2010/main" val="1728503806"/>
+        <p14:creationId xmlns:p14="http://schemas.microsoft.com/office/powerpoint/2010/main" val="1539016121"/>
       </p:ext>
     </p:extLst>
   </p:cSld>
@@ -16088,6 +16309,2854 @@
       </p:grpSpPr>
       <p:sp>
         <p:nvSpPr>
+          <p:cNvPr id="4" name="Título 1">
+            <a:extLst>
+              <a:ext uri="{FF2B5EF4-FFF2-40B4-BE49-F238E27FC236}">
+                <a16:creationId xmlns:a16="http://schemas.microsoft.com/office/drawing/2014/main" id="{6C39060B-FEF0-6AA5-65E9-39A732572625}"/>
+              </a:ext>
+            </a:extLst>
+          </p:cNvPr>
+          <p:cNvSpPr>
+            <a:spLocks noGrp="1"/>
+          </p:cNvSpPr>
+          <p:nvPr>
+            <p:ph type="title"/>
+          </p:nvPr>
+        </p:nvSpPr>
+        <p:spPr>
+          <a:xfrm>
+            <a:off x="1096963" y="287338"/>
+            <a:ext cx="10058400" cy="1449387"/>
+          </a:xfrm>
+        </p:spPr>
+        <p:txBody>
+          <a:bodyPr/>
+          <a:lstStyle/>
+          <a:p>
+            <a:r>
+              <a:rPr lang="pt-BR" dirty="0"/>
+              <a:t>POLIMORFISMO</a:t>
+            </a:r>
+            <a:endParaRPr lang="pt-BR" sz="2400" dirty="0"/>
+          </a:p>
+        </p:txBody>
+      </p:sp>
+      <p:sp>
+        <p:nvSpPr>
+          <p:cNvPr id="31" name="Espaço Reservado para Conteúdo 2">
+            <a:extLst>
+              <a:ext uri="{FF2B5EF4-FFF2-40B4-BE49-F238E27FC236}">
+                <a16:creationId xmlns:a16="http://schemas.microsoft.com/office/drawing/2014/main" id="{D2061234-52CD-FFAB-42EF-8F3150325C73}"/>
+              </a:ext>
+            </a:extLst>
+          </p:cNvPr>
+          <p:cNvSpPr txBox="1">
+            <a:spLocks/>
+          </p:cNvSpPr>
+          <p:nvPr/>
+        </p:nvSpPr>
+        <p:spPr>
+          <a:xfrm>
+            <a:off x="1097279" y="1845734"/>
+            <a:ext cx="10058084" cy="4023360"/>
+          </a:xfrm>
+          <a:prstGeom prst="rect">
+            <a:avLst/>
+          </a:prstGeom>
+        </p:spPr>
+        <p:txBody>
+          <a:bodyPr vert="horz" lIns="0" tIns="45720" rIns="0" bIns="45720" rtlCol="0">
+            <a:normAutofit lnSpcReduction="10000"/>
+          </a:bodyPr>
+          <a:lstStyle>
+            <a:lvl1pPr marL="91440" indent="-91440" algn="l" defTabSz="914400" rtl="0" eaLnBrk="1" latinLnBrk="0" hangingPunct="1">
+              <a:lnSpc>
+                <a:spcPct val="90000"/>
+              </a:lnSpc>
+              <a:spcBef>
+                <a:spcPts val="1200"/>
+              </a:spcBef>
+              <a:spcAft>
+                <a:spcPts val="200"/>
+              </a:spcAft>
+              <a:buClr>
+                <a:schemeClr val="accent1"/>
+              </a:buClr>
+              <a:buSzPct val="100000"/>
+              <a:buFont typeface="Calibri" panose="020F0502020204030204" pitchFamily="34" charset="0"/>
+              <a:buChar char=" "/>
+              <a:defRPr sz="2000" kern="1200">
+                <a:solidFill>
+                  <a:schemeClr val="tx1">
+                    <a:lumMod val="75000"/>
+                    <a:lumOff val="25000"/>
+                  </a:schemeClr>
+                </a:solidFill>
+                <a:latin typeface="+mn-lt"/>
+                <a:ea typeface="+mn-ea"/>
+                <a:cs typeface="+mn-cs"/>
+              </a:defRPr>
+            </a:lvl1pPr>
+            <a:lvl2pPr marL="384048" indent="-182880" algn="l" defTabSz="914400" rtl="0" eaLnBrk="1" latinLnBrk="0" hangingPunct="1">
+              <a:lnSpc>
+                <a:spcPct val="90000"/>
+              </a:lnSpc>
+              <a:spcBef>
+                <a:spcPts val="200"/>
+              </a:spcBef>
+              <a:spcAft>
+                <a:spcPts val="400"/>
+              </a:spcAft>
+              <a:buClr>
+                <a:schemeClr val="accent1"/>
+              </a:buClr>
+              <a:buFont typeface="Calibri" pitchFamily="34" charset="0"/>
+              <a:buChar char="◦"/>
+              <a:defRPr sz="1800" kern="1200">
+                <a:solidFill>
+                  <a:schemeClr val="tx1">
+                    <a:lumMod val="75000"/>
+                    <a:lumOff val="25000"/>
+                  </a:schemeClr>
+                </a:solidFill>
+                <a:latin typeface="+mn-lt"/>
+                <a:ea typeface="+mn-ea"/>
+                <a:cs typeface="+mn-cs"/>
+              </a:defRPr>
+            </a:lvl2pPr>
+            <a:lvl3pPr marL="566928" indent="-182880" algn="l" defTabSz="914400" rtl="0" eaLnBrk="1" latinLnBrk="0" hangingPunct="1">
+              <a:lnSpc>
+                <a:spcPct val="90000"/>
+              </a:lnSpc>
+              <a:spcBef>
+                <a:spcPts val="200"/>
+              </a:spcBef>
+              <a:spcAft>
+                <a:spcPts val="400"/>
+              </a:spcAft>
+              <a:buClr>
+                <a:schemeClr val="accent1"/>
+              </a:buClr>
+              <a:buFont typeface="Calibri" pitchFamily="34" charset="0"/>
+              <a:buChar char="◦"/>
+              <a:defRPr sz="1400" kern="1200">
+                <a:solidFill>
+                  <a:schemeClr val="tx1">
+                    <a:lumMod val="75000"/>
+                    <a:lumOff val="25000"/>
+                  </a:schemeClr>
+                </a:solidFill>
+                <a:latin typeface="+mn-lt"/>
+                <a:ea typeface="+mn-ea"/>
+                <a:cs typeface="+mn-cs"/>
+              </a:defRPr>
+            </a:lvl3pPr>
+            <a:lvl4pPr marL="749808" indent="-182880" algn="l" defTabSz="914400" rtl="0" eaLnBrk="1" latinLnBrk="0" hangingPunct="1">
+              <a:lnSpc>
+                <a:spcPct val="90000"/>
+              </a:lnSpc>
+              <a:spcBef>
+                <a:spcPts val="200"/>
+              </a:spcBef>
+              <a:spcAft>
+                <a:spcPts val="400"/>
+              </a:spcAft>
+              <a:buClr>
+                <a:schemeClr val="accent1"/>
+              </a:buClr>
+              <a:buFont typeface="Calibri" pitchFamily="34" charset="0"/>
+              <a:buChar char="◦"/>
+              <a:defRPr sz="1400" kern="1200">
+                <a:solidFill>
+                  <a:schemeClr val="tx1">
+                    <a:lumMod val="75000"/>
+                    <a:lumOff val="25000"/>
+                  </a:schemeClr>
+                </a:solidFill>
+                <a:latin typeface="+mn-lt"/>
+                <a:ea typeface="+mn-ea"/>
+                <a:cs typeface="+mn-cs"/>
+              </a:defRPr>
+            </a:lvl4pPr>
+            <a:lvl5pPr marL="932688" indent="-182880" algn="l" defTabSz="914400" rtl="0" eaLnBrk="1" latinLnBrk="0" hangingPunct="1">
+              <a:lnSpc>
+                <a:spcPct val="90000"/>
+              </a:lnSpc>
+              <a:spcBef>
+                <a:spcPts val="200"/>
+              </a:spcBef>
+              <a:spcAft>
+                <a:spcPts val="400"/>
+              </a:spcAft>
+              <a:buClr>
+                <a:schemeClr val="accent1"/>
+              </a:buClr>
+              <a:buFont typeface="Calibri" pitchFamily="34" charset="0"/>
+              <a:buChar char="◦"/>
+              <a:defRPr sz="1400" kern="1200">
+                <a:solidFill>
+                  <a:schemeClr val="tx1">
+                    <a:lumMod val="75000"/>
+                    <a:lumOff val="25000"/>
+                  </a:schemeClr>
+                </a:solidFill>
+                <a:latin typeface="+mn-lt"/>
+                <a:ea typeface="+mn-ea"/>
+                <a:cs typeface="+mn-cs"/>
+              </a:defRPr>
+            </a:lvl5pPr>
+            <a:lvl6pPr marL="1100000" indent="-228600" algn="l" defTabSz="914400" rtl="0" eaLnBrk="1" latinLnBrk="0" hangingPunct="1">
+              <a:lnSpc>
+                <a:spcPct val="90000"/>
+              </a:lnSpc>
+              <a:spcBef>
+                <a:spcPts val="200"/>
+              </a:spcBef>
+              <a:spcAft>
+                <a:spcPts val="400"/>
+              </a:spcAft>
+              <a:buClr>
+                <a:schemeClr val="accent1"/>
+              </a:buClr>
+              <a:buFont typeface="Calibri" pitchFamily="34" charset="0"/>
+              <a:buChar char="◦"/>
+              <a:defRPr sz="1400" kern="1200">
+                <a:solidFill>
+                  <a:schemeClr val="tx1">
+                    <a:lumMod val="75000"/>
+                    <a:lumOff val="25000"/>
+                  </a:schemeClr>
+                </a:solidFill>
+                <a:latin typeface="+mn-lt"/>
+                <a:ea typeface="+mn-ea"/>
+                <a:cs typeface="+mn-cs"/>
+              </a:defRPr>
+            </a:lvl6pPr>
+            <a:lvl7pPr marL="1300000" indent="-228600" algn="l" defTabSz="914400" rtl="0" eaLnBrk="1" latinLnBrk="0" hangingPunct="1">
+              <a:lnSpc>
+                <a:spcPct val="90000"/>
+              </a:lnSpc>
+              <a:spcBef>
+                <a:spcPts val="200"/>
+              </a:spcBef>
+              <a:spcAft>
+                <a:spcPts val="400"/>
+              </a:spcAft>
+              <a:buClr>
+                <a:schemeClr val="accent1"/>
+              </a:buClr>
+              <a:buFont typeface="Calibri" pitchFamily="34" charset="0"/>
+              <a:buChar char="◦"/>
+              <a:defRPr sz="1400" kern="1200">
+                <a:solidFill>
+                  <a:schemeClr val="tx1">
+                    <a:lumMod val="75000"/>
+                    <a:lumOff val="25000"/>
+                  </a:schemeClr>
+                </a:solidFill>
+                <a:latin typeface="+mn-lt"/>
+                <a:ea typeface="+mn-ea"/>
+                <a:cs typeface="+mn-cs"/>
+              </a:defRPr>
+            </a:lvl7pPr>
+            <a:lvl8pPr marL="1500000" indent="-228600" algn="l" defTabSz="914400" rtl="0" eaLnBrk="1" latinLnBrk="0" hangingPunct="1">
+              <a:lnSpc>
+                <a:spcPct val="90000"/>
+              </a:lnSpc>
+              <a:spcBef>
+                <a:spcPts val="200"/>
+              </a:spcBef>
+              <a:spcAft>
+                <a:spcPts val="400"/>
+              </a:spcAft>
+              <a:buClr>
+                <a:schemeClr val="accent1"/>
+              </a:buClr>
+              <a:buFont typeface="Calibri" pitchFamily="34" charset="0"/>
+              <a:buChar char="◦"/>
+              <a:defRPr sz="1400" kern="1200">
+                <a:solidFill>
+                  <a:schemeClr val="tx1">
+                    <a:lumMod val="75000"/>
+                    <a:lumOff val="25000"/>
+                  </a:schemeClr>
+                </a:solidFill>
+                <a:latin typeface="+mn-lt"/>
+                <a:ea typeface="+mn-ea"/>
+                <a:cs typeface="+mn-cs"/>
+              </a:defRPr>
+            </a:lvl8pPr>
+            <a:lvl9pPr marL="1700000" indent="-228600" algn="l" defTabSz="914400" rtl="0" eaLnBrk="1" latinLnBrk="0" hangingPunct="1">
+              <a:lnSpc>
+                <a:spcPct val="90000"/>
+              </a:lnSpc>
+              <a:spcBef>
+                <a:spcPts val="200"/>
+              </a:spcBef>
+              <a:spcAft>
+                <a:spcPts val="400"/>
+              </a:spcAft>
+              <a:buClr>
+                <a:schemeClr val="accent1"/>
+              </a:buClr>
+              <a:buFont typeface="Calibri" pitchFamily="34" charset="0"/>
+              <a:buChar char="◦"/>
+              <a:defRPr sz="1400" kern="1200">
+                <a:solidFill>
+                  <a:schemeClr val="tx1">
+                    <a:lumMod val="75000"/>
+                    <a:lumOff val="25000"/>
+                  </a:schemeClr>
+                </a:solidFill>
+                <a:latin typeface="+mn-lt"/>
+                <a:ea typeface="+mn-ea"/>
+                <a:cs typeface="+mn-cs"/>
+              </a:defRPr>
+            </a:lvl9pPr>
+          </a:lstStyle>
+          <a:p>
+            <a:r>
+              <a:rPr lang="pt-BR" dirty="0"/>
+              <a:t>Aqui temos um exemplo de sobrescrita, onde o Método </a:t>
+            </a:r>
+            <a:r>
+              <a:rPr lang="pt-BR" i="1" dirty="0"/>
+              <a:t>visualizar()</a:t>
+            </a:r>
+            <a:r>
+              <a:rPr lang="pt-BR" dirty="0"/>
+              <a:t> na Classe Transporte está sendo implementado:</a:t>
+            </a:r>
+          </a:p>
+          <a:p>
+            <a:r>
+              <a:rPr lang="pt-BR" dirty="0">
+                <a:solidFill>
+                  <a:srgbClr val="FF0000"/>
+                </a:solidFill>
+              </a:rPr>
+              <a:t>public</a:t>
+            </a:r>
+            <a:r>
+              <a:rPr lang="pt-BR" dirty="0"/>
+              <a:t> void visualizar() {</a:t>
+            </a:r>
+          </a:p>
+          <a:p>
+            <a:r>
+              <a:rPr lang="pt-BR" dirty="0"/>
+              <a:t> 	 </a:t>
+            </a:r>
+            <a:r>
+              <a:rPr lang="pt-BR" dirty="0" err="1"/>
+              <a:t>System.out.printIn</a:t>
+            </a:r>
+            <a:r>
+              <a:rPr lang="pt-BR" dirty="0"/>
+              <a:t>(</a:t>
+            </a:r>
+            <a:r>
+              <a:rPr lang="pt-BR" dirty="0">
+                <a:solidFill>
+                  <a:srgbClr val="0070C0"/>
+                </a:solidFill>
+              </a:rPr>
+              <a:t>“\n\n*************************************************”</a:t>
+            </a:r>
+            <a:r>
+              <a:rPr lang="pt-BR" dirty="0"/>
+              <a:t>);</a:t>
+            </a:r>
+          </a:p>
+          <a:p>
+            <a:r>
+              <a:rPr lang="pt-BR" dirty="0"/>
+              <a:t> 	 </a:t>
+            </a:r>
+            <a:r>
+              <a:rPr lang="pt-BR" dirty="0" err="1"/>
+              <a:t>System.out.</a:t>
+            </a:r>
+            <a:r>
+              <a:rPr lang="pt-BR" dirty="0" err="1">
+                <a:solidFill>
+                  <a:srgbClr val="7030A0"/>
+                </a:solidFill>
+              </a:rPr>
+              <a:t>printIn</a:t>
+            </a:r>
+            <a:r>
+              <a:rPr lang="pt-BR" dirty="0">
+                <a:solidFill>
+                  <a:srgbClr val="0070C0"/>
+                </a:solidFill>
+              </a:rPr>
+              <a:t>(“Dados do Meio de Transporte:”</a:t>
+            </a:r>
+            <a:r>
+              <a:rPr lang="pt-BR" dirty="0"/>
+              <a:t>);</a:t>
+            </a:r>
+          </a:p>
+          <a:p>
+            <a:r>
+              <a:rPr lang="pt-BR" dirty="0"/>
+              <a:t> 	 </a:t>
+            </a:r>
+            <a:r>
+              <a:rPr lang="pt-BR" dirty="0" err="1"/>
+              <a:t>System.out.printIn</a:t>
+            </a:r>
+            <a:r>
+              <a:rPr lang="pt-BR" dirty="0"/>
+              <a:t>(</a:t>
+            </a:r>
+            <a:r>
+              <a:rPr lang="pt-BR" dirty="0">
+                <a:solidFill>
+                  <a:srgbClr val="0070C0"/>
+                </a:solidFill>
+              </a:rPr>
+              <a:t>“*****************************************************”</a:t>
+            </a:r>
+            <a:r>
+              <a:rPr lang="pt-BR" dirty="0"/>
+              <a:t>);</a:t>
+            </a:r>
+          </a:p>
+          <a:p>
+            <a:r>
+              <a:rPr lang="pt-BR" dirty="0"/>
+              <a:t> 	 </a:t>
+            </a:r>
+            <a:r>
+              <a:rPr lang="pt-BR" dirty="0" err="1"/>
+              <a:t>System.out.</a:t>
+            </a:r>
+            <a:r>
+              <a:rPr lang="pt-BR" dirty="0" err="1">
+                <a:solidFill>
+                  <a:srgbClr val="7030A0"/>
+                </a:solidFill>
+              </a:rPr>
+              <a:t>printIn</a:t>
+            </a:r>
+            <a:r>
+              <a:rPr lang="pt-BR" dirty="0">
+                <a:solidFill>
+                  <a:srgbClr val="0070C0"/>
+                </a:solidFill>
+              </a:rPr>
+              <a:t>(“Capacidade (Nº de passageiros): “ </a:t>
+            </a:r>
+            <a:r>
+              <a:rPr lang="pt-BR" dirty="0"/>
+              <a:t>+ </a:t>
+            </a:r>
+            <a:r>
+              <a:rPr lang="pt-BR" dirty="0" err="1"/>
+              <a:t>this.capacidade</a:t>
+            </a:r>
+            <a:r>
+              <a:rPr lang="pt-BR" dirty="0"/>
+              <a:t> );</a:t>
+            </a:r>
+          </a:p>
+          <a:p>
+            <a:r>
+              <a:rPr lang="pt-BR" dirty="0"/>
+              <a:t>} </a:t>
+            </a:r>
+            <a:endParaRPr lang="pt-BR" i="1" dirty="0"/>
+          </a:p>
+          <a:p>
+            <a:endParaRPr lang="pt-BR" dirty="0"/>
+          </a:p>
+          <a:p>
+            <a:r>
+              <a:rPr lang="pt-BR" dirty="0"/>
+              <a:t> </a:t>
+            </a:r>
+          </a:p>
+        </p:txBody>
+      </p:sp>
+    </p:spTree>
+    <p:extLst>
+      <p:ext uri="{BB962C8B-B14F-4D97-AF65-F5344CB8AC3E}">
+        <p14:creationId xmlns:p14="http://schemas.microsoft.com/office/powerpoint/2010/main" val="169967901"/>
+      </p:ext>
+    </p:extLst>
+  </p:cSld>
+  <p:clrMapOvr>
+    <a:masterClrMapping/>
+  </p:clrMapOvr>
+</p:sld>
+</file>
+
+<file path=ppt/slides/slide31.xml><?xml version="1.0" encoding="utf-8"?>
+<p:sld xmlns:a="http://schemas.openxmlformats.org/drawingml/2006/main" xmlns:r="http://schemas.openxmlformats.org/officeDocument/2006/relationships" xmlns:p="http://schemas.openxmlformats.org/presentationml/2006/main">
+  <p:cSld>
+    <p:spTree>
+      <p:nvGrpSpPr>
+        <p:cNvPr id="1" name=""/>
+        <p:cNvGrpSpPr/>
+        <p:nvPr/>
+      </p:nvGrpSpPr>
+      <p:grpSpPr>
+        <a:xfrm>
+          <a:off x="0" y="0"/>
+          <a:ext cx="0" cy="0"/>
+          <a:chOff x="0" y="0"/>
+          <a:chExt cx="0" cy="0"/>
+        </a:xfrm>
+      </p:grpSpPr>
+      <p:sp>
+        <p:nvSpPr>
+          <p:cNvPr id="4" name="Título 1">
+            <a:extLst>
+              <a:ext uri="{FF2B5EF4-FFF2-40B4-BE49-F238E27FC236}">
+                <a16:creationId xmlns:a16="http://schemas.microsoft.com/office/drawing/2014/main" id="{6C39060B-FEF0-6AA5-65E9-39A732572625}"/>
+              </a:ext>
+            </a:extLst>
+          </p:cNvPr>
+          <p:cNvSpPr>
+            <a:spLocks noGrp="1"/>
+          </p:cNvSpPr>
+          <p:nvPr>
+            <p:ph type="title"/>
+          </p:nvPr>
+        </p:nvSpPr>
+        <p:spPr>
+          <a:xfrm>
+            <a:off x="1096963" y="287338"/>
+            <a:ext cx="10058400" cy="1449387"/>
+          </a:xfrm>
+        </p:spPr>
+        <p:txBody>
+          <a:bodyPr/>
+          <a:lstStyle/>
+          <a:p>
+            <a:r>
+              <a:rPr lang="pt-BR" dirty="0"/>
+              <a:t>POLIMORFISMO</a:t>
+            </a:r>
+            <a:endParaRPr lang="pt-BR" sz="2400" dirty="0"/>
+          </a:p>
+        </p:txBody>
+      </p:sp>
+      <p:sp>
+        <p:nvSpPr>
+          <p:cNvPr id="31" name="Espaço Reservado para Conteúdo 2">
+            <a:extLst>
+              <a:ext uri="{FF2B5EF4-FFF2-40B4-BE49-F238E27FC236}">
+                <a16:creationId xmlns:a16="http://schemas.microsoft.com/office/drawing/2014/main" id="{D2061234-52CD-FFAB-42EF-8F3150325C73}"/>
+              </a:ext>
+            </a:extLst>
+          </p:cNvPr>
+          <p:cNvSpPr txBox="1">
+            <a:spLocks/>
+          </p:cNvSpPr>
+          <p:nvPr/>
+        </p:nvSpPr>
+        <p:spPr>
+          <a:xfrm>
+            <a:off x="1097279" y="1845734"/>
+            <a:ext cx="10058084" cy="4023360"/>
+          </a:xfrm>
+          <a:prstGeom prst="rect">
+            <a:avLst/>
+          </a:prstGeom>
+        </p:spPr>
+        <p:txBody>
+          <a:bodyPr vert="horz" lIns="0" tIns="45720" rIns="0" bIns="45720" rtlCol="0">
+            <a:normAutofit lnSpcReduction="10000"/>
+          </a:bodyPr>
+          <a:lstStyle>
+            <a:lvl1pPr marL="91440" indent="-91440" algn="l" defTabSz="914400" rtl="0" eaLnBrk="1" latinLnBrk="0" hangingPunct="1">
+              <a:lnSpc>
+                <a:spcPct val="90000"/>
+              </a:lnSpc>
+              <a:spcBef>
+                <a:spcPts val="1200"/>
+              </a:spcBef>
+              <a:spcAft>
+                <a:spcPts val="200"/>
+              </a:spcAft>
+              <a:buClr>
+                <a:schemeClr val="accent1"/>
+              </a:buClr>
+              <a:buSzPct val="100000"/>
+              <a:buFont typeface="Calibri" panose="020F0502020204030204" pitchFamily="34" charset="0"/>
+              <a:buChar char=" "/>
+              <a:defRPr sz="2000" kern="1200">
+                <a:solidFill>
+                  <a:schemeClr val="tx1">
+                    <a:lumMod val="75000"/>
+                    <a:lumOff val="25000"/>
+                  </a:schemeClr>
+                </a:solidFill>
+                <a:latin typeface="+mn-lt"/>
+                <a:ea typeface="+mn-ea"/>
+                <a:cs typeface="+mn-cs"/>
+              </a:defRPr>
+            </a:lvl1pPr>
+            <a:lvl2pPr marL="384048" indent="-182880" algn="l" defTabSz="914400" rtl="0" eaLnBrk="1" latinLnBrk="0" hangingPunct="1">
+              <a:lnSpc>
+                <a:spcPct val="90000"/>
+              </a:lnSpc>
+              <a:spcBef>
+                <a:spcPts val="200"/>
+              </a:spcBef>
+              <a:spcAft>
+                <a:spcPts val="400"/>
+              </a:spcAft>
+              <a:buClr>
+                <a:schemeClr val="accent1"/>
+              </a:buClr>
+              <a:buFont typeface="Calibri" pitchFamily="34" charset="0"/>
+              <a:buChar char="◦"/>
+              <a:defRPr sz="1800" kern="1200">
+                <a:solidFill>
+                  <a:schemeClr val="tx1">
+                    <a:lumMod val="75000"/>
+                    <a:lumOff val="25000"/>
+                  </a:schemeClr>
+                </a:solidFill>
+                <a:latin typeface="+mn-lt"/>
+                <a:ea typeface="+mn-ea"/>
+                <a:cs typeface="+mn-cs"/>
+              </a:defRPr>
+            </a:lvl2pPr>
+            <a:lvl3pPr marL="566928" indent="-182880" algn="l" defTabSz="914400" rtl="0" eaLnBrk="1" latinLnBrk="0" hangingPunct="1">
+              <a:lnSpc>
+                <a:spcPct val="90000"/>
+              </a:lnSpc>
+              <a:spcBef>
+                <a:spcPts val="200"/>
+              </a:spcBef>
+              <a:spcAft>
+                <a:spcPts val="400"/>
+              </a:spcAft>
+              <a:buClr>
+                <a:schemeClr val="accent1"/>
+              </a:buClr>
+              <a:buFont typeface="Calibri" pitchFamily="34" charset="0"/>
+              <a:buChar char="◦"/>
+              <a:defRPr sz="1400" kern="1200">
+                <a:solidFill>
+                  <a:schemeClr val="tx1">
+                    <a:lumMod val="75000"/>
+                    <a:lumOff val="25000"/>
+                  </a:schemeClr>
+                </a:solidFill>
+                <a:latin typeface="+mn-lt"/>
+                <a:ea typeface="+mn-ea"/>
+                <a:cs typeface="+mn-cs"/>
+              </a:defRPr>
+            </a:lvl3pPr>
+            <a:lvl4pPr marL="749808" indent="-182880" algn="l" defTabSz="914400" rtl="0" eaLnBrk="1" latinLnBrk="0" hangingPunct="1">
+              <a:lnSpc>
+                <a:spcPct val="90000"/>
+              </a:lnSpc>
+              <a:spcBef>
+                <a:spcPts val="200"/>
+              </a:spcBef>
+              <a:spcAft>
+                <a:spcPts val="400"/>
+              </a:spcAft>
+              <a:buClr>
+                <a:schemeClr val="accent1"/>
+              </a:buClr>
+              <a:buFont typeface="Calibri" pitchFamily="34" charset="0"/>
+              <a:buChar char="◦"/>
+              <a:defRPr sz="1400" kern="1200">
+                <a:solidFill>
+                  <a:schemeClr val="tx1">
+                    <a:lumMod val="75000"/>
+                    <a:lumOff val="25000"/>
+                  </a:schemeClr>
+                </a:solidFill>
+                <a:latin typeface="+mn-lt"/>
+                <a:ea typeface="+mn-ea"/>
+                <a:cs typeface="+mn-cs"/>
+              </a:defRPr>
+            </a:lvl4pPr>
+            <a:lvl5pPr marL="932688" indent="-182880" algn="l" defTabSz="914400" rtl="0" eaLnBrk="1" latinLnBrk="0" hangingPunct="1">
+              <a:lnSpc>
+                <a:spcPct val="90000"/>
+              </a:lnSpc>
+              <a:spcBef>
+                <a:spcPts val="200"/>
+              </a:spcBef>
+              <a:spcAft>
+                <a:spcPts val="400"/>
+              </a:spcAft>
+              <a:buClr>
+                <a:schemeClr val="accent1"/>
+              </a:buClr>
+              <a:buFont typeface="Calibri" pitchFamily="34" charset="0"/>
+              <a:buChar char="◦"/>
+              <a:defRPr sz="1400" kern="1200">
+                <a:solidFill>
+                  <a:schemeClr val="tx1">
+                    <a:lumMod val="75000"/>
+                    <a:lumOff val="25000"/>
+                  </a:schemeClr>
+                </a:solidFill>
+                <a:latin typeface="+mn-lt"/>
+                <a:ea typeface="+mn-ea"/>
+                <a:cs typeface="+mn-cs"/>
+              </a:defRPr>
+            </a:lvl5pPr>
+            <a:lvl6pPr marL="1100000" indent="-228600" algn="l" defTabSz="914400" rtl="0" eaLnBrk="1" latinLnBrk="0" hangingPunct="1">
+              <a:lnSpc>
+                <a:spcPct val="90000"/>
+              </a:lnSpc>
+              <a:spcBef>
+                <a:spcPts val="200"/>
+              </a:spcBef>
+              <a:spcAft>
+                <a:spcPts val="400"/>
+              </a:spcAft>
+              <a:buClr>
+                <a:schemeClr val="accent1"/>
+              </a:buClr>
+              <a:buFont typeface="Calibri" pitchFamily="34" charset="0"/>
+              <a:buChar char="◦"/>
+              <a:defRPr sz="1400" kern="1200">
+                <a:solidFill>
+                  <a:schemeClr val="tx1">
+                    <a:lumMod val="75000"/>
+                    <a:lumOff val="25000"/>
+                  </a:schemeClr>
+                </a:solidFill>
+                <a:latin typeface="+mn-lt"/>
+                <a:ea typeface="+mn-ea"/>
+                <a:cs typeface="+mn-cs"/>
+              </a:defRPr>
+            </a:lvl6pPr>
+            <a:lvl7pPr marL="1300000" indent="-228600" algn="l" defTabSz="914400" rtl="0" eaLnBrk="1" latinLnBrk="0" hangingPunct="1">
+              <a:lnSpc>
+                <a:spcPct val="90000"/>
+              </a:lnSpc>
+              <a:spcBef>
+                <a:spcPts val="200"/>
+              </a:spcBef>
+              <a:spcAft>
+                <a:spcPts val="400"/>
+              </a:spcAft>
+              <a:buClr>
+                <a:schemeClr val="accent1"/>
+              </a:buClr>
+              <a:buFont typeface="Calibri" pitchFamily="34" charset="0"/>
+              <a:buChar char="◦"/>
+              <a:defRPr sz="1400" kern="1200">
+                <a:solidFill>
+                  <a:schemeClr val="tx1">
+                    <a:lumMod val="75000"/>
+                    <a:lumOff val="25000"/>
+                  </a:schemeClr>
+                </a:solidFill>
+                <a:latin typeface="+mn-lt"/>
+                <a:ea typeface="+mn-ea"/>
+                <a:cs typeface="+mn-cs"/>
+              </a:defRPr>
+            </a:lvl7pPr>
+            <a:lvl8pPr marL="1500000" indent="-228600" algn="l" defTabSz="914400" rtl="0" eaLnBrk="1" latinLnBrk="0" hangingPunct="1">
+              <a:lnSpc>
+                <a:spcPct val="90000"/>
+              </a:lnSpc>
+              <a:spcBef>
+                <a:spcPts val="200"/>
+              </a:spcBef>
+              <a:spcAft>
+                <a:spcPts val="400"/>
+              </a:spcAft>
+              <a:buClr>
+                <a:schemeClr val="accent1"/>
+              </a:buClr>
+              <a:buFont typeface="Calibri" pitchFamily="34" charset="0"/>
+              <a:buChar char="◦"/>
+              <a:defRPr sz="1400" kern="1200">
+                <a:solidFill>
+                  <a:schemeClr val="tx1">
+                    <a:lumMod val="75000"/>
+                    <a:lumOff val="25000"/>
+                  </a:schemeClr>
+                </a:solidFill>
+                <a:latin typeface="+mn-lt"/>
+                <a:ea typeface="+mn-ea"/>
+                <a:cs typeface="+mn-cs"/>
+              </a:defRPr>
+            </a:lvl8pPr>
+            <a:lvl9pPr marL="1700000" indent="-228600" algn="l" defTabSz="914400" rtl="0" eaLnBrk="1" latinLnBrk="0" hangingPunct="1">
+              <a:lnSpc>
+                <a:spcPct val="90000"/>
+              </a:lnSpc>
+              <a:spcBef>
+                <a:spcPts val="200"/>
+              </a:spcBef>
+              <a:spcAft>
+                <a:spcPts val="400"/>
+              </a:spcAft>
+              <a:buClr>
+                <a:schemeClr val="accent1"/>
+              </a:buClr>
+              <a:buFont typeface="Calibri" pitchFamily="34" charset="0"/>
+              <a:buChar char="◦"/>
+              <a:defRPr sz="1400" kern="1200">
+                <a:solidFill>
+                  <a:schemeClr val="tx1">
+                    <a:lumMod val="75000"/>
+                    <a:lumOff val="25000"/>
+                  </a:schemeClr>
+                </a:solidFill>
+                <a:latin typeface="+mn-lt"/>
+                <a:ea typeface="+mn-ea"/>
+                <a:cs typeface="+mn-cs"/>
+              </a:defRPr>
+            </a:lvl9pPr>
+          </a:lstStyle>
+          <a:p>
+            <a:r>
+              <a:rPr lang="pt-BR" dirty="0"/>
+              <a:t>Aqui temos um exemplo de sobrescrita, onde o Método </a:t>
+            </a:r>
+            <a:r>
+              <a:rPr lang="pt-BR" i="1" dirty="0"/>
+              <a:t>visualizar()</a:t>
+            </a:r>
+            <a:r>
+              <a:rPr lang="pt-BR" dirty="0"/>
+              <a:t> na Classe Terrestre está sendo implementado:</a:t>
+            </a:r>
+          </a:p>
+          <a:p>
+            <a:r>
+              <a:rPr lang="pt-BR" dirty="0">
+                <a:solidFill>
+                  <a:srgbClr val="0070C0"/>
+                </a:solidFill>
+              </a:rPr>
+              <a:t>@Override</a:t>
+            </a:r>
+          </a:p>
+          <a:p>
+            <a:r>
+              <a:rPr lang="pt-BR" dirty="0">
+                <a:solidFill>
+                  <a:srgbClr val="FF0000"/>
+                </a:solidFill>
+              </a:rPr>
+              <a:t>public</a:t>
+            </a:r>
+            <a:r>
+              <a:rPr lang="pt-BR" dirty="0"/>
+              <a:t> void visualizar() {</a:t>
+            </a:r>
+          </a:p>
+          <a:p>
+            <a:r>
+              <a:rPr lang="pt-BR" dirty="0"/>
+              <a:t> 	 </a:t>
+            </a:r>
+            <a:r>
+              <a:rPr lang="pt-BR" dirty="0" err="1">
+                <a:solidFill>
+                  <a:srgbClr val="7030A0"/>
+                </a:solidFill>
+              </a:rPr>
+              <a:t>super.visualizar</a:t>
+            </a:r>
+            <a:r>
+              <a:rPr lang="pt-BR" dirty="0">
+                <a:solidFill>
+                  <a:srgbClr val="7030A0"/>
+                </a:solidFill>
+              </a:rPr>
+              <a:t>();</a:t>
+            </a:r>
+          </a:p>
+          <a:p>
+            <a:r>
+              <a:rPr lang="pt-BR" dirty="0"/>
+              <a:t> 	 </a:t>
+            </a:r>
+            <a:r>
+              <a:rPr lang="pt-BR" dirty="0" err="1"/>
+              <a:t>System.out.</a:t>
+            </a:r>
+            <a:r>
+              <a:rPr lang="pt-BR" dirty="0" err="1">
+                <a:solidFill>
+                  <a:srgbClr val="7030A0"/>
+                </a:solidFill>
+              </a:rPr>
+              <a:t>printIn</a:t>
+            </a:r>
+            <a:r>
+              <a:rPr lang="pt-BR" dirty="0">
+                <a:solidFill>
+                  <a:srgbClr val="0070C0"/>
+                </a:solidFill>
+              </a:rPr>
+              <a:t>(“Número de rodas: ”</a:t>
+            </a:r>
+            <a:r>
+              <a:rPr lang="pt-BR" dirty="0">
+                <a:solidFill>
+                  <a:schemeClr val="bg2">
+                    <a:lumMod val="25000"/>
+                  </a:schemeClr>
+                </a:solidFill>
+              </a:rPr>
+              <a:t> </a:t>
+            </a:r>
+            <a:r>
+              <a:rPr lang="pt-BR" dirty="0"/>
+              <a:t>+ </a:t>
+            </a:r>
+            <a:r>
+              <a:rPr lang="pt-BR" dirty="0" err="1"/>
+              <a:t>this.numeroRodas</a:t>
+            </a:r>
+            <a:r>
+              <a:rPr lang="pt-BR" dirty="0"/>
+              <a:t>);</a:t>
+            </a:r>
+          </a:p>
+          <a:p>
+            <a:r>
+              <a:rPr lang="pt-BR" dirty="0"/>
+              <a:t> 	 </a:t>
+            </a:r>
+            <a:r>
+              <a:rPr lang="pt-BR" dirty="0" err="1"/>
+              <a:t>System.out.</a:t>
+            </a:r>
+            <a:r>
+              <a:rPr lang="pt-BR" dirty="0" err="1">
+                <a:solidFill>
+                  <a:srgbClr val="7030A0"/>
+                </a:solidFill>
+              </a:rPr>
+              <a:t>printIn</a:t>
+            </a:r>
+            <a:r>
+              <a:rPr lang="pt-BR" dirty="0">
+                <a:solidFill>
+                  <a:srgbClr val="0070C0"/>
+                </a:solidFill>
+              </a:rPr>
+              <a:t>(“Velocidade” </a:t>
+            </a:r>
+            <a:r>
+              <a:rPr lang="pt-BR" dirty="0"/>
+              <a:t>+ </a:t>
+            </a:r>
+            <a:r>
+              <a:rPr lang="pt-BR" dirty="0" err="1"/>
+              <a:t>this.velocidade</a:t>
+            </a:r>
+            <a:r>
+              <a:rPr lang="pt-BR" dirty="0"/>
+              <a:t>);</a:t>
+            </a:r>
+          </a:p>
+          <a:p>
+            <a:r>
+              <a:rPr lang="pt-BR" dirty="0"/>
+              <a:t>} </a:t>
+            </a:r>
+            <a:endParaRPr lang="pt-BR" i="1" dirty="0"/>
+          </a:p>
+          <a:p>
+            <a:endParaRPr lang="pt-BR" dirty="0"/>
+          </a:p>
+          <a:p>
+            <a:r>
+              <a:rPr lang="pt-BR" dirty="0"/>
+              <a:t> </a:t>
+            </a:r>
+          </a:p>
+        </p:txBody>
+      </p:sp>
+    </p:spTree>
+    <p:extLst>
+      <p:ext uri="{BB962C8B-B14F-4D97-AF65-F5344CB8AC3E}">
+        <p14:creationId xmlns:p14="http://schemas.microsoft.com/office/powerpoint/2010/main" val="3462366051"/>
+      </p:ext>
+    </p:extLst>
+  </p:cSld>
+  <p:clrMapOvr>
+    <a:masterClrMapping/>
+  </p:clrMapOvr>
+</p:sld>
+</file>
+
+<file path=ppt/slides/slide32.xml><?xml version="1.0" encoding="utf-8"?>
+<p:sld xmlns:a="http://schemas.openxmlformats.org/drawingml/2006/main" xmlns:r="http://schemas.openxmlformats.org/officeDocument/2006/relationships" xmlns:p="http://schemas.openxmlformats.org/presentationml/2006/main">
+  <p:cSld>
+    <p:spTree>
+      <p:nvGrpSpPr>
+        <p:cNvPr id="1" name=""/>
+        <p:cNvGrpSpPr/>
+        <p:nvPr/>
+      </p:nvGrpSpPr>
+      <p:grpSpPr>
+        <a:xfrm>
+          <a:off x="0" y="0"/>
+          <a:ext cx="0" cy="0"/>
+          <a:chOff x="0" y="0"/>
+          <a:chExt cx="0" cy="0"/>
+        </a:xfrm>
+      </p:grpSpPr>
+      <p:sp>
+        <p:nvSpPr>
+          <p:cNvPr id="4" name="Título 1">
+            <a:extLst>
+              <a:ext uri="{FF2B5EF4-FFF2-40B4-BE49-F238E27FC236}">
+                <a16:creationId xmlns:a16="http://schemas.microsoft.com/office/drawing/2014/main" id="{6C39060B-FEF0-6AA5-65E9-39A732572625}"/>
+              </a:ext>
+            </a:extLst>
+          </p:cNvPr>
+          <p:cNvSpPr>
+            <a:spLocks noGrp="1"/>
+          </p:cNvSpPr>
+          <p:nvPr>
+            <p:ph type="title"/>
+          </p:nvPr>
+        </p:nvSpPr>
+        <p:spPr>
+          <a:xfrm>
+            <a:off x="1096963" y="287338"/>
+            <a:ext cx="10058400" cy="1449387"/>
+          </a:xfrm>
+        </p:spPr>
+        <p:txBody>
+          <a:bodyPr/>
+          <a:lstStyle/>
+          <a:p>
+            <a:r>
+              <a:rPr lang="pt-BR" dirty="0"/>
+              <a:t>POLIMORFISMO</a:t>
+            </a:r>
+            <a:endParaRPr lang="pt-BR" sz="2400" dirty="0"/>
+          </a:p>
+        </p:txBody>
+      </p:sp>
+      <p:sp>
+        <p:nvSpPr>
+          <p:cNvPr id="31" name="Espaço Reservado para Conteúdo 2">
+            <a:extLst>
+              <a:ext uri="{FF2B5EF4-FFF2-40B4-BE49-F238E27FC236}">
+                <a16:creationId xmlns:a16="http://schemas.microsoft.com/office/drawing/2014/main" id="{D2061234-52CD-FFAB-42EF-8F3150325C73}"/>
+              </a:ext>
+            </a:extLst>
+          </p:cNvPr>
+          <p:cNvSpPr txBox="1">
+            <a:spLocks/>
+          </p:cNvSpPr>
+          <p:nvPr/>
+        </p:nvSpPr>
+        <p:spPr>
+          <a:xfrm>
+            <a:off x="1097279" y="1845734"/>
+            <a:ext cx="10058084" cy="4023360"/>
+          </a:xfrm>
+          <a:prstGeom prst="rect">
+            <a:avLst/>
+          </a:prstGeom>
+        </p:spPr>
+        <p:txBody>
+          <a:bodyPr vert="horz" lIns="0" tIns="45720" rIns="0" bIns="45720" rtlCol="0">
+            <a:noAutofit/>
+          </a:bodyPr>
+          <a:lstStyle>
+            <a:lvl1pPr marL="91440" indent="-91440" algn="l" defTabSz="914400" rtl="0" eaLnBrk="1" latinLnBrk="0" hangingPunct="1">
+              <a:lnSpc>
+                <a:spcPct val="90000"/>
+              </a:lnSpc>
+              <a:spcBef>
+                <a:spcPts val="1200"/>
+              </a:spcBef>
+              <a:spcAft>
+                <a:spcPts val="200"/>
+              </a:spcAft>
+              <a:buClr>
+                <a:schemeClr val="accent1"/>
+              </a:buClr>
+              <a:buSzPct val="100000"/>
+              <a:buFont typeface="Calibri" panose="020F0502020204030204" pitchFamily="34" charset="0"/>
+              <a:buChar char=" "/>
+              <a:defRPr sz="2000" kern="1200">
+                <a:solidFill>
+                  <a:schemeClr val="tx1">
+                    <a:lumMod val="75000"/>
+                    <a:lumOff val="25000"/>
+                  </a:schemeClr>
+                </a:solidFill>
+                <a:latin typeface="+mn-lt"/>
+                <a:ea typeface="+mn-ea"/>
+                <a:cs typeface="+mn-cs"/>
+              </a:defRPr>
+            </a:lvl1pPr>
+            <a:lvl2pPr marL="384048" indent="-182880" algn="l" defTabSz="914400" rtl="0" eaLnBrk="1" latinLnBrk="0" hangingPunct="1">
+              <a:lnSpc>
+                <a:spcPct val="90000"/>
+              </a:lnSpc>
+              <a:spcBef>
+                <a:spcPts val="200"/>
+              </a:spcBef>
+              <a:spcAft>
+                <a:spcPts val="400"/>
+              </a:spcAft>
+              <a:buClr>
+                <a:schemeClr val="accent1"/>
+              </a:buClr>
+              <a:buFont typeface="Calibri" pitchFamily="34" charset="0"/>
+              <a:buChar char="◦"/>
+              <a:defRPr sz="1800" kern="1200">
+                <a:solidFill>
+                  <a:schemeClr val="tx1">
+                    <a:lumMod val="75000"/>
+                    <a:lumOff val="25000"/>
+                  </a:schemeClr>
+                </a:solidFill>
+                <a:latin typeface="+mn-lt"/>
+                <a:ea typeface="+mn-ea"/>
+                <a:cs typeface="+mn-cs"/>
+              </a:defRPr>
+            </a:lvl2pPr>
+            <a:lvl3pPr marL="566928" indent="-182880" algn="l" defTabSz="914400" rtl="0" eaLnBrk="1" latinLnBrk="0" hangingPunct="1">
+              <a:lnSpc>
+                <a:spcPct val="90000"/>
+              </a:lnSpc>
+              <a:spcBef>
+                <a:spcPts val="200"/>
+              </a:spcBef>
+              <a:spcAft>
+                <a:spcPts val="400"/>
+              </a:spcAft>
+              <a:buClr>
+                <a:schemeClr val="accent1"/>
+              </a:buClr>
+              <a:buFont typeface="Calibri" pitchFamily="34" charset="0"/>
+              <a:buChar char="◦"/>
+              <a:defRPr sz="1400" kern="1200">
+                <a:solidFill>
+                  <a:schemeClr val="tx1">
+                    <a:lumMod val="75000"/>
+                    <a:lumOff val="25000"/>
+                  </a:schemeClr>
+                </a:solidFill>
+                <a:latin typeface="+mn-lt"/>
+                <a:ea typeface="+mn-ea"/>
+                <a:cs typeface="+mn-cs"/>
+              </a:defRPr>
+            </a:lvl3pPr>
+            <a:lvl4pPr marL="749808" indent="-182880" algn="l" defTabSz="914400" rtl="0" eaLnBrk="1" latinLnBrk="0" hangingPunct="1">
+              <a:lnSpc>
+                <a:spcPct val="90000"/>
+              </a:lnSpc>
+              <a:spcBef>
+                <a:spcPts val="200"/>
+              </a:spcBef>
+              <a:spcAft>
+                <a:spcPts val="400"/>
+              </a:spcAft>
+              <a:buClr>
+                <a:schemeClr val="accent1"/>
+              </a:buClr>
+              <a:buFont typeface="Calibri" pitchFamily="34" charset="0"/>
+              <a:buChar char="◦"/>
+              <a:defRPr sz="1400" kern="1200">
+                <a:solidFill>
+                  <a:schemeClr val="tx1">
+                    <a:lumMod val="75000"/>
+                    <a:lumOff val="25000"/>
+                  </a:schemeClr>
+                </a:solidFill>
+                <a:latin typeface="+mn-lt"/>
+                <a:ea typeface="+mn-ea"/>
+                <a:cs typeface="+mn-cs"/>
+              </a:defRPr>
+            </a:lvl4pPr>
+            <a:lvl5pPr marL="932688" indent="-182880" algn="l" defTabSz="914400" rtl="0" eaLnBrk="1" latinLnBrk="0" hangingPunct="1">
+              <a:lnSpc>
+                <a:spcPct val="90000"/>
+              </a:lnSpc>
+              <a:spcBef>
+                <a:spcPts val="200"/>
+              </a:spcBef>
+              <a:spcAft>
+                <a:spcPts val="400"/>
+              </a:spcAft>
+              <a:buClr>
+                <a:schemeClr val="accent1"/>
+              </a:buClr>
+              <a:buFont typeface="Calibri" pitchFamily="34" charset="0"/>
+              <a:buChar char="◦"/>
+              <a:defRPr sz="1400" kern="1200">
+                <a:solidFill>
+                  <a:schemeClr val="tx1">
+                    <a:lumMod val="75000"/>
+                    <a:lumOff val="25000"/>
+                  </a:schemeClr>
+                </a:solidFill>
+                <a:latin typeface="+mn-lt"/>
+                <a:ea typeface="+mn-ea"/>
+                <a:cs typeface="+mn-cs"/>
+              </a:defRPr>
+            </a:lvl5pPr>
+            <a:lvl6pPr marL="1100000" indent="-228600" algn="l" defTabSz="914400" rtl="0" eaLnBrk="1" latinLnBrk="0" hangingPunct="1">
+              <a:lnSpc>
+                <a:spcPct val="90000"/>
+              </a:lnSpc>
+              <a:spcBef>
+                <a:spcPts val="200"/>
+              </a:spcBef>
+              <a:spcAft>
+                <a:spcPts val="400"/>
+              </a:spcAft>
+              <a:buClr>
+                <a:schemeClr val="accent1"/>
+              </a:buClr>
+              <a:buFont typeface="Calibri" pitchFamily="34" charset="0"/>
+              <a:buChar char="◦"/>
+              <a:defRPr sz="1400" kern="1200">
+                <a:solidFill>
+                  <a:schemeClr val="tx1">
+                    <a:lumMod val="75000"/>
+                    <a:lumOff val="25000"/>
+                  </a:schemeClr>
+                </a:solidFill>
+                <a:latin typeface="+mn-lt"/>
+                <a:ea typeface="+mn-ea"/>
+                <a:cs typeface="+mn-cs"/>
+              </a:defRPr>
+            </a:lvl6pPr>
+            <a:lvl7pPr marL="1300000" indent="-228600" algn="l" defTabSz="914400" rtl="0" eaLnBrk="1" latinLnBrk="0" hangingPunct="1">
+              <a:lnSpc>
+                <a:spcPct val="90000"/>
+              </a:lnSpc>
+              <a:spcBef>
+                <a:spcPts val="200"/>
+              </a:spcBef>
+              <a:spcAft>
+                <a:spcPts val="400"/>
+              </a:spcAft>
+              <a:buClr>
+                <a:schemeClr val="accent1"/>
+              </a:buClr>
+              <a:buFont typeface="Calibri" pitchFamily="34" charset="0"/>
+              <a:buChar char="◦"/>
+              <a:defRPr sz="1400" kern="1200">
+                <a:solidFill>
+                  <a:schemeClr val="tx1">
+                    <a:lumMod val="75000"/>
+                    <a:lumOff val="25000"/>
+                  </a:schemeClr>
+                </a:solidFill>
+                <a:latin typeface="+mn-lt"/>
+                <a:ea typeface="+mn-ea"/>
+                <a:cs typeface="+mn-cs"/>
+              </a:defRPr>
+            </a:lvl7pPr>
+            <a:lvl8pPr marL="1500000" indent="-228600" algn="l" defTabSz="914400" rtl="0" eaLnBrk="1" latinLnBrk="0" hangingPunct="1">
+              <a:lnSpc>
+                <a:spcPct val="90000"/>
+              </a:lnSpc>
+              <a:spcBef>
+                <a:spcPts val="200"/>
+              </a:spcBef>
+              <a:spcAft>
+                <a:spcPts val="400"/>
+              </a:spcAft>
+              <a:buClr>
+                <a:schemeClr val="accent1"/>
+              </a:buClr>
+              <a:buFont typeface="Calibri" pitchFamily="34" charset="0"/>
+              <a:buChar char="◦"/>
+              <a:defRPr sz="1400" kern="1200">
+                <a:solidFill>
+                  <a:schemeClr val="tx1">
+                    <a:lumMod val="75000"/>
+                    <a:lumOff val="25000"/>
+                  </a:schemeClr>
+                </a:solidFill>
+                <a:latin typeface="+mn-lt"/>
+                <a:ea typeface="+mn-ea"/>
+                <a:cs typeface="+mn-cs"/>
+              </a:defRPr>
+            </a:lvl8pPr>
+            <a:lvl9pPr marL="1700000" indent="-228600" algn="l" defTabSz="914400" rtl="0" eaLnBrk="1" latinLnBrk="0" hangingPunct="1">
+              <a:lnSpc>
+                <a:spcPct val="90000"/>
+              </a:lnSpc>
+              <a:spcBef>
+                <a:spcPts val="200"/>
+              </a:spcBef>
+              <a:spcAft>
+                <a:spcPts val="400"/>
+              </a:spcAft>
+              <a:buClr>
+                <a:schemeClr val="accent1"/>
+              </a:buClr>
+              <a:buFont typeface="Calibri" pitchFamily="34" charset="0"/>
+              <a:buChar char="◦"/>
+              <a:defRPr sz="1400" kern="1200">
+                <a:solidFill>
+                  <a:schemeClr val="tx1">
+                    <a:lumMod val="75000"/>
+                    <a:lumOff val="25000"/>
+                  </a:schemeClr>
+                </a:solidFill>
+                <a:latin typeface="+mn-lt"/>
+                <a:ea typeface="+mn-ea"/>
+                <a:cs typeface="+mn-cs"/>
+              </a:defRPr>
+            </a:lvl9pPr>
+          </a:lstStyle>
+          <a:p>
+            <a:r>
+              <a:rPr lang="pt-BR" dirty="0"/>
+              <a:t>Aqui temos um exemplo de sobrescrita, onde o Método </a:t>
+            </a:r>
+            <a:r>
+              <a:rPr lang="pt-BR" i="1" dirty="0"/>
+              <a:t>visualizar()</a:t>
+            </a:r>
+            <a:r>
+              <a:rPr lang="pt-BR" dirty="0"/>
+              <a:t> na Classe Automóvel está sendo implementado:</a:t>
+            </a:r>
+          </a:p>
+          <a:p>
+            <a:r>
+              <a:rPr lang="pt-BR" dirty="0">
+                <a:solidFill>
+                  <a:srgbClr val="0070C0"/>
+                </a:solidFill>
+              </a:rPr>
+              <a:t>@Override</a:t>
+            </a:r>
+          </a:p>
+          <a:p>
+            <a:r>
+              <a:rPr lang="pt-BR" dirty="0">
+                <a:solidFill>
+                  <a:srgbClr val="FF0000"/>
+                </a:solidFill>
+              </a:rPr>
+              <a:t>public</a:t>
+            </a:r>
+            <a:r>
+              <a:rPr lang="pt-BR" dirty="0"/>
+              <a:t> void visualizar() {</a:t>
+            </a:r>
+          </a:p>
+          <a:p>
+            <a:r>
+              <a:rPr lang="pt-BR" dirty="0"/>
+              <a:t> 	 </a:t>
+            </a:r>
+            <a:r>
+              <a:rPr lang="pt-BR" dirty="0">
+                <a:solidFill>
+                  <a:srgbClr val="7030A0"/>
+                </a:solidFill>
+              </a:rPr>
+              <a:t>super.visualizar();</a:t>
+            </a:r>
+          </a:p>
+          <a:p>
+            <a:r>
+              <a:rPr lang="pt-BR" dirty="0"/>
+              <a:t> 	 System.out.</a:t>
+            </a:r>
+            <a:r>
+              <a:rPr lang="pt-BR" dirty="0">
+                <a:solidFill>
+                  <a:srgbClr val="7030A0"/>
+                </a:solidFill>
+              </a:rPr>
+              <a:t>printIn</a:t>
+            </a:r>
+            <a:r>
+              <a:rPr lang="pt-BR" dirty="0">
+                <a:solidFill>
+                  <a:srgbClr val="0070C0"/>
+                </a:solidFill>
+              </a:rPr>
+              <a:t>(“Cor: ”</a:t>
+            </a:r>
+            <a:r>
+              <a:rPr lang="pt-BR" dirty="0">
+                <a:solidFill>
+                  <a:schemeClr val="bg2">
+                    <a:lumMod val="25000"/>
+                  </a:schemeClr>
+                </a:solidFill>
+              </a:rPr>
+              <a:t> </a:t>
+            </a:r>
+            <a:r>
+              <a:rPr lang="pt-BR" dirty="0"/>
+              <a:t>+ this.cor);</a:t>
+            </a:r>
+          </a:p>
+          <a:p>
+            <a:r>
+              <a:rPr lang="pt-BR" dirty="0"/>
+              <a:t> 	 System.out.</a:t>
+            </a:r>
+            <a:r>
+              <a:rPr lang="pt-BR" dirty="0">
+                <a:solidFill>
+                  <a:srgbClr val="7030A0"/>
+                </a:solidFill>
+              </a:rPr>
+              <a:t>printIn</a:t>
+            </a:r>
+            <a:r>
+              <a:rPr lang="pt-BR" dirty="0">
+                <a:solidFill>
+                  <a:srgbClr val="0070C0"/>
+                </a:solidFill>
+              </a:rPr>
+              <a:t>(“Nº de portas: ” </a:t>
+            </a:r>
+            <a:r>
+              <a:rPr lang="pt-BR" dirty="0"/>
+              <a:t>+ this.numeroPortas);</a:t>
+            </a:r>
+          </a:p>
+          <a:p>
+            <a:r>
+              <a:rPr lang="pt-BR" dirty="0"/>
+              <a:t> 	 System.out.</a:t>
+            </a:r>
+            <a:r>
+              <a:rPr lang="pt-BR" dirty="0">
+                <a:solidFill>
+                  <a:srgbClr val="7030A0"/>
+                </a:solidFill>
+              </a:rPr>
+              <a:t>printIn</a:t>
+            </a:r>
+            <a:r>
+              <a:rPr lang="pt-BR" dirty="0">
+                <a:solidFill>
+                  <a:srgbClr val="0070C0"/>
+                </a:solidFill>
+              </a:rPr>
+              <a:t>(“Placa: ”</a:t>
+            </a:r>
+            <a:r>
+              <a:rPr lang="pt-BR" dirty="0">
+                <a:solidFill>
+                  <a:schemeClr val="bg2">
+                    <a:lumMod val="25000"/>
+                  </a:schemeClr>
+                </a:solidFill>
+              </a:rPr>
+              <a:t> </a:t>
+            </a:r>
+            <a:r>
+              <a:rPr lang="pt-BR" dirty="0"/>
+              <a:t>+ this.placa);</a:t>
+            </a:r>
+          </a:p>
+          <a:p>
+            <a:r>
+              <a:rPr lang="pt-BR" dirty="0"/>
+              <a:t> 	 System.out.</a:t>
+            </a:r>
+            <a:r>
+              <a:rPr lang="pt-BR" dirty="0">
+                <a:solidFill>
+                  <a:srgbClr val="7030A0"/>
+                </a:solidFill>
+              </a:rPr>
+              <a:t>printIn</a:t>
+            </a:r>
+            <a:r>
+              <a:rPr lang="pt-BR" dirty="0">
+                <a:solidFill>
+                  <a:srgbClr val="0070C0"/>
+                </a:solidFill>
+              </a:rPr>
+              <a:t>(“Marcha: ”</a:t>
+            </a:r>
+            <a:r>
+              <a:rPr lang="pt-BR" dirty="0">
+                <a:solidFill>
+                  <a:schemeClr val="bg2">
+                    <a:lumMod val="25000"/>
+                  </a:schemeClr>
+                </a:solidFill>
+              </a:rPr>
+              <a:t> </a:t>
+            </a:r>
+            <a:r>
+              <a:rPr lang="pt-BR" dirty="0"/>
+              <a:t>+ this.marcha);</a:t>
+            </a:r>
+          </a:p>
+          <a:p>
+            <a:r>
+              <a:rPr lang="pt-BR" dirty="0"/>
+              <a:t>} </a:t>
+            </a:r>
+            <a:endParaRPr lang="pt-BR" i="1" dirty="0"/>
+          </a:p>
+        </p:txBody>
+      </p:sp>
+    </p:spTree>
+    <p:extLst>
+      <p:ext uri="{BB962C8B-B14F-4D97-AF65-F5344CB8AC3E}">
+        <p14:creationId xmlns:p14="http://schemas.microsoft.com/office/powerpoint/2010/main" val="560967922"/>
+      </p:ext>
+    </p:extLst>
+  </p:cSld>
+  <p:clrMapOvr>
+    <a:masterClrMapping/>
+  </p:clrMapOvr>
+</p:sld>
+</file>
+
+<file path=ppt/slides/slide33.xml><?xml version="1.0" encoding="utf-8"?>
+<p:sld xmlns:a="http://schemas.openxmlformats.org/drawingml/2006/main" xmlns:r="http://schemas.openxmlformats.org/officeDocument/2006/relationships" xmlns:p="http://schemas.openxmlformats.org/presentationml/2006/main">
+  <p:cSld>
+    <p:spTree>
+      <p:nvGrpSpPr>
+        <p:cNvPr id="1" name=""/>
+        <p:cNvGrpSpPr/>
+        <p:nvPr/>
+      </p:nvGrpSpPr>
+      <p:grpSpPr>
+        <a:xfrm>
+          <a:off x="0" y="0"/>
+          <a:ext cx="0" cy="0"/>
+          <a:chOff x="0" y="0"/>
+          <a:chExt cx="0" cy="0"/>
+        </a:xfrm>
+      </p:grpSpPr>
+      <p:sp>
+        <p:nvSpPr>
+          <p:cNvPr id="4" name="Título 1">
+            <a:extLst>
+              <a:ext uri="{FF2B5EF4-FFF2-40B4-BE49-F238E27FC236}">
+                <a16:creationId xmlns:a16="http://schemas.microsoft.com/office/drawing/2014/main" id="{6C39060B-FEF0-6AA5-65E9-39A732572625}"/>
+              </a:ext>
+            </a:extLst>
+          </p:cNvPr>
+          <p:cNvSpPr>
+            <a:spLocks noGrp="1"/>
+          </p:cNvSpPr>
+          <p:nvPr>
+            <p:ph type="title"/>
+          </p:nvPr>
+        </p:nvSpPr>
+        <p:spPr>
+          <a:xfrm>
+            <a:off x="1096963" y="287338"/>
+            <a:ext cx="10058400" cy="1449387"/>
+          </a:xfrm>
+        </p:spPr>
+        <p:txBody>
+          <a:bodyPr/>
+          <a:lstStyle/>
+          <a:p>
+            <a:r>
+              <a:rPr lang="pt-BR" dirty="0"/>
+              <a:t>POLIMORFISMO</a:t>
+            </a:r>
+            <a:endParaRPr lang="pt-BR" sz="2400" dirty="0"/>
+          </a:p>
+        </p:txBody>
+      </p:sp>
+      <p:sp>
+        <p:nvSpPr>
+          <p:cNvPr id="31" name="Espaço Reservado para Conteúdo 2">
+            <a:extLst>
+              <a:ext uri="{FF2B5EF4-FFF2-40B4-BE49-F238E27FC236}">
+                <a16:creationId xmlns:a16="http://schemas.microsoft.com/office/drawing/2014/main" id="{D2061234-52CD-FFAB-42EF-8F3150325C73}"/>
+              </a:ext>
+            </a:extLst>
+          </p:cNvPr>
+          <p:cNvSpPr txBox="1">
+            <a:spLocks/>
+          </p:cNvSpPr>
+          <p:nvPr/>
+        </p:nvSpPr>
+        <p:spPr>
+          <a:xfrm>
+            <a:off x="1097279" y="1845734"/>
+            <a:ext cx="10058084" cy="4023360"/>
+          </a:xfrm>
+          <a:prstGeom prst="rect">
+            <a:avLst/>
+          </a:prstGeom>
+        </p:spPr>
+        <p:txBody>
+          <a:bodyPr vert="horz" lIns="0" tIns="45720" rIns="0" bIns="45720" rtlCol="0">
+            <a:noAutofit/>
+          </a:bodyPr>
+          <a:lstStyle>
+            <a:lvl1pPr marL="91440" indent="-91440" algn="l" defTabSz="914400" rtl="0" eaLnBrk="1" latinLnBrk="0" hangingPunct="1">
+              <a:lnSpc>
+                <a:spcPct val="90000"/>
+              </a:lnSpc>
+              <a:spcBef>
+                <a:spcPts val="1200"/>
+              </a:spcBef>
+              <a:spcAft>
+                <a:spcPts val="200"/>
+              </a:spcAft>
+              <a:buClr>
+                <a:schemeClr val="accent1"/>
+              </a:buClr>
+              <a:buSzPct val="100000"/>
+              <a:buFont typeface="Calibri" panose="020F0502020204030204" pitchFamily="34" charset="0"/>
+              <a:buChar char=" "/>
+              <a:defRPr sz="2000" kern="1200">
+                <a:solidFill>
+                  <a:schemeClr val="tx1">
+                    <a:lumMod val="75000"/>
+                    <a:lumOff val="25000"/>
+                  </a:schemeClr>
+                </a:solidFill>
+                <a:latin typeface="+mn-lt"/>
+                <a:ea typeface="+mn-ea"/>
+                <a:cs typeface="+mn-cs"/>
+              </a:defRPr>
+            </a:lvl1pPr>
+            <a:lvl2pPr marL="384048" indent="-182880" algn="l" defTabSz="914400" rtl="0" eaLnBrk="1" latinLnBrk="0" hangingPunct="1">
+              <a:lnSpc>
+                <a:spcPct val="90000"/>
+              </a:lnSpc>
+              <a:spcBef>
+                <a:spcPts val="200"/>
+              </a:spcBef>
+              <a:spcAft>
+                <a:spcPts val="400"/>
+              </a:spcAft>
+              <a:buClr>
+                <a:schemeClr val="accent1"/>
+              </a:buClr>
+              <a:buFont typeface="Calibri" pitchFamily="34" charset="0"/>
+              <a:buChar char="◦"/>
+              <a:defRPr sz="1800" kern="1200">
+                <a:solidFill>
+                  <a:schemeClr val="tx1">
+                    <a:lumMod val="75000"/>
+                    <a:lumOff val="25000"/>
+                  </a:schemeClr>
+                </a:solidFill>
+                <a:latin typeface="+mn-lt"/>
+                <a:ea typeface="+mn-ea"/>
+                <a:cs typeface="+mn-cs"/>
+              </a:defRPr>
+            </a:lvl2pPr>
+            <a:lvl3pPr marL="566928" indent="-182880" algn="l" defTabSz="914400" rtl="0" eaLnBrk="1" latinLnBrk="0" hangingPunct="1">
+              <a:lnSpc>
+                <a:spcPct val="90000"/>
+              </a:lnSpc>
+              <a:spcBef>
+                <a:spcPts val="200"/>
+              </a:spcBef>
+              <a:spcAft>
+                <a:spcPts val="400"/>
+              </a:spcAft>
+              <a:buClr>
+                <a:schemeClr val="accent1"/>
+              </a:buClr>
+              <a:buFont typeface="Calibri" pitchFamily="34" charset="0"/>
+              <a:buChar char="◦"/>
+              <a:defRPr sz="1400" kern="1200">
+                <a:solidFill>
+                  <a:schemeClr val="tx1">
+                    <a:lumMod val="75000"/>
+                    <a:lumOff val="25000"/>
+                  </a:schemeClr>
+                </a:solidFill>
+                <a:latin typeface="+mn-lt"/>
+                <a:ea typeface="+mn-ea"/>
+                <a:cs typeface="+mn-cs"/>
+              </a:defRPr>
+            </a:lvl3pPr>
+            <a:lvl4pPr marL="749808" indent="-182880" algn="l" defTabSz="914400" rtl="0" eaLnBrk="1" latinLnBrk="0" hangingPunct="1">
+              <a:lnSpc>
+                <a:spcPct val="90000"/>
+              </a:lnSpc>
+              <a:spcBef>
+                <a:spcPts val="200"/>
+              </a:spcBef>
+              <a:spcAft>
+                <a:spcPts val="400"/>
+              </a:spcAft>
+              <a:buClr>
+                <a:schemeClr val="accent1"/>
+              </a:buClr>
+              <a:buFont typeface="Calibri" pitchFamily="34" charset="0"/>
+              <a:buChar char="◦"/>
+              <a:defRPr sz="1400" kern="1200">
+                <a:solidFill>
+                  <a:schemeClr val="tx1">
+                    <a:lumMod val="75000"/>
+                    <a:lumOff val="25000"/>
+                  </a:schemeClr>
+                </a:solidFill>
+                <a:latin typeface="+mn-lt"/>
+                <a:ea typeface="+mn-ea"/>
+                <a:cs typeface="+mn-cs"/>
+              </a:defRPr>
+            </a:lvl4pPr>
+            <a:lvl5pPr marL="932688" indent="-182880" algn="l" defTabSz="914400" rtl="0" eaLnBrk="1" latinLnBrk="0" hangingPunct="1">
+              <a:lnSpc>
+                <a:spcPct val="90000"/>
+              </a:lnSpc>
+              <a:spcBef>
+                <a:spcPts val="200"/>
+              </a:spcBef>
+              <a:spcAft>
+                <a:spcPts val="400"/>
+              </a:spcAft>
+              <a:buClr>
+                <a:schemeClr val="accent1"/>
+              </a:buClr>
+              <a:buFont typeface="Calibri" pitchFamily="34" charset="0"/>
+              <a:buChar char="◦"/>
+              <a:defRPr sz="1400" kern="1200">
+                <a:solidFill>
+                  <a:schemeClr val="tx1">
+                    <a:lumMod val="75000"/>
+                    <a:lumOff val="25000"/>
+                  </a:schemeClr>
+                </a:solidFill>
+                <a:latin typeface="+mn-lt"/>
+                <a:ea typeface="+mn-ea"/>
+                <a:cs typeface="+mn-cs"/>
+              </a:defRPr>
+            </a:lvl5pPr>
+            <a:lvl6pPr marL="1100000" indent="-228600" algn="l" defTabSz="914400" rtl="0" eaLnBrk="1" latinLnBrk="0" hangingPunct="1">
+              <a:lnSpc>
+                <a:spcPct val="90000"/>
+              </a:lnSpc>
+              <a:spcBef>
+                <a:spcPts val="200"/>
+              </a:spcBef>
+              <a:spcAft>
+                <a:spcPts val="400"/>
+              </a:spcAft>
+              <a:buClr>
+                <a:schemeClr val="accent1"/>
+              </a:buClr>
+              <a:buFont typeface="Calibri" pitchFamily="34" charset="0"/>
+              <a:buChar char="◦"/>
+              <a:defRPr sz="1400" kern="1200">
+                <a:solidFill>
+                  <a:schemeClr val="tx1">
+                    <a:lumMod val="75000"/>
+                    <a:lumOff val="25000"/>
+                  </a:schemeClr>
+                </a:solidFill>
+                <a:latin typeface="+mn-lt"/>
+                <a:ea typeface="+mn-ea"/>
+                <a:cs typeface="+mn-cs"/>
+              </a:defRPr>
+            </a:lvl6pPr>
+            <a:lvl7pPr marL="1300000" indent="-228600" algn="l" defTabSz="914400" rtl="0" eaLnBrk="1" latinLnBrk="0" hangingPunct="1">
+              <a:lnSpc>
+                <a:spcPct val="90000"/>
+              </a:lnSpc>
+              <a:spcBef>
+                <a:spcPts val="200"/>
+              </a:spcBef>
+              <a:spcAft>
+                <a:spcPts val="400"/>
+              </a:spcAft>
+              <a:buClr>
+                <a:schemeClr val="accent1"/>
+              </a:buClr>
+              <a:buFont typeface="Calibri" pitchFamily="34" charset="0"/>
+              <a:buChar char="◦"/>
+              <a:defRPr sz="1400" kern="1200">
+                <a:solidFill>
+                  <a:schemeClr val="tx1">
+                    <a:lumMod val="75000"/>
+                    <a:lumOff val="25000"/>
+                  </a:schemeClr>
+                </a:solidFill>
+                <a:latin typeface="+mn-lt"/>
+                <a:ea typeface="+mn-ea"/>
+                <a:cs typeface="+mn-cs"/>
+              </a:defRPr>
+            </a:lvl7pPr>
+            <a:lvl8pPr marL="1500000" indent="-228600" algn="l" defTabSz="914400" rtl="0" eaLnBrk="1" latinLnBrk="0" hangingPunct="1">
+              <a:lnSpc>
+                <a:spcPct val="90000"/>
+              </a:lnSpc>
+              <a:spcBef>
+                <a:spcPts val="200"/>
+              </a:spcBef>
+              <a:spcAft>
+                <a:spcPts val="400"/>
+              </a:spcAft>
+              <a:buClr>
+                <a:schemeClr val="accent1"/>
+              </a:buClr>
+              <a:buFont typeface="Calibri" pitchFamily="34" charset="0"/>
+              <a:buChar char="◦"/>
+              <a:defRPr sz="1400" kern="1200">
+                <a:solidFill>
+                  <a:schemeClr val="tx1">
+                    <a:lumMod val="75000"/>
+                    <a:lumOff val="25000"/>
+                  </a:schemeClr>
+                </a:solidFill>
+                <a:latin typeface="+mn-lt"/>
+                <a:ea typeface="+mn-ea"/>
+                <a:cs typeface="+mn-cs"/>
+              </a:defRPr>
+            </a:lvl8pPr>
+            <a:lvl9pPr marL="1700000" indent="-228600" algn="l" defTabSz="914400" rtl="0" eaLnBrk="1" latinLnBrk="0" hangingPunct="1">
+              <a:lnSpc>
+                <a:spcPct val="90000"/>
+              </a:lnSpc>
+              <a:spcBef>
+                <a:spcPts val="200"/>
+              </a:spcBef>
+              <a:spcAft>
+                <a:spcPts val="400"/>
+              </a:spcAft>
+              <a:buClr>
+                <a:schemeClr val="accent1"/>
+              </a:buClr>
+              <a:buFont typeface="Calibri" pitchFamily="34" charset="0"/>
+              <a:buChar char="◦"/>
+              <a:defRPr sz="1400" kern="1200">
+                <a:solidFill>
+                  <a:schemeClr val="tx1">
+                    <a:lumMod val="75000"/>
+                    <a:lumOff val="25000"/>
+                  </a:schemeClr>
+                </a:solidFill>
+                <a:latin typeface="+mn-lt"/>
+                <a:ea typeface="+mn-ea"/>
+                <a:cs typeface="+mn-cs"/>
+              </a:defRPr>
+            </a:lvl9pPr>
+          </a:lstStyle>
+          <a:p>
+            <a:r>
+              <a:rPr lang="pt-BR" dirty="0"/>
+              <a:t>Observe que temos similaridades nas assinaturas dos 3 Métodos, mas o Método </a:t>
+            </a:r>
+            <a:r>
+              <a:rPr lang="pt-BR" i="1" dirty="0"/>
+              <a:t>visualizar()</a:t>
+            </a:r>
+            <a:r>
+              <a:rPr lang="pt-BR" dirty="0"/>
+              <a:t> está implementado de maneiras diferentes. Eles exibem os Atributos da classe herdada e seus atributos particulares.</a:t>
+            </a:r>
+          </a:p>
+          <a:p>
+            <a:r>
+              <a:rPr lang="pt-BR" dirty="0"/>
+              <a:t>O para o Método </a:t>
+            </a:r>
+            <a:r>
+              <a:rPr lang="pt-BR" i="1" dirty="0"/>
+              <a:t>visualizar()</a:t>
+            </a:r>
+            <a:r>
+              <a:rPr lang="pt-BR" dirty="0"/>
+              <a:t> funcionarem outras Classes Terrestre e Automóvel </a:t>
+            </a:r>
+            <a:r>
+              <a:rPr lang="pt-BR" b="1" dirty="0"/>
+              <a:t>foi necessário sobrescrevê-lo </a:t>
+            </a:r>
+            <a:r>
+              <a:rPr lang="pt-BR" dirty="0"/>
+              <a:t>porque as Classes Terrestre e Automóvel </a:t>
+            </a:r>
+            <a:r>
+              <a:rPr lang="pt-BR" b="1" dirty="0"/>
+              <a:t>não possuem acesso direto </a:t>
+            </a:r>
+            <a:r>
+              <a:rPr lang="pt-BR" dirty="0"/>
+              <a:t>as variáveis de criação </a:t>
+            </a:r>
+            <a:r>
+              <a:rPr lang="pt-BR" b="1" dirty="0"/>
+              <a:t>privadas</a:t>
+            </a:r>
+            <a:r>
+              <a:rPr lang="pt-BR" dirty="0"/>
+              <a:t> da </a:t>
+            </a:r>
+            <a:r>
+              <a:rPr lang="pt-BR" dirty="0" err="1"/>
+              <a:t>SuperClasse</a:t>
+            </a:r>
+            <a:r>
+              <a:rPr lang="pt-BR" dirty="0"/>
+              <a:t>. </a:t>
+            </a:r>
+          </a:p>
+          <a:p>
+            <a:r>
+              <a:rPr lang="pt-BR" dirty="0"/>
+              <a:t>Esse método não pode acessar ou alterar a variável diretamente. Uma alternativa é utilizar o Método </a:t>
+            </a:r>
+            <a:r>
+              <a:rPr lang="pt-BR" i="1" dirty="0"/>
+              <a:t>super.visualizar()</a:t>
+            </a:r>
+            <a:r>
+              <a:rPr lang="pt-BR" dirty="0"/>
+              <a:t> para receber os Atributos das Classes Herdadas.</a:t>
+            </a:r>
+          </a:p>
+        </p:txBody>
+      </p:sp>
+    </p:spTree>
+    <p:extLst>
+      <p:ext uri="{BB962C8B-B14F-4D97-AF65-F5344CB8AC3E}">
+        <p14:creationId xmlns:p14="http://schemas.microsoft.com/office/powerpoint/2010/main" val="545336921"/>
+      </p:ext>
+    </p:extLst>
+  </p:cSld>
+  <p:clrMapOvr>
+    <a:masterClrMapping/>
+  </p:clrMapOvr>
+</p:sld>
+</file>
+
+<file path=ppt/slides/slide34.xml><?xml version="1.0" encoding="utf-8"?>
+<p:sld xmlns:a="http://schemas.openxmlformats.org/drawingml/2006/main" xmlns:r="http://schemas.openxmlformats.org/officeDocument/2006/relationships" xmlns:p="http://schemas.openxmlformats.org/presentationml/2006/main">
+  <p:cSld>
+    <p:spTree>
+      <p:nvGrpSpPr>
+        <p:cNvPr id="1" name=""/>
+        <p:cNvGrpSpPr/>
+        <p:nvPr/>
+      </p:nvGrpSpPr>
+      <p:grpSpPr>
+        <a:xfrm>
+          <a:off x="0" y="0"/>
+          <a:ext cx="0" cy="0"/>
+          <a:chOff x="0" y="0"/>
+          <a:chExt cx="0" cy="0"/>
+        </a:xfrm>
+      </p:grpSpPr>
+      <p:sp>
+        <p:nvSpPr>
+          <p:cNvPr id="4" name="Título 1">
+            <a:extLst>
+              <a:ext uri="{FF2B5EF4-FFF2-40B4-BE49-F238E27FC236}">
+                <a16:creationId xmlns:a16="http://schemas.microsoft.com/office/drawing/2014/main" id="{6C39060B-FEF0-6AA5-65E9-39A732572625}"/>
+              </a:ext>
+            </a:extLst>
+          </p:cNvPr>
+          <p:cNvSpPr>
+            <a:spLocks noGrp="1"/>
+          </p:cNvSpPr>
+          <p:nvPr>
+            <p:ph type="title"/>
+          </p:nvPr>
+        </p:nvSpPr>
+        <p:spPr>
+          <a:xfrm>
+            <a:off x="1096963" y="287338"/>
+            <a:ext cx="10058400" cy="1449387"/>
+          </a:xfrm>
+        </p:spPr>
+        <p:txBody>
+          <a:bodyPr/>
+          <a:lstStyle/>
+          <a:p>
+            <a:r>
+              <a:rPr lang="pt-BR" dirty="0"/>
+              <a:t>POLIMORFISMO</a:t>
+            </a:r>
+            <a:endParaRPr lang="pt-BR" sz="2400" dirty="0"/>
+          </a:p>
+        </p:txBody>
+      </p:sp>
+      <p:sp>
+        <p:nvSpPr>
+          <p:cNvPr id="31" name="Espaço Reservado para Conteúdo 2">
+            <a:extLst>
+              <a:ext uri="{FF2B5EF4-FFF2-40B4-BE49-F238E27FC236}">
+                <a16:creationId xmlns:a16="http://schemas.microsoft.com/office/drawing/2014/main" id="{D2061234-52CD-FFAB-42EF-8F3150325C73}"/>
+              </a:ext>
+            </a:extLst>
+          </p:cNvPr>
+          <p:cNvSpPr txBox="1">
+            <a:spLocks/>
+          </p:cNvSpPr>
+          <p:nvPr/>
+        </p:nvSpPr>
+        <p:spPr>
+          <a:xfrm>
+            <a:off x="1097279" y="1845734"/>
+            <a:ext cx="10058084" cy="4023360"/>
+          </a:xfrm>
+          <a:prstGeom prst="rect">
+            <a:avLst/>
+          </a:prstGeom>
+        </p:spPr>
+        <p:txBody>
+          <a:bodyPr vert="horz" lIns="0" tIns="45720" rIns="0" bIns="45720" rtlCol="0">
+            <a:noAutofit/>
+          </a:bodyPr>
+          <a:lstStyle>
+            <a:lvl1pPr marL="91440" indent="-91440" algn="l" defTabSz="914400" rtl="0" eaLnBrk="1" latinLnBrk="0" hangingPunct="1">
+              <a:lnSpc>
+                <a:spcPct val="90000"/>
+              </a:lnSpc>
+              <a:spcBef>
+                <a:spcPts val="1200"/>
+              </a:spcBef>
+              <a:spcAft>
+                <a:spcPts val="200"/>
+              </a:spcAft>
+              <a:buClr>
+                <a:schemeClr val="accent1"/>
+              </a:buClr>
+              <a:buSzPct val="100000"/>
+              <a:buFont typeface="Calibri" panose="020F0502020204030204" pitchFamily="34" charset="0"/>
+              <a:buChar char=" "/>
+              <a:defRPr sz="2000" kern="1200">
+                <a:solidFill>
+                  <a:schemeClr val="tx1">
+                    <a:lumMod val="75000"/>
+                    <a:lumOff val="25000"/>
+                  </a:schemeClr>
+                </a:solidFill>
+                <a:latin typeface="+mn-lt"/>
+                <a:ea typeface="+mn-ea"/>
+                <a:cs typeface="+mn-cs"/>
+              </a:defRPr>
+            </a:lvl1pPr>
+            <a:lvl2pPr marL="384048" indent="-182880" algn="l" defTabSz="914400" rtl="0" eaLnBrk="1" latinLnBrk="0" hangingPunct="1">
+              <a:lnSpc>
+                <a:spcPct val="90000"/>
+              </a:lnSpc>
+              <a:spcBef>
+                <a:spcPts val="200"/>
+              </a:spcBef>
+              <a:spcAft>
+                <a:spcPts val="400"/>
+              </a:spcAft>
+              <a:buClr>
+                <a:schemeClr val="accent1"/>
+              </a:buClr>
+              <a:buFont typeface="Calibri" pitchFamily="34" charset="0"/>
+              <a:buChar char="◦"/>
+              <a:defRPr sz="1800" kern="1200">
+                <a:solidFill>
+                  <a:schemeClr val="tx1">
+                    <a:lumMod val="75000"/>
+                    <a:lumOff val="25000"/>
+                  </a:schemeClr>
+                </a:solidFill>
+                <a:latin typeface="+mn-lt"/>
+                <a:ea typeface="+mn-ea"/>
+                <a:cs typeface="+mn-cs"/>
+              </a:defRPr>
+            </a:lvl2pPr>
+            <a:lvl3pPr marL="566928" indent="-182880" algn="l" defTabSz="914400" rtl="0" eaLnBrk="1" latinLnBrk="0" hangingPunct="1">
+              <a:lnSpc>
+                <a:spcPct val="90000"/>
+              </a:lnSpc>
+              <a:spcBef>
+                <a:spcPts val="200"/>
+              </a:spcBef>
+              <a:spcAft>
+                <a:spcPts val="400"/>
+              </a:spcAft>
+              <a:buClr>
+                <a:schemeClr val="accent1"/>
+              </a:buClr>
+              <a:buFont typeface="Calibri" pitchFamily="34" charset="0"/>
+              <a:buChar char="◦"/>
+              <a:defRPr sz="1400" kern="1200">
+                <a:solidFill>
+                  <a:schemeClr val="tx1">
+                    <a:lumMod val="75000"/>
+                    <a:lumOff val="25000"/>
+                  </a:schemeClr>
+                </a:solidFill>
+                <a:latin typeface="+mn-lt"/>
+                <a:ea typeface="+mn-ea"/>
+                <a:cs typeface="+mn-cs"/>
+              </a:defRPr>
+            </a:lvl3pPr>
+            <a:lvl4pPr marL="749808" indent="-182880" algn="l" defTabSz="914400" rtl="0" eaLnBrk="1" latinLnBrk="0" hangingPunct="1">
+              <a:lnSpc>
+                <a:spcPct val="90000"/>
+              </a:lnSpc>
+              <a:spcBef>
+                <a:spcPts val="200"/>
+              </a:spcBef>
+              <a:spcAft>
+                <a:spcPts val="400"/>
+              </a:spcAft>
+              <a:buClr>
+                <a:schemeClr val="accent1"/>
+              </a:buClr>
+              <a:buFont typeface="Calibri" pitchFamily="34" charset="0"/>
+              <a:buChar char="◦"/>
+              <a:defRPr sz="1400" kern="1200">
+                <a:solidFill>
+                  <a:schemeClr val="tx1">
+                    <a:lumMod val="75000"/>
+                    <a:lumOff val="25000"/>
+                  </a:schemeClr>
+                </a:solidFill>
+                <a:latin typeface="+mn-lt"/>
+                <a:ea typeface="+mn-ea"/>
+                <a:cs typeface="+mn-cs"/>
+              </a:defRPr>
+            </a:lvl4pPr>
+            <a:lvl5pPr marL="932688" indent="-182880" algn="l" defTabSz="914400" rtl="0" eaLnBrk="1" latinLnBrk="0" hangingPunct="1">
+              <a:lnSpc>
+                <a:spcPct val="90000"/>
+              </a:lnSpc>
+              <a:spcBef>
+                <a:spcPts val="200"/>
+              </a:spcBef>
+              <a:spcAft>
+                <a:spcPts val="400"/>
+              </a:spcAft>
+              <a:buClr>
+                <a:schemeClr val="accent1"/>
+              </a:buClr>
+              <a:buFont typeface="Calibri" pitchFamily="34" charset="0"/>
+              <a:buChar char="◦"/>
+              <a:defRPr sz="1400" kern="1200">
+                <a:solidFill>
+                  <a:schemeClr val="tx1">
+                    <a:lumMod val="75000"/>
+                    <a:lumOff val="25000"/>
+                  </a:schemeClr>
+                </a:solidFill>
+                <a:latin typeface="+mn-lt"/>
+                <a:ea typeface="+mn-ea"/>
+                <a:cs typeface="+mn-cs"/>
+              </a:defRPr>
+            </a:lvl5pPr>
+            <a:lvl6pPr marL="1100000" indent="-228600" algn="l" defTabSz="914400" rtl="0" eaLnBrk="1" latinLnBrk="0" hangingPunct="1">
+              <a:lnSpc>
+                <a:spcPct val="90000"/>
+              </a:lnSpc>
+              <a:spcBef>
+                <a:spcPts val="200"/>
+              </a:spcBef>
+              <a:spcAft>
+                <a:spcPts val="400"/>
+              </a:spcAft>
+              <a:buClr>
+                <a:schemeClr val="accent1"/>
+              </a:buClr>
+              <a:buFont typeface="Calibri" pitchFamily="34" charset="0"/>
+              <a:buChar char="◦"/>
+              <a:defRPr sz="1400" kern="1200">
+                <a:solidFill>
+                  <a:schemeClr val="tx1">
+                    <a:lumMod val="75000"/>
+                    <a:lumOff val="25000"/>
+                  </a:schemeClr>
+                </a:solidFill>
+                <a:latin typeface="+mn-lt"/>
+                <a:ea typeface="+mn-ea"/>
+                <a:cs typeface="+mn-cs"/>
+              </a:defRPr>
+            </a:lvl6pPr>
+            <a:lvl7pPr marL="1300000" indent="-228600" algn="l" defTabSz="914400" rtl="0" eaLnBrk="1" latinLnBrk="0" hangingPunct="1">
+              <a:lnSpc>
+                <a:spcPct val="90000"/>
+              </a:lnSpc>
+              <a:spcBef>
+                <a:spcPts val="200"/>
+              </a:spcBef>
+              <a:spcAft>
+                <a:spcPts val="400"/>
+              </a:spcAft>
+              <a:buClr>
+                <a:schemeClr val="accent1"/>
+              </a:buClr>
+              <a:buFont typeface="Calibri" pitchFamily="34" charset="0"/>
+              <a:buChar char="◦"/>
+              <a:defRPr sz="1400" kern="1200">
+                <a:solidFill>
+                  <a:schemeClr val="tx1">
+                    <a:lumMod val="75000"/>
+                    <a:lumOff val="25000"/>
+                  </a:schemeClr>
+                </a:solidFill>
+                <a:latin typeface="+mn-lt"/>
+                <a:ea typeface="+mn-ea"/>
+                <a:cs typeface="+mn-cs"/>
+              </a:defRPr>
+            </a:lvl7pPr>
+            <a:lvl8pPr marL="1500000" indent="-228600" algn="l" defTabSz="914400" rtl="0" eaLnBrk="1" latinLnBrk="0" hangingPunct="1">
+              <a:lnSpc>
+                <a:spcPct val="90000"/>
+              </a:lnSpc>
+              <a:spcBef>
+                <a:spcPts val="200"/>
+              </a:spcBef>
+              <a:spcAft>
+                <a:spcPts val="400"/>
+              </a:spcAft>
+              <a:buClr>
+                <a:schemeClr val="accent1"/>
+              </a:buClr>
+              <a:buFont typeface="Calibri" pitchFamily="34" charset="0"/>
+              <a:buChar char="◦"/>
+              <a:defRPr sz="1400" kern="1200">
+                <a:solidFill>
+                  <a:schemeClr val="tx1">
+                    <a:lumMod val="75000"/>
+                    <a:lumOff val="25000"/>
+                  </a:schemeClr>
+                </a:solidFill>
+                <a:latin typeface="+mn-lt"/>
+                <a:ea typeface="+mn-ea"/>
+                <a:cs typeface="+mn-cs"/>
+              </a:defRPr>
+            </a:lvl8pPr>
+            <a:lvl9pPr marL="1700000" indent="-228600" algn="l" defTabSz="914400" rtl="0" eaLnBrk="1" latinLnBrk="0" hangingPunct="1">
+              <a:lnSpc>
+                <a:spcPct val="90000"/>
+              </a:lnSpc>
+              <a:spcBef>
+                <a:spcPts val="200"/>
+              </a:spcBef>
+              <a:spcAft>
+                <a:spcPts val="400"/>
+              </a:spcAft>
+              <a:buClr>
+                <a:schemeClr val="accent1"/>
+              </a:buClr>
+              <a:buFont typeface="Calibri" pitchFamily="34" charset="0"/>
+              <a:buChar char="◦"/>
+              <a:defRPr sz="1400" kern="1200">
+                <a:solidFill>
+                  <a:schemeClr val="tx1">
+                    <a:lumMod val="75000"/>
+                    <a:lumOff val="25000"/>
+                  </a:schemeClr>
+                </a:solidFill>
+                <a:latin typeface="+mn-lt"/>
+                <a:ea typeface="+mn-ea"/>
+                <a:cs typeface="+mn-cs"/>
+              </a:defRPr>
+            </a:lvl9pPr>
+          </a:lstStyle>
+          <a:p>
+            <a:r>
+              <a:rPr lang="pt-BR" b="1" dirty="0"/>
+              <a:t>Importante</a:t>
+            </a:r>
+            <a:r>
+              <a:rPr lang="pt-BR" dirty="0"/>
+              <a:t>: um método redefinido em uma </a:t>
+            </a:r>
+            <a:r>
+              <a:rPr lang="pt-BR" dirty="0" err="1"/>
+              <a:t>SubClasse</a:t>
+            </a:r>
+            <a:r>
+              <a:rPr lang="pt-BR" dirty="0"/>
+              <a:t> (B) com os mesmo </a:t>
+            </a:r>
+            <a:r>
+              <a:rPr lang="pt-BR" i="1" dirty="0"/>
+              <a:t>nome </a:t>
+            </a:r>
+            <a:r>
+              <a:rPr lang="pt-BR" dirty="0"/>
+              <a:t>e </a:t>
+            </a:r>
+            <a:r>
+              <a:rPr lang="pt-BR" i="1" dirty="0"/>
+              <a:t>parâmetro</a:t>
+            </a:r>
+            <a:r>
+              <a:rPr lang="pt-BR" dirty="0"/>
+              <a:t> do método da classe antecessora (A) automaticamente oculta o método da classe ancestral a partir da subclasse.</a:t>
+            </a:r>
+          </a:p>
+          <a:p>
+            <a:endParaRPr lang="pt-BR" dirty="0"/>
+          </a:p>
+          <a:p>
+            <a:endParaRPr lang="pt-BR" dirty="0"/>
+          </a:p>
+          <a:p>
+            <a:endParaRPr lang="pt-BR" dirty="0"/>
+          </a:p>
+          <a:p>
+            <a:endParaRPr lang="pt-BR" dirty="0"/>
+          </a:p>
+          <a:p>
+            <a:r>
+              <a:rPr lang="pt-BR" dirty="0"/>
+              <a:t>O </a:t>
+            </a:r>
+            <a:r>
+              <a:rPr lang="pt-BR" i="1" dirty="0"/>
+              <a:t>metodo1()</a:t>
+            </a:r>
+            <a:r>
+              <a:rPr lang="pt-BR" dirty="0"/>
+              <a:t> da </a:t>
+            </a:r>
+            <a:r>
+              <a:rPr lang="pt-BR" dirty="0" err="1"/>
+              <a:t>SuperClasse</a:t>
+            </a:r>
+            <a:r>
+              <a:rPr lang="pt-BR" dirty="0"/>
+              <a:t> A está presente na </a:t>
+            </a:r>
+            <a:r>
+              <a:rPr lang="pt-BR" dirty="0" err="1"/>
+              <a:t>SubClasse</a:t>
+            </a:r>
+            <a:r>
+              <a:rPr lang="pt-BR" dirty="0"/>
+              <a:t> B, mas ele sofreu alteração. Com isso, o método configurado na </a:t>
+            </a:r>
+            <a:r>
+              <a:rPr lang="pt-BR" dirty="0" err="1"/>
+              <a:t>SubClasse</a:t>
+            </a:r>
+            <a:r>
+              <a:rPr lang="pt-BR" dirty="0"/>
+              <a:t> B oculta o método da </a:t>
+            </a:r>
+            <a:r>
+              <a:rPr lang="pt-BR" dirty="0" err="1"/>
+              <a:t>SuperClasse</a:t>
+            </a:r>
+            <a:r>
+              <a:rPr lang="pt-BR" dirty="0"/>
+              <a:t> A.</a:t>
+            </a:r>
+            <a:endParaRPr lang="pt-BR" i="1" dirty="0"/>
+          </a:p>
+          <a:p>
+            <a:endParaRPr lang="pt-BR" i="1" dirty="0"/>
+          </a:p>
+        </p:txBody>
+      </p:sp>
+      <p:sp>
+        <p:nvSpPr>
+          <p:cNvPr id="2" name="Retângulo 1">
+            <a:extLst>
+              <a:ext uri="{FF2B5EF4-FFF2-40B4-BE49-F238E27FC236}">
+                <a16:creationId xmlns:a16="http://schemas.microsoft.com/office/drawing/2014/main" id="{2499ED3F-0EEA-9176-7531-EDBA1CCABFCD}"/>
+              </a:ext>
+            </a:extLst>
+          </p:cNvPr>
+          <p:cNvSpPr/>
+          <p:nvPr/>
+        </p:nvSpPr>
+        <p:spPr>
+          <a:xfrm>
+            <a:off x="1169956" y="3125894"/>
+            <a:ext cx="2596896" cy="1463040"/>
+          </a:xfrm>
+          <a:prstGeom prst="rect">
+            <a:avLst/>
+          </a:prstGeom>
+        </p:spPr>
+        <p:style>
+          <a:lnRef idx="2">
+            <a:schemeClr val="accent1">
+              <a:shade val="15000"/>
+            </a:schemeClr>
+          </a:lnRef>
+          <a:fillRef idx="1">
+            <a:schemeClr val="accent1"/>
+          </a:fillRef>
+          <a:effectRef idx="0">
+            <a:schemeClr val="accent1"/>
+          </a:effectRef>
+          <a:fontRef idx="minor">
+            <a:schemeClr val="lt1"/>
+          </a:fontRef>
+        </p:style>
+        <p:txBody>
+          <a:bodyPr rtlCol="0" anchor="ctr"/>
+          <a:lstStyle/>
+          <a:p>
+            <a:pPr algn="ctr"/>
+            <a:r>
+              <a:rPr lang="pt-BR" b="1" dirty="0">
+                <a:solidFill>
+                  <a:schemeClr val="tx1">
+                    <a:lumMod val="75000"/>
+                    <a:lumOff val="25000"/>
+                  </a:schemeClr>
+                </a:solidFill>
+              </a:rPr>
+              <a:t>CLASSE A</a:t>
+            </a:r>
+          </a:p>
+          <a:p>
+            <a:pPr algn="ctr"/>
+            <a:endParaRPr lang="pt-BR" b="1" dirty="0">
+              <a:solidFill>
+                <a:schemeClr val="tx1">
+                  <a:lumMod val="75000"/>
+                  <a:lumOff val="25000"/>
+                </a:schemeClr>
+              </a:solidFill>
+            </a:endParaRPr>
+          </a:p>
+          <a:p>
+            <a:r>
+              <a:rPr lang="pt-BR" dirty="0">
+                <a:solidFill>
+                  <a:schemeClr val="tx1">
+                    <a:lumMod val="75000"/>
+                    <a:lumOff val="25000"/>
+                  </a:schemeClr>
+                </a:solidFill>
+              </a:rPr>
+              <a:t>Método</a:t>
+            </a:r>
+            <a:r>
+              <a:rPr lang="pt-BR" b="1" dirty="0">
+                <a:solidFill>
+                  <a:schemeClr val="tx1">
+                    <a:lumMod val="75000"/>
+                    <a:lumOff val="25000"/>
+                  </a:schemeClr>
+                </a:solidFill>
+              </a:rPr>
+              <a:t>1</a:t>
+            </a:r>
+            <a:r>
+              <a:rPr lang="pt-BR" dirty="0">
+                <a:solidFill>
+                  <a:schemeClr val="tx1">
+                    <a:lumMod val="75000"/>
+                    <a:lumOff val="25000"/>
+                  </a:schemeClr>
+                </a:solidFill>
+              </a:rPr>
+              <a:t>(A, B, C){</a:t>
+            </a:r>
+          </a:p>
+          <a:p>
+            <a:r>
+              <a:rPr lang="pt-BR" dirty="0">
+                <a:solidFill>
+                  <a:schemeClr val="tx1">
+                    <a:lumMod val="75000"/>
+                    <a:lumOff val="25000"/>
+                  </a:schemeClr>
+                </a:solidFill>
+              </a:rPr>
+              <a:t> 	A, B, C</a:t>
+            </a:r>
+          </a:p>
+          <a:p>
+            <a:r>
+              <a:rPr lang="pt-BR" dirty="0">
+                <a:solidFill>
+                  <a:schemeClr val="tx1">
+                    <a:lumMod val="75000"/>
+                    <a:lumOff val="25000"/>
+                  </a:schemeClr>
+                </a:solidFill>
+              </a:rPr>
+              <a:t>}</a:t>
+            </a:r>
+          </a:p>
+        </p:txBody>
+      </p:sp>
+      <p:sp>
+        <p:nvSpPr>
+          <p:cNvPr id="5" name="Retângulo 4">
+            <a:extLst>
+              <a:ext uri="{FF2B5EF4-FFF2-40B4-BE49-F238E27FC236}">
+                <a16:creationId xmlns:a16="http://schemas.microsoft.com/office/drawing/2014/main" id="{092CAEBF-4531-632B-2BE5-F37D3A98292B}"/>
+              </a:ext>
+            </a:extLst>
+          </p:cNvPr>
+          <p:cNvSpPr/>
+          <p:nvPr/>
+        </p:nvSpPr>
+        <p:spPr>
+          <a:xfrm>
+            <a:off x="8558467" y="3125894"/>
+            <a:ext cx="2596896" cy="1463040"/>
+          </a:xfrm>
+          <a:prstGeom prst="rect">
+            <a:avLst/>
+          </a:prstGeom>
+        </p:spPr>
+        <p:style>
+          <a:lnRef idx="2">
+            <a:schemeClr val="accent1">
+              <a:shade val="15000"/>
+            </a:schemeClr>
+          </a:lnRef>
+          <a:fillRef idx="1">
+            <a:schemeClr val="accent1"/>
+          </a:fillRef>
+          <a:effectRef idx="0">
+            <a:schemeClr val="accent1"/>
+          </a:effectRef>
+          <a:fontRef idx="minor">
+            <a:schemeClr val="lt1"/>
+          </a:fontRef>
+        </p:style>
+        <p:txBody>
+          <a:bodyPr rtlCol="0" anchor="ctr"/>
+          <a:lstStyle/>
+          <a:p>
+            <a:pPr algn="ctr"/>
+            <a:r>
+              <a:rPr lang="pt-BR" b="1" dirty="0">
+                <a:solidFill>
+                  <a:schemeClr val="tx1">
+                    <a:lumMod val="75000"/>
+                    <a:lumOff val="25000"/>
+                  </a:schemeClr>
+                </a:solidFill>
+              </a:rPr>
+              <a:t>CLASSE B</a:t>
+            </a:r>
+          </a:p>
+          <a:p>
+            <a:pPr algn="ctr"/>
+            <a:endParaRPr lang="pt-BR" b="1" dirty="0">
+              <a:solidFill>
+                <a:schemeClr val="tx1">
+                  <a:lumMod val="75000"/>
+                  <a:lumOff val="25000"/>
+                </a:schemeClr>
+              </a:solidFill>
+            </a:endParaRPr>
+          </a:p>
+          <a:p>
+            <a:r>
+              <a:rPr lang="pt-BR" dirty="0">
+                <a:solidFill>
+                  <a:schemeClr val="tx1">
+                    <a:lumMod val="75000"/>
+                    <a:lumOff val="25000"/>
+                  </a:schemeClr>
+                </a:solidFill>
+              </a:rPr>
+              <a:t>Método</a:t>
+            </a:r>
+            <a:r>
+              <a:rPr lang="pt-BR" b="1" dirty="0">
+                <a:solidFill>
+                  <a:schemeClr val="tx1">
+                    <a:lumMod val="75000"/>
+                    <a:lumOff val="25000"/>
+                  </a:schemeClr>
+                </a:solidFill>
+              </a:rPr>
+              <a:t>1</a:t>
+            </a:r>
+            <a:r>
+              <a:rPr lang="pt-BR" dirty="0">
+                <a:solidFill>
+                  <a:schemeClr val="tx1">
+                    <a:lumMod val="75000"/>
+                    <a:lumOff val="25000"/>
+                  </a:schemeClr>
+                </a:solidFill>
+              </a:rPr>
+              <a:t>(A, B, C, </a:t>
+            </a:r>
+            <a:r>
+              <a:rPr lang="pt-BR" dirty="0">
+                <a:solidFill>
+                  <a:srgbClr val="FF0000"/>
+                </a:solidFill>
+              </a:rPr>
+              <a:t>D</a:t>
+            </a:r>
+            <a:r>
+              <a:rPr lang="pt-BR" dirty="0">
+                <a:solidFill>
+                  <a:schemeClr val="tx1">
+                    <a:lumMod val="75000"/>
+                    <a:lumOff val="25000"/>
+                  </a:schemeClr>
+                </a:solidFill>
+              </a:rPr>
+              <a:t>){</a:t>
+            </a:r>
+          </a:p>
+          <a:p>
+            <a:r>
+              <a:rPr lang="pt-BR" dirty="0">
+                <a:solidFill>
+                  <a:schemeClr val="tx1">
+                    <a:lumMod val="75000"/>
+                    <a:lumOff val="25000"/>
+                  </a:schemeClr>
+                </a:solidFill>
+              </a:rPr>
+              <a:t> 	A, B, C, </a:t>
+            </a:r>
+            <a:r>
+              <a:rPr lang="pt-BR" dirty="0">
+                <a:solidFill>
+                  <a:srgbClr val="FF0000"/>
+                </a:solidFill>
+              </a:rPr>
+              <a:t>D</a:t>
+            </a:r>
+            <a:endParaRPr lang="pt-BR" dirty="0">
+              <a:solidFill>
+                <a:schemeClr val="tx1">
+                  <a:lumMod val="75000"/>
+                  <a:lumOff val="25000"/>
+                </a:schemeClr>
+              </a:solidFill>
+            </a:endParaRPr>
+          </a:p>
+          <a:p>
+            <a:r>
+              <a:rPr lang="pt-BR" dirty="0">
+                <a:solidFill>
+                  <a:schemeClr val="tx1">
+                    <a:lumMod val="75000"/>
+                    <a:lumOff val="25000"/>
+                  </a:schemeClr>
+                </a:solidFill>
+              </a:rPr>
+              <a:t>}</a:t>
+            </a:r>
+          </a:p>
+        </p:txBody>
+      </p:sp>
+      <p:cxnSp>
+        <p:nvCxnSpPr>
+          <p:cNvPr id="7" name="Conector de Seta Reta 6">
+            <a:extLst>
+              <a:ext uri="{FF2B5EF4-FFF2-40B4-BE49-F238E27FC236}">
+                <a16:creationId xmlns:a16="http://schemas.microsoft.com/office/drawing/2014/main" id="{286A05C2-2466-B03E-4DEF-9C24EDD82A7E}"/>
+              </a:ext>
+            </a:extLst>
+          </p:cNvPr>
+          <p:cNvCxnSpPr>
+            <a:cxnSpLocks/>
+            <a:stCxn id="2" idx="3"/>
+            <a:endCxn id="5" idx="1"/>
+          </p:cNvCxnSpPr>
+          <p:nvPr/>
+        </p:nvCxnSpPr>
+        <p:spPr>
+          <a:xfrm>
+            <a:off x="3766852" y="3857414"/>
+            <a:ext cx="4791615" cy="0"/>
+          </a:xfrm>
+          <a:prstGeom prst="straightConnector1">
+            <a:avLst/>
+          </a:prstGeom>
+          <a:ln>
+            <a:tailEnd type="triangle"/>
+          </a:ln>
+        </p:spPr>
+        <p:style>
+          <a:lnRef idx="1">
+            <a:schemeClr val="dk1"/>
+          </a:lnRef>
+          <a:fillRef idx="0">
+            <a:schemeClr val="dk1"/>
+          </a:fillRef>
+          <a:effectRef idx="0">
+            <a:schemeClr val="dk1"/>
+          </a:effectRef>
+          <a:fontRef idx="minor">
+            <a:schemeClr val="tx1"/>
+          </a:fontRef>
+        </p:style>
+      </p:cxnSp>
+    </p:spTree>
+    <p:extLst>
+      <p:ext uri="{BB962C8B-B14F-4D97-AF65-F5344CB8AC3E}">
+        <p14:creationId xmlns:p14="http://schemas.microsoft.com/office/powerpoint/2010/main" val="3902633804"/>
+      </p:ext>
+    </p:extLst>
+  </p:cSld>
+  <p:clrMapOvr>
+    <a:masterClrMapping/>
+  </p:clrMapOvr>
+</p:sld>
+</file>
+
+<file path=ppt/slides/slide35.xml><?xml version="1.0" encoding="utf-8"?>
+<p:sld xmlns:a="http://schemas.openxmlformats.org/drawingml/2006/main" xmlns:r="http://schemas.openxmlformats.org/officeDocument/2006/relationships" xmlns:p="http://schemas.openxmlformats.org/presentationml/2006/main">
+  <p:cSld>
+    <p:spTree>
+      <p:nvGrpSpPr>
+        <p:cNvPr id="1" name=""/>
+        <p:cNvGrpSpPr/>
+        <p:nvPr/>
+      </p:nvGrpSpPr>
+      <p:grpSpPr>
+        <a:xfrm>
+          <a:off x="0" y="0"/>
+          <a:ext cx="0" cy="0"/>
+          <a:chOff x="0" y="0"/>
+          <a:chExt cx="0" cy="0"/>
+        </a:xfrm>
+      </p:grpSpPr>
+      <p:sp>
+        <p:nvSpPr>
+          <p:cNvPr id="2" name="Título 1">
+            <a:extLst>
+              <a:ext uri="{FF2B5EF4-FFF2-40B4-BE49-F238E27FC236}">
+                <a16:creationId xmlns:a16="http://schemas.microsoft.com/office/drawing/2014/main" id="{C918661C-2083-9C4D-73B7-20B768BAD7D9}"/>
+              </a:ext>
+            </a:extLst>
+          </p:cNvPr>
+          <p:cNvSpPr>
+            <a:spLocks noGrp="1"/>
+          </p:cNvSpPr>
+          <p:nvPr>
+            <p:ph type="title"/>
+          </p:nvPr>
+        </p:nvSpPr>
+        <p:spPr/>
+        <p:txBody>
+          <a:bodyPr/>
+          <a:lstStyle/>
+          <a:p>
+            <a:r>
+              <a:rPr lang="pt-BR" dirty="0"/>
+              <a:t>Sobreviveram?</a:t>
+            </a:r>
+          </a:p>
+        </p:txBody>
+      </p:sp>
+      <p:sp>
+        <p:nvSpPr>
+          <p:cNvPr id="3" name="Espaço Reservado para Conteúdo 2">
+            <a:extLst>
+              <a:ext uri="{FF2B5EF4-FFF2-40B4-BE49-F238E27FC236}">
+                <a16:creationId xmlns:a16="http://schemas.microsoft.com/office/drawing/2014/main" id="{AA97E504-545A-6B62-3668-64BBE4769FF6}"/>
+              </a:ext>
+            </a:extLst>
+          </p:cNvPr>
+          <p:cNvSpPr>
+            <a:spLocks noGrp="1"/>
+          </p:cNvSpPr>
+          <p:nvPr>
+            <p:ph idx="1"/>
+          </p:nvPr>
+        </p:nvSpPr>
+        <p:spPr/>
+        <p:txBody>
+          <a:bodyPr/>
+          <a:lstStyle/>
+          <a:p>
+            <a:pPr marL="0" indent="0">
+              <a:buNone/>
+            </a:pPr>
+            <a:r>
+              <a:rPr lang="pt-BR" dirty="0"/>
+              <a:t>  Atividade para hoje:</a:t>
+            </a:r>
+          </a:p>
+          <a:p>
+            <a:pPr marL="749808" lvl="1" indent="-457200">
+              <a:buFont typeface="+mj-lt"/>
+              <a:buAutoNum type="arabicPeriod"/>
+            </a:pPr>
+            <a:r>
+              <a:rPr lang="pt-BR" dirty="0"/>
+              <a:t>Buscar exemplos de como implementar a </a:t>
+            </a:r>
+            <a:r>
+              <a:rPr lang="pt-BR" b="1" dirty="0"/>
+              <a:t>Herança</a:t>
+            </a:r>
+            <a:r>
+              <a:rPr lang="pt-BR" dirty="0"/>
+              <a:t> em Java: Busque exemplos na internet e explique ao professor como esse exemplo funciona.</a:t>
+            </a:r>
+          </a:p>
+          <a:p>
+            <a:pPr marL="749808" lvl="1" indent="-457200">
+              <a:buFont typeface="+mj-lt"/>
+              <a:buAutoNum type="arabicPeriod"/>
+            </a:pPr>
+            <a:r>
+              <a:rPr lang="pt-BR" dirty="0"/>
+              <a:t>Fazer uma pesquisa sobre a anotação </a:t>
+            </a:r>
+            <a:r>
+              <a:rPr lang="pt-BR" b="1" dirty="0"/>
+              <a:t>@Override</a:t>
+            </a:r>
+            <a:r>
+              <a:rPr lang="pt-BR" dirty="0"/>
+              <a:t>: Busque o significado dessa anotação, e se o tempo permitir, procure sobre outras anotações (será importante você conhecer </a:t>
+            </a:r>
+            <a:r>
+              <a:rPr lang="pt-BR"/>
+              <a:t>outras anotações).</a:t>
+            </a:r>
+            <a:endParaRPr lang="pt-BR" dirty="0"/>
+          </a:p>
+        </p:txBody>
+      </p:sp>
+    </p:spTree>
+    <p:extLst>
+      <p:ext uri="{BB962C8B-B14F-4D97-AF65-F5344CB8AC3E}">
+        <p14:creationId xmlns:p14="http://schemas.microsoft.com/office/powerpoint/2010/main" val="1728503806"/>
+      </p:ext>
+    </p:extLst>
+  </p:cSld>
+  <p:clrMapOvr>
+    <a:masterClrMapping/>
+  </p:clrMapOvr>
+</p:sld>
+</file>
+
+<file path=ppt/slides/slide36.xml><?xml version="1.0" encoding="utf-8"?>
+<p:sld xmlns:a="http://schemas.openxmlformats.org/drawingml/2006/main" xmlns:r="http://schemas.openxmlformats.org/officeDocument/2006/relationships" xmlns:p="http://schemas.openxmlformats.org/presentationml/2006/main">
+  <p:cSld>
+    <p:spTree>
+      <p:nvGrpSpPr>
+        <p:cNvPr id="1" name=""/>
+        <p:cNvGrpSpPr/>
+        <p:nvPr/>
+      </p:nvGrpSpPr>
+      <p:grpSpPr>
+        <a:xfrm>
+          <a:off x="0" y="0"/>
+          <a:ext cx="0" cy="0"/>
+          <a:chOff x="0" y="0"/>
+          <a:chExt cx="0" cy="0"/>
+        </a:xfrm>
+      </p:grpSpPr>
+      <p:sp>
+        <p:nvSpPr>
           <p:cNvPr id="2" name="Título 1">
             <a:extLst>
               <a:ext uri="{FF2B5EF4-FFF2-40B4-BE49-F238E27FC236}">
@@ -16169,6 +19238,15 @@
               <a:rPr lang="pt-BR" dirty="0"/>
               <a:t>https://github.com/Leon4rdoalves/CookBook-Java/blob/main/10.md</a:t>
             </a:r>
+          </a:p>
+          <a:p>
+            <a:r>
+              <a:rPr lang="pt-BR" dirty="0"/>
+              <a:t>https://www.devmedia.com.br/sobrecarga-e-sobreposicao-de-metodos-em-orientacao-a-objetos/33066 </a:t>
+            </a:r>
+          </a:p>
+          <a:p>
+            <a:endParaRPr lang="pt-BR" dirty="0"/>
           </a:p>
         </p:txBody>
       </p:sp>
